--- a/Project Idea/CSE499AProjectIdea.pptx
+++ b/Project Idea/CSE499AProjectIdea.pptx
@@ -1,47 +1,54 @@
 
 <file path=ppt/presentation.xml><?xml version="1.0" encoding="utf-8"?>
-<p:presentation xmlns:a="http://schemas.openxmlformats.org/drawingml/2006/main" xmlns:r="http://schemas.openxmlformats.org/officeDocument/2006/relationships" xmlns:p="http://schemas.openxmlformats.org/presentationml/2006/main" strictFirstAndLastChars="0" embedTrueTypeFonts="1" saveSubsetFonts="1" autoCompressPictures="0">
+<p:presentation xmlns:a="http://schemas.openxmlformats.org/drawingml/2006/main" xmlns:r="http://schemas.openxmlformats.org/officeDocument/2006/relationships" xmlns:mc="http://schemas.openxmlformats.org/markup-compatibility/2006" xmlns:mv="urn:schemas-microsoft-com:mac:vml" xmlns:p="http://schemas.openxmlformats.org/presentationml/2006/main" xmlns:c="http://schemas.openxmlformats.org/drawingml/2006/chart" xmlns:dgm="http://schemas.openxmlformats.org/drawingml/2006/diagram" xmlns:o="urn:schemas-microsoft-com:office:office" xmlns:v="urn:schemas-microsoft-com:vml" xmlns:pvml="urn:schemas-microsoft-com:office:powerpoint" xmlns:com="http://schemas.openxmlformats.org/drawingml/2006/compatibility" xmlns:p14="http://schemas.microsoft.com/office/powerpoint/2010/main" xmlns:p15="http://schemas.microsoft.com/office/powerpoint/2012/main" xmlns:ahyp="http://schemas.microsoft.com/office/drawing/2018/hyperlinkcolor" autoCompressPictures="0" embedTrueTypeFonts="1" strictFirstAndLastChars="0" saveSubsetFonts="1">
   <p:sldMasterIdLst>
-    <p:sldMasterId id="2147483669" r:id="rId1"/>
+    <p:sldMasterId id="2147483648" r:id="rId3"/>
   </p:sldMasterIdLst>
   <p:notesMasterIdLst>
-    <p:notesMasterId r:id="rId8"/>
+    <p:notesMasterId r:id="rId4"/>
   </p:notesMasterIdLst>
   <p:sldIdLst>
-    <p:sldId id="256" r:id="rId2"/>
-    <p:sldId id="257" r:id="rId3"/>
-    <p:sldId id="297" r:id="rId4"/>
-    <p:sldId id="280" r:id="rId5"/>
-    <p:sldId id="258" r:id="rId6"/>
-    <p:sldId id="269" r:id="rId7"/>
+    <p:sldId id="256" r:id="rId5"/>
+    <p:sldId id="257" r:id="rId6"/>
+    <p:sldId id="258" r:id="rId7"/>
+    <p:sldId id="259" r:id="rId8"/>
+    <p:sldId id="260" r:id="rId9"/>
+    <p:sldId id="261" r:id="rId10"/>
   </p:sldIdLst>
-  <p:sldSz cx="9144000" cy="5143500" type="screen16x9"/>
+  <p:sldSz cy="5143500" cx="9144000"/>
   <p:notesSz cx="6858000" cy="9144000"/>
   <p:embeddedFontLst>
     <p:embeddedFont>
-      <p:font typeface="Advent Pro Light" panose="02000506040000020004" pitchFamily="2" charset="77"/>
-      <p:regular r:id="rId9"/>
-      <p:bold r:id="rId10"/>
-    </p:embeddedFont>
-    <p:embeddedFont>
-      <p:font typeface="Anton" pitchFamily="2" charset="77"/>
+      <p:font typeface="Anton"/>
       <p:regular r:id="rId11"/>
     </p:embeddedFont>
     <p:embeddedFont>
-      <p:font typeface="Fira Sans Condensed Light" panose="020F0302020204030204" pitchFamily="34" charset="0"/>
+      <p:font typeface="Fira Sans Condensed Light"/>
       <p:regular r:id="rId12"/>
       <p:bold r:id="rId13"/>
       <p:italic r:id="rId14"/>
       <p:boldItalic r:id="rId15"/>
     </p:embeddedFont>
     <p:embeddedFont>
-      <p:font typeface="Rajdhani" panose="02000000000000000000" pitchFamily="2" charset="77"/>
+      <p:font typeface="Fira Sans Condensed"/>
       <p:regular r:id="rId16"/>
       <p:bold r:id="rId17"/>
+      <p:italic r:id="rId18"/>
+      <p:boldItalic r:id="rId19"/>
+    </p:embeddedFont>
+    <p:embeddedFont>
+      <p:font typeface="Advent Pro Light"/>
+      <p:regular r:id="rId20"/>
+      <p:bold r:id="rId21"/>
+    </p:embeddedFont>
+    <p:embeddedFont>
+      <p:font typeface="Rajdhani"/>
+      <p:regular r:id="rId22"/>
+      <p:bold r:id="rId23"/>
     </p:embeddedFont>
   </p:embeddedFontLst>
   <p:defaultTextStyle>
-    <a:defPPr marR="0" lvl="0" algn="l" rtl="0">
+    <a:defPPr lvl="0" marR="0" rtl="0" algn="l">
       <a:lnSpc>
         <a:spcPct val="100000"/>
       </a:lnSpc>
@@ -52,7 +59,7 @@
         <a:spcPts val="0"/>
       </a:spcAft>
     </a:defPPr>
-    <a:lvl1pPr marR="0" lvl="0" algn="l" rtl="0">
+    <a:lvl1pPr lvl="0" marR="0" rtl="0" algn="l">
       <a:lnSpc>
         <a:spcPct val="100000"/>
       </a:lnSpc>
@@ -66,7 +73,7 @@
         <a:srgbClr val="000000"/>
       </a:buClr>
       <a:buFont typeface="Arial"/>
-      <a:defRPr sz="1400" b="0" i="0" u="none" strike="noStrike" cap="none">
+      <a:defRPr b="0" i="0" sz="1400" u="none" cap="none" strike="noStrike">
         <a:solidFill>
           <a:srgbClr val="000000"/>
         </a:solidFill>
@@ -76,7 +83,7 @@
         <a:sym typeface="Arial"/>
       </a:defRPr>
     </a:lvl1pPr>
-    <a:lvl2pPr marR="0" lvl="1" algn="l" rtl="0">
+    <a:lvl2pPr lvl="1" marR="0" rtl="0" algn="l">
       <a:lnSpc>
         <a:spcPct val="100000"/>
       </a:lnSpc>
@@ -90,7 +97,7 @@
         <a:srgbClr val="000000"/>
       </a:buClr>
       <a:buFont typeface="Arial"/>
-      <a:defRPr sz="1400" b="0" i="0" u="none" strike="noStrike" cap="none">
+      <a:defRPr b="0" i="0" sz="1400" u="none" cap="none" strike="noStrike">
         <a:solidFill>
           <a:srgbClr val="000000"/>
         </a:solidFill>
@@ -100,7 +107,7 @@
         <a:sym typeface="Arial"/>
       </a:defRPr>
     </a:lvl2pPr>
-    <a:lvl3pPr marR="0" lvl="2" algn="l" rtl="0">
+    <a:lvl3pPr lvl="2" marR="0" rtl="0" algn="l">
       <a:lnSpc>
         <a:spcPct val="100000"/>
       </a:lnSpc>
@@ -114,7 +121,7 @@
         <a:srgbClr val="000000"/>
       </a:buClr>
       <a:buFont typeface="Arial"/>
-      <a:defRPr sz="1400" b="0" i="0" u="none" strike="noStrike" cap="none">
+      <a:defRPr b="0" i="0" sz="1400" u="none" cap="none" strike="noStrike">
         <a:solidFill>
           <a:srgbClr val="000000"/>
         </a:solidFill>
@@ -124,7 +131,7 @@
         <a:sym typeface="Arial"/>
       </a:defRPr>
     </a:lvl3pPr>
-    <a:lvl4pPr marR="0" lvl="3" algn="l" rtl="0">
+    <a:lvl4pPr lvl="3" marR="0" rtl="0" algn="l">
       <a:lnSpc>
         <a:spcPct val="100000"/>
       </a:lnSpc>
@@ -138,7 +145,7 @@
         <a:srgbClr val="000000"/>
       </a:buClr>
       <a:buFont typeface="Arial"/>
-      <a:defRPr sz="1400" b="0" i="0" u="none" strike="noStrike" cap="none">
+      <a:defRPr b="0" i="0" sz="1400" u="none" cap="none" strike="noStrike">
         <a:solidFill>
           <a:srgbClr val="000000"/>
         </a:solidFill>
@@ -148,7 +155,7 @@
         <a:sym typeface="Arial"/>
       </a:defRPr>
     </a:lvl4pPr>
-    <a:lvl5pPr marR="0" lvl="4" algn="l" rtl="0">
+    <a:lvl5pPr lvl="4" marR="0" rtl="0" algn="l">
       <a:lnSpc>
         <a:spcPct val="100000"/>
       </a:lnSpc>
@@ -162,7 +169,7 @@
         <a:srgbClr val="000000"/>
       </a:buClr>
       <a:buFont typeface="Arial"/>
-      <a:defRPr sz="1400" b="0" i="0" u="none" strike="noStrike" cap="none">
+      <a:defRPr b="0" i="0" sz="1400" u="none" cap="none" strike="noStrike">
         <a:solidFill>
           <a:srgbClr val="000000"/>
         </a:solidFill>
@@ -172,7 +179,7 @@
         <a:sym typeface="Arial"/>
       </a:defRPr>
     </a:lvl5pPr>
-    <a:lvl6pPr marR="0" lvl="5" algn="l" rtl="0">
+    <a:lvl6pPr lvl="5" marR="0" rtl="0" algn="l">
       <a:lnSpc>
         <a:spcPct val="100000"/>
       </a:lnSpc>
@@ -186,7 +193,7 @@
         <a:srgbClr val="000000"/>
       </a:buClr>
       <a:buFont typeface="Arial"/>
-      <a:defRPr sz="1400" b="0" i="0" u="none" strike="noStrike" cap="none">
+      <a:defRPr b="0" i="0" sz="1400" u="none" cap="none" strike="noStrike">
         <a:solidFill>
           <a:srgbClr val="000000"/>
         </a:solidFill>
@@ -196,7 +203,7 @@
         <a:sym typeface="Arial"/>
       </a:defRPr>
     </a:lvl6pPr>
-    <a:lvl7pPr marR="0" lvl="6" algn="l" rtl="0">
+    <a:lvl7pPr lvl="6" marR="0" rtl="0" algn="l">
       <a:lnSpc>
         <a:spcPct val="100000"/>
       </a:lnSpc>
@@ -210,7 +217,7 @@
         <a:srgbClr val="000000"/>
       </a:buClr>
       <a:buFont typeface="Arial"/>
-      <a:defRPr sz="1400" b="0" i="0" u="none" strike="noStrike" cap="none">
+      <a:defRPr b="0" i="0" sz="1400" u="none" cap="none" strike="noStrike">
         <a:solidFill>
           <a:srgbClr val="000000"/>
         </a:solidFill>
@@ -220,7 +227,7 @@
         <a:sym typeface="Arial"/>
       </a:defRPr>
     </a:lvl7pPr>
-    <a:lvl8pPr marR="0" lvl="7" algn="l" rtl="0">
+    <a:lvl8pPr lvl="7" marR="0" rtl="0" algn="l">
       <a:lnSpc>
         <a:spcPct val="100000"/>
       </a:lnSpc>
@@ -234,7 +241,7 @@
         <a:srgbClr val="000000"/>
       </a:buClr>
       <a:buFont typeface="Arial"/>
-      <a:defRPr sz="1400" b="0" i="0" u="none" strike="noStrike" cap="none">
+      <a:defRPr b="0" i="0" sz="1400" u="none" cap="none" strike="noStrike">
         <a:solidFill>
           <a:srgbClr val="000000"/>
         </a:solidFill>
@@ -244,7 +251,7 @@
         <a:sym typeface="Arial"/>
       </a:defRPr>
     </a:lvl8pPr>
-    <a:lvl9pPr marR="0" lvl="8" algn="l" rtl="0">
+    <a:lvl9pPr lvl="8" marR="0" rtl="0" algn="l">
       <a:lnSpc>
         <a:spcPct val="100000"/>
       </a:lnSpc>
@@ -258,7 +265,7 @@
         <a:srgbClr val="000000"/>
       </a:buClr>
       <a:buFont typeface="Arial"/>
-      <a:defRPr sz="1400" b="0" i="0" u="none" strike="noStrike" cap="none">
+      <a:defRPr b="0" i="0" sz="1400" u="none" cap="none" strike="noStrike">
         <a:solidFill>
           <a:srgbClr val="000000"/>
         </a:solidFill>
@@ -270,24 +277,26 @@
     </a:lvl9pPr>
   </p:defaultTextStyle>
   <p:extLst>
-    <p:ext uri="{EFAFB233-063F-42B5-8137-9DF3F51BA10A}">
-      <p15:sldGuideLst xmlns:p15="http://schemas.microsoft.com/office/powerpoint/2012/main"/>
+    <p:ext uri="http://customooxmlschemas.google.com/">
+      <go:slidesCustomData xmlns:go="http://customooxmlschemas.google.com/" r:id="rId24" roundtripDataSignature="AMtx7miuzGh/IPg2mpxl3ESO9h1mOA7jig=="/>
     </p:ext>
   </p:extLst>
 </p:presentation>
 </file>
 
 <file path=ppt/notesMasters/notesMaster1.xml><?xml version="1.0" encoding="utf-8"?>
-<p:notesMaster xmlns:a="http://schemas.openxmlformats.org/drawingml/2006/main" xmlns:r="http://schemas.openxmlformats.org/officeDocument/2006/relationships" xmlns:p="http://schemas.openxmlformats.org/presentationml/2006/main">
+<p:notesMaster xmlns:a="http://schemas.openxmlformats.org/drawingml/2006/main" xmlns:r="http://schemas.openxmlformats.org/officeDocument/2006/relationships" xmlns:mc="http://schemas.openxmlformats.org/markup-compatibility/2006" xmlns:mv="urn:schemas-microsoft-com:mac:vml" xmlns:p="http://schemas.openxmlformats.org/presentationml/2006/main" xmlns:c="http://schemas.openxmlformats.org/drawingml/2006/chart" xmlns:dgm="http://schemas.openxmlformats.org/drawingml/2006/diagram" xmlns:o="urn:schemas-microsoft-com:office:office" xmlns:v="urn:schemas-microsoft-com:vml" xmlns:pvml="urn:schemas-microsoft-com:office:powerpoint" xmlns:com="http://schemas.openxmlformats.org/drawingml/2006/compatibility" xmlns:p14="http://schemas.microsoft.com/office/powerpoint/2010/main" xmlns:p15="http://schemas.microsoft.com/office/powerpoint/2012/main" xmlns:ahyp="http://schemas.microsoft.com/office/drawing/2018/hyperlinkcolor">
   <p:cSld>
     <p:bg>
-      <p:bgRef idx="1001">
-        <a:schemeClr val="bg1"/>
-      </p:bgRef>
+      <p:bgPr>
+        <a:solidFill>
+          <a:schemeClr val="lt1"/>
+        </a:solidFill>
+      </p:bgPr>
     </p:bg>
     <p:spTree>
       <p:nvGrpSpPr>
-        <p:cNvPr id="1" name="Shape 2"/>
+        <p:cNvPr id="2" name="Shape 2"/>
         <p:cNvGrpSpPr/>
         <p:nvPr/>
       </p:nvGrpSpPr>
@@ -302,11 +311,9 @@
       <p:sp>
         <p:nvSpPr>
           <p:cNvPr id="3" name="Google Shape;3;n"/>
-          <p:cNvSpPr>
-            <a:spLocks noGrp="1" noRot="1" noChangeAspect="1"/>
-          </p:cNvSpPr>
+          <p:cNvSpPr/>
           <p:nvPr>
-            <p:ph type="sldImg" idx="2"/>
+            <p:ph idx="2" type="sldImg"/>
           </p:nvPr>
         </p:nvSpPr>
         <p:spPr>
@@ -315,13 +322,9 @@
             <a:ext cx="6096075" cy="3429000"/>
           </a:xfrm>
           <a:custGeom>
-            <a:avLst/>
-            <a:gdLst/>
-            <a:ahLst/>
-            <a:cxnLst/>
-            <a:rect l="l" t="t" r="r" b="b"/>
+            <a:rect b="b" l="l" r="r" t="t"/>
             <a:pathLst>
-              <a:path w="120000" h="120000" extrusionOk="0">
+              <a:path extrusionOk="0" h="120000" w="120000">
                 <a:moveTo>
                   <a:pt x="0" y="0"/>
                 </a:moveTo>
@@ -339,25 +342,23 @@
             </a:pathLst>
           </a:custGeom>
           <a:noFill/>
-          <a:ln w="9525" cap="flat" cmpd="sng">
+          <a:ln cap="flat" cmpd="sng" w="9525">
             <a:solidFill>
               <a:srgbClr val="000000"/>
             </a:solidFill>
             <a:prstDash val="solid"/>
             <a:round/>
-            <a:headEnd type="none" w="sm" len="sm"/>
-            <a:tailEnd type="none" w="sm" len="sm"/>
+            <a:headEnd len="sm" w="sm" type="none"/>
+            <a:tailEnd len="sm" w="sm" type="none"/>
           </a:ln>
         </p:spPr>
       </p:sp>
       <p:sp>
         <p:nvSpPr>
           <p:cNvPr id="4" name="Google Shape;4;n"/>
-          <p:cNvSpPr txBox="1">
-            <a:spLocks noGrp="1"/>
-          </p:cNvSpPr>
+          <p:cNvSpPr txBox="1"/>
           <p:nvPr>
-            <p:ph type="body" idx="1"/>
+            <p:ph idx="1" type="body"/>
           </p:nvPr>
         </p:nvSpPr>
         <p:spPr>
@@ -374,120 +375,253 @@
           </a:ln>
         </p:spPr>
         <p:txBody>
-          <a:bodyPr spcFirstLastPara="1" wrap="square" lIns="91425" tIns="91425" rIns="91425" bIns="91425" anchor="t" anchorCtr="0">
+          <a:bodyPr anchorCtr="0" anchor="t" bIns="91425" lIns="91425" spcFirstLastPara="1" rIns="91425" wrap="square" tIns="91425">
             <a:noAutofit/>
           </a:bodyPr>
           <a:lstStyle>
-            <a:lvl1pPr marL="457200" lvl="0" indent="-298450">
-              <a:spcBef>
-                <a:spcPts val="0"/>
-              </a:spcBef>
-              <a:spcAft>
-                <a:spcPts val="0"/>
-              </a:spcAft>
+            <a:lvl1pPr indent="-298450" lvl="0" marL="457200" marR="0" rtl="0" algn="l">
+              <a:lnSpc>
+                <a:spcPct val="100000"/>
+              </a:lnSpc>
+              <a:spcBef>
+                <a:spcPts val="0"/>
+              </a:spcBef>
+              <a:spcAft>
+                <a:spcPts val="0"/>
+              </a:spcAft>
+              <a:buClr>
+                <a:srgbClr val="000000"/>
+              </a:buClr>
               <a:buSzPts val="1100"/>
+              <a:buFont typeface="Arial"/>
               <a:buChar char="●"/>
-              <a:defRPr sz="1100"/>
+              <a:defRPr b="0" i="0" sz="1100" u="none" cap="none" strike="noStrike">
+                <a:solidFill>
+                  <a:srgbClr val="000000"/>
+                </a:solidFill>
+                <a:latin typeface="Arial"/>
+                <a:ea typeface="Arial"/>
+                <a:cs typeface="Arial"/>
+                <a:sym typeface="Arial"/>
+              </a:defRPr>
             </a:lvl1pPr>
-            <a:lvl2pPr marL="914400" lvl="1" indent="-298450">
-              <a:spcBef>
-                <a:spcPts val="0"/>
-              </a:spcBef>
-              <a:spcAft>
-                <a:spcPts val="0"/>
-              </a:spcAft>
+            <a:lvl2pPr indent="-298450" lvl="1" marL="914400" marR="0" rtl="0" algn="l">
+              <a:lnSpc>
+                <a:spcPct val="100000"/>
+              </a:lnSpc>
+              <a:spcBef>
+                <a:spcPts val="0"/>
+              </a:spcBef>
+              <a:spcAft>
+                <a:spcPts val="0"/>
+              </a:spcAft>
+              <a:buClr>
+                <a:srgbClr val="000000"/>
+              </a:buClr>
               <a:buSzPts val="1100"/>
+              <a:buFont typeface="Arial"/>
               <a:buChar char="○"/>
-              <a:defRPr sz="1100"/>
+              <a:defRPr b="0" i="0" sz="1100" u="none" cap="none" strike="noStrike">
+                <a:solidFill>
+                  <a:srgbClr val="000000"/>
+                </a:solidFill>
+                <a:latin typeface="Arial"/>
+                <a:ea typeface="Arial"/>
+                <a:cs typeface="Arial"/>
+                <a:sym typeface="Arial"/>
+              </a:defRPr>
             </a:lvl2pPr>
-            <a:lvl3pPr marL="1371600" lvl="2" indent="-298450">
-              <a:spcBef>
-                <a:spcPts val="0"/>
-              </a:spcBef>
-              <a:spcAft>
-                <a:spcPts val="0"/>
-              </a:spcAft>
+            <a:lvl3pPr indent="-298450" lvl="2" marL="1371600" marR="0" rtl="0" algn="l">
+              <a:lnSpc>
+                <a:spcPct val="100000"/>
+              </a:lnSpc>
+              <a:spcBef>
+                <a:spcPts val="0"/>
+              </a:spcBef>
+              <a:spcAft>
+                <a:spcPts val="0"/>
+              </a:spcAft>
+              <a:buClr>
+                <a:srgbClr val="000000"/>
+              </a:buClr>
               <a:buSzPts val="1100"/>
+              <a:buFont typeface="Arial"/>
               <a:buChar char="■"/>
-              <a:defRPr sz="1100"/>
+              <a:defRPr b="0" i="0" sz="1100" u="none" cap="none" strike="noStrike">
+                <a:solidFill>
+                  <a:srgbClr val="000000"/>
+                </a:solidFill>
+                <a:latin typeface="Arial"/>
+                <a:ea typeface="Arial"/>
+                <a:cs typeface="Arial"/>
+                <a:sym typeface="Arial"/>
+              </a:defRPr>
             </a:lvl3pPr>
-            <a:lvl4pPr marL="1828800" lvl="3" indent="-298450">
-              <a:spcBef>
-                <a:spcPts val="0"/>
-              </a:spcBef>
-              <a:spcAft>
-                <a:spcPts val="0"/>
-              </a:spcAft>
+            <a:lvl4pPr indent="-298450" lvl="3" marL="1828800" marR="0" rtl="0" algn="l">
+              <a:lnSpc>
+                <a:spcPct val="100000"/>
+              </a:lnSpc>
+              <a:spcBef>
+                <a:spcPts val="0"/>
+              </a:spcBef>
+              <a:spcAft>
+                <a:spcPts val="0"/>
+              </a:spcAft>
+              <a:buClr>
+                <a:srgbClr val="000000"/>
+              </a:buClr>
               <a:buSzPts val="1100"/>
+              <a:buFont typeface="Arial"/>
               <a:buChar char="●"/>
-              <a:defRPr sz="1100"/>
+              <a:defRPr b="0" i="0" sz="1100" u="none" cap="none" strike="noStrike">
+                <a:solidFill>
+                  <a:srgbClr val="000000"/>
+                </a:solidFill>
+                <a:latin typeface="Arial"/>
+                <a:ea typeface="Arial"/>
+                <a:cs typeface="Arial"/>
+                <a:sym typeface="Arial"/>
+              </a:defRPr>
             </a:lvl4pPr>
-            <a:lvl5pPr marL="2286000" lvl="4" indent="-298450">
-              <a:spcBef>
-                <a:spcPts val="0"/>
-              </a:spcBef>
-              <a:spcAft>
-                <a:spcPts val="0"/>
-              </a:spcAft>
+            <a:lvl5pPr indent="-298450" lvl="4" marL="2286000" marR="0" rtl="0" algn="l">
+              <a:lnSpc>
+                <a:spcPct val="100000"/>
+              </a:lnSpc>
+              <a:spcBef>
+                <a:spcPts val="0"/>
+              </a:spcBef>
+              <a:spcAft>
+                <a:spcPts val="0"/>
+              </a:spcAft>
+              <a:buClr>
+                <a:srgbClr val="000000"/>
+              </a:buClr>
               <a:buSzPts val="1100"/>
+              <a:buFont typeface="Arial"/>
               <a:buChar char="○"/>
-              <a:defRPr sz="1100"/>
+              <a:defRPr b="0" i="0" sz="1100" u="none" cap="none" strike="noStrike">
+                <a:solidFill>
+                  <a:srgbClr val="000000"/>
+                </a:solidFill>
+                <a:latin typeface="Arial"/>
+                <a:ea typeface="Arial"/>
+                <a:cs typeface="Arial"/>
+                <a:sym typeface="Arial"/>
+              </a:defRPr>
             </a:lvl5pPr>
-            <a:lvl6pPr marL="2743200" lvl="5" indent="-298450">
-              <a:spcBef>
-                <a:spcPts val="0"/>
-              </a:spcBef>
-              <a:spcAft>
-                <a:spcPts val="0"/>
-              </a:spcAft>
+            <a:lvl6pPr indent="-298450" lvl="5" marL="2743200" marR="0" rtl="0" algn="l">
+              <a:lnSpc>
+                <a:spcPct val="100000"/>
+              </a:lnSpc>
+              <a:spcBef>
+                <a:spcPts val="0"/>
+              </a:spcBef>
+              <a:spcAft>
+                <a:spcPts val="0"/>
+              </a:spcAft>
+              <a:buClr>
+                <a:srgbClr val="000000"/>
+              </a:buClr>
               <a:buSzPts val="1100"/>
+              <a:buFont typeface="Arial"/>
               <a:buChar char="■"/>
-              <a:defRPr sz="1100"/>
+              <a:defRPr b="0" i="0" sz="1100" u="none" cap="none" strike="noStrike">
+                <a:solidFill>
+                  <a:srgbClr val="000000"/>
+                </a:solidFill>
+                <a:latin typeface="Arial"/>
+                <a:ea typeface="Arial"/>
+                <a:cs typeface="Arial"/>
+                <a:sym typeface="Arial"/>
+              </a:defRPr>
             </a:lvl6pPr>
-            <a:lvl7pPr marL="3200400" lvl="6" indent="-298450">
-              <a:spcBef>
-                <a:spcPts val="0"/>
-              </a:spcBef>
-              <a:spcAft>
-                <a:spcPts val="0"/>
-              </a:spcAft>
+            <a:lvl7pPr indent="-298450" lvl="6" marL="3200400" marR="0" rtl="0" algn="l">
+              <a:lnSpc>
+                <a:spcPct val="100000"/>
+              </a:lnSpc>
+              <a:spcBef>
+                <a:spcPts val="0"/>
+              </a:spcBef>
+              <a:spcAft>
+                <a:spcPts val="0"/>
+              </a:spcAft>
+              <a:buClr>
+                <a:srgbClr val="000000"/>
+              </a:buClr>
               <a:buSzPts val="1100"/>
+              <a:buFont typeface="Arial"/>
               <a:buChar char="●"/>
-              <a:defRPr sz="1100"/>
+              <a:defRPr b="0" i="0" sz="1100" u="none" cap="none" strike="noStrike">
+                <a:solidFill>
+                  <a:srgbClr val="000000"/>
+                </a:solidFill>
+                <a:latin typeface="Arial"/>
+                <a:ea typeface="Arial"/>
+                <a:cs typeface="Arial"/>
+                <a:sym typeface="Arial"/>
+              </a:defRPr>
             </a:lvl7pPr>
-            <a:lvl8pPr marL="3657600" lvl="7" indent="-298450">
-              <a:spcBef>
-                <a:spcPts val="0"/>
-              </a:spcBef>
-              <a:spcAft>
-                <a:spcPts val="0"/>
-              </a:spcAft>
+            <a:lvl8pPr indent="-298450" lvl="7" marL="3657600" marR="0" rtl="0" algn="l">
+              <a:lnSpc>
+                <a:spcPct val="100000"/>
+              </a:lnSpc>
+              <a:spcBef>
+                <a:spcPts val="0"/>
+              </a:spcBef>
+              <a:spcAft>
+                <a:spcPts val="0"/>
+              </a:spcAft>
+              <a:buClr>
+                <a:srgbClr val="000000"/>
+              </a:buClr>
               <a:buSzPts val="1100"/>
+              <a:buFont typeface="Arial"/>
               <a:buChar char="○"/>
-              <a:defRPr sz="1100"/>
+              <a:defRPr b="0" i="0" sz="1100" u="none" cap="none" strike="noStrike">
+                <a:solidFill>
+                  <a:srgbClr val="000000"/>
+                </a:solidFill>
+                <a:latin typeface="Arial"/>
+                <a:ea typeface="Arial"/>
+                <a:cs typeface="Arial"/>
+                <a:sym typeface="Arial"/>
+              </a:defRPr>
             </a:lvl8pPr>
-            <a:lvl9pPr marL="4114800" lvl="8" indent="-298450">
-              <a:spcBef>
-                <a:spcPts val="0"/>
-              </a:spcBef>
-              <a:spcAft>
-                <a:spcPts val="0"/>
-              </a:spcAft>
+            <a:lvl9pPr indent="-298450" lvl="8" marL="4114800" marR="0" rtl="0" algn="l">
+              <a:lnSpc>
+                <a:spcPct val="100000"/>
+              </a:lnSpc>
+              <a:spcBef>
+                <a:spcPts val="0"/>
+              </a:spcBef>
+              <a:spcAft>
+                <a:spcPts val="0"/>
+              </a:spcAft>
+              <a:buClr>
+                <a:srgbClr val="000000"/>
+              </a:buClr>
               <a:buSzPts val="1100"/>
+              <a:buFont typeface="Arial"/>
               <a:buChar char="■"/>
-              <a:defRPr sz="1100"/>
+              <a:defRPr b="0" i="0" sz="1100" u="none" cap="none" strike="noStrike">
+                <a:solidFill>
+                  <a:srgbClr val="000000"/>
+                </a:solidFill>
+                <a:latin typeface="Arial"/>
+                <a:ea typeface="Arial"/>
+                <a:cs typeface="Arial"/>
+                <a:sym typeface="Arial"/>
+              </a:defRPr>
             </a:lvl9pPr>
           </a:lstStyle>
-          <a:p>
-            <a:endParaRPr/>
-          </a:p>
+          <a:p/>
         </p:txBody>
       </p:sp>
     </p:spTree>
   </p:cSld>
-  <p:clrMap bg1="lt1" tx1="dk1" bg2="dk2" tx2="lt2" accent1="accent1" accent2="accent2" accent3="accent3" accent4="accent4" accent5="accent5" accent6="accent6" hlink="hlink" folHlink="folHlink"/>
+  <p:clrMap accent1="accent1" accent2="accent2" accent3="accent3" accent4="accent4" accent5="accent5" accent6="accent6" bg1="lt1" bg2="dk2" tx1="dk1" tx2="lt2" folHlink="folHlink" hlink="hlink"/>
   <p:notesStyle>
-    <a:defPPr marR="0" lvl="0" algn="l" rtl="0">
+    <a:defPPr lvl="0" marR="0" rtl="0" algn="l">
       <a:lnSpc>
         <a:spcPct val="100000"/>
       </a:lnSpc>
@@ -498,7 +632,7 @@
         <a:spcPts val="0"/>
       </a:spcAft>
     </a:defPPr>
-    <a:lvl1pPr marR="0" lvl="0" algn="l" rtl="0">
+    <a:lvl1pPr lvl="0" marR="0" rtl="0" algn="l">
       <a:lnSpc>
         <a:spcPct val="100000"/>
       </a:lnSpc>
@@ -512,7 +646,7 @@
         <a:srgbClr val="000000"/>
       </a:buClr>
       <a:buFont typeface="Arial"/>
-      <a:defRPr sz="1400" b="0" i="0" u="none" strike="noStrike" cap="none">
+      <a:defRPr b="0" i="0" sz="1400" u="none" cap="none" strike="noStrike">
         <a:solidFill>
           <a:srgbClr val="000000"/>
         </a:solidFill>
@@ -522,7 +656,7 @@
         <a:sym typeface="Arial"/>
       </a:defRPr>
     </a:lvl1pPr>
-    <a:lvl2pPr marR="0" lvl="1" algn="l" rtl="0">
+    <a:lvl2pPr lvl="1" marR="0" rtl="0" algn="l">
       <a:lnSpc>
         <a:spcPct val="100000"/>
       </a:lnSpc>
@@ -536,7 +670,7 @@
         <a:srgbClr val="000000"/>
       </a:buClr>
       <a:buFont typeface="Arial"/>
-      <a:defRPr sz="1400" b="0" i="0" u="none" strike="noStrike" cap="none">
+      <a:defRPr b="0" i="0" sz="1400" u="none" cap="none" strike="noStrike">
         <a:solidFill>
           <a:srgbClr val="000000"/>
         </a:solidFill>
@@ -546,7 +680,7 @@
         <a:sym typeface="Arial"/>
       </a:defRPr>
     </a:lvl2pPr>
-    <a:lvl3pPr marR="0" lvl="2" algn="l" rtl="0">
+    <a:lvl3pPr lvl="2" marR="0" rtl="0" algn="l">
       <a:lnSpc>
         <a:spcPct val="100000"/>
       </a:lnSpc>
@@ -560,7 +694,7 @@
         <a:srgbClr val="000000"/>
       </a:buClr>
       <a:buFont typeface="Arial"/>
-      <a:defRPr sz="1400" b="0" i="0" u="none" strike="noStrike" cap="none">
+      <a:defRPr b="0" i="0" sz="1400" u="none" cap="none" strike="noStrike">
         <a:solidFill>
           <a:srgbClr val="000000"/>
         </a:solidFill>
@@ -570,7 +704,7 @@
         <a:sym typeface="Arial"/>
       </a:defRPr>
     </a:lvl3pPr>
-    <a:lvl4pPr marR="0" lvl="3" algn="l" rtl="0">
+    <a:lvl4pPr lvl="3" marR="0" rtl="0" algn="l">
       <a:lnSpc>
         <a:spcPct val="100000"/>
       </a:lnSpc>
@@ -584,7 +718,7 @@
         <a:srgbClr val="000000"/>
       </a:buClr>
       <a:buFont typeface="Arial"/>
-      <a:defRPr sz="1400" b="0" i="0" u="none" strike="noStrike" cap="none">
+      <a:defRPr b="0" i="0" sz="1400" u="none" cap="none" strike="noStrike">
         <a:solidFill>
           <a:srgbClr val="000000"/>
         </a:solidFill>
@@ -594,7 +728,7 @@
         <a:sym typeface="Arial"/>
       </a:defRPr>
     </a:lvl4pPr>
-    <a:lvl5pPr marR="0" lvl="4" algn="l" rtl="0">
+    <a:lvl5pPr lvl="4" marR="0" rtl="0" algn="l">
       <a:lnSpc>
         <a:spcPct val="100000"/>
       </a:lnSpc>
@@ -608,7 +742,7 @@
         <a:srgbClr val="000000"/>
       </a:buClr>
       <a:buFont typeface="Arial"/>
-      <a:defRPr sz="1400" b="0" i="0" u="none" strike="noStrike" cap="none">
+      <a:defRPr b="0" i="0" sz="1400" u="none" cap="none" strike="noStrike">
         <a:solidFill>
           <a:srgbClr val="000000"/>
         </a:solidFill>
@@ -618,7 +752,7 @@
         <a:sym typeface="Arial"/>
       </a:defRPr>
     </a:lvl5pPr>
-    <a:lvl6pPr marR="0" lvl="5" algn="l" rtl="0">
+    <a:lvl6pPr lvl="5" marR="0" rtl="0" algn="l">
       <a:lnSpc>
         <a:spcPct val="100000"/>
       </a:lnSpc>
@@ -632,7 +766,7 @@
         <a:srgbClr val="000000"/>
       </a:buClr>
       <a:buFont typeface="Arial"/>
-      <a:defRPr sz="1400" b="0" i="0" u="none" strike="noStrike" cap="none">
+      <a:defRPr b="0" i="0" sz="1400" u="none" cap="none" strike="noStrike">
         <a:solidFill>
           <a:srgbClr val="000000"/>
         </a:solidFill>
@@ -642,7 +776,7 @@
         <a:sym typeface="Arial"/>
       </a:defRPr>
     </a:lvl6pPr>
-    <a:lvl7pPr marR="0" lvl="6" algn="l" rtl="0">
+    <a:lvl7pPr lvl="6" marR="0" rtl="0" algn="l">
       <a:lnSpc>
         <a:spcPct val="100000"/>
       </a:lnSpc>
@@ -656,7 +790,7 @@
         <a:srgbClr val="000000"/>
       </a:buClr>
       <a:buFont typeface="Arial"/>
-      <a:defRPr sz="1400" b="0" i="0" u="none" strike="noStrike" cap="none">
+      <a:defRPr b="0" i="0" sz="1400" u="none" cap="none" strike="noStrike">
         <a:solidFill>
           <a:srgbClr val="000000"/>
         </a:solidFill>
@@ -666,7 +800,7 @@
         <a:sym typeface="Arial"/>
       </a:defRPr>
     </a:lvl7pPr>
-    <a:lvl8pPr marR="0" lvl="7" algn="l" rtl="0">
+    <a:lvl8pPr lvl="7" marR="0" rtl="0" algn="l">
       <a:lnSpc>
         <a:spcPct val="100000"/>
       </a:lnSpc>
@@ -680,7 +814,7 @@
         <a:srgbClr val="000000"/>
       </a:buClr>
       <a:buFont typeface="Arial"/>
-      <a:defRPr sz="1400" b="0" i="0" u="none" strike="noStrike" cap="none">
+      <a:defRPr b="0" i="0" sz="1400" u="none" cap="none" strike="noStrike">
         <a:solidFill>
           <a:srgbClr val="000000"/>
         </a:solidFill>
@@ -690,7 +824,7 @@
         <a:sym typeface="Arial"/>
       </a:defRPr>
     </a:lvl8pPr>
-    <a:lvl9pPr marR="0" lvl="8" algn="l" rtl="0">
+    <a:lvl9pPr lvl="8" marR="0" rtl="0" algn="l">
       <a:lnSpc>
         <a:spcPct val="100000"/>
       </a:lnSpc>
@@ -704,7 +838,7 @@
         <a:srgbClr val="000000"/>
       </a:buClr>
       <a:buFont typeface="Arial"/>
-      <a:defRPr sz="1400" b="0" i="0" u="none" strike="noStrike" cap="none">
+      <a:defRPr b="0" i="0" sz="1400" u="none" cap="none" strike="noStrike">
         <a:solidFill>
           <a:srgbClr val="000000"/>
         </a:solidFill>
@@ -719,11 +853,11 @@
 </file>
 
 <file path=ppt/notesSlides/notesSlide1.xml><?xml version="1.0" encoding="utf-8"?>
-<p:notes xmlns:a="http://schemas.openxmlformats.org/drawingml/2006/main" xmlns:r="http://schemas.openxmlformats.org/officeDocument/2006/relationships" xmlns:p="http://schemas.openxmlformats.org/presentationml/2006/main" showMasterSp="0" showMasterPhAnim="0">
+<p:notes xmlns:a="http://schemas.openxmlformats.org/drawingml/2006/main" xmlns:r="http://schemas.openxmlformats.org/officeDocument/2006/relationships" xmlns:mc="http://schemas.openxmlformats.org/markup-compatibility/2006" xmlns:mv="urn:schemas-microsoft-com:mac:vml" xmlns:p="http://schemas.openxmlformats.org/presentationml/2006/main" xmlns:c="http://schemas.openxmlformats.org/drawingml/2006/chart" xmlns:dgm="http://schemas.openxmlformats.org/drawingml/2006/diagram" xmlns:o="urn:schemas-microsoft-com:office:office" xmlns:v="urn:schemas-microsoft-com:vml" xmlns:pvml="urn:schemas-microsoft-com:office:powerpoint" xmlns:com="http://schemas.openxmlformats.org/drawingml/2006/compatibility" xmlns:p14="http://schemas.microsoft.com/office/powerpoint/2010/main" xmlns:p15="http://schemas.microsoft.com/office/powerpoint/2012/main" xmlns:ahyp="http://schemas.microsoft.com/office/drawing/2018/hyperlinkcolor" showMasterPhAnim="0" showMasterSp="0">
   <p:cSld>
     <p:spTree>
       <p:nvGrpSpPr>
-        <p:cNvPr id="1" name="Shape 98"/>
+        <p:cNvPr id="32" name="Shape 32"/>
         <p:cNvGrpSpPr/>
         <p:nvPr/>
       </p:nvGrpSpPr>
@@ -737,12 +871,10 @@
       </p:grpSpPr>
       <p:sp>
         <p:nvSpPr>
-          <p:cNvPr id="99" name="Google Shape;99;g708a6ee8a1_0_46:notes"/>
-          <p:cNvSpPr>
-            <a:spLocks noGrp="1" noRot="1" noChangeAspect="1"/>
-          </p:cNvSpPr>
+          <p:cNvPr id="33" name="Google Shape;33;p1:notes"/>
+          <p:cNvSpPr/>
           <p:nvPr>
-            <p:ph type="sldImg" idx="2"/>
+            <p:ph idx="2" type="sldImg"/>
           </p:nvPr>
         </p:nvSpPr>
         <p:spPr>
@@ -751,13 +883,9 @@
             <a:ext cx="6096000" cy="3429000"/>
           </a:xfrm>
           <a:custGeom>
-            <a:avLst/>
-            <a:gdLst/>
-            <a:ahLst/>
-            <a:cxnLst/>
-            <a:rect l="l" t="t" r="r" b="b"/>
+            <a:rect b="b" l="l" r="r" t="t"/>
             <a:pathLst>
-              <a:path w="120000" h="120000" extrusionOk="0">
+              <a:path extrusionOk="0" h="120000" w="120000">
                 <a:moveTo>
                   <a:pt x="0" y="0"/>
                 </a:moveTo>
@@ -774,16 +902,24 @@
               </a:path>
             </a:pathLst>
           </a:custGeom>
+          <a:noFill/>
+          <a:ln cap="flat" cmpd="sng" w="9525">
+            <a:solidFill>
+              <a:srgbClr val="000000"/>
+            </a:solidFill>
+            <a:prstDash val="solid"/>
+            <a:round/>
+            <a:headEnd len="sm" w="sm" type="none"/>
+            <a:tailEnd len="sm" w="sm" type="none"/>
+          </a:ln>
         </p:spPr>
       </p:sp>
       <p:sp>
         <p:nvSpPr>
-          <p:cNvPr id="100" name="Google Shape;100;g708a6ee8a1_0_46:notes"/>
-          <p:cNvSpPr txBox="1">
-            <a:spLocks noGrp="1"/>
-          </p:cNvSpPr>
+          <p:cNvPr id="34" name="Google Shape;34;p1:notes"/>
+          <p:cNvSpPr txBox="1"/>
           <p:nvPr>
-            <p:ph type="body" idx="1"/>
+            <p:ph idx="1" type="body"/>
           </p:nvPr>
         </p:nvSpPr>
         <p:spPr>
@@ -794,22 +930,33 @@
           <a:prstGeom prst="rect">
             <a:avLst/>
           </a:prstGeom>
+          <a:noFill/>
+          <a:ln>
+            <a:noFill/>
+          </a:ln>
         </p:spPr>
         <p:txBody>
-          <a:bodyPr spcFirstLastPara="1" wrap="square" lIns="91425" tIns="91425" rIns="91425" bIns="91425" anchor="t" anchorCtr="0">
+          <a:bodyPr anchorCtr="0" anchor="t" bIns="91425" lIns="91425" spcFirstLastPara="1" rIns="91425" wrap="square" tIns="91425">
             <a:noAutofit/>
           </a:bodyPr>
           <a:lstStyle/>
           <a:p>
-            <a:pPr marL="0" lvl="0" indent="0" algn="l" rtl="0">
-              <a:spcBef>
-                <a:spcPts val="0"/>
-              </a:spcBef>
-              <a:spcAft>
-                <a:spcPts val="0"/>
-              </a:spcAft>
+            <a:pPr indent="0" lvl="0" marL="0" rtl="0" algn="l">
+              <a:lnSpc>
+                <a:spcPct val="100000"/>
+              </a:lnSpc>
+              <a:spcBef>
+                <a:spcPts val="0"/>
+              </a:spcBef>
+              <a:spcAft>
+                <a:spcPts val="0"/>
+              </a:spcAft>
+              <a:buSzPts val="1100"/>
               <a:buNone/>
             </a:pPr>
+            <a:r>
+              <a:t/>
+            </a:r>
             <a:endParaRPr/>
           </a:p>
         </p:txBody>
@@ -823,11 +970,11 @@
 </file>
 
 <file path=ppt/notesSlides/notesSlide2.xml><?xml version="1.0" encoding="utf-8"?>
-<p:notes xmlns:a="http://schemas.openxmlformats.org/drawingml/2006/main" xmlns:r="http://schemas.openxmlformats.org/officeDocument/2006/relationships" xmlns:p="http://schemas.openxmlformats.org/presentationml/2006/main" showMasterSp="0" showMasterPhAnim="0">
+<p:notes xmlns:a="http://schemas.openxmlformats.org/drawingml/2006/main" xmlns:r="http://schemas.openxmlformats.org/officeDocument/2006/relationships" xmlns:mc="http://schemas.openxmlformats.org/markup-compatibility/2006" xmlns:mv="urn:schemas-microsoft-com:mac:vml" xmlns:p="http://schemas.openxmlformats.org/presentationml/2006/main" xmlns:c="http://schemas.openxmlformats.org/drawingml/2006/chart" xmlns:dgm="http://schemas.openxmlformats.org/drawingml/2006/diagram" xmlns:o="urn:schemas-microsoft-com:office:office" xmlns:v="urn:schemas-microsoft-com:vml" xmlns:pvml="urn:schemas-microsoft-com:office:powerpoint" xmlns:com="http://schemas.openxmlformats.org/drawingml/2006/compatibility" xmlns:p14="http://schemas.microsoft.com/office/powerpoint/2010/main" xmlns:p15="http://schemas.microsoft.com/office/powerpoint/2012/main" xmlns:ahyp="http://schemas.microsoft.com/office/drawing/2018/hyperlinkcolor" showMasterPhAnim="0" showMasterSp="0">
   <p:cSld>
     <p:spTree>
       <p:nvGrpSpPr>
-        <p:cNvPr id="1" name="Shape 105"/>
+        <p:cNvPr id="38" name="Shape 38"/>
         <p:cNvGrpSpPr/>
         <p:nvPr/>
       </p:nvGrpSpPr>
@@ -841,12 +988,10 @@
       </p:grpSpPr>
       <p:sp>
         <p:nvSpPr>
-          <p:cNvPr id="106" name="Google Shape;106;g708a6ee8a1_0_66:notes"/>
-          <p:cNvSpPr>
-            <a:spLocks noGrp="1" noRot="1" noChangeAspect="1"/>
-          </p:cNvSpPr>
+          <p:cNvPr id="39" name="Google Shape;39;p2:notes"/>
+          <p:cNvSpPr/>
           <p:nvPr>
-            <p:ph type="sldImg" idx="2"/>
+            <p:ph idx="2" type="sldImg"/>
           </p:nvPr>
         </p:nvSpPr>
         <p:spPr>
@@ -855,13 +1000,9 @@
             <a:ext cx="6096000" cy="3429000"/>
           </a:xfrm>
           <a:custGeom>
-            <a:avLst/>
-            <a:gdLst/>
-            <a:ahLst/>
-            <a:cxnLst/>
-            <a:rect l="l" t="t" r="r" b="b"/>
+            <a:rect b="b" l="l" r="r" t="t"/>
             <a:pathLst>
-              <a:path w="120000" h="120000" extrusionOk="0">
+              <a:path extrusionOk="0" h="120000" w="120000">
                 <a:moveTo>
                   <a:pt x="0" y="0"/>
                 </a:moveTo>
@@ -878,16 +1019,24 @@
               </a:path>
             </a:pathLst>
           </a:custGeom>
+          <a:noFill/>
+          <a:ln cap="flat" cmpd="sng" w="9525">
+            <a:solidFill>
+              <a:srgbClr val="000000"/>
+            </a:solidFill>
+            <a:prstDash val="solid"/>
+            <a:round/>
+            <a:headEnd len="sm" w="sm" type="none"/>
+            <a:tailEnd len="sm" w="sm" type="none"/>
+          </a:ln>
         </p:spPr>
       </p:sp>
       <p:sp>
         <p:nvSpPr>
-          <p:cNvPr id="107" name="Google Shape;107;g708a6ee8a1_0_66:notes"/>
-          <p:cNvSpPr txBox="1">
-            <a:spLocks noGrp="1"/>
-          </p:cNvSpPr>
+          <p:cNvPr id="40" name="Google Shape;40;p2:notes"/>
+          <p:cNvSpPr txBox="1"/>
           <p:nvPr>
-            <p:ph type="body" idx="1"/>
+            <p:ph idx="1" type="body"/>
           </p:nvPr>
         </p:nvSpPr>
         <p:spPr>
@@ -898,22 +1047,33 @@
           <a:prstGeom prst="rect">
             <a:avLst/>
           </a:prstGeom>
+          <a:noFill/>
+          <a:ln>
+            <a:noFill/>
+          </a:ln>
         </p:spPr>
         <p:txBody>
-          <a:bodyPr spcFirstLastPara="1" wrap="square" lIns="91425" tIns="91425" rIns="91425" bIns="91425" anchor="t" anchorCtr="0">
+          <a:bodyPr anchorCtr="0" anchor="t" bIns="91425" lIns="91425" spcFirstLastPara="1" rIns="91425" wrap="square" tIns="91425">
             <a:noAutofit/>
           </a:bodyPr>
           <a:lstStyle/>
           <a:p>
-            <a:pPr marL="0" lvl="0" indent="0" algn="l" rtl="0">
-              <a:spcBef>
-                <a:spcPts val="0"/>
-              </a:spcBef>
-              <a:spcAft>
-                <a:spcPts val="0"/>
-              </a:spcAft>
+            <a:pPr indent="0" lvl="0" marL="0" rtl="0" algn="l">
+              <a:lnSpc>
+                <a:spcPct val="100000"/>
+              </a:lnSpc>
+              <a:spcBef>
+                <a:spcPts val="0"/>
+              </a:spcBef>
+              <a:spcAft>
+                <a:spcPts val="0"/>
+              </a:spcAft>
+              <a:buSzPts val="1100"/>
               <a:buNone/>
             </a:pPr>
+            <a:r>
+              <a:t/>
+            </a:r>
             <a:endParaRPr/>
           </a:p>
         </p:txBody>
@@ -927,11 +1087,11 @@
 </file>
 
 <file path=ppt/notesSlides/notesSlide3.xml><?xml version="1.0" encoding="utf-8"?>
-<p:notes xmlns:a="http://schemas.openxmlformats.org/drawingml/2006/main" xmlns:r="http://schemas.openxmlformats.org/officeDocument/2006/relationships" xmlns:p="http://schemas.openxmlformats.org/presentationml/2006/main" showMasterSp="0" showMasterPhAnim="0">
+<p:notes xmlns:a="http://schemas.openxmlformats.org/drawingml/2006/main" xmlns:r="http://schemas.openxmlformats.org/officeDocument/2006/relationships" xmlns:mc="http://schemas.openxmlformats.org/markup-compatibility/2006" xmlns:mv="urn:schemas-microsoft-com:mac:vml" xmlns:p="http://schemas.openxmlformats.org/presentationml/2006/main" xmlns:c="http://schemas.openxmlformats.org/drawingml/2006/chart" xmlns:dgm="http://schemas.openxmlformats.org/drawingml/2006/diagram" xmlns:o="urn:schemas-microsoft-com:office:office" xmlns:v="urn:schemas-microsoft-com:vml" xmlns:pvml="urn:schemas-microsoft-com:office:powerpoint" xmlns:com="http://schemas.openxmlformats.org/drawingml/2006/compatibility" xmlns:p14="http://schemas.microsoft.com/office/powerpoint/2010/main" xmlns:p15="http://schemas.microsoft.com/office/powerpoint/2012/main" xmlns:ahyp="http://schemas.microsoft.com/office/drawing/2018/hyperlinkcolor" showMasterPhAnim="0" showMasterSp="0">
   <p:cSld>
     <p:spTree>
       <p:nvGrpSpPr>
-        <p:cNvPr id="1" name="Shape 105"/>
+        <p:cNvPr id="45" name="Shape 45"/>
         <p:cNvGrpSpPr/>
         <p:nvPr/>
       </p:nvGrpSpPr>
@@ -945,12 +1105,10 @@
       </p:grpSpPr>
       <p:sp>
         <p:nvSpPr>
-          <p:cNvPr id="106" name="Google Shape;106;g708a6ee8a1_0_66:notes"/>
-          <p:cNvSpPr>
-            <a:spLocks noGrp="1" noRot="1" noChangeAspect="1"/>
-          </p:cNvSpPr>
+          <p:cNvPr id="46" name="Google Shape;46;p3:notes"/>
+          <p:cNvSpPr/>
           <p:nvPr>
-            <p:ph type="sldImg" idx="2"/>
+            <p:ph idx="2" type="sldImg"/>
           </p:nvPr>
         </p:nvSpPr>
         <p:spPr>
@@ -959,13 +1117,9 @@
             <a:ext cx="6096000" cy="3429000"/>
           </a:xfrm>
           <a:custGeom>
-            <a:avLst/>
-            <a:gdLst/>
-            <a:ahLst/>
-            <a:cxnLst/>
-            <a:rect l="l" t="t" r="r" b="b"/>
+            <a:rect b="b" l="l" r="r" t="t"/>
             <a:pathLst>
-              <a:path w="120000" h="120000" extrusionOk="0">
+              <a:path extrusionOk="0" h="120000" w="120000">
                 <a:moveTo>
                   <a:pt x="0" y="0"/>
                 </a:moveTo>
@@ -982,16 +1136,24 @@
               </a:path>
             </a:pathLst>
           </a:custGeom>
+          <a:noFill/>
+          <a:ln cap="flat" cmpd="sng" w="9525">
+            <a:solidFill>
+              <a:srgbClr val="000000"/>
+            </a:solidFill>
+            <a:prstDash val="solid"/>
+            <a:round/>
+            <a:headEnd len="sm" w="sm" type="none"/>
+            <a:tailEnd len="sm" w="sm" type="none"/>
+          </a:ln>
         </p:spPr>
       </p:sp>
       <p:sp>
         <p:nvSpPr>
-          <p:cNvPr id="107" name="Google Shape;107;g708a6ee8a1_0_66:notes"/>
-          <p:cNvSpPr txBox="1">
-            <a:spLocks noGrp="1"/>
-          </p:cNvSpPr>
+          <p:cNvPr id="47" name="Google Shape;47;p3:notes"/>
+          <p:cNvSpPr txBox="1"/>
           <p:nvPr>
-            <p:ph type="body" idx="1"/>
+            <p:ph idx="1" type="body"/>
           </p:nvPr>
         </p:nvSpPr>
         <p:spPr>
@@ -1002,32 +1164,38 @@
           <a:prstGeom prst="rect">
             <a:avLst/>
           </a:prstGeom>
+          <a:noFill/>
+          <a:ln>
+            <a:noFill/>
+          </a:ln>
         </p:spPr>
         <p:txBody>
-          <a:bodyPr spcFirstLastPara="1" wrap="square" lIns="91425" tIns="91425" rIns="91425" bIns="91425" anchor="t" anchorCtr="0">
+          <a:bodyPr anchorCtr="0" anchor="t" bIns="91425" lIns="91425" spcFirstLastPara="1" rIns="91425" wrap="square" tIns="91425">
             <a:noAutofit/>
           </a:bodyPr>
           <a:lstStyle/>
           <a:p>
-            <a:pPr marL="0" lvl="0" indent="0" algn="l" rtl="0">
-              <a:spcBef>
-                <a:spcPts val="0"/>
-              </a:spcBef>
-              <a:spcAft>
-                <a:spcPts val="0"/>
-              </a:spcAft>
+            <a:pPr indent="0" lvl="0" marL="0" rtl="0" algn="l">
+              <a:lnSpc>
+                <a:spcPct val="100000"/>
+              </a:lnSpc>
+              <a:spcBef>
+                <a:spcPts val="0"/>
+              </a:spcBef>
+              <a:spcAft>
+                <a:spcPts val="0"/>
+              </a:spcAft>
+              <a:buSzPts val="1100"/>
               <a:buNone/>
             </a:pPr>
+            <a:r>
+              <a:t/>
+            </a:r>
             <a:endParaRPr/>
           </a:p>
         </p:txBody>
       </p:sp>
     </p:spTree>
-    <p:extLst>
-      <p:ext uri="{BB962C8B-B14F-4D97-AF65-F5344CB8AC3E}">
-        <p14:creationId xmlns:p14="http://schemas.microsoft.com/office/powerpoint/2010/main" val="3712879480"/>
-      </p:ext>
-    </p:extLst>
   </p:cSld>
   <p:clrMapOvr>
     <a:masterClrMapping/>
@@ -1036,11 +1204,11 @@
 </file>
 
 <file path=ppt/notesSlides/notesSlide4.xml><?xml version="1.0" encoding="utf-8"?>
-<p:notes xmlns:a="http://schemas.openxmlformats.org/drawingml/2006/main" xmlns:r="http://schemas.openxmlformats.org/officeDocument/2006/relationships" xmlns:p="http://schemas.openxmlformats.org/presentationml/2006/main" showMasterSp="0" showMasterPhAnim="0">
+<p:notes xmlns:a="http://schemas.openxmlformats.org/drawingml/2006/main" xmlns:r="http://schemas.openxmlformats.org/officeDocument/2006/relationships" xmlns:mc="http://schemas.openxmlformats.org/markup-compatibility/2006" xmlns:mv="urn:schemas-microsoft-com:mac:vml" xmlns:p="http://schemas.openxmlformats.org/presentationml/2006/main" xmlns:c="http://schemas.openxmlformats.org/drawingml/2006/chart" xmlns:dgm="http://schemas.openxmlformats.org/drawingml/2006/diagram" xmlns:o="urn:schemas-microsoft-com:office:office" xmlns:v="urn:schemas-microsoft-com:vml" xmlns:pvml="urn:schemas-microsoft-com:office:powerpoint" xmlns:com="http://schemas.openxmlformats.org/drawingml/2006/compatibility" xmlns:p14="http://schemas.microsoft.com/office/powerpoint/2010/main" xmlns:p15="http://schemas.microsoft.com/office/powerpoint/2012/main" xmlns:ahyp="http://schemas.microsoft.com/office/drawing/2018/hyperlinkcolor" showMasterPhAnim="0" showMasterSp="0">
   <p:cSld>
     <p:spTree>
       <p:nvGrpSpPr>
-        <p:cNvPr id="1" name="Shape 1795"/>
+        <p:cNvPr id="51" name="Shape 51"/>
         <p:cNvGrpSpPr/>
         <p:nvPr/>
       </p:nvGrpSpPr>
@@ -1054,12 +1222,10 @@
       </p:grpSpPr>
       <p:sp>
         <p:nvSpPr>
-          <p:cNvPr id="1796" name="Google Shape;1796;g7098bb5640_0_1118:notes"/>
-          <p:cNvSpPr>
-            <a:spLocks noGrp="1" noRot="1" noChangeAspect="1"/>
-          </p:cNvSpPr>
+          <p:cNvPr id="52" name="Google Shape;52;p4:notes"/>
+          <p:cNvSpPr/>
           <p:nvPr>
-            <p:ph type="sldImg" idx="2"/>
+            <p:ph idx="2" type="sldImg"/>
           </p:nvPr>
         </p:nvSpPr>
         <p:spPr>
@@ -1068,13 +1234,9 @@
             <a:ext cx="6096000" cy="3429000"/>
           </a:xfrm>
           <a:custGeom>
-            <a:avLst/>
-            <a:gdLst/>
-            <a:ahLst/>
-            <a:cxnLst/>
-            <a:rect l="l" t="t" r="r" b="b"/>
+            <a:rect b="b" l="l" r="r" t="t"/>
             <a:pathLst>
-              <a:path w="120000" h="120000" extrusionOk="0">
+              <a:path extrusionOk="0" h="120000" w="120000">
                 <a:moveTo>
                   <a:pt x="0" y="0"/>
                 </a:moveTo>
@@ -1091,16 +1253,24 @@
               </a:path>
             </a:pathLst>
           </a:custGeom>
+          <a:noFill/>
+          <a:ln cap="flat" cmpd="sng" w="9525">
+            <a:solidFill>
+              <a:srgbClr val="000000"/>
+            </a:solidFill>
+            <a:prstDash val="solid"/>
+            <a:round/>
+            <a:headEnd len="sm" w="sm" type="none"/>
+            <a:tailEnd len="sm" w="sm" type="none"/>
+          </a:ln>
         </p:spPr>
       </p:sp>
       <p:sp>
         <p:nvSpPr>
-          <p:cNvPr id="1797" name="Google Shape;1797;g7098bb5640_0_1118:notes"/>
-          <p:cNvSpPr txBox="1">
-            <a:spLocks noGrp="1"/>
-          </p:cNvSpPr>
+          <p:cNvPr id="53" name="Google Shape;53;p4:notes"/>
+          <p:cNvSpPr txBox="1"/>
           <p:nvPr>
-            <p:ph type="body" idx="1"/>
+            <p:ph idx="1" type="body"/>
           </p:nvPr>
         </p:nvSpPr>
         <p:spPr>
@@ -1111,23 +1281,34 @@
           <a:prstGeom prst="rect">
             <a:avLst/>
           </a:prstGeom>
+          <a:noFill/>
+          <a:ln>
+            <a:noFill/>
+          </a:ln>
         </p:spPr>
         <p:txBody>
-          <a:bodyPr spcFirstLastPara="1" wrap="square" lIns="91425" tIns="91425" rIns="91425" bIns="91425" anchor="t" anchorCtr="0">
+          <a:bodyPr anchorCtr="0" anchor="t" bIns="91425" lIns="91425" spcFirstLastPara="1" rIns="91425" wrap="square" tIns="91425">
             <a:noAutofit/>
           </a:bodyPr>
           <a:lstStyle/>
           <a:p>
-            <a:pPr marL="0" lvl="0" indent="0" algn="l" rtl="0">
-              <a:spcBef>
-                <a:spcPts val="0"/>
-              </a:spcBef>
-              <a:spcAft>
-                <a:spcPts val="0"/>
-              </a:spcAft>
+            <a:pPr indent="0" lvl="0" marL="0" rtl="0" algn="l">
+              <a:lnSpc>
+                <a:spcPct val="100000"/>
+              </a:lnSpc>
+              <a:spcBef>
+                <a:spcPts val="0"/>
+              </a:spcBef>
+              <a:spcAft>
+                <a:spcPts val="0"/>
+              </a:spcAft>
+              <a:buSzPts val="1100"/>
               <a:buNone/>
             </a:pPr>
-            <a:endParaRPr dirty="0"/>
+            <a:r>
+              <a:t/>
+            </a:r>
+            <a:endParaRPr/>
           </a:p>
         </p:txBody>
       </p:sp>
@@ -1140,11 +1321,11 @@
 </file>
 
 <file path=ppt/notesSlides/notesSlide5.xml><?xml version="1.0" encoding="utf-8"?>
-<p:notes xmlns:a="http://schemas.openxmlformats.org/drawingml/2006/main" xmlns:r="http://schemas.openxmlformats.org/officeDocument/2006/relationships" xmlns:p="http://schemas.openxmlformats.org/presentationml/2006/main" showMasterSp="0" showMasterPhAnim="0">
+<p:notes xmlns:a="http://schemas.openxmlformats.org/drawingml/2006/main" xmlns:r="http://schemas.openxmlformats.org/officeDocument/2006/relationships" xmlns:mc="http://schemas.openxmlformats.org/markup-compatibility/2006" xmlns:mv="urn:schemas-microsoft-com:mac:vml" xmlns:p="http://schemas.openxmlformats.org/presentationml/2006/main" xmlns:c="http://schemas.openxmlformats.org/drawingml/2006/chart" xmlns:dgm="http://schemas.openxmlformats.org/drawingml/2006/diagram" xmlns:o="urn:schemas-microsoft-com:office:office" xmlns:v="urn:schemas-microsoft-com:vml" xmlns:pvml="urn:schemas-microsoft-com:office:powerpoint" xmlns:com="http://schemas.openxmlformats.org/drawingml/2006/compatibility" xmlns:p14="http://schemas.microsoft.com/office/powerpoint/2010/main" xmlns:p15="http://schemas.microsoft.com/office/powerpoint/2012/main" xmlns:ahyp="http://schemas.microsoft.com/office/drawing/2018/hyperlinkcolor" showMasterPhAnim="0" showMasterSp="0">
   <p:cSld>
     <p:spTree>
       <p:nvGrpSpPr>
-        <p:cNvPr id="1" name="Shape 111"/>
+        <p:cNvPr id="57" name="Shape 57"/>
         <p:cNvGrpSpPr/>
         <p:nvPr/>
       </p:nvGrpSpPr>
@@ -1158,12 +1339,10 @@
       </p:grpSpPr>
       <p:sp>
         <p:nvSpPr>
-          <p:cNvPr id="112" name="Google Shape;112;g708a6ee8a1_0_80:notes"/>
-          <p:cNvSpPr>
-            <a:spLocks noGrp="1" noRot="1" noChangeAspect="1"/>
-          </p:cNvSpPr>
+          <p:cNvPr id="58" name="Google Shape;58;p5:notes"/>
+          <p:cNvSpPr/>
           <p:nvPr>
-            <p:ph type="sldImg" idx="2"/>
+            <p:ph idx="2" type="sldImg"/>
           </p:nvPr>
         </p:nvSpPr>
         <p:spPr>
@@ -1172,13 +1351,9 @@
             <a:ext cx="6096000" cy="3429000"/>
           </a:xfrm>
           <a:custGeom>
-            <a:avLst/>
-            <a:gdLst/>
-            <a:ahLst/>
-            <a:cxnLst/>
-            <a:rect l="l" t="t" r="r" b="b"/>
+            <a:rect b="b" l="l" r="r" t="t"/>
             <a:pathLst>
-              <a:path w="120000" h="120000" extrusionOk="0">
+              <a:path extrusionOk="0" h="120000" w="120000">
                 <a:moveTo>
                   <a:pt x="0" y="0"/>
                 </a:moveTo>
@@ -1195,16 +1370,24 @@
               </a:path>
             </a:pathLst>
           </a:custGeom>
+          <a:noFill/>
+          <a:ln cap="flat" cmpd="sng" w="9525">
+            <a:solidFill>
+              <a:srgbClr val="000000"/>
+            </a:solidFill>
+            <a:prstDash val="solid"/>
+            <a:round/>
+            <a:headEnd len="sm" w="sm" type="none"/>
+            <a:tailEnd len="sm" w="sm" type="none"/>
+          </a:ln>
         </p:spPr>
       </p:sp>
       <p:sp>
         <p:nvSpPr>
-          <p:cNvPr id="113" name="Google Shape;113;g708a6ee8a1_0_80:notes"/>
-          <p:cNvSpPr txBox="1">
-            <a:spLocks noGrp="1"/>
-          </p:cNvSpPr>
+          <p:cNvPr id="59" name="Google Shape;59;p5:notes"/>
+          <p:cNvSpPr txBox="1"/>
           <p:nvPr>
-            <p:ph type="body" idx="1"/>
+            <p:ph idx="1" type="body"/>
           </p:nvPr>
         </p:nvSpPr>
         <p:spPr>
@@ -1215,22 +1398,33 @@
           <a:prstGeom prst="rect">
             <a:avLst/>
           </a:prstGeom>
+          <a:noFill/>
+          <a:ln>
+            <a:noFill/>
+          </a:ln>
         </p:spPr>
         <p:txBody>
-          <a:bodyPr spcFirstLastPara="1" wrap="square" lIns="91425" tIns="91425" rIns="91425" bIns="91425" anchor="t" anchorCtr="0">
+          <a:bodyPr anchorCtr="0" anchor="t" bIns="91425" lIns="91425" spcFirstLastPara="1" rIns="91425" wrap="square" tIns="91425">
             <a:noAutofit/>
           </a:bodyPr>
           <a:lstStyle/>
           <a:p>
-            <a:pPr marL="0" lvl="0" indent="0" algn="l" rtl="0">
-              <a:spcBef>
-                <a:spcPts val="0"/>
-              </a:spcBef>
-              <a:spcAft>
-                <a:spcPts val="0"/>
-              </a:spcAft>
+            <a:pPr indent="0" lvl="0" marL="0" rtl="0" algn="l">
+              <a:lnSpc>
+                <a:spcPct val="100000"/>
+              </a:lnSpc>
+              <a:spcBef>
+                <a:spcPts val="0"/>
+              </a:spcBef>
+              <a:spcAft>
+                <a:spcPts val="0"/>
+              </a:spcAft>
+              <a:buSzPts val="1100"/>
               <a:buNone/>
             </a:pPr>
+            <a:r>
+              <a:t/>
+            </a:r>
             <a:endParaRPr/>
           </a:p>
         </p:txBody>
@@ -1244,11 +1438,11 @@
 </file>
 
 <file path=ppt/notesSlides/notesSlide6.xml><?xml version="1.0" encoding="utf-8"?>
-<p:notes xmlns:a="http://schemas.openxmlformats.org/drawingml/2006/main" xmlns:r="http://schemas.openxmlformats.org/officeDocument/2006/relationships" xmlns:p="http://schemas.openxmlformats.org/presentationml/2006/main" showMasterSp="0" showMasterPhAnim="0">
+<p:notes xmlns:a="http://schemas.openxmlformats.org/drawingml/2006/main" xmlns:r="http://schemas.openxmlformats.org/officeDocument/2006/relationships" xmlns:mc="http://schemas.openxmlformats.org/markup-compatibility/2006" xmlns:mv="urn:schemas-microsoft-com:mac:vml" xmlns:p="http://schemas.openxmlformats.org/presentationml/2006/main" xmlns:c="http://schemas.openxmlformats.org/drawingml/2006/chart" xmlns:dgm="http://schemas.openxmlformats.org/drawingml/2006/diagram" xmlns:o="urn:schemas-microsoft-com:office:office" xmlns:v="urn:schemas-microsoft-com:vml" xmlns:pvml="urn:schemas-microsoft-com:office:powerpoint" xmlns:com="http://schemas.openxmlformats.org/drawingml/2006/compatibility" xmlns:p14="http://schemas.microsoft.com/office/powerpoint/2010/main" xmlns:p15="http://schemas.microsoft.com/office/powerpoint/2012/main" xmlns:ahyp="http://schemas.microsoft.com/office/drawing/2018/hyperlinkcolor" showMasterPhAnim="0" showMasterSp="0">
   <p:cSld>
     <p:spTree>
       <p:nvGrpSpPr>
-        <p:cNvPr id="1" name="Shape 744"/>
+        <p:cNvPr id="66" name="Shape 66"/>
         <p:cNvGrpSpPr/>
         <p:nvPr/>
       </p:nvGrpSpPr>
@@ -1262,12 +1456,10 @@
       </p:grpSpPr>
       <p:sp>
         <p:nvSpPr>
-          <p:cNvPr id="745" name="Google Shape;745;g65abef0139_0_1115:notes"/>
-          <p:cNvSpPr>
-            <a:spLocks noGrp="1" noRot="1" noChangeAspect="1"/>
-          </p:cNvSpPr>
+          <p:cNvPr id="67" name="Google Shape;67;p6:notes"/>
+          <p:cNvSpPr/>
           <p:nvPr>
-            <p:ph type="sldImg" idx="2"/>
+            <p:ph idx="2" type="sldImg"/>
           </p:nvPr>
         </p:nvSpPr>
         <p:spPr>
@@ -1276,13 +1468,9 @@
             <a:ext cx="6096000" cy="3429000"/>
           </a:xfrm>
           <a:custGeom>
-            <a:avLst/>
-            <a:gdLst/>
-            <a:ahLst/>
-            <a:cxnLst/>
-            <a:rect l="l" t="t" r="r" b="b"/>
+            <a:rect b="b" l="l" r="r" t="t"/>
             <a:pathLst>
-              <a:path w="120000" h="120000" extrusionOk="0">
+              <a:path extrusionOk="0" h="120000" w="120000">
                 <a:moveTo>
                   <a:pt x="0" y="0"/>
                 </a:moveTo>
@@ -1299,16 +1487,24 @@
               </a:path>
             </a:pathLst>
           </a:custGeom>
+          <a:noFill/>
+          <a:ln cap="flat" cmpd="sng" w="9525">
+            <a:solidFill>
+              <a:srgbClr val="000000"/>
+            </a:solidFill>
+            <a:prstDash val="solid"/>
+            <a:round/>
+            <a:headEnd len="sm" w="sm" type="none"/>
+            <a:tailEnd len="sm" w="sm" type="none"/>
+          </a:ln>
         </p:spPr>
       </p:sp>
       <p:sp>
         <p:nvSpPr>
-          <p:cNvPr id="746" name="Google Shape;746;g65abef0139_0_1115:notes"/>
-          <p:cNvSpPr txBox="1">
-            <a:spLocks noGrp="1"/>
-          </p:cNvSpPr>
+          <p:cNvPr id="68" name="Google Shape;68;p6:notes"/>
+          <p:cNvSpPr txBox="1"/>
           <p:nvPr>
-            <p:ph type="body" idx="1"/>
+            <p:ph idx="1" type="body"/>
           </p:nvPr>
         </p:nvSpPr>
         <p:spPr>
@@ -1319,22 +1515,33 @@
           <a:prstGeom prst="rect">
             <a:avLst/>
           </a:prstGeom>
+          <a:noFill/>
+          <a:ln>
+            <a:noFill/>
+          </a:ln>
         </p:spPr>
         <p:txBody>
-          <a:bodyPr spcFirstLastPara="1" wrap="square" lIns="91425" tIns="91425" rIns="91425" bIns="91425" anchor="t" anchorCtr="0">
+          <a:bodyPr anchorCtr="0" anchor="t" bIns="91425" lIns="91425" spcFirstLastPara="1" rIns="91425" wrap="square" tIns="91425">
             <a:noAutofit/>
           </a:bodyPr>
           <a:lstStyle/>
           <a:p>
-            <a:pPr marL="0" lvl="0" indent="0" algn="l" rtl="0">
-              <a:spcBef>
-                <a:spcPts val="0"/>
-              </a:spcBef>
-              <a:spcAft>
-                <a:spcPts val="0"/>
-              </a:spcAft>
+            <a:pPr indent="0" lvl="0" marL="0" rtl="0" algn="l">
+              <a:lnSpc>
+                <a:spcPct val="100000"/>
+              </a:lnSpc>
+              <a:spcBef>
+                <a:spcPts val="0"/>
+              </a:spcBef>
+              <a:spcAft>
+                <a:spcPts val="0"/>
+              </a:spcAft>
+              <a:buSzPts val="1100"/>
               <a:buNone/>
             </a:pPr>
+            <a:r>
+              <a:t/>
+            </a:r>
             <a:endParaRPr/>
           </a:p>
         </p:txBody>
@@ -1348,7 +1555,7 @@
 </file>
 
 <file path=ppt/slideLayouts/slideLayout1.xml><?xml version="1.0" encoding="utf-8"?>
-<p:sldLayout xmlns:a="http://schemas.openxmlformats.org/drawingml/2006/main" xmlns:r="http://schemas.openxmlformats.org/officeDocument/2006/relationships" xmlns:p="http://schemas.openxmlformats.org/presentationml/2006/main" matchingName="Title slide" type="title">
+<p:sldLayout xmlns:a="http://schemas.openxmlformats.org/drawingml/2006/main" xmlns:r="http://schemas.openxmlformats.org/officeDocument/2006/relationships" xmlns:mc="http://schemas.openxmlformats.org/markup-compatibility/2006" xmlns:mv="urn:schemas-microsoft-com:mac:vml" xmlns:p="http://schemas.openxmlformats.org/presentationml/2006/main" xmlns:c="http://schemas.openxmlformats.org/drawingml/2006/chart" xmlns:dgm="http://schemas.openxmlformats.org/drawingml/2006/diagram" xmlns:o="urn:schemas-microsoft-com:office:office" xmlns:v="urn:schemas-microsoft-com:vml" xmlns:pvml="urn:schemas-microsoft-com:office:powerpoint" xmlns:com="http://schemas.openxmlformats.org/drawingml/2006/compatibility" xmlns:p14="http://schemas.microsoft.com/office/powerpoint/2010/main" xmlns:p15="http://schemas.microsoft.com/office/powerpoint/2012/main" xmlns:ahyp="http://schemas.microsoft.com/office/drawing/2018/hyperlinkcolor" matchingName="Title slide" type="title">
   <p:cSld name="TITLE">
     <p:bg>
       <p:bgPr>
@@ -1360,12 +1567,11 @@
             <a:fillRect/>
           </a:stretch>
         </a:blipFill>
-        <a:effectLst/>
       </p:bgPr>
     </p:bg>
     <p:spTree>
       <p:nvGrpSpPr>
-        <p:cNvPr id="1" name="Shape 8"/>
+        <p:cNvPr id="8" name="Shape 8"/>
         <p:cNvGrpSpPr/>
         <p:nvPr/>
       </p:nvGrpSpPr>
@@ -1379,10 +1585,8 @@
       </p:grpSpPr>
       <p:sp>
         <p:nvSpPr>
-          <p:cNvPr id="9" name="Google Shape;9;p2"/>
-          <p:cNvSpPr txBox="1">
-            <a:spLocks noGrp="1"/>
-          </p:cNvSpPr>
+          <p:cNvPr id="9" name="Google Shape;9;p8"/>
+          <p:cNvSpPr txBox="1"/>
           <p:nvPr>
             <p:ph type="ctrTitle"/>
           </p:nvPr>
@@ -1395,13 +1599,20 @@
           <a:prstGeom prst="rect">
             <a:avLst/>
           </a:prstGeom>
+          <a:noFill/>
+          <a:ln>
+            <a:noFill/>
+          </a:ln>
         </p:spPr>
         <p:txBody>
-          <a:bodyPr spcFirstLastPara="1" wrap="square" lIns="91425" tIns="91425" rIns="91425" bIns="91425" anchor="b" anchorCtr="0">
+          <a:bodyPr anchorCtr="0" anchor="b" bIns="91425" lIns="91425" spcFirstLastPara="1" rIns="91425" wrap="square" tIns="91425">
             <a:noAutofit/>
           </a:bodyPr>
           <a:lstStyle>
-            <a:lvl1pPr lvl="0">
+            <a:lvl1pPr lvl="0" algn="l">
+              <a:lnSpc>
+                <a:spcPct val="100000"/>
+              </a:lnSpc>
               <a:spcBef>
                 <a:spcPts val="0"/>
               </a:spcBef>
@@ -1418,6 +1629,9 @@
               </a:defRPr>
             </a:lvl1pPr>
             <a:lvl2pPr lvl="1" algn="ctr">
+              <a:lnSpc>
+                <a:spcPct val="100000"/>
+              </a:lnSpc>
               <a:spcBef>
                 <a:spcPts val="0"/>
               </a:spcBef>
@@ -1429,6 +1643,9 @@
               <a:defRPr sz="5200"/>
             </a:lvl2pPr>
             <a:lvl3pPr lvl="2" algn="ctr">
+              <a:lnSpc>
+                <a:spcPct val="100000"/>
+              </a:lnSpc>
               <a:spcBef>
                 <a:spcPts val="0"/>
               </a:spcBef>
@@ -1440,6 +1657,9 @@
               <a:defRPr sz="5200"/>
             </a:lvl3pPr>
             <a:lvl4pPr lvl="3" algn="ctr">
+              <a:lnSpc>
+                <a:spcPct val="100000"/>
+              </a:lnSpc>
               <a:spcBef>
                 <a:spcPts val="0"/>
               </a:spcBef>
@@ -1451,6 +1671,9 @@
               <a:defRPr sz="5200"/>
             </a:lvl4pPr>
             <a:lvl5pPr lvl="4" algn="ctr">
+              <a:lnSpc>
+                <a:spcPct val="100000"/>
+              </a:lnSpc>
               <a:spcBef>
                 <a:spcPts val="0"/>
               </a:spcBef>
@@ -1462,6 +1685,9 @@
               <a:defRPr sz="5200"/>
             </a:lvl5pPr>
             <a:lvl6pPr lvl="5" algn="ctr">
+              <a:lnSpc>
+                <a:spcPct val="100000"/>
+              </a:lnSpc>
               <a:spcBef>
                 <a:spcPts val="0"/>
               </a:spcBef>
@@ -1473,6 +1699,9 @@
               <a:defRPr sz="5200"/>
             </a:lvl6pPr>
             <a:lvl7pPr lvl="6" algn="ctr">
+              <a:lnSpc>
+                <a:spcPct val="100000"/>
+              </a:lnSpc>
               <a:spcBef>
                 <a:spcPts val="0"/>
               </a:spcBef>
@@ -1484,6 +1713,9 @@
               <a:defRPr sz="5200"/>
             </a:lvl7pPr>
             <a:lvl8pPr lvl="7" algn="ctr">
+              <a:lnSpc>
+                <a:spcPct val="100000"/>
+              </a:lnSpc>
               <a:spcBef>
                 <a:spcPts val="0"/>
               </a:spcBef>
@@ -1495,6 +1727,9 @@
               <a:defRPr sz="5200"/>
             </a:lvl8pPr>
             <a:lvl9pPr lvl="8" algn="ctr">
+              <a:lnSpc>
+                <a:spcPct val="100000"/>
+              </a:lnSpc>
               <a:spcBef>
                 <a:spcPts val="0"/>
               </a:spcBef>
@@ -1506,19 +1741,15 @@
               <a:defRPr sz="5200"/>
             </a:lvl9pPr>
           </a:lstStyle>
-          <a:p>
-            <a:endParaRPr/>
-          </a:p>
+          <a:p/>
         </p:txBody>
       </p:sp>
       <p:sp>
         <p:nvSpPr>
-          <p:cNvPr id="10" name="Google Shape;10;p2"/>
-          <p:cNvSpPr txBox="1">
-            <a:spLocks noGrp="1"/>
-          </p:cNvSpPr>
+          <p:cNvPr id="10" name="Google Shape;10;p8"/>
+          <p:cNvSpPr txBox="1"/>
           <p:nvPr>
-            <p:ph type="subTitle" idx="1"/>
+            <p:ph idx="1" type="subTitle"/>
           </p:nvPr>
         </p:nvSpPr>
         <p:spPr>
@@ -1529,13 +1760,17 @@
           <a:prstGeom prst="rect">
             <a:avLst/>
           </a:prstGeom>
+          <a:noFill/>
+          <a:ln>
+            <a:noFill/>
+          </a:ln>
         </p:spPr>
         <p:txBody>
-          <a:bodyPr spcFirstLastPara="1" wrap="square" lIns="91425" tIns="91425" rIns="91425" bIns="91425" anchor="t" anchorCtr="0">
+          <a:bodyPr anchorCtr="0" anchor="t" bIns="91425" lIns="91425" spcFirstLastPara="1" rIns="91425" wrap="square" tIns="91425">
             <a:noAutofit/>
           </a:bodyPr>
           <a:lstStyle>
-            <a:lvl1pPr lvl="0">
+            <a:lvl1pPr lvl="0" algn="l">
               <a:lnSpc>
                 <a:spcPct val="100000"/>
               </a:lnSpc>
@@ -1667,9 +1902,7 @@
               <a:defRPr sz="2800"/>
             </a:lvl9pPr>
           </a:lstStyle>
-          <a:p>
-            <a:endParaRPr/>
-          </a:p>
+          <a:p/>
         </p:txBody>
       </p:sp>
     </p:spTree>
@@ -1681,7 +1914,7 @@
 </file>
 
 <file path=ppt/slideLayouts/slideLayout2.xml><?xml version="1.0" encoding="utf-8"?>
-<p:sldLayout xmlns:a="http://schemas.openxmlformats.org/drawingml/2006/main" xmlns:r="http://schemas.openxmlformats.org/officeDocument/2006/relationships" xmlns:p="http://schemas.openxmlformats.org/presentationml/2006/main" matchingName="Title and body" type="tx">
+<p:sldLayout xmlns:a="http://schemas.openxmlformats.org/drawingml/2006/main" xmlns:r="http://schemas.openxmlformats.org/officeDocument/2006/relationships" xmlns:mc="http://schemas.openxmlformats.org/markup-compatibility/2006" xmlns:mv="urn:schemas-microsoft-com:mac:vml" xmlns:p="http://schemas.openxmlformats.org/presentationml/2006/main" xmlns:c="http://schemas.openxmlformats.org/drawingml/2006/chart" xmlns:dgm="http://schemas.openxmlformats.org/drawingml/2006/diagram" xmlns:o="urn:schemas-microsoft-com:office:office" xmlns:v="urn:schemas-microsoft-com:vml" xmlns:pvml="urn:schemas-microsoft-com:office:powerpoint" xmlns:com="http://schemas.openxmlformats.org/drawingml/2006/compatibility" xmlns:p14="http://schemas.microsoft.com/office/powerpoint/2010/main" xmlns:p15="http://schemas.microsoft.com/office/powerpoint/2012/main" xmlns:ahyp="http://schemas.microsoft.com/office/drawing/2018/hyperlinkcolor" matchingName="Title and body" type="tx">
   <p:cSld name="TITLE_AND_BODY">
     <p:bg>
       <p:bgPr>
@@ -1693,12 +1926,11 @@
             <a:fillRect/>
           </a:stretch>
         </a:blipFill>
-        <a:effectLst/>
       </p:bgPr>
     </p:bg>
     <p:spTree>
       <p:nvGrpSpPr>
-        <p:cNvPr id="1" name="Shape 13"/>
+        <p:cNvPr id="11" name="Shape 11"/>
         <p:cNvGrpSpPr/>
         <p:nvPr/>
       </p:nvGrpSpPr>
@@ -1712,12 +1944,10 @@
       </p:grpSpPr>
       <p:sp>
         <p:nvSpPr>
-          <p:cNvPr id="14" name="Google Shape;14;p4"/>
-          <p:cNvSpPr txBox="1">
-            <a:spLocks noGrp="1"/>
-          </p:cNvSpPr>
+          <p:cNvPr id="12" name="Google Shape;12;p9"/>
+          <p:cNvSpPr txBox="1"/>
           <p:nvPr>
-            <p:ph type="body" idx="1"/>
+            <p:ph idx="1" type="body"/>
           </p:nvPr>
         </p:nvSpPr>
         <p:spPr>
@@ -1730,16 +1960,19 @@
           </a:prstGeom>
           <a:solidFill>
             <a:srgbClr val="FFFFFF">
-              <a:alpha val="45090"/>
+              <a:alpha val="44705"/>
             </a:srgbClr>
           </a:solidFill>
+          <a:ln>
+            <a:noFill/>
+          </a:ln>
         </p:spPr>
         <p:txBody>
-          <a:bodyPr spcFirstLastPara="1" wrap="square" lIns="91425" tIns="91425" rIns="91425" bIns="91425" anchor="t" anchorCtr="0">
+          <a:bodyPr anchorCtr="0" anchor="t" bIns="91425" lIns="91425" spcFirstLastPara="1" rIns="91425" wrap="square" tIns="91425">
             <a:noAutofit/>
           </a:bodyPr>
           <a:lstStyle>
-            <a:lvl1pPr marL="457200" lvl="0" indent="-298450">
+            <a:lvl1pPr indent="-298450" lvl="0" marL="457200" algn="l">
               <a:lnSpc>
                 <a:spcPct val="100000"/>
               </a:lnSpc>
@@ -1760,7 +1993,10 @@
                 </a:solidFill>
               </a:defRPr>
             </a:lvl1pPr>
-            <a:lvl2pPr marL="914400" lvl="1" indent="-298450">
+            <a:lvl2pPr indent="-298450" lvl="1" marL="914400" algn="l">
+              <a:lnSpc>
+                <a:spcPct val="115000"/>
+              </a:lnSpc>
               <a:spcBef>
                 <a:spcPts val="1600"/>
               </a:spcBef>
@@ -1774,7 +2010,10 @@
               <a:buAutoNum type="alphaLcPeriod"/>
               <a:defRPr sz="1200"/>
             </a:lvl2pPr>
-            <a:lvl3pPr marL="1371600" lvl="2" indent="-298450">
+            <a:lvl3pPr indent="-298450" lvl="2" marL="1371600" algn="l">
+              <a:lnSpc>
+                <a:spcPct val="115000"/>
+              </a:lnSpc>
               <a:spcBef>
                 <a:spcPts val="1600"/>
               </a:spcBef>
@@ -1788,7 +2027,10 @@
               <a:buAutoNum type="romanLcPeriod"/>
               <a:defRPr sz="1200"/>
             </a:lvl3pPr>
-            <a:lvl4pPr marL="1828800" lvl="3" indent="-298450">
+            <a:lvl4pPr indent="-298450" lvl="3" marL="1828800" algn="l">
+              <a:lnSpc>
+                <a:spcPct val="115000"/>
+              </a:lnSpc>
               <a:spcBef>
                 <a:spcPts val="1600"/>
               </a:spcBef>
@@ -1802,7 +2044,10 @@
               <a:buAutoNum type="arabicPeriod"/>
               <a:defRPr sz="1200"/>
             </a:lvl4pPr>
-            <a:lvl5pPr marL="2286000" lvl="4" indent="-298450">
+            <a:lvl5pPr indent="-298450" lvl="4" marL="2286000" algn="l">
+              <a:lnSpc>
+                <a:spcPct val="115000"/>
+              </a:lnSpc>
               <a:spcBef>
                 <a:spcPts val="1600"/>
               </a:spcBef>
@@ -1816,7 +2061,10 @@
               <a:buAutoNum type="alphaLcPeriod"/>
               <a:defRPr sz="1200"/>
             </a:lvl5pPr>
-            <a:lvl6pPr marL="2743200" lvl="5" indent="-298450">
+            <a:lvl6pPr indent="-298450" lvl="5" marL="2743200" algn="l">
+              <a:lnSpc>
+                <a:spcPct val="115000"/>
+              </a:lnSpc>
               <a:spcBef>
                 <a:spcPts val="1600"/>
               </a:spcBef>
@@ -1830,7 +2078,10 @@
               <a:buAutoNum type="romanLcPeriod"/>
               <a:defRPr sz="1200"/>
             </a:lvl6pPr>
-            <a:lvl7pPr marL="3200400" lvl="6" indent="-298450">
+            <a:lvl7pPr indent="-298450" lvl="6" marL="3200400" algn="l">
+              <a:lnSpc>
+                <a:spcPct val="115000"/>
+              </a:lnSpc>
               <a:spcBef>
                 <a:spcPts val="1600"/>
               </a:spcBef>
@@ -1844,7 +2095,10 @@
               <a:buAutoNum type="arabicPeriod"/>
               <a:defRPr sz="1200"/>
             </a:lvl7pPr>
-            <a:lvl8pPr marL="3657600" lvl="7" indent="-298450">
+            <a:lvl8pPr indent="-298450" lvl="7" marL="3657600" algn="l">
+              <a:lnSpc>
+                <a:spcPct val="115000"/>
+              </a:lnSpc>
               <a:spcBef>
                 <a:spcPts val="1600"/>
               </a:spcBef>
@@ -1858,7 +2112,10 @@
               <a:buAutoNum type="alphaLcPeriod"/>
               <a:defRPr sz="1200"/>
             </a:lvl8pPr>
-            <a:lvl9pPr marL="4114800" lvl="8" indent="-298450">
+            <a:lvl9pPr indent="-298450" lvl="8" marL="4114800" algn="l">
+              <a:lnSpc>
+                <a:spcPct val="115000"/>
+              </a:lnSpc>
               <a:spcBef>
                 <a:spcPts val="1600"/>
               </a:spcBef>
@@ -1873,17 +2130,13 @@
               <a:defRPr sz="1200"/>
             </a:lvl9pPr>
           </a:lstStyle>
-          <a:p>
-            <a:endParaRPr/>
-          </a:p>
+          <a:p/>
         </p:txBody>
       </p:sp>
       <p:sp>
         <p:nvSpPr>
-          <p:cNvPr id="15" name="Google Shape;15;p4"/>
-          <p:cNvSpPr txBox="1">
-            <a:spLocks noGrp="1"/>
-          </p:cNvSpPr>
+          <p:cNvPr id="13" name="Google Shape;13;p9"/>
+          <p:cNvSpPr txBox="1"/>
           <p:nvPr>
             <p:ph type="title"/>
           </p:nvPr>
@@ -1896,13 +2149,20 @@
           <a:prstGeom prst="rect">
             <a:avLst/>
           </a:prstGeom>
+          <a:noFill/>
+          <a:ln>
+            <a:noFill/>
+          </a:ln>
         </p:spPr>
         <p:txBody>
-          <a:bodyPr spcFirstLastPara="1" wrap="square" lIns="91425" tIns="91425" rIns="91425" bIns="91425" anchor="t" anchorCtr="0">
+          <a:bodyPr anchorCtr="0" anchor="t" bIns="91425" lIns="91425" spcFirstLastPara="1" rIns="91425" wrap="square" tIns="91425">
             <a:noAutofit/>
           </a:bodyPr>
           <a:lstStyle>
-            <a:lvl1pPr lvl="0" algn="ctr" rtl="0">
+            <a:lvl1pPr lvl="0" algn="ctr">
+              <a:lnSpc>
+                <a:spcPct val="100000"/>
+              </a:lnSpc>
               <a:spcBef>
                 <a:spcPts val="0"/>
               </a:spcBef>
@@ -1913,7 +2173,10 @@
               <a:buNone/>
               <a:defRPr sz="3000"/>
             </a:lvl1pPr>
-            <a:lvl2pPr lvl="1" algn="ctr" rtl="0">
+            <a:lvl2pPr lvl="1" algn="ctr">
+              <a:lnSpc>
+                <a:spcPct val="100000"/>
+              </a:lnSpc>
               <a:spcBef>
                 <a:spcPts val="0"/>
               </a:spcBef>
@@ -1924,7 +2187,10 @@
               <a:buNone/>
               <a:defRPr sz="3000"/>
             </a:lvl2pPr>
-            <a:lvl3pPr lvl="2" algn="ctr" rtl="0">
+            <a:lvl3pPr lvl="2" algn="ctr">
+              <a:lnSpc>
+                <a:spcPct val="100000"/>
+              </a:lnSpc>
               <a:spcBef>
                 <a:spcPts val="0"/>
               </a:spcBef>
@@ -1935,7 +2201,10 @@
               <a:buNone/>
               <a:defRPr sz="3000"/>
             </a:lvl3pPr>
-            <a:lvl4pPr lvl="3" algn="ctr" rtl="0">
+            <a:lvl4pPr lvl="3" algn="ctr">
+              <a:lnSpc>
+                <a:spcPct val="100000"/>
+              </a:lnSpc>
               <a:spcBef>
                 <a:spcPts val="0"/>
               </a:spcBef>
@@ -1946,7 +2215,10 @@
               <a:buNone/>
               <a:defRPr sz="3000"/>
             </a:lvl4pPr>
-            <a:lvl5pPr lvl="4" algn="ctr" rtl="0">
+            <a:lvl5pPr lvl="4" algn="ctr">
+              <a:lnSpc>
+                <a:spcPct val="100000"/>
+              </a:lnSpc>
               <a:spcBef>
                 <a:spcPts val="0"/>
               </a:spcBef>
@@ -1957,7 +2229,10 @@
               <a:buNone/>
               <a:defRPr sz="3000"/>
             </a:lvl5pPr>
-            <a:lvl6pPr lvl="5" algn="ctr" rtl="0">
+            <a:lvl6pPr lvl="5" algn="ctr">
+              <a:lnSpc>
+                <a:spcPct val="100000"/>
+              </a:lnSpc>
               <a:spcBef>
                 <a:spcPts val="0"/>
               </a:spcBef>
@@ -1968,7 +2243,10 @@
               <a:buNone/>
               <a:defRPr sz="3000"/>
             </a:lvl6pPr>
-            <a:lvl7pPr lvl="6" algn="ctr" rtl="0">
+            <a:lvl7pPr lvl="6" algn="ctr">
+              <a:lnSpc>
+                <a:spcPct val="100000"/>
+              </a:lnSpc>
               <a:spcBef>
                 <a:spcPts val="0"/>
               </a:spcBef>
@@ -1979,7 +2257,10 @@
               <a:buNone/>
               <a:defRPr sz="3000"/>
             </a:lvl7pPr>
-            <a:lvl8pPr lvl="7" algn="ctr" rtl="0">
+            <a:lvl8pPr lvl="7" algn="ctr">
+              <a:lnSpc>
+                <a:spcPct val="100000"/>
+              </a:lnSpc>
               <a:spcBef>
                 <a:spcPts val="0"/>
               </a:spcBef>
@@ -1990,7 +2271,10 @@
               <a:buNone/>
               <a:defRPr sz="3000"/>
             </a:lvl8pPr>
-            <a:lvl9pPr lvl="8" algn="ctr" rtl="0">
+            <a:lvl9pPr lvl="8" algn="ctr">
+              <a:lnSpc>
+                <a:spcPct val="100000"/>
+              </a:lnSpc>
               <a:spcBef>
                 <a:spcPts val="0"/>
               </a:spcBef>
@@ -2002,9 +2286,7 @@
               <a:defRPr sz="3000"/>
             </a:lvl9pPr>
           </a:lstStyle>
-          <a:p>
-            <a:endParaRPr/>
-          </a:p>
+          <a:p/>
         </p:txBody>
       </p:sp>
     </p:spTree>
@@ -2016,8 +2298,8 @@
 </file>
 
 <file path=ppt/slideLayouts/slideLayout3.xml><?xml version="1.0" encoding="utf-8"?>
-<p:sldLayout xmlns:a="http://schemas.openxmlformats.org/drawingml/2006/main" xmlns:r="http://schemas.openxmlformats.org/officeDocument/2006/relationships" xmlns:p="http://schemas.openxmlformats.org/presentationml/2006/main" matchingName="Main point">
-  <p:cSld name="MAIN_POINT">
+<p:sldLayout xmlns:a="http://schemas.openxmlformats.org/drawingml/2006/main" xmlns:r="http://schemas.openxmlformats.org/officeDocument/2006/relationships" xmlns:mc="http://schemas.openxmlformats.org/markup-compatibility/2006" xmlns:mv="urn:schemas-microsoft-com:mac:vml" xmlns:p="http://schemas.openxmlformats.org/presentationml/2006/main" xmlns:c="http://schemas.openxmlformats.org/drawingml/2006/chart" xmlns:dgm="http://schemas.openxmlformats.org/drawingml/2006/diagram" xmlns:o="urn:schemas-microsoft-com:office:office" xmlns:v="urn:schemas-microsoft-com:vml" xmlns:pvml="urn:schemas-microsoft-com:office:powerpoint" xmlns:com="http://schemas.openxmlformats.org/drawingml/2006/compatibility" xmlns:p14="http://schemas.microsoft.com/office/powerpoint/2010/main" xmlns:p15="http://schemas.microsoft.com/office/powerpoint/2012/main" xmlns:ahyp="http://schemas.microsoft.com/office/drawing/2018/hyperlinkcolor" matchingName="Agenda">
+  <p:cSld name="BLANK_1">
     <p:bg>
       <p:bgPr>
         <a:blipFill>
@@ -2028,12 +2310,11 @@
             <a:fillRect/>
           </a:stretch>
         </a:blipFill>
-        <a:effectLst/>
       </p:bgPr>
     </p:bg>
     <p:spTree>
       <p:nvGrpSpPr>
-        <p:cNvPr id="1" name="Shape 29"/>
+        <p:cNvPr id="14" name="Shape 14"/>
         <p:cNvGrpSpPr/>
         <p:nvPr/>
       </p:nvGrpSpPr>
@@ -2047,10 +2328,1917 @@
       </p:grpSpPr>
       <p:sp>
         <p:nvSpPr>
-          <p:cNvPr id="30" name="Google Shape;30;p9"/>
-          <p:cNvSpPr txBox="1">
-            <a:spLocks noGrp="1"/>
-          </p:cNvSpPr>
+          <p:cNvPr id="15" name="Google Shape;15;p10"/>
+          <p:cNvSpPr txBox="1"/>
+          <p:nvPr>
+            <p:ph type="title"/>
+          </p:nvPr>
+        </p:nvSpPr>
+        <p:spPr>
+          <a:xfrm>
+            <a:off x="1511713" y="1452625"/>
+            <a:ext cx="2339100" cy="421500"/>
+          </a:xfrm>
+          <a:prstGeom prst="rect">
+            <a:avLst/>
+          </a:prstGeom>
+          <a:noFill/>
+          <a:ln>
+            <a:noFill/>
+          </a:ln>
+        </p:spPr>
+        <p:txBody>
+          <a:bodyPr anchorCtr="0" anchor="ctr" bIns="0" lIns="0" spcFirstLastPara="1" rIns="0" wrap="square" tIns="0">
+            <a:noAutofit/>
+          </a:bodyPr>
+          <a:lstStyle>
+            <a:lvl1pPr lvl="0" algn="l">
+              <a:lnSpc>
+                <a:spcPct val="100000"/>
+              </a:lnSpc>
+              <a:spcBef>
+                <a:spcPts val="0"/>
+              </a:spcBef>
+              <a:spcAft>
+                <a:spcPts val="0"/>
+              </a:spcAft>
+              <a:buSzPts val="1400"/>
+              <a:buNone/>
+              <a:defRPr i="0" sz="2400"/>
+            </a:lvl1pPr>
+            <a:lvl2pPr lvl="1" algn="r">
+              <a:lnSpc>
+                <a:spcPct val="100000"/>
+              </a:lnSpc>
+              <a:spcBef>
+                <a:spcPts val="0"/>
+              </a:spcBef>
+              <a:spcAft>
+                <a:spcPts val="0"/>
+              </a:spcAft>
+              <a:buSzPts val="1400"/>
+              <a:buNone/>
+              <a:defRPr sz="1400"/>
+            </a:lvl2pPr>
+            <a:lvl3pPr lvl="2" algn="r">
+              <a:lnSpc>
+                <a:spcPct val="100000"/>
+              </a:lnSpc>
+              <a:spcBef>
+                <a:spcPts val="0"/>
+              </a:spcBef>
+              <a:spcAft>
+                <a:spcPts val="0"/>
+              </a:spcAft>
+              <a:buSzPts val="1400"/>
+              <a:buNone/>
+              <a:defRPr sz="1400"/>
+            </a:lvl3pPr>
+            <a:lvl4pPr lvl="3" algn="r">
+              <a:lnSpc>
+                <a:spcPct val="100000"/>
+              </a:lnSpc>
+              <a:spcBef>
+                <a:spcPts val="0"/>
+              </a:spcBef>
+              <a:spcAft>
+                <a:spcPts val="0"/>
+              </a:spcAft>
+              <a:buSzPts val="1400"/>
+              <a:buNone/>
+              <a:defRPr sz="1400"/>
+            </a:lvl4pPr>
+            <a:lvl5pPr lvl="4" algn="r">
+              <a:lnSpc>
+                <a:spcPct val="100000"/>
+              </a:lnSpc>
+              <a:spcBef>
+                <a:spcPts val="0"/>
+              </a:spcBef>
+              <a:spcAft>
+                <a:spcPts val="0"/>
+              </a:spcAft>
+              <a:buSzPts val="1400"/>
+              <a:buNone/>
+              <a:defRPr sz="1400"/>
+            </a:lvl5pPr>
+            <a:lvl6pPr lvl="5" algn="r">
+              <a:lnSpc>
+                <a:spcPct val="100000"/>
+              </a:lnSpc>
+              <a:spcBef>
+                <a:spcPts val="0"/>
+              </a:spcBef>
+              <a:spcAft>
+                <a:spcPts val="0"/>
+              </a:spcAft>
+              <a:buSzPts val="1400"/>
+              <a:buNone/>
+              <a:defRPr sz="1400"/>
+            </a:lvl6pPr>
+            <a:lvl7pPr lvl="6" algn="r">
+              <a:lnSpc>
+                <a:spcPct val="100000"/>
+              </a:lnSpc>
+              <a:spcBef>
+                <a:spcPts val="0"/>
+              </a:spcBef>
+              <a:spcAft>
+                <a:spcPts val="0"/>
+              </a:spcAft>
+              <a:buSzPts val="1400"/>
+              <a:buNone/>
+              <a:defRPr sz="1400"/>
+            </a:lvl7pPr>
+            <a:lvl8pPr lvl="7" algn="r">
+              <a:lnSpc>
+                <a:spcPct val="100000"/>
+              </a:lnSpc>
+              <a:spcBef>
+                <a:spcPts val="0"/>
+              </a:spcBef>
+              <a:spcAft>
+                <a:spcPts val="0"/>
+              </a:spcAft>
+              <a:buSzPts val="1400"/>
+              <a:buNone/>
+              <a:defRPr sz="1400"/>
+            </a:lvl8pPr>
+            <a:lvl9pPr lvl="8" algn="r">
+              <a:lnSpc>
+                <a:spcPct val="100000"/>
+              </a:lnSpc>
+              <a:spcBef>
+                <a:spcPts val="0"/>
+              </a:spcBef>
+              <a:spcAft>
+                <a:spcPts val="0"/>
+              </a:spcAft>
+              <a:buSzPts val="1400"/>
+              <a:buNone/>
+              <a:defRPr sz="1400"/>
+            </a:lvl9pPr>
+          </a:lstStyle>
+          <a:p/>
+        </p:txBody>
+      </p:sp>
+      <p:sp>
+        <p:nvSpPr>
+          <p:cNvPr id="16" name="Google Shape;16;p10"/>
+          <p:cNvSpPr txBox="1"/>
+          <p:nvPr>
+            <p:ph idx="1" type="subTitle"/>
+          </p:nvPr>
+        </p:nvSpPr>
+        <p:spPr>
+          <a:xfrm>
+            <a:off x="1511712" y="1779575"/>
+            <a:ext cx="2339100" cy="644700"/>
+          </a:xfrm>
+          <a:prstGeom prst="rect">
+            <a:avLst/>
+          </a:prstGeom>
+          <a:noFill/>
+          <a:ln>
+            <a:noFill/>
+          </a:ln>
+        </p:spPr>
+        <p:txBody>
+          <a:bodyPr anchorCtr="0" anchor="t" bIns="91425" lIns="91425" spcFirstLastPara="1" rIns="91425" wrap="square" tIns="91425">
+            <a:noAutofit/>
+          </a:bodyPr>
+          <a:lstStyle>
+            <a:lvl1pPr lvl="0" algn="l">
+              <a:lnSpc>
+                <a:spcPct val="100000"/>
+              </a:lnSpc>
+              <a:spcBef>
+                <a:spcPts val="0"/>
+              </a:spcBef>
+              <a:spcAft>
+                <a:spcPts val="0"/>
+              </a:spcAft>
+              <a:buSzPts val="1200"/>
+              <a:buNone/>
+              <a:defRPr sz="1400"/>
+            </a:lvl1pPr>
+            <a:lvl2pPr lvl="1" algn="l">
+              <a:lnSpc>
+                <a:spcPct val="100000"/>
+              </a:lnSpc>
+              <a:spcBef>
+                <a:spcPts val="1600"/>
+              </a:spcBef>
+              <a:spcAft>
+                <a:spcPts val="0"/>
+              </a:spcAft>
+              <a:buSzPts val="1200"/>
+              <a:buNone/>
+              <a:defRPr sz="1400"/>
+            </a:lvl2pPr>
+            <a:lvl3pPr lvl="2" algn="l">
+              <a:lnSpc>
+                <a:spcPct val="100000"/>
+              </a:lnSpc>
+              <a:spcBef>
+                <a:spcPts val="1600"/>
+              </a:spcBef>
+              <a:spcAft>
+                <a:spcPts val="0"/>
+              </a:spcAft>
+              <a:buSzPts val="1200"/>
+              <a:buNone/>
+              <a:defRPr sz="1400"/>
+            </a:lvl3pPr>
+            <a:lvl4pPr lvl="3" algn="l">
+              <a:lnSpc>
+                <a:spcPct val="100000"/>
+              </a:lnSpc>
+              <a:spcBef>
+                <a:spcPts val="1600"/>
+              </a:spcBef>
+              <a:spcAft>
+                <a:spcPts val="0"/>
+              </a:spcAft>
+              <a:buSzPts val="1200"/>
+              <a:buNone/>
+              <a:defRPr sz="1400"/>
+            </a:lvl4pPr>
+            <a:lvl5pPr lvl="4" algn="l">
+              <a:lnSpc>
+                <a:spcPct val="100000"/>
+              </a:lnSpc>
+              <a:spcBef>
+                <a:spcPts val="1600"/>
+              </a:spcBef>
+              <a:spcAft>
+                <a:spcPts val="0"/>
+              </a:spcAft>
+              <a:buSzPts val="1200"/>
+              <a:buNone/>
+              <a:defRPr sz="1400"/>
+            </a:lvl5pPr>
+            <a:lvl6pPr lvl="5" algn="l">
+              <a:lnSpc>
+                <a:spcPct val="100000"/>
+              </a:lnSpc>
+              <a:spcBef>
+                <a:spcPts val="1600"/>
+              </a:spcBef>
+              <a:spcAft>
+                <a:spcPts val="0"/>
+              </a:spcAft>
+              <a:buSzPts val="1200"/>
+              <a:buNone/>
+              <a:defRPr sz="1400"/>
+            </a:lvl6pPr>
+            <a:lvl7pPr lvl="6" algn="l">
+              <a:lnSpc>
+                <a:spcPct val="100000"/>
+              </a:lnSpc>
+              <a:spcBef>
+                <a:spcPts val="1600"/>
+              </a:spcBef>
+              <a:spcAft>
+                <a:spcPts val="0"/>
+              </a:spcAft>
+              <a:buSzPts val="1200"/>
+              <a:buNone/>
+              <a:defRPr sz="1400"/>
+            </a:lvl7pPr>
+            <a:lvl8pPr lvl="7" algn="l">
+              <a:lnSpc>
+                <a:spcPct val="100000"/>
+              </a:lnSpc>
+              <a:spcBef>
+                <a:spcPts val="1600"/>
+              </a:spcBef>
+              <a:spcAft>
+                <a:spcPts val="0"/>
+              </a:spcAft>
+              <a:buSzPts val="1200"/>
+              <a:buNone/>
+              <a:defRPr sz="1400"/>
+            </a:lvl8pPr>
+            <a:lvl9pPr lvl="8" algn="l">
+              <a:lnSpc>
+                <a:spcPct val="100000"/>
+              </a:lnSpc>
+              <a:spcBef>
+                <a:spcPts val="1600"/>
+              </a:spcBef>
+              <a:spcAft>
+                <a:spcPts val="1600"/>
+              </a:spcAft>
+              <a:buSzPts val="1200"/>
+              <a:buNone/>
+              <a:defRPr sz="1400"/>
+            </a:lvl9pPr>
+          </a:lstStyle>
+          <a:p/>
+        </p:txBody>
+      </p:sp>
+      <p:sp>
+        <p:nvSpPr>
+          <p:cNvPr id="17" name="Google Shape;17;p10"/>
+          <p:cNvSpPr txBox="1"/>
+          <p:nvPr>
+            <p:ph idx="2" type="title"/>
+          </p:nvPr>
+        </p:nvSpPr>
+        <p:spPr>
+          <a:xfrm>
+            <a:off x="4845487" y="1455263"/>
+            <a:ext cx="2339100" cy="421500"/>
+          </a:xfrm>
+          <a:prstGeom prst="rect">
+            <a:avLst/>
+          </a:prstGeom>
+          <a:noFill/>
+          <a:ln>
+            <a:noFill/>
+          </a:ln>
+        </p:spPr>
+        <p:txBody>
+          <a:bodyPr anchorCtr="0" anchor="ctr" bIns="0" lIns="0" spcFirstLastPara="1" rIns="0" wrap="square" tIns="0">
+            <a:noAutofit/>
+          </a:bodyPr>
+          <a:lstStyle>
+            <a:lvl1pPr lvl="0" marR="72000" algn="l">
+              <a:lnSpc>
+                <a:spcPct val="100000"/>
+              </a:lnSpc>
+              <a:spcBef>
+                <a:spcPts val="0"/>
+              </a:spcBef>
+              <a:spcAft>
+                <a:spcPts val="0"/>
+              </a:spcAft>
+              <a:buSzPts val="1400"/>
+              <a:buNone/>
+              <a:defRPr i="0" sz="2400"/>
+            </a:lvl1pPr>
+            <a:lvl2pPr lvl="1" algn="l">
+              <a:lnSpc>
+                <a:spcPct val="100000"/>
+              </a:lnSpc>
+              <a:spcBef>
+                <a:spcPts val="0"/>
+              </a:spcBef>
+              <a:spcAft>
+                <a:spcPts val="0"/>
+              </a:spcAft>
+              <a:buSzPts val="1400"/>
+              <a:buNone/>
+              <a:defRPr sz="1400"/>
+            </a:lvl2pPr>
+            <a:lvl3pPr lvl="2" algn="l">
+              <a:lnSpc>
+                <a:spcPct val="100000"/>
+              </a:lnSpc>
+              <a:spcBef>
+                <a:spcPts val="0"/>
+              </a:spcBef>
+              <a:spcAft>
+                <a:spcPts val="0"/>
+              </a:spcAft>
+              <a:buSzPts val="1400"/>
+              <a:buNone/>
+              <a:defRPr sz="1400"/>
+            </a:lvl3pPr>
+            <a:lvl4pPr lvl="3" algn="l">
+              <a:lnSpc>
+                <a:spcPct val="100000"/>
+              </a:lnSpc>
+              <a:spcBef>
+                <a:spcPts val="0"/>
+              </a:spcBef>
+              <a:spcAft>
+                <a:spcPts val="0"/>
+              </a:spcAft>
+              <a:buSzPts val="1400"/>
+              <a:buNone/>
+              <a:defRPr sz="1400"/>
+            </a:lvl4pPr>
+            <a:lvl5pPr lvl="4" algn="l">
+              <a:lnSpc>
+                <a:spcPct val="100000"/>
+              </a:lnSpc>
+              <a:spcBef>
+                <a:spcPts val="0"/>
+              </a:spcBef>
+              <a:spcAft>
+                <a:spcPts val="0"/>
+              </a:spcAft>
+              <a:buSzPts val="1400"/>
+              <a:buNone/>
+              <a:defRPr sz="1400"/>
+            </a:lvl5pPr>
+            <a:lvl6pPr lvl="5" algn="l">
+              <a:lnSpc>
+                <a:spcPct val="100000"/>
+              </a:lnSpc>
+              <a:spcBef>
+                <a:spcPts val="0"/>
+              </a:spcBef>
+              <a:spcAft>
+                <a:spcPts val="0"/>
+              </a:spcAft>
+              <a:buSzPts val="1400"/>
+              <a:buNone/>
+              <a:defRPr sz="1400"/>
+            </a:lvl6pPr>
+            <a:lvl7pPr lvl="6" algn="l">
+              <a:lnSpc>
+                <a:spcPct val="100000"/>
+              </a:lnSpc>
+              <a:spcBef>
+                <a:spcPts val="0"/>
+              </a:spcBef>
+              <a:spcAft>
+                <a:spcPts val="0"/>
+              </a:spcAft>
+              <a:buSzPts val="1400"/>
+              <a:buNone/>
+              <a:defRPr sz="1400"/>
+            </a:lvl7pPr>
+            <a:lvl8pPr lvl="7" algn="l">
+              <a:lnSpc>
+                <a:spcPct val="100000"/>
+              </a:lnSpc>
+              <a:spcBef>
+                <a:spcPts val="0"/>
+              </a:spcBef>
+              <a:spcAft>
+                <a:spcPts val="0"/>
+              </a:spcAft>
+              <a:buSzPts val="1400"/>
+              <a:buNone/>
+              <a:defRPr sz="1400"/>
+            </a:lvl8pPr>
+            <a:lvl9pPr lvl="8" algn="l">
+              <a:lnSpc>
+                <a:spcPct val="100000"/>
+              </a:lnSpc>
+              <a:spcBef>
+                <a:spcPts val="0"/>
+              </a:spcBef>
+              <a:spcAft>
+                <a:spcPts val="0"/>
+              </a:spcAft>
+              <a:buSzPts val="1400"/>
+              <a:buNone/>
+              <a:defRPr sz="1400"/>
+            </a:lvl9pPr>
+          </a:lstStyle>
+          <a:p/>
+        </p:txBody>
+      </p:sp>
+      <p:sp>
+        <p:nvSpPr>
+          <p:cNvPr id="18" name="Google Shape;18;p10"/>
+          <p:cNvSpPr txBox="1"/>
+          <p:nvPr>
+            <p:ph idx="3" type="subTitle"/>
+          </p:nvPr>
+        </p:nvSpPr>
+        <p:spPr>
+          <a:xfrm>
+            <a:off x="4845487" y="1782238"/>
+            <a:ext cx="2339100" cy="644700"/>
+          </a:xfrm>
+          <a:prstGeom prst="rect">
+            <a:avLst/>
+          </a:prstGeom>
+          <a:noFill/>
+          <a:ln>
+            <a:noFill/>
+          </a:ln>
+        </p:spPr>
+        <p:txBody>
+          <a:bodyPr anchorCtr="0" anchor="t" bIns="91425" lIns="91425" spcFirstLastPara="1" rIns="91425" wrap="square" tIns="91425">
+            <a:noAutofit/>
+          </a:bodyPr>
+          <a:lstStyle>
+            <a:lvl1pPr lvl="0" algn="l">
+              <a:lnSpc>
+                <a:spcPct val="100000"/>
+              </a:lnSpc>
+              <a:spcBef>
+                <a:spcPts val="0"/>
+              </a:spcBef>
+              <a:spcAft>
+                <a:spcPts val="0"/>
+              </a:spcAft>
+              <a:buSzPts val="1200"/>
+              <a:buNone/>
+              <a:defRPr sz="1400"/>
+            </a:lvl1pPr>
+            <a:lvl2pPr lvl="1" algn="l">
+              <a:lnSpc>
+                <a:spcPct val="100000"/>
+              </a:lnSpc>
+              <a:spcBef>
+                <a:spcPts val="1600"/>
+              </a:spcBef>
+              <a:spcAft>
+                <a:spcPts val="0"/>
+              </a:spcAft>
+              <a:buSzPts val="1200"/>
+              <a:buNone/>
+              <a:defRPr sz="1400"/>
+            </a:lvl2pPr>
+            <a:lvl3pPr lvl="2" algn="l">
+              <a:lnSpc>
+                <a:spcPct val="100000"/>
+              </a:lnSpc>
+              <a:spcBef>
+                <a:spcPts val="1600"/>
+              </a:spcBef>
+              <a:spcAft>
+                <a:spcPts val="0"/>
+              </a:spcAft>
+              <a:buSzPts val="1200"/>
+              <a:buNone/>
+              <a:defRPr sz="1400"/>
+            </a:lvl3pPr>
+            <a:lvl4pPr lvl="3" algn="l">
+              <a:lnSpc>
+                <a:spcPct val="100000"/>
+              </a:lnSpc>
+              <a:spcBef>
+                <a:spcPts val="1600"/>
+              </a:spcBef>
+              <a:spcAft>
+                <a:spcPts val="0"/>
+              </a:spcAft>
+              <a:buSzPts val="1200"/>
+              <a:buNone/>
+              <a:defRPr sz="1400"/>
+            </a:lvl4pPr>
+            <a:lvl5pPr lvl="4" algn="l">
+              <a:lnSpc>
+                <a:spcPct val="100000"/>
+              </a:lnSpc>
+              <a:spcBef>
+                <a:spcPts val="1600"/>
+              </a:spcBef>
+              <a:spcAft>
+                <a:spcPts val="0"/>
+              </a:spcAft>
+              <a:buSzPts val="1200"/>
+              <a:buNone/>
+              <a:defRPr sz="1400"/>
+            </a:lvl5pPr>
+            <a:lvl6pPr lvl="5" algn="l">
+              <a:lnSpc>
+                <a:spcPct val="100000"/>
+              </a:lnSpc>
+              <a:spcBef>
+                <a:spcPts val="1600"/>
+              </a:spcBef>
+              <a:spcAft>
+                <a:spcPts val="0"/>
+              </a:spcAft>
+              <a:buSzPts val="1200"/>
+              <a:buNone/>
+              <a:defRPr sz="1400"/>
+            </a:lvl6pPr>
+            <a:lvl7pPr lvl="6" algn="l">
+              <a:lnSpc>
+                <a:spcPct val="100000"/>
+              </a:lnSpc>
+              <a:spcBef>
+                <a:spcPts val="1600"/>
+              </a:spcBef>
+              <a:spcAft>
+                <a:spcPts val="0"/>
+              </a:spcAft>
+              <a:buSzPts val="1200"/>
+              <a:buNone/>
+              <a:defRPr sz="1400"/>
+            </a:lvl7pPr>
+            <a:lvl8pPr lvl="7" algn="l">
+              <a:lnSpc>
+                <a:spcPct val="100000"/>
+              </a:lnSpc>
+              <a:spcBef>
+                <a:spcPts val="1600"/>
+              </a:spcBef>
+              <a:spcAft>
+                <a:spcPts val="0"/>
+              </a:spcAft>
+              <a:buSzPts val="1200"/>
+              <a:buNone/>
+              <a:defRPr sz="1400"/>
+            </a:lvl8pPr>
+            <a:lvl9pPr lvl="8" algn="l">
+              <a:lnSpc>
+                <a:spcPct val="100000"/>
+              </a:lnSpc>
+              <a:spcBef>
+                <a:spcPts val="1600"/>
+              </a:spcBef>
+              <a:spcAft>
+                <a:spcPts val="1600"/>
+              </a:spcAft>
+              <a:buSzPts val="1200"/>
+              <a:buNone/>
+              <a:defRPr sz="1400"/>
+            </a:lvl9pPr>
+          </a:lstStyle>
+          <a:p/>
+        </p:txBody>
+      </p:sp>
+      <p:sp>
+        <p:nvSpPr>
+          <p:cNvPr id="19" name="Google Shape;19;p10"/>
+          <p:cNvSpPr txBox="1"/>
+          <p:nvPr>
+            <p:ph idx="4" type="title"/>
+          </p:nvPr>
+        </p:nvSpPr>
+        <p:spPr>
+          <a:xfrm>
+            <a:off x="2768313" y="2877450"/>
+            <a:ext cx="2339100" cy="421500"/>
+          </a:xfrm>
+          <a:prstGeom prst="rect">
+            <a:avLst/>
+          </a:prstGeom>
+          <a:noFill/>
+          <a:ln>
+            <a:noFill/>
+          </a:ln>
+        </p:spPr>
+        <p:txBody>
+          <a:bodyPr anchorCtr="0" anchor="ctr" bIns="0" lIns="0" spcFirstLastPara="1" rIns="0" wrap="square" tIns="0">
+            <a:noAutofit/>
+          </a:bodyPr>
+          <a:lstStyle>
+            <a:lvl1pPr lvl="0" algn="l">
+              <a:lnSpc>
+                <a:spcPct val="100000"/>
+              </a:lnSpc>
+              <a:spcBef>
+                <a:spcPts val="0"/>
+              </a:spcBef>
+              <a:spcAft>
+                <a:spcPts val="0"/>
+              </a:spcAft>
+              <a:buSzPts val="1400"/>
+              <a:buNone/>
+              <a:defRPr i="0" sz="2400"/>
+            </a:lvl1pPr>
+            <a:lvl2pPr lvl="1" algn="r">
+              <a:lnSpc>
+                <a:spcPct val="100000"/>
+              </a:lnSpc>
+              <a:spcBef>
+                <a:spcPts val="0"/>
+              </a:spcBef>
+              <a:spcAft>
+                <a:spcPts val="0"/>
+              </a:spcAft>
+              <a:buSzPts val="1400"/>
+              <a:buNone/>
+              <a:defRPr sz="1400"/>
+            </a:lvl2pPr>
+            <a:lvl3pPr lvl="2" algn="r">
+              <a:lnSpc>
+                <a:spcPct val="100000"/>
+              </a:lnSpc>
+              <a:spcBef>
+                <a:spcPts val="0"/>
+              </a:spcBef>
+              <a:spcAft>
+                <a:spcPts val="0"/>
+              </a:spcAft>
+              <a:buSzPts val="1400"/>
+              <a:buNone/>
+              <a:defRPr sz="1400"/>
+            </a:lvl3pPr>
+            <a:lvl4pPr lvl="3" algn="r">
+              <a:lnSpc>
+                <a:spcPct val="100000"/>
+              </a:lnSpc>
+              <a:spcBef>
+                <a:spcPts val="0"/>
+              </a:spcBef>
+              <a:spcAft>
+                <a:spcPts val="0"/>
+              </a:spcAft>
+              <a:buSzPts val="1400"/>
+              <a:buNone/>
+              <a:defRPr sz="1400"/>
+            </a:lvl4pPr>
+            <a:lvl5pPr lvl="4" algn="r">
+              <a:lnSpc>
+                <a:spcPct val="100000"/>
+              </a:lnSpc>
+              <a:spcBef>
+                <a:spcPts val="0"/>
+              </a:spcBef>
+              <a:spcAft>
+                <a:spcPts val="0"/>
+              </a:spcAft>
+              <a:buSzPts val="1400"/>
+              <a:buNone/>
+              <a:defRPr sz="1400"/>
+            </a:lvl5pPr>
+            <a:lvl6pPr lvl="5" algn="r">
+              <a:lnSpc>
+                <a:spcPct val="100000"/>
+              </a:lnSpc>
+              <a:spcBef>
+                <a:spcPts val="0"/>
+              </a:spcBef>
+              <a:spcAft>
+                <a:spcPts val="0"/>
+              </a:spcAft>
+              <a:buSzPts val="1400"/>
+              <a:buNone/>
+              <a:defRPr sz="1400"/>
+            </a:lvl6pPr>
+            <a:lvl7pPr lvl="6" algn="r">
+              <a:lnSpc>
+                <a:spcPct val="100000"/>
+              </a:lnSpc>
+              <a:spcBef>
+                <a:spcPts val="0"/>
+              </a:spcBef>
+              <a:spcAft>
+                <a:spcPts val="0"/>
+              </a:spcAft>
+              <a:buSzPts val="1400"/>
+              <a:buNone/>
+              <a:defRPr sz="1400"/>
+            </a:lvl7pPr>
+            <a:lvl8pPr lvl="7" algn="r">
+              <a:lnSpc>
+                <a:spcPct val="100000"/>
+              </a:lnSpc>
+              <a:spcBef>
+                <a:spcPts val="0"/>
+              </a:spcBef>
+              <a:spcAft>
+                <a:spcPts val="0"/>
+              </a:spcAft>
+              <a:buSzPts val="1400"/>
+              <a:buNone/>
+              <a:defRPr sz="1400"/>
+            </a:lvl8pPr>
+            <a:lvl9pPr lvl="8" algn="r">
+              <a:lnSpc>
+                <a:spcPct val="100000"/>
+              </a:lnSpc>
+              <a:spcBef>
+                <a:spcPts val="0"/>
+              </a:spcBef>
+              <a:spcAft>
+                <a:spcPts val="0"/>
+              </a:spcAft>
+              <a:buSzPts val="1400"/>
+              <a:buNone/>
+              <a:defRPr sz="1400"/>
+            </a:lvl9pPr>
+          </a:lstStyle>
+          <a:p/>
+        </p:txBody>
+      </p:sp>
+      <p:sp>
+        <p:nvSpPr>
+          <p:cNvPr id="20" name="Google Shape;20;p10"/>
+          <p:cNvSpPr txBox="1"/>
+          <p:nvPr>
+            <p:ph idx="5" type="subTitle"/>
+          </p:nvPr>
+        </p:nvSpPr>
+        <p:spPr>
+          <a:xfrm>
+            <a:off x="2768312" y="3204400"/>
+            <a:ext cx="2339100" cy="644700"/>
+          </a:xfrm>
+          <a:prstGeom prst="rect">
+            <a:avLst/>
+          </a:prstGeom>
+          <a:noFill/>
+          <a:ln>
+            <a:noFill/>
+          </a:ln>
+        </p:spPr>
+        <p:txBody>
+          <a:bodyPr anchorCtr="0" anchor="t" bIns="91425" lIns="91425" spcFirstLastPara="1" rIns="91425" wrap="square" tIns="91425">
+            <a:noAutofit/>
+          </a:bodyPr>
+          <a:lstStyle>
+            <a:lvl1pPr lvl="0" algn="l">
+              <a:lnSpc>
+                <a:spcPct val="115000"/>
+              </a:lnSpc>
+              <a:spcBef>
+                <a:spcPts val="0"/>
+              </a:spcBef>
+              <a:spcAft>
+                <a:spcPts val="0"/>
+              </a:spcAft>
+              <a:buSzPts val="1200"/>
+              <a:buNone/>
+              <a:defRPr sz="1400"/>
+            </a:lvl1pPr>
+            <a:lvl2pPr lvl="1" algn="l">
+              <a:lnSpc>
+                <a:spcPct val="115000"/>
+              </a:lnSpc>
+              <a:spcBef>
+                <a:spcPts val="1600"/>
+              </a:spcBef>
+              <a:spcAft>
+                <a:spcPts val="0"/>
+              </a:spcAft>
+              <a:buSzPts val="1200"/>
+              <a:buNone/>
+              <a:defRPr sz="1400"/>
+            </a:lvl2pPr>
+            <a:lvl3pPr lvl="2" algn="l">
+              <a:lnSpc>
+                <a:spcPct val="115000"/>
+              </a:lnSpc>
+              <a:spcBef>
+                <a:spcPts val="1600"/>
+              </a:spcBef>
+              <a:spcAft>
+                <a:spcPts val="0"/>
+              </a:spcAft>
+              <a:buSzPts val="1200"/>
+              <a:buNone/>
+              <a:defRPr sz="1400"/>
+            </a:lvl3pPr>
+            <a:lvl4pPr lvl="3" algn="l">
+              <a:lnSpc>
+                <a:spcPct val="115000"/>
+              </a:lnSpc>
+              <a:spcBef>
+                <a:spcPts val="1600"/>
+              </a:spcBef>
+              <a:spcAft>
+                <a:spcPts val="0"/>
+              </a:spcAft>
+              <a:buSzPts val="1200"/>
+              <a:buNone/>
+              <a:defRPr sz="1400"/>
+            </a:lvl4pPr>
+            <a:lvl5pPr lvl="4" algn="l">
+              <a:lnSpc>
+                <a:spcPct val="115000"/>
+              </a:lnSpc>
+              <a:spcBef>
+                <a:spcPts val="1600"/>
+              </a:spcBef>
+              <a:spcAft>
+                <a:spcPts val="0"/>
+              </a:spcAft>
+              <a:buSzPts val="1200"/>
+              <a:buNone/>
+              <a:defRPr sz="1400"/>
+            </a:lvl5pPr>
+            <a:lvl6pPr lvl="5" algn="l">
+              <a:lnSpc>
+                <a:spcPct val="115000"/>
+              </a:lnSpc>
+              <a:spcBef>
+                <a:spcPts val="1600"/>
+              </a:spcBef>
+              <a:spcAft>
+                <a:spcPts val="0"/>
+              </a:spcAft>
+              <a:buSzPts val="1200"/>
+              <a:buNone/>
+              <a:defRPr sz="1400"/>
+            </a:lvl6pPr>
+            <a:lvl7pPr lvl="6" algn="l">
+              <a:lnSpc>
+                <a:spcPct val="115000"/>
+              </a:lnSpc>
+              <a:spcBef>
+                <a:spcPts val="1600"/>
+              </a:spcBef>
+              <a:spcAft>
+                <a:spcPts val="0"/>
+              </a:spcAft>
+              <a:buSzPts val="1200"/>
+              <a:buNone/>
+              <a:defRPr sz="1400"/>
+            </a:lvl7pPr>
+            <a:lvl8pPr lvl="7" algn="l">
+              <a:lnSpc>
+                <a:spcPct val="115000"/>
+              </a:lnSpc>
+              <a:spcBef>
+                <a:spcPts val="1600"/>
+              </a:spcBef>
+              <a:spcAft>
+                <a:spcPts val="0"/>
+              </a:spcAft>
+              <a:buSzPts val="1200"/>
+              <a:buNone/>
+              <a:defRPr sz="1400"/>
+            </a:lvl8pPr>
+            <a:lvl9pPr lvl="8" algn="l">
+              <a:lnSpc>
+                <a:spcPct val="115000"/>
+              </a:lnSpc>
+              <a:spcBef>
+                <a:spcPts val="1600"/>
+              </a:spcBef>
+              <a:spcAft>
+                <a:spcPts val="1600"/>
+              </a:spcAft>
+              <a:buSzPts val="1200"/>
+              <a:buNone/>
+              <a:defRPr sz="1400"/>
+            </a:lvl9pPr>
+          </a:lstStyle>
+          <a:p/>
+        </p:txBody>
+      </p:sp>
+      <p:sp>
+        <p:nvSpPr>
+          <p:cNvPr id="21" name="Google Shape;21;p10"/>
+          <p:cNvSpPr txBox="1"/>
+          <p:nvPr>
+            <p:ph idx="6" type="title"/>
+          </p:nvPr>
+        </p:nvSpPr>
+        <p:spPr>
+          <a:xfrm>
+            <a:off x="6100575" y="2878082"/>
+            <a:ext cx="2339100" cy="421500"/>
+          </a:xfrm>
+          <a:prstGeom prst="rect">
+            <a:avLst/>
+          </a:prstGeom>
+          <a:noFill/>
+          <a:ln>
+            <a:noFill/>
+          </a:ln>
+        </p:spPr>
+        <p:txBody>
+          <a:bodyPr anchorCtr="0" anchor="ctr" bIns="0" lIns="0" spcFirstLastPara="1" rIns="0" wrap="square" tIns="0">
+            <a:noAutofit/>
+          </a:bodyPr>
+          <a:lstStyle>
+            <a:lvl1pPr lvl="0" marR="72000" algn="l">
+              <a:lnSpc>
+                <a:spcPct val="100000"/>
+              </a:lnSpc>
+              <a:spcBef>
+                <a:spcPts val="0"/>
+              </a:spcBef>
+              <a:spcAft>
+                <a:spcPts val="0"/>
+              </a:spcAft>
+              <a:buSzPts val="1400"/>
+              <a:buNone/>
+              <a:defRPr i="0" sz="2400"/>
+            </a:lvl1pPr>
+            <a:lvl2pPr lvl="1" algn="l">
+              <a:lnSpc>
+                <a:spcPct val="100000"/>
+              </a:lnSpc>
+              <a:spcBef>
+                <a:spcPts val="0"/>
+              </a:spcBef>
+              <a:spcAft>
+                <a:spcPts val="0"/>
+              </a:spcAft>
+              <a:buSzPts val="1400"/>
+              <a:buNone/>
+              <a:defRPr sz="1400"/>
+            </a:lvl2pPr>
+            <a:lvl3pPr lvl="2" algn="l">
+              <a:lnSpc>
+                <a:spcPct val="100000"/>
+              </a:lnSpc>
+              <a:spcBef>
+                <a:spcPts val="0"/>
+              </a:spcBef>
+              <a:spcAft>
+                <a:spcPts val="0"/>
+              </a:spcAft>
+              <a:buSzPts val="1400"/>
+              <a:buNone/>
+              <a:defRPr sz="1400"/>
+            </a:lvl3pPr>
+            <a:lvl4pPr lvl="3" algn="l">
+              <a:lnSpc>
+                <a:spcPct val="100000"/>
+              </a:lnSpc>
+              <a:spcBef>
+                <a:spcPts val="0"/>
+              </a:spcBef>
+              <a:spcAft>
+                <a:spcPts val="0"/>
+              </a:spcAft>
+              <a:buSzPts val="1400"/>
+              <a:buNone/>
+              <a:defRPr sz="1400"/>
+            </a:lvl4pPr>
+            <a:lvl5pPr lvl="4" algn="l">
+              <a:lnSpc>
+                <a:spcPct val="100000"/>
+              </a:lnSpc>
+              <a:spcBef>
+                <a:spcPts val="0"/>
+              </a:spcBef>
+              <a:spcAft>
+                <a:spcPts val="0"/>
+              </a:spcAft>
+              <a:buSzPts val="1400"/>
+              <a:buNone/>
+              <a:defRPr sz="1400"/>
+            </a:lvl5pPr>
+            <a:lvl6pPr lvl="5" algn="l">
+              <a:lnSpc>
+                <a:spcPct val="100000"/>
+              </a:lnSpc>
+              <a:spcBef>
+                <a:spcPts val="0"/>
+              </a:spcBef>
+              <a:spcAft>
+                <a:spcPts val="0"/>
+              </a:spcAft>
+              <a:buSzPts val="1400"/>
+              <a:buNone/>
+              <a:defRPr sz="1400"/>
+            </a:lvl6pPr>
+            <a:lvl7pPr lvl="6" algn="l">
+              <a:lnSpc>
+                <a:spcPct val="100000"/>
+              </a:lnSpc>
+              <a:spcBef>
+                <a:spcPts val="0"/>
+              </a:spcBef>
+              <a:spcAft>
+                <a:spcPts val="0"/>
+              </a:spcAft>
+              <a:buSzPts val="1400"/>
+              <a:buNone/>
+              <a:defRPr sz="1400"/>
+            </a:lvl7pPr>
+            <a:lvl8pPr lvl="7" algn="l">
+              <a:lnSpc>
+                <a:spcPct val="100000"/>
+              </a:lnSpc>
+              <a:spcBef>
+                <a:spcPts val="0"/>
+              </a:spcBef>
+              <a:spcAft>
+                <a:spcPts val="0"/>
+              </a:spcAft>
+              <a:buSzPts val="1400"/>
+              <a:buNone/>
+              <a:defRPr sz="1400"/>
+            </a:lvl8pPr>
+            <a:lvl9pPr lvl="8" algn="l">
+              <a:lnSpc>
+                <a:spcPct val="100000"/>
+              </a:lnSpc>
+              <a:spcBef>
+                <a:spcPts val="0"/>
+              </a:spcBef>
+              <a:spcAft>
+                <a:spcPts val="0"/>
+              </a:spcAft>
+              <a:buSzPts val="1400"/>
+              <a:buNone/>
+              <a:defRPr sz="1400"/>
+            </a:lvl9pPr>
+          </a:lstStyle>
+          <a:p/>
+        </p:txBody>
+      </p:sp>
+      <p:sp>
+        <p:nvSpPr>
+          <p:cNvPr id="22" name="Google Shape;22;p10"/>
+          <p:cNvSpPr txBox="1"/>
+          <p:nvPr>
+            <p:ph idx="7" type="subTitle"/>
+          </p:nvPr>
+        </p:nvSpPr>
+        <p:spPr>
+          <a:xfrm>
+            <a:off x="6100575" y="3205057"/>
+            <a:ext cx="2339100" cy="644700"/>
+          </a:xfrm>
+          <a:prstGeom prst="rect">
+            <a:avLst/>
+          </a:prstGeom>
+          <a:noFill/>
+          <a:ln>
+            <a:noFill/>
+          </a:ln>
+        </p:spPr>
+        <p:txBody>
+          <a:bodyPr anchorCtr="0" anchor="t" bIns="91425" lIns="91425" spcFirstLastPara="1" rIns="91425" wrap="square" tIns="91425">
+            <a:noAutofit/>
+          </a:bodyPr>
+          <a:lstStyle>
+            <a:lvl1pPr lvl="0" algn="l">
+              <a:lnSpc>
+                <a:spcPct val="115000"/>
+              </a:lnSpc>
+              <a:spcBef>
+                <a:spcPts val="0"/>
+              </a:spcBef>
+              <a:spcAft>
+                <a:spcPts val="0"/>
+              </a:spcAft>
+              <a:buSzPts val="1200"/>
+              <a:buNone/>
+              <a:defRPr sz="1400"/>
+            </a:lvl1pPr>
+            <a:lvl2pPr lvl="1" algn="l">
+              <a:lnSpc>
+                <a:spcPct val="115000"/>
+              </a:lnSpc>
+              <a:spcBef>
+                <a:spcPts val="1600"/>
+              </a:spcBef>
+              <a:spcAft>
+                <a:spcPts val="0"/>
+              </a:spcAft>
+              <a:buSzPts val="1200"/>
+              <a:buNone/>
+              <a:defRPr sz="1400"/>
+            </a:lvl2pPr>
+            <a:lvl3pPr lvl="2" algn="l">
+              <a:lnSpc>
+                <a:spcPct val="115000"/>
+              </a:lnSpc>
+              <a:spcBef>
+                <a:spcPts val="1600"/>
+              </a:spcBef>
+              <a:spcAft>
+                <a:spcPts val="0"/>
+              </a:spcAft>
+              <a:buSzPts val="1200"/>
+              <a:buNone/>
+              <a:defRPr sz="1400"/>
+            </a:lvl3pPr>
+            <a:lvl4pPr lvl="3" algn="l">
+              <a:lnSpc>
+                <a:spcPct val="115000"/>
+              </a:lnSpc>
+              <a:spcBef>
+                <a:spcPts val="1600"/>
+              </a:spcBef>
+              <a:spcAft>
+                <a:spcPts val="0"/>
+              </a:spcAft>
+              <a:buSzPts val="1200"/>
+              <a:buNone/>
+              <a:defRPr sz="1400"/>
+            </a:lvl4pPr>
+            <a:lvl5pPr lvl="4" algn="l">
+              <a:lnSpc>
+                <a:spcPct val="115000"/>
+              </a:lnSpc>
+              <a:spcBef>
+                <a:spcPts val="1600"/>
+              </a:spcBef>
+              <a:spcAft>
+                <a:spcPts val="0"/>
+              </a:spcAft>
+              <a:buSzPts val="1200"/>
+              <a:buNone/>
+              <a:defRPr sz="1400"/>
+            </a:lvl5pPr>
+            <a:lvl6pPr lvl="5" algn="l">
+              <a:lnSpc>
+                <a:spcPct val="115000"/>
+              </a:lnSpc>
+              <a:spcBef>
+                <a:spcPts val="1600"/>
+              </a:spcBef>
+              <a:spcAft>
+                <a:spcPts val="0"/>
+              </a:spcAft>
+              <a:buSzPts val="1200"/>
+              <a:buNone/>
+              <a:defRPr sz="1400"/>
+            </a:lvl6pPr>
+            <a:lvl7pPr lvl="6" algn="l">
+              <a:lnSpc>
+                <a:spcPct val="115000"/>
+              </a:lnSpc>
+              <a:spcBef>
+                <a:spcPts val="1600"/>
+              </a:spcBef>
+              <a:spcAft>
+                <a:spcPts val="0"/>
+              </a:spcAft>
+              <a:buSzPts val="1200"/>
+              <a:buNone/>
+              <a:defRPr sz="1400"/>
+            </a:lvl7pPr>
+            <a:lvl8pPr lvl="7" algn="l">
+              <a:lnSpc>
+                <a:spcPct val="115000"/>
+              </a:lnSpc>
+              <a:spcBef>
+                <a:spcPts val="1600"/>
+              </a:spcBef>
+              <a:spcAft>
+                <a:spcPts val="0"/>
+              </a:spcAft>
+              <a:buSzPts val="1200"/>
+              <a:buNone/>
+              <a:defRPr sz="1400"/>
+            </a:lvl8pPr>
+            <a:lvl9pPr lvl="8" algn="l">
+              <a:lnSpc>
+                <a:spcPct val="115000"/>
+              </a:lnSpc>
+              <a:spcBef>
+                <a:spcPts val="1600"/>
+              </a:spcBef>
+              <a:spcAft>
+                <a:spcPts val="1600"/>
+              </a:spcAft>
+              <a:buSzPts val="1200"/>
+              <a:buNone/>
+              <a:defRPr sz="1400"/>
+            </a:lvl9pPr>
+          </a:lstStyle>
+          <a:p/>
+        </p:txBody>
+      </p:sp>
+      <p:sp>
+        <p:nvSpPr>
+          <p:cNvPr id="23" name="Google Shape;23;p10"/>
+          <p:cNvSpPr txBox="1"/>
+          <p:nvPr>
+            <p:ph idx="8" type="title"/>
+          </p:nvPr>
+        </p:nvSpPr>
+        <p:spPr>
+          <a:xfrm>
+            <a:off x="1959337" y="3164300"/>
+            <a:ext cx="600000" cy="421500"/>
+          </a:xfrm>
+          <a:prstGeom prst="rect">
+            <a:avLst/>
+          </a:prstGeom>
+          <a:noFill/>
+          <a:ln>
+            <a:noFill/>
+          </a:ln>
+        </p:spPr>
+        <p:txBody>
+          <a:bodyPr anchorCtr="0" anchor="ctr" bIns="91425" lIns="91425" spcFirstLastPara="1" rIns="91425" wrap="square" tIns="91425">
+            <a:noAutofit/>
+          </a:bodyPr>
+          <a:lstStyle>
+            <a:lvl1pPr lvl="0" algn="r">
+              <a:lnSpc>
+                <a:spcPct val="100000"/>
+              </a:lnSpc>
+              <a:spcBef>
+                <a:spcPts val="0"/>
+              </a:spcBef>
+              <a:spcAft>
+                <a:spcPts val="0"/>
+              </a:spcAft>
+              <a:buSzPts val="4800"/>
+              <a:buNone/>
+              <a:defRPr sz="2400"/>
+            </a:lvl1pPr>
+            <a:lvl2pPr lvl="1" algn="ctr">
+              <a:lnSpc>
+                <a:spcPct val="100000"/>
+              </a:lnSpc>
+              <a:spcBef>
+                <a:spcPts val="0"/>
+              </a:spcBef>
+              <a:spcAft>
+                <a:spcPts val="0"/>
+              </a:spcAft>
+              <a:buSzPts val="4800"/>
+              <a:buNone/>
+              <a:defRPr sz="4800"/>
+            </a:lvl2pPr>
+            <a:lvl3pPr lvl="2" algn="ctr">
+              <a:lnSpc>
+                <a:spcPct val="100000"/>
+              </a:lnSpc>
+              <a:spcBef>
+                <a:spcPts val="0"/>
+              </a:spcBef>
+              <a:spcAft>
+                <a:spcPts val="0"/>
+              </a:spcAft>
+              <a:buSzPts val="4800"/>
+              <a:buNone/>
+              <a:defRPr sz="4800"/>
+            </a:lvl3pPr>
+            <a:lvl4pPr lvl="3" algn="ctr">
+              <a:lnSpc>
+                <a:spcPct val="100000"/>
+              </a:lnSpc>
+              <a:spcBef>
+                <a:spcPts val="0"/>
+              </a:spcBef>
+              <a:spcAft>
+                <a:spcPts val="0"/>
+              </a:spcAft>
+              <a:buSzPts val="4800"/>
+              <a:buNone/>
+              <a:defRPr sz="4800"/>
+            </a:lvl4pPr>
+            <a:lvl5pPr lvl="4" algn="ctr">
+              <a:lnSpc>
+                <a:spcPct val="100000"/>
+              </a:lnSpc>
+              <a:spcBef>
+                <a:spcPts val="0"/>
+              </a:spcBef>
+              <a:spcAft>
+                <a:spcPts val="0"/>
+              </a:spcAft>
+              <a:buSzPts val="4800"/>
+              <a:buNone/>
+              <a:defRPr sz="4800"/>
+            </a:lvl5pPr>
+            <a:lvl6pPr lvl="5" algn="ctr">
+              <a:lnSpc>
+                <a:spcPct val="100000"/>
+              </a:lnSpc>
+              <a:spcBef>
+                <a:spcPts val="0"/>
+              </a:spcBef>
+              <a:spcAft>
+                <a:spcPts val="0"/>
+              </a:spcAft>
+              <a:buSzPts val="4800"/>
+              <a:buNone/>
+              <a:defRPr sz="4800"/>
+            </a:lvl6pPr>
+            <a:lvl7pPr lvl="6" algn="ctr">
+              <a:lnSpc>
+                <a:spcPct val="100000"/>
+              </a:lnSpc>
+              <a:spcBef>
+                <a:spcPts val="0"/>
+              </a:spcBef>
+              <a:spcAft>
+                <a:spcPts val="0"/>
+              </a:spcAft>
+              <a:buSzPts val="4800"/>
+              <a:buNone/>
+              <a:defRPr sz="4800"/>
+            </a:lvl7pPr>
+            <a:lvl8pPr lvl="7" algn="ctr">
+              <a:lnSpc>
+                <a:spcPct val="100000"/>
+              </a:lnSpc>
+              <a:spcBef>
+                <a:spcPts val="0"/>
+              </a:spcBef>
+              <a:spcAft>
+                <a:spcPts val="0"/>
+              </a:spcAft>
+              <a:buSzPts val="4800"/>
+              <a:buNone/>
+              <a:defRPr sz="4800"/>
+            </a:lvl8pPr>
+            <a:lvl9pPr lvl="8" algn="ctr">
+              <a:lnSpc>
+                <a:spcPct val="100000"/>
+              </a:lnSpc>
+              <a:spcBef>
+                <a:spcPts val="0"/>
+              </a:spcBef>
+              <a:spcAft>
+                <a:spcPts val="0"/>
+              </a:spcAft>
+              <a:buSzPts val="4800"/>
+              <a:buNone/>
+              <a:defRPr sz="4800"/>
+            </a:lvl9pPr>
+          </a:lstStyle>
+          <a:p/>
+        </p:txBody>
+      </p:sp>
+      <p:sp>
+        <p:nvSpPr>
+          <p:cNvPr id="24" name="Google Shape;24;p10"/>
+          <p:cNvSpPr txBox="1"/>
+          <p:nvPr>
+            <p:ph idx="9" type="title"/>
+          </p:nvPr>
+        </p:nvSpPr>
+        <p:spPr>
+          <a:xfrm>
+            <a:off x="704337" y="1730350"/>
+            <a:ext cx="600000" cy="421500"/>
+          </a:xfrm>
+          <a:prstGeom prst="rect">
+            <a:avLst/>
+          </a:prstGeom>
+          <a:noFill/>
+          <a:ln>
+            <a:noFill/>
+          </a:ln>
+        </p:spPr>
+        <p:txBody>
+          <a:bodyPr anchorCtr="0" anchor="ctr" bIns="91425" lIns="91425" spcFirstLastPara="1" rIns="91425" wrap="square" tIns="91425">
+            <a:noAutofit/>
+          </a:bodyPr>
+          <a:lstStyle>
+            <a:lvl1pPr lvl="0" algn="r">
+              <a:lnSpc>
+                <a:spcPct val="100000"/>
+              </a:lnSpc>
+              <a:spcBef>
+                <a:spcPts val="0"/>
+              </a:spcBef>
+              <a:spcAft>
+                <a:spcPts val="0"/>
+              </a:spcAft>
+              <a:buSzPts val="4800"/>
+              <a:buNone/>
+              <a:defRPr sz="2400"/>
+            </a:lvl1pPr>
+            <a:lvl2pPr lvl="1" algn="ctr">
+              <a:lnSpc>
+                <a:spcPct val="100000"/>
+              </a:lnSpc>
+              <a:spcBef>
+                <a:spcPts val="0"/>
+              </a:spcBef>
+              <a:spcAft>
+                <a:spcPts val="0"/>
+              </a:spcAft>
+              <a:buSzPts val="4800"/>
+              <a:buNone/>
+              <a:defRPr sz="4800"/>
+            </a:lvl2pPr>
+            <a:lvl3pPr lvl="2" algn="ctr">
+              <a:lnSpc>
+                <a:spcPct val="100000"/>
+              </a:lnSpc>
+              <a:spcBef>
+                <a:spcPts val="0"/>
+              </a:spcBef>
+              <a:spcAft>
+                <a:spcPts val="0"/>
+              </a:spcAft>
+              <a:buSzPts val="4800"/>
+              <a:buNone/>
+              <a:defRPr sz="4800"/>
+            </a:lvl3pPr>
+            <a:lvl4pPr lvl="3" algn="ctr">
+              <a:lnSpc>
+                <a:spcPct val="100000"/>
+              </a:lnSpc>
+              <a:spcBef>
+                <a:spcPts val="0"/>
+              </a:spcBef>
+              <a:spcAft>
+                <a:spcPts val="0"/>
+              </a:spcAft>
+              <a:buSzPts val="4800"/>
+              <a:buNone/>
+              <a:defRPr sz="4800"/>
+            </a:lvl4pPr>
+            <a:lvl5pPr lvl="4" algn="ctr">
+              <a:lnSpc>
+                <a:spcPct val="100000"/>
+              </a:lnSpc>
+              <a:spcBef>
+                <a:spcPts val="0"/>
+              </a:spcBef>
+              <a:spcAft>
+                <a:spcPts val="0"/>
+              </a:spcAft>
+              <a:buSzPts val="4800"/>
+              <a:buNone/>
+              <a:defRPr sz="4800"/>
+            </a:lvl5pPr>
+            <a:lvl6pPr lvl="5" algn="ctr">
+              <a:lnSpc>
+                <a:spcPct val="100000"/>
+              </a:lnSpc>
+              <a:spcBef>
+                <a:spcPts val="0"/>
+              </a:spcBef>
+              <a:spcAft>
+                <a:spcPts val="0"/>
+              </a:spcAft>
+              <a:buSzPts val="4800"/>
+              <a:buNone/>
+              <a:defRPr sz="4800"/>
+            </a:lvl6pPr>
+            <a:lvl7pPr lvl="6" algn="ctr">
+              <a:lnSpc>
+                <a:spcPct val="100000"/>
+              </a:lnSpc>
+              <a:spcBef>
+                <a:spcPts val="0"/>
+              </a:spcBef>
+              <a:spcAft>
+                <a:spcPts val="0"/>
+              </a:spcAft>
+              <a:buSzPts val="4800"/>
+              <a:buNone/>
+              <a:defRPr sz="4800"/>
+            </a:lvl7pPr>
+            <a:lvl8pPr lvl="7" algn="ctr">
+              <a:lnSpc>
+                <a:spcPct val="100000"/>
+              </a:lnSpc>
+              <a:spcBef>
+                <a:spcPts val="0"/>
+              </a:spcBef>
+              <a:spcAft>
+                <a:spcPts val="0"/>
+              </a:spcAft>
+              <a:buSzPts val="4800"/>
+              <a:buNone/>
+              <a:defRPr sz="4800"/>
+            </a:lvl8pPr>
+            <a:lvl9pPr lvl="8" algn="ctr">
+              <a:lnSpc>
+                <a:spcPct val="100000"/>
+              </a:lnSpc>
+              <a:spcBef>
+                <a:spcPts val="0"/>
+              </a:spcBef>
+              <a:spcAft>
+                <a:spcPts val="0"/>
+              </a:spcAft>
+              <a:buSzPts val="4800"/>
+              <a:buNone/>
+              <a:defRPr sz="4800"/>
+            </a:lvl9pPr>
+          </a:lstStyle>
+          <a:p/>
+        </p:txBody>
+      </p:sp>
+      <p:sp>
+        <p:nvSpPr>
+          <p:cNvPr id="25" name="Google Shape;25;p10"/>
+          <p:cNvSpPr txBox="1"/>
+          <p:nvPr>
+            <p:ph idx="13" type="title"/>
+          </p:nvPr>
+        </p:nvSpPr>
+        <p:spPr>
+          <a:xfrm>
+            <a:off x="5304000" y="3183632"/>
+            <a:ext cx="600000" cy="421500"/>
+          </a:xfrm>
+          <a:prstGeom prst="rect">
+            <a:avLst/>
+          </a:prstGeom>
+          <a:noFill/>
+          <a:ln>
+            <a:noFill/>
+          </a:ln>
+        </p:spPr>
+        <p:txBody>
+          <a:bodyPr anchorCtr="0" anchor="ctr" bIns="91425" lIns="91425" spcFirstLastPara="1" rIns="91425" wrap="square" tIns="91425">
+            <a:noAutofit/>
+          </a:bodyPr>
+          <a:lstStyle>
+            <a:lvl1pPr lvl="0" algn="r">
+              <a:lnSpc>
+                <a:spcPct val="100000"/>
+              </a:lnSpc>
+              <a:spcBef>
+                <a:spcPts val="0"/>
+              </a:spcBef>
+              <a:spcAft>
+                <a:spcPts val="0"/>
+              </a:spcAft>
+              <a:buSzPts val="4800"/>
+              <a:buNone/>
+              <a:defRPr sz="2400"/>
+            </a:lvl1pPr>
+            <a:lvl2pPr lvl="1" algn="ctr">
+              <a:lnSpc>
+                <a:spcPct val="100000"/>
+              </a:lnSpc>
+              <a:spcBef>
+                <a:spcPts val="0"/>
+              </a:spcBef>
+              <a:spcAft>
+                <a:spcPts val="0"/>
+              </a:spcAft>
+              <a:buSzPts val="4800"/>
+              <a:buNone/>
+              <a:defRPr sz="4800"/>
+            </a:lvl2pPr>
+            <a:lvl3pPr lvl="2" algn="ctr">
+              <a:lnSpc>
+                <a:spcPct val="100000"/>
+              </a:lnSpc>
+              <a:spcBef>
+                <a:spcPts val="0"/>
+              </a:spcBef>
+              <a:spcAft>
+                <a:spcPts val="0"/>
+              </a:spcAft>
+              <a:buSzPts val="4800"/>
+              <a:buNone/>
+              <a:defRPr sz="4800"/>
+            </a:lvl3pPr>
+            <a:lvl4pPr lvl="3" algn="ctr">
+              <a:lnSpc>
+                <a:spcPct val="100000"/>
+              </a:lnSpc>
+              <a:spcBef>
+                <a:spcPts val="0"/>
+              </a:spcBef>
+              <a:spcAft>
+                <a:spcPts val="0"/>
+              </a:spcAft>
+              <a:buSzPts val="4800"/>
+              <a:buNone/>
+              <a:defRPr sz="4800"/>
+            </a:lvl4pPr>
+            <a:lvl5pPr lvl="4" algn="ctr">
+              <a:lnSpc>
+                <a:spcPct val="100000"/>
+              </a:lnSpc>
+              <a:spcBef>
+                <a:spcPts val="0"/>
+              </a:spcBef>
+              <a:spcAft>
+                <a:spcPts val="0"/>
+              </a:spcAft>
+              <a:buSzPts val="4800"/>
+              <a:buNone/>
+              <a:defRPr sz="4800"/>
+            </a:lvl5pPr>
+            <a:lvl6pPr lvl="5" algn="ctr">
+              <a:lnSpc>
+                <a:spcPct val="100000"/>
+              </a:lnSpc>
+              <a:spcBef>
+                <a:spcPts val="0"/>
+              </a:spcBef>
+              <a:spcAft>
+                <a:spcPts val="0"/>
+              </a:spcAft>
+              <a:buSzPts val="4800"/>
+              <a:buNone/>
+              <a:defRPr sz="4800"/>
+            </a:lvl6pPr>
+            <a:lvl7pPr lvl="6" algn="ctr">
+              <a:lnSpc>
+                <a:spcPct val="100000"/>
+              </a:lnSpc>
+              <a:spcBef>
+                <a:spcPts val="0"/>
+              </a:spcBef>
+              <a:spcAft>
+                <a:spcPts val="0"/>
+              </a:spcAft>
+              <a:buSzPts val="4800"/>
+              <a:buNone/>
+              <a:defRPr sz="4800"/>
+            </a:lvl7pPr>
+            <a:lvl8pPr lvl="7" algn="ctr">
+              <a:lnSpc>
+                <a:spcPct val="100000"/>
+              </a:lnSpc>
+              <a:spcBef>
+                <a:spcPts val="0"/>
+              </a:spcBef>
+              <a:spcAft>
+                <a:spcPts val="0"/>
+              </a:spcAft>
+              <a:buSzPts val="4800"/>
+              <a:buNone/>
+              <a:defRPr sz="4800"/>
+            </a:lvl8pPr>
+            <a:lvl9pPr lvl="8" algn="ctr">
+              <a:lnSpc>
+                <a:spcPct val="100000"/>
+              </a:lnSpc>
+              <a:spcBef>
+                <a:spcPts val="0"/>
+              </a:spcBef>
+              <a:spcAft>
+                <a:spcPts val="0"/>
+              </a:spcAft>
+              <a:buSzPts val="4800"/>
+              <a:buNone/>
+              <a:defRPr sz="4800"/>
+            </a:lvl9pPr>
+          </a:lstStyle>
+          <a:p/>
+        </p:txBody>
+      </p:sp>
+      <p:sp>
+        <p:nvSpPr>
+          <p:cNvPr id="26" name="Google Shape;26;p10"/>
+          <p:cNvSpPr txBox="1"/>
+          <p:nvPr>
+            <p:ph idx="14" type="title"/>
+          </p:nvPr>
+        </p:nvSpPr>
+        <p:spPr>
+          <a:xfrm>
+            <a:off x="4048912" y="1719213"/>
+            <a:ext cx="600000" cy="421500"/>
+          </a:xfrm>
+          <a:prstGeom prst="rect">
+            <a:avLst/>
+          </a:prstGeom>
+          <a:noFill/>
+          <a:ln>
+            <a:noFill/>
+          </a:ln>
+        </p:spPr>
+        <p:txBody>
+          <a:bodyPr anchorCtr="0" anchor="ctr" bIns="91425" lIns="91425" spcFirstLastPara="1" rIns="91425" wrap="square" tIns="91425">
+            <a:noAutofit/>
+          </a:bodyPr>
+          <a:lstStyle>
+            <a:lvl1pPr lvl="0" algn="r">
+              <a:lnSpc>
+                <a:spcPct val="100000"/>
+              </a:lnSpc>
+              <a:spcBef>
+                <a:spcPts val="0"/>
+              </a:spcBef>
+              <a:spcAft>
+                <a:spcPts val="0"/>
+              </a:spcAft>
+              <a:buSzPts val="4800"/>
+              <a:buNone/>
+              <a:defRPr sz="2400"/>
+            </a:lvl1pPr>
+            <a:lvl2pPr lvl="1" algn="ctr">
+              <a:lnSpc>
+                <a:spcPct val="100000"/>
+              </a:lnSpc>
+              <a:spcBef>
+                <a:spcPts val="0"/>
+              </a:spcBef>
+              <a:spcAft>
+                <a:spcPts val="0"/>
+              </a:spcAft>
+              <a:buSzPts val="4800"/>
+              <a:buNone/>
+              <a:defRPr sz="4800"/>
+            </a:lvl2pPr>
+            <a:lvl3pPr lvl="2" algn="ctr">
+              <a:lnSpc>
+                <a:spcPct val="100000"/>
+              </a:lnSpc>
+              <a:spcBef>
+                <a:spcPts val="0"/>
+              </a:spcBef>
+              <a:spcAft>
+                <a:spcPts val="0"/>
+              </a:spcAft>
+              <a:buSzPts val="4800"/>
+              <a:buNone/>
+              <a:defRPr sz="4800"/>
+            </a:lvl3pPr>
+            <a:lvl4pPr lvl="3" algn="ctr">
+              <a:lnSpc>
+                <a:spcPct val="100000"/>
+              </a:lnSpc>
+              <a:spcBef>
+                <a:spcPts val="0"/>
+              </a:spcBef>
+              <a:spcAft>
+                <a:spcPts val="0"/>
+              </a:spcAft>
+              <a:buSzPts val="4800"/>
+              <a:buNone/>
+              <a:defRPr sz="4800"/>
+            </a:lvl4pPr>
+            <a:lvl5pPr lvl="4" algn="ctr">
+              <a:lnSpc>
+                <a:spcPct val="100000"/>
+              </a:lnSpc>
+              <a:spcBef>
+                <a:spcPts val="0"/>
+              </a:spcBef>
+              <a:spcAft>
+                <a:spcPts val="0"/>
+              </a:spcAft>
+              <a:buSzPts val="4800"/>
+              <a:buNone/>
+              <a:defRPr sz="4800"/>
+            </a:lvl5pPr>
+            <a:lvl6pPr lvl="5" algn="ctr">
+              <a:lnSpc>
+                <a:spcPct val="100000"/>
+              </a:lnSpc>
+              <a:spcBef>
+                <a:spcPts val="0"/>
+              </a:spcBef>
+              <a:spcAft>
+                <a:spcPts val="0"/>
+              </a:spcAft>
+              <a:buSzPts val="4800"/>
+              <a:buNone/>
+              <a:defRPr sz="4800"/>
+            </a:lvl6pPr>
+            <a:lvl7pPr lvl="6" algn="ctr">
+              <a:lnSpc>
+                <a:spcPct val="100000"/>
+              </a:lnSpc>
+              <a:spcBef>
+                <a:spcPts val="0"/>
+              </a:spcBef>
+              <a:spcAft>
+                <a:spcPts val="0"/>
+              </a:spcAft>
+              <a:buSzPts val="4800"/>
+              <a:buNone/>
+              <a:defRPr sz="4800"/>
+            </a:lvl7pPr>
+            <a:lvl8pPr lvl="7" algn="ctr">
+              <a:lnSpc>
+                <a:spcPct val="100000"/>
+              </a:lnSpc>
+              <a:spcBef>
+                <a:spcPts val="0"/>
+              </a:spcBef>
+              <a:spcAft>
+                <a:spcPts val="0"/>
+              </a:spcAft>
+              <a:buSzPts val="4800"/>
+              <a:buNone/>
+              <a:defRPr sz="4800"/>
+            </a:lvl8pPr>
+            <a:lvl9pPr lvl="8" algn="ctr">
+              <a:lnSpc>
+                <a:spcPct val="100000"/>
+              </a:lnSpc>
+              <a:spcBef>
+                <a:spcPts val="0"/>
+              </a:spcBef>
+              <a:spcAft>
+                <a:spcPts val="0"/>
+              </a:spcAft>
+              <a:buSzPts val="4800"/>
+              <a:buNone/>
+              <a:defRPr sz="4800"/>
+            </a:lvl9pPr>
+          </a:lstStyle>
+          <a:p/>
+        </p:txBody>
+      </p:sp>
+    </p:spTree>
+  </p:cSld>
+  <p:clrMapOvr>
+    <a:masterClrMapping/>
+  </p:clrMapOvr>
+</p:sldLayout>
+</file>
+
+<file path=ppt/slideLayouts/slideLayout4.xml><?xml version="1.0" encoding="utf-8"?>
+<p:sldLayout xmlns:a="http://schemas.openxmlformats.org/drawingml/2006/main" xmlns:r="http://schemas.openxmlformats.org/officeDocument/2006/relationships" xmlns:mc="http://schemas.openxmlformats.org/markup-compatibility/2006" xmlns:mv="urn:schemas-microsoft-com:mac:vml" xmlns:p="http://schemas.openxmlformats.org/presentationml/2006/main" xmlns:c="http://schemas.openxmlformats.org/drawingml/2006/chart" xmlns:dgm="http://schemas.openxmlformats.org/drawingml/2006/diagram" xmlns:o="urn:schemas-microsoft-com:office:office" xmlns:v="urn:schemas-microsoft-com:vml" xmlns:pvml="urn:schemas-microsoft-com:office:powerpoint" xmlns:com="http://schemas.openxmlformats.org/drawingml/2006/compatibility" xmlns:p14="http://schemas.microsoft.com/office/powerpoint/2010/main" xmlns:p15="http://schemas.microsoft.com/office/powerpoint/2012/main" xmlns:ahyp="http://schemas.microsoft.com/office/drawing/2018/hyperlinkcolor" matchingName="Main point">
+  <p:cSld name="MAIN_POINT">
+    <p:bg>
+      <p:bgPr>
+        <a:blipFill>
+          <a:blip r:embed="rId2">
+            <a:alphaModFix/>
+          </a:blip>
+          <a:stretch>
+            <a:fillRect/>
+          </a:stretch>
+        </a:blipFill>
+      </p:bgPr>
+    </p:bg>
+    <p:spTree>
+      <p:nvGrpSpPr>
+        <p:cNvPr id="27" name="Shape 27"/>
+        <p:cNvGrpSpPr/>
+        <p:nvPr/>
+      </p:nvGrpSpPr>
+      <p:grpSpPr>
+        <a:xfrm>
+          <a:off x="0" y="0"/>
+          <a:ext cx="0" cy="0"/>
+          <a:chOff x="0" y="0"/>
+          <a:chExt cx="0" cy="0"/>
+        </a:xfrm>
+      </p:grpSpPr>
+      <p:sp>
+        <p:nvSpPr>
+          <p:cNvPr id="28" name="Google Shape;28;p11"/>
+          <p:cNvSpPr txBox="1"/>
           <p:nvPr>
             <p:ph type="title"/>
           </p:nvPr>
@@ -2063,13 +4251,20 @@
           <a:prstGeom prst="rect">
             <a:avLst/>
           </a:prstGeom>
+          <a:noFill/>
+          <a:ln>
+            <a:noFill/>
+          </a:ln>
         </p:spPr>
         <p:txBody>
-          <a:bodyPr spcFirstLastPara="1" wrap="square" lIns="91425" tIns="91425" rIns="91425" bIns="91425" anchor="ctr" anchorCtr="0">
+          <a:bodyPr anchorCtr="0" anchor="ctr" bIns="91425" lIns="91425" spcFirstLastPara="1" rIns="91425" wrap="square" tIns="91425">
             <a:noAutofit/>
           </a:bodyPr>
           <a:lstStyle>
             <a:lvl1pPr lvl="0" algn="ctr">
+              <a:lnSpc>
+                <a:spcPct val="100000"/>
+              </a:lnSpc>
               <a:spcBef>
                 <a:spcPts val="0"/>
               </a:spcBef>
@@ -2080,7 +4275,10 @@
               <a:buNone/>
               <a:defRPr sz="7200"/>
             </a:lvl1pPr>
-            <a:lvl2pPr lvl="1">
+            <a:lvl2pPr lvl="1" algn="l">
+              <a:lnSpc>
+                <a:spcPct val="100000"/>
+              </a:lnSpc>
               <a:spcBef>
                 <a:spcPts val="0"/>
               </a:spcBef>
@@ -2091,7 +4289,10 @@
               <a:buNone/>
               <a:defRPr sz="4800"/>
             </a:lvl2pPr>
-            <a:lvl3pPr lvl="2">
+            <a:lvl3pPr lvl="2" algn="l">
+              <a:lnSpc>
+                <a:spcPct val="100000"/>
+              </a:lnSpc>
               <a:spcBef>
                 <a:spcPts val="0"/>
               </a:spcBef>
@@ -2102,7 +4303,10 @@
               <a:buNone/>
               <a:defRPr sz="4800"/>
             </a:lvl3pPr>
-            <a:lvl4pPr lvl="3">
+            <a:lvl4pPr lvl="3" algn="l">
+              <a:lnSpc>
+                <a:spcPct val="100000"/>
+              </a:lnSpc>
               <a:spcBef>
                 <a:spcPts val="0"/>
               </a:spcBef>
@@ -2113,7 +4317,10 @@
               <a:buNone/>
               <a:defRPr sz="4800"/>
             </a:lvl4pPr>
-            <a:lvl5pPr lvl="4">
+            <a:lvl5pPr lvl="4" algn="l">
+              <a:lnSpc>
+                <a:spcPct val="100000"/>
+              </a:lnSpc>
               <a:spcBef>
                 <a:spcPts val="0"/>
               </a:spcBef>
@@ -2124,7 +4331,10 @@
               <a:buNone/>
               <a:defRPr sz="4800"/>
             </a:lvl5pPr>
-            <a:lvl6pPr lvl="5">
+            <a:lvl6pPr lvl="5" algn="l">
+              <a:lnSpc>
+                <a:spcPct val="100000"/>
+              </a:lnSpc>
               <a:spcBef>
                 <a:spcPts val="0"/>
               </a:spcBef>
@@ -2135,7 +4345,10 @@
               <a:buNone/>
               <a:defRPr sz="4800"/>
             </a:lvl6pPr>
-            <a:lvl7pPr lvl="6">
+            <a:lvl7pPr lvl="6" algn="l">
+              <a:lnSpc>
+                <a:spcPct val="100000"/>
+              </a:lnSpc>
               <a:spcBef>
                 <a:spcPts val="0"/>
               </a:spcBef>
@@ -2146,7 +4359,10 @@
               <a:buNone/>
               <a:defRPr sz="4800"/>
             </a:lvl7pPr>
-            <a:lvl8pPr lvl="7">
+            <a:lvl8pPr lvl="7" algn="l">
+              <a:lnSpc>
+                <a:spcPct val="100000"/>
+              </a:lnSpc>
               <a:spcBef>
                 <a:spcPts val="0"/>
               </a:spcBef>
@@ -2157,7 +4373,10 @@
               <a:buNone/>
               <a:defRPr sz="4800"/>
             </a:lvl8pPr>
-            <a:lvl9pPr lvl="8">
+            <a:lvl9pPr lvl="8" algn="l">
+              <a:lnSpc>
+                <a:spcPct val="100000"/>
+              </a:lnSpc>
               <a:spcBef>
                 <a:spcPts val="0"/>
               </a:spcBef>
@@ -2169,9 +4388,7 @@
               <a:defRPr sz="4800"/>
             </a:lvl9pPr>
           </a:lstStyle>
-          <a:p>
-            <a:endParaRPr/>
-          </a:p>
+          <a:p/>
         </p:txBody>
       </p:sp>
     </p:spTree>
@@ -2182,18 +4399,17 @@
 </p:sldLayout>
 </file>
 
-<file path=ppt/slideLayouts/slideLayout4.xml><?xml version="1.0" encoding="utf-8"?>
-<p:sldLayout xmlns:a="http://schemas.openxmlformats.org/drawingml/2006/main" xmlns:r="http://schemas.openxmlformats.org/officeDocument/2006/relationships" xmlns:p="http://schemas.openxmlformats.org/presentationml/2006/main" matchingName="Blank" type="blank">
+<file path=ppt/slideLayouts/slideLayout5.xml><?xml version="1.0" encoding="utf-8"?>
+<p:sldLayout xmlns:a="http://schemas.openxmlformats.org/drawingml/2006/main" xmlns:r="http://schemas.openxmlformats.org/officeDocument/2006/relationships" xmlns:mc="http://schemas.openxmlformats.org/markup-compatibility/2006" xmlns:mv="urn:schemas-microsoft-com:mac:vml" xmlns:p="http://schemas.openxmlformats.org/presentationml/2006/main" xmlns:c="http://schemas.openxmlformats.org/drawingml/2006/chart" xmlns:dgm="http://schemas.openxmlformats.org/drawingml/2006/diagram" xmlns:o="urn:schemas-microsoft-com:office:office" xmlns:v="urn:schemas-microsoft-com:vml" xmlns:pvml="urn:schemas-microsoft-com:office:powerpoint" xmlns:com="http://schemas.openxmlformats.org/drawingml/2006/compatibility" xmlns:p14="http://schemas.microsoft.com/office/powerpoint/2010/main" xmlns:p15="http://schemas.microsoft.com/office/powerpoint/2012/main" xmlns:ahyp="http://schemas.microsoft.com/office/drawing/2018/hyperlinkcolor" matchingName="Blank" type="blank">
   <p:cSld name="BLANK">
     <p:bg>
       <p:bgPr>
         <a:noFill/>
-        <a:effectLst/>
       </p:bgPr>
     </p:bg>
     <p:spTree>
       <p:nvGrpSpPr>
-        <p:cNvPr id="1" name="Shape 40"/>
+        <p:cNvPr id="29" name="Shape 29"/>
         <p:cNvGrpSpPr/>
         <p:nvPr/>
       </p:nvGrpSpPr>
@@ -2213,1636 +4429,8 @@
 </p:sldLayout>
 </file>
 
-<file path=ppt/slideLayouts/slideLayout5.xml><?xml version="1.0" encoding="utf-8"?>
-<p:sldLayout xmlns:a="http://schemas.openxmlformats.org/drawingml/2006/main" xmlns:r="http://schemas.openxmlformats.org/officeDocument/2006/relationships" xmlns:p="http://schemas.openxmlformats.org/presentationml/2006/main" matchingName="Agenda">
-  <p:cSld name="BLANK_1">
-    <p:bg>
-      <p:bgPr>
-        <a:blipFill>
-          <a:blip r:embed="rId2">
-            <a:alphaModFix/>
-          </a:blip>
-          <a:stretch>
-            <a:fillRect/>
-          </a:stretch>
-        </a:blipFill>
-        <a:effectLst/>
-      </p:bgPr>
-    </p:bg>
-    <p:spTree>
-      <p:nvGrpSpPr>
-        <p:cNvPr id="1" name="Shape 41"/>
-        <p:cNvGrpSpPr/>
-        <p:nvPr/>
-      </p:nvGrpSpPr>
-      <p:grpSpPr>
-        <a:xfrm>
-          <a:off x="0" y="0"/>
-          <a:ext cx="0" cy="0"/>
-          <a:chOff x="0" y="0"/>
-          <a:chExt cx="0" cy="0"/>
-        </a:xfrm>
-      </p:grpSpPr>
-      <p:sp>
-        <p:nvSpPr>
-          <p:cNvPr id="42" name="Google Shape;42;p14"/>
-          <p:cNvSpPr txBox="1">
-            <a:spLocks noGrp="1"/>
-          </p:cNvSpPr>
-          <p:nvPr>
-            <p:ph type="title"/>
-          </p:nvPr>
-        </p:nvSpPr>
-        <p:spPr>
-          <a:xfrm>
-            <a:off x="1511713" y="1452625"/>
-            <a:ext cx="2339100" cy="421500"/>
-          </a:xfrm>
-          <a:prstGeom prst="rect">
-            <a:avLst/>
-          </a:prstGeom>
-          <a:noFill/>
-          <a:ln>
-            <a:noFill/>
-          </a:ln>
-        </p:spPr>
-        <p:txBody>
-          <a:bodyPr spcFirstLastPara="1" wrap="square" lIns="0" tIns="0" rIns="0" bIns="0" anchor="ctr" anchorCtr="0">
-            <a:noAutofit/>
-          </a:bodyPr>
-          <a:lstStyle>
-            <a:lvl1pPr lvl="0" rtl="0">
-              <a:spcBef>
-                <a:spcPts val="0"/>
-              </a:spcBef>
-              <a:spcAft>
-                <a:spcPts val="0"/>
-              </a:spcAft>
-              <a:buSzPts val="1400"/>
-              <a:buNone/>
-              <a:defRPr sz="2400" i="0"/>
-            </a:lvl1pPr>
-            <a:lvl2pPr lvl="1" algn="r" rtl="0">
-              <a:spcBef>
-                <a:spcPts val="0"/>
-              </a:spcBef>
-              <a:spcAft>
-                <a:spcPts val="0"/>
-              </a:spcAft>
-              <a:buSzPts val="1400"/>
-              <a:buNone/>
-              <a:defRPr sz="1400"/>
-            </a:lvl2pPr>
-            <a:lvl3pPr lvl="2" algn="r" rtl="0">
-              <a:spcBef>
-                <a:spcPts val="0"/>
-              </a:spcBef>
-              <a:spcAft>
-                <a:spcPts val="0"/>
-              </a:spcAft>
-              <a:buSzPts val="1400"/>
-              <a:buNone/>
-              <a:defRPr sz="1400"/>
-            </a:lvl3pPr>
-            <a:lvl4pPr lvl="3" algn="r" rtl="0">
-              <a:spcBef>
-                <a:spcPts val="0"/>
-              </a:spcBef>
-              <a:spcAft>
-                <a:spcPts val="0"/>
-              </a:spcAft>
-              <a:buSzPts val="1400"/>
-              <a:buNone/>
-              <a:defRPr sz="1400"/>
-            </a:lvl4pPr>
-            <a:lvl5pPr lvl="4" algn="r" rtl="0">
-              <a:spcBef>
-                <a:spcPts val="0"/>
-              </a:spcBef>
-              <a:spcAft>
-                <a:spcPts val="0"/>
-              </a:spcAft>
-              <a:buSzPts val="1400"/>
-              <a:buNone/>
-              <a:defRPr sz="1400"/>
-            </a:lvl5pPr>
-            <a:lvl6pPr lvl="5" algn="r" rtl="0">
-              <a:spcBef>
-                <a:spcPts val="0"/>
-              </a:spcBef>
-              <a:spcAft>
-                <a:spcPts val="0"/>
-              </a:spcAft>
-              <a:buSzPts val="1400"/>
-              <a:buNone/>
-              <a:defRPr sz="1400"/>
-            </a:lvl6pPr>
-            <a:lvl7pPr lvl="6" algn="r" rtl="0">
-              <a:spcBef>
-                <a:spcPts val="0"/>
-              </a:spcBef>
-              <a:spcAft>
-                <a:spcPts val="0"/>
-              </a:spcAft>
-              <a:buSzPts val="1400"/>
-              <a:buNone/>
-              <a:defRPr sz="1400"/>
-            </a:lvl7pPr>
-            <a:lvl8pPr lvl="7" algn="r" rtl="0">
-              <a:spcBef>
-                <a:spcPts val="0"/>
-              </a:spcBef>
-              <a:spcAft>
-                <a:spcPts val="0"/>
-              </a:spcAft>
-              <a:buSzPts val="1400"/>
-              <a:buNone/>
-              <a:defRPr sz="1400"/>
-            </a:lvl8pPr>
-            <a:lvl9pPr lvl="8" algn="r" rtl="0">
-              <a:spcBef>
-                <a:spcPts val="0"/>
-              </a:spcBef>
-              <a:spcAft>
-                <a:spcPts val="0"/>
-              </a:spcAft>
-              <a:buSzPts val="1400"/>
-              <a:buNone/>
-              <a:defRPr sz="1400"/>
-            </a:lvl9pPr>
-          </a:lstStyle>
-          <a:p>
-            <a:endParaRPr/>
-          </a:p>
-        </p:txBody>
-      </p:sp>
-      <p:sp>
-        <p:nvSpPr>
-          <p:cNvPr id="43" name="Google Shape;43;p14"/>
-          <p:cNvSpPr txBox="1">
-            <a:spLocks noGrp="1"/>
-          </p:cNvSpPr>
-          <p:nvPr>
-            <p:ph type="subTitle" idx="1"/>
-          </p:nvPr>
-        </p:nvSpPr>
-        <p:spPr>
-          <a:xfrm>
-            <a:off x="1511712" y="1779575"/>
-            <a:ext cx="2339100" cy="644700"/>
-          </a:xfrm>
-          <a:prstGeom prst="rect">
-            <a:avLst/>
-          </a:prstGeom>
-        </p:spPr>
-        <p:txBody>
-          <a:bodyPr spcFirstLastPara="1" wrap="square" lIns="91425" tIns="91425" rIns="91425" bIns="91425" anchor="t" anchorCtr="0">
-            <a:noAutofit/>
-          </a:bodyPr>
-          <a:lstStyle>
-            <a:lvl1pPr lvl="0" rtl="0">
-              <a:lnSpc>
-                <a:spcPct val="100000"/>
-              </a:lnSpc>
-              <a:spcBef>
-                <a:spcPts val="0"/>
-              </a:spcBef>
-              <a:spcAft>
-                <a:spcPts val="0"/>
-              </a:spcAft>
-              <a:buNone/>
-              <a:defRPr sz="1400"/>
-            </a:lvl1pPr>
-            <a:lvl2pPr lvl="1" rtl="0">
-              <a:lnSpc>
-                <a:spcPct val="100000"/>
-              </a:lnSpc>
-              <a:spcBef>
-                <a:spcPts val="1600"/>
-              </a:spcBef>
-              <a:spcAft>
-                <a:spcPts val="0"/>
-              </a:spcAft>
-              <a:buNone/>
-              <a:defRPr sz="1400"/>
-            </a:lvl2pPr>
-            <a:lvl3pPr lvl="2" rtl="0">
-              <a:lnSpc>
-                <a:spcPct val="100000"/>
-              </a:lnSpc>
-              <a:spcBef>
-                <a:spcPts val="1600"/>
-              </a:spcBef>
-              <a:spcAft>
-                <a:spcPts val="0"/>
-              </a:spcAft>
-              <a:buNone/>
-              <a:defRPr sz="1400"/>
-            </a:lvl3pPr>
-            <a:lvl4pPr lvl="3" rtl="0">
-              <a:lnSpc>
-                <a:spcPct val="100000"/>
-              </a:lnSpc>
-              <a:spcBef>
-                <a:spcPts val="1600"/>
-              </a:spcBef>
-              <a:spcAft>
-                <a:spcPts val="0"/>
-              </a:spcAft>
-              <a:buNone/>
-              <a:defRPr sz="1400"/>
-            </a:lvl4pPr>
-            <a:lvl5pPr lvl="4" rtl="0">
-              <a:lnSpc>
-                <a:spcPct val="100000"/>
-              </a:lnSpc>
-              <a:spcBef>
-                <a:spcPts val="1600"/>
-              </a:spcBef>
-              <a:spcAft>
-                <a:spcPts val="0"/>
-              </a:spcAft>
-              <a:buNone/>
-              <a:defRPr sz="1400"/>
-            </a:lvl5pPr>
-            <a:lvl6pPr lvl="5" rtl="0">
-              <a:lnSpc>
-                <a:spcPct val="100000"/>
-              </a:lnSpc>
-              <a:spcBef>
-                <a:spcPts val="1600"/>
-              </a:spcBef>
-              <a:spcAft>
-                <a:spcPts val="0"/>
-              </a:spcAft>
-              <a:buNone/>
-              <a:defRPr sz="1400"/>
-            </a:lvl6pPr>
-            <a:lvl7pPr lvl="6" rtl="0">
-              <a:lnSpc>
-                <a:spcPct val="100000"/>
-              </a:lnSpc>
-              <a:spcBef>
-                <a:spcPts val="1600"/>
-              </a:spcBef>
-              <a:spcAft>
-                <a:spcPts val="0"/>
-              </a:spcAft>
-              <a:buNone/>
-              <a:defRPr sz="1400"/>
-            </a:lvl7pPr>
-            <a:lvl8pPr lvl="7" rtl="0">
-              <a:lnSpc>
-                <a:spcPct val="100000"/>
-              </a:lnSpc>
-              <a:spcBef>
-                <a:spcPts val="1600"/>
-              </a:spcBef>
-              <a:spcAft>
-                <a:spcPts val="0"/>
-              </a:spcAft>
-              <a:buNone/>
-              <a:defRPr sz="1400"/>
-            </a:lvl8pPr>
-            <a:lvl9pPr lvl="8" rtl="0">
-              <a:lnSpc>
-                <a:spcPct val="100000"/>
-              </a:lnSpc>
-              <a:spcBef>
-                <a:spcPts val="1600"/>
-              </a:spcBef>
-              <a:spcAft>
-                <a:spcPts val="1600"/>
-              </a:spcAft>
-              <a:buNone/>
-              <a:defRPr sz="1400"/>
-            </a:lvl9pPr>
-          </a:lstStyle>
-          <a:p>
-            <a:endParaRPr/>
-          </a:p>
-        </p:txBody>
-      </p:sp>
-      <p:sp>
-        <p:nvSpPr>
-          <p:cNvPr id="44" name="Google Shape;44;p14"/>
-          <p:cNvSpPr txBox="1">
-            <a:spLocks noGrp="1"/>
-          </p:cNvSpPr>
-          <p:nvPr>
-            <p:ph type="title" idx="2"/>
-          </p:nvPr>
-        </p:nvSpPr>
-        <p:spPr>
-          <a:xfrm>
-            <a:off x="4845487" y="1455263"/>
-            <a:ext cx="2339100" cy="421500"/>
-          </a:xfrm>
-          <a:prstGeom prst="rect">
-            <a:avLst/>
-          </a:prstGeom>
-          <a:noFill/>
-          <a:ln>
-            <a:noFill/>
-          </a:ln>
-        </p:spPr>
-        <p:txBody>
-          <a:bodyPr spcFirstLastPara="1" wrap="square" lIns="0" tIns="0" rIns="0" bIns="0" anchor="ctr" anchorCtr="0">
-            <a:noAutofit/>
-          </a:bodyPr>
-          <a:lstStyle>
-            <a:lvl1pPr marR="72000" lvl="0" rtl="0">
-              <a:spcBef>
-                <a:spcPts val="0"/>
-              </a:spcBef>
-              <a:spcAft>
-                <a:spcPts val="0"/>
-              </a:spcAft>
-              <a:buSzPts val="1400"/>
-              <a:buNone/>
-              <a:defRPr sz="2400" i="0"/>
-            </a:lvl1pPr>
-            <a:lvl2pPr lvl="1" rtl="0">
-              <a:spcBef>
-                <a:spcPts val="0"/>
-              </a:spcBef>
-              <a:spcAft>
-                <a:spcPts val="0"/>
-              </a:spcAft>
-              <a:buSzPts val="1400"/>
-              <a:buNone/>
-              <a:defRPr sz="1400"/>
-            </a:lvl2pPr>
-            <a:lvl3pPr lvl="2" rtl="0">
-              <a:spcBef>
-                <a:spcPts val="0"/>
-              </a:spcBef>
-              <a:spcAft>
-                <a:spcPts val="0"/>
-              </a:spcAft>
-              <a:buSzPts val="1400"/>
-              <a:buNone/>
-              <a:defRPr sz="1400"/>
-            </a:lvl3pPr>
-            <a:lvl4pPr lvl="3" rtl="0">
-              <a:spcBef>
-                <a:spcPts val="0"/>
-              </a:spcBef>
-              <a:spcAft>
-                <a:spcPts val="0"/>
-              </a:spcAft>
-              <a:buSzPts val="1400"/>
-              <a:buNone/>
-              <a:defRPr sz="1400"/>
-            </a:lvl4pPr>
-            <a:lvl5pPr lvl="4" rtl="0">
-              <a:spcBef>
-                <a:spcPts val="0"/>
-              </a:spcBef>
-              <a:spcAft>
-                <a:spcPts val="0"/>
-              </a:spcAft>
-              <a:buSzPts val="1400"/>
-              <a:buNone/>
-              <a:defRPr sz="1400"/>
-            </a:lvl5pPr>
-            <a:lvl6pPr lvl="5" rtl="0">
-              <a:spcBef>
-                <a:spcPts val="0"/>
-              </a:spcBef>
-              <a:spcAft>
-                <a:spcPts val="0"/>
-              </a:spcAft>
-              <a:buSzPts val="1400"/>
-              <a:buNone/>
-              <a:defRPr sz="1400"/>
-            </a:lvl6pPr>
-            <a:lvl7pPr lvl="6" rtl="0">
-              <a:spcBef>
-                <a:spcPts val="0"/>
-              </a:spcBef>
-              <a:spcAft>
-                <a:spcPts val="0"/>
-              </a:spcAft>
-              <a:buSzPts val="1400"/>
-              <a:buNone/>
-              <a:defRPr sz="1400"/>
-            </a:lvl7pPr>
-            <a:lvl8pPr lvl="7" rtl="0">
-              <a:spcBef>
-                <a:spcPts val="0"/>
-              </a:spcBef>
-              <a:spcAft>
-                <a:spcPts val="0"/>
-              </a:spcAft>
-              <a:buSzPts val="1400"/>
-              <a:buNone/>
-              <a:defRPr sz="1400"/>
-            </a:lvl8pPr>
-            <a:lvl9pPr lvl="8" rtl="0">
-              <a:spcBef>
-                <a:spcPts val="0"/>
-              </a:spcBef>
-              <a:spcAft>
-                <a:spcPts val="0"/>
-              </a:spcAft>
-              <a:buSzPts val="1400"/>
-              <a:buNone/>
-              <a:defRPr sz="1400"/>
-            </a:lvl9pPr>
-          </a:lstStyle>
-          <a:p>
-            <a:endParaRPr/>
-          </a:p>
-        </p:txBody>
-      </p:sp>
-      <p:sp>
-        <p:nvSpPr>
-          <p:cNvPr id="45" name="Google Shape;45;p14"/>
-          <p:cNvSpPr txBox="1">
-            <a:spLocks noGrp="1"/>
-          </p:cNvSpPr>
-          <p:nvPr>
-            <p:ph type="subTitle" idx="3"/>
-          </p:nvPr>
-        </p:nvSpPr>
-        <p:spPr>
-          <a:xfrm>
-            <a:off x="4845487" y="1782238"/>
-            <a:ext cx="2339100" cy="644700"/>
-          </a:xfrm>
-          <a:prstGeom prst="rect">
-            <a:avLst/>
-          </a:prstGeom>
-        </p:spPr>
-        <p:txBody>
-          <a:bodyPr spcFirstLastPara="1" wrap="square" lIns="91425" tIns="91425" rIns="91425" bIns="91425" anchor="t" anchorCtr="0">
-            <a:noAutofit/>
-          </a:bodyPr>
-          <a:lstStyle>
-            <a:lvl1pPr lvl="0" rtl="0">
-              <a:lnSpc>
-                <a:spcPct val="100000"/>
-              </a:lnSpc>
-              <a:spcBef>
-                <a:spcPts val="0"/>
-              </a:spcBef>
-              <a:spcAft>
-                <a:spcPts val="0"/>
-              </a:spcAft>
-              <a:buNone/>
-              <a:defRPr sz="1400"/>
-            </a:lvl1pPr>
-            <a:lvl2pPr lvl="1" rtl="0">
-              <a:lnSpc>
-                <a:spcPct val="100000"/>
-              </a:lnSpc>
-              <a:spcBef>
-                <a:spcPts val="1600"/>
-              </a:spcBef>
-              <a:spcAft>
-                <a:spcPts val="0"/>
-              </a:spcAft>
-              <a:buNone/>
-              <a:defRPr sz="1400"/>
-            </a:lvl2pPr>
-            <a:lvl3pPr lvl="2" rtl="0">
-              <a:lnSpc>
-                <a:spcPct val="100000"/>
-              </a:lnSpc>
-              <a:spcBef>
-                <a:spcPts val="1600"/>
-              </a:spcBef>
-              <a:spcAft>
-                <a:spcPts val="0"/>
-              </a:spcAft>
-              <a:buNone/>
-              <a:defRPr sz="1400"/>
-            </a:lvl3pPr>
-            <a:lvl4pPr lvl="3" rtl="0">
-              <a:lnSpc>
-                <a:spcPct val="100000"/>
-              </a:lnSpc>
-              <a:spcBef>
-                <a:spcPts val="1600"/>
-              </a:spcBef>
-              <a:spcAft>
-                <a:spcPts val="0"/>
-              </a:spcAft>
-              <a:buNone/>
-              <a:defRPr sz="1400"/>
-            </a:lvl4pPr>
-            <a:lvl5pPr lvl="4" rtl="0">
-              <a:lnSpc>
-                <a:spcPct val="100000"/>
-              </a:lnSpc>
-              <a:spcBef>
-                <a:spcPts val="1600"/>
-              </a:spcBef>
-              <a:spcAft>
-                <a:spcPts val="0"/>
-              </a:spcAft>
-              <a:buNone/>
-              <a:defRPr sz="1400"/>
-            </a:lvl5pPr>
-            <a:lvl6pPr lvl="5" rtl="0">
-              <a:lnSpc>
-                <a:spcPct val="100000"/>
-              </a:lnSpc>
-              <a:spcBef>
-                <a:spcPts val="1600"/>
-              </a:spcBef>
-              <a:spcAft>
-                <a:spcPts val="0"/>
-              </a:spcAft>
-              <a:buNone/>
-              <a:defRPr sz="1400"/>
-            </a:lvl6pPr>
-            <a:lvl7pPr lvl="6" rtl="0">
-              <a:lnSpc>
-                <a:spcPct val="100000"/>
-              </a:lnSpc>
-              <a:spcBef>
-                <a:spcPts val="1600"/>
-              </a:spcBef>
-              <a:spcAft>
-                <a:spcPts val="0"/>
-              </a:spcAft>
-              <a:buNone/>
-              <a:defRPr sz="1400"/>
-            </a:lvl7pPr>
-            <a:lvl8pPr lvl="7" rtl="0">
-              <a:lnSpc>
-                <a:spcPct val="100000"/>
-              </a:lnSpc>
-              <a:spcBef>
-                <a:spcPts val="1600"/>
-              </a:spcBef>
-              <a:spcAft>
-                <a:spcPts val="0"/>
-              </a:spcAft>
-              <a:buNone/>
-              <a:defRPr sz="1400"/>
-            </a:lvl8pPr>
-            <a:lvl9pPr lvl="8" rtl="0">
-              <a:lnSpc>
-                <a:spcPct val="100000"/>
-              </a:lnSpc>
-              <a:spcBef>
-                <a:spcPts val="1600"/>
-              </a:spcBef>
-              <a:spcAft>
-                <a:spcPts val="1600"/>
-              </a:spcAft>
-              <a:buNone/>
-              <a:defRPr sz="1400"/>
-            </a:lvl9pPr>
-          </a:lstStyle>
-          <a:p>
-            <a:endParaRPr/>
-          </a:p>
-        </p:txBody>
-      </p:sp>
-      <p:sp>
-        <p:nvSpPr>
-          <p:cNvPr id="46" name="Google Shape;46;p14"/>
-          <p:cNvSpPr txBox="1">
-            <a:spLocks noGrp="1"/>
-          </p:cNvSpPr>
-          <p:nvPr>
-            <p:ph type="title" idx="4"/>
-          </p:nvPr>
-        </p:nvSpPr>
-        <p:spPr>
-          <a:xfrm>
-            <a:off x="2768313" y="2877450"/>
-            <a:ext cx="2339100" cy="421500"/>
-          </a:xfrm>
-          <a:prstGeom prst="rect">
-            <a:avLst/>
-          </a:prstGeom>
-          <a:noFill/>
-          <a:ln>
-            <a:noFill/>
-          </a:ln>
-        </p:spPr>
-        <p:txBody>
-          <a:bodyPr spcFirstLastPara="1" wrap="square" lIns="0" tIns="0" rIns="0" bIns="0" anchor="ctr" anchorCtr="0">
-            <a:noAutofit/>
-          </a:bodyPr>
-          <a:lstStyle>
-            <a:lvl1pPr lvl="0" rtl="0">
-              <a:spcBef>
-                <a:spcPts val="0"/>
-              </a:spcBef>
-              <a:spcAft>
-                <a:spcPts val="0"/>
-              </a:spcAft>
-              <a:buSzPts val="1400"/>
-              <a:buNone/>
-              <a:defRPr sz="2400" i="0"/>
-            </a:lvl1pPr>
-            <a:lvl2pPr lvl="1" algn="r" rtl="0">
-              <a:spcBef>
-                <a:spcPts val="0"/>
-              </a:spcBef>
-              <a:spcAft>
-                <a:spcPts val="0"/>
-              </a:spcAft>
-              <a:buSzPts val="1400"/>
-              <a:buNone/>
-              <a:defRPr sz="1400"/>
-            </a:lvl2pPr>
-            <a:lvl3pPr lvl="2" algn="r" rtl="0">
-              <a:spcBef>
-                <a:spcPts val="0"/>
-              </a:spcBef>
-              <a:spcAft>
-                <a:spcPts val="0"/>
-              </a:spcAft>
-              <a:buSzPts val="1400"/>
-              <a:buNone/>
-              <a:defRPr sz="1400"/>
-            </a:lvl3pPr>
-            <a:lvl4pPr lvl="3" algn="r" rtl="0">
-              <a:spcBef>
-                <a:spcPts val="0"/>
-              </a:spcBef>
-              <a:spcAft>
-                <a:spcPts val="0"/>
-              </a:spcAft>
-              <a:buSzPts val="1400"/>
-              <a:buNone/>
-              <a:defRPr sz="1400"/>
-            </a:lvl4pPr>
-            <a:lvl5pPr lvl="4" algn="r" rtl="0">
-              <a:spcBef>
-                <a:spcPts val="0"/>
-              </a:spcBef>
-              <a:spcAft>
-                <a:spcPts val="0"/>
-              </a:spcAft>
-              <a:buSzPts val="1400"/>
-              <a:buNone/>
-              <a:defRPr sz="1400"/>
-            </a:lvl5pPr>
-            <a:lvl6pPr lvl="5" algn="r" rtl="0">
-              <a:spcBef>
-                <a:spcPts val="0"/>
-              </a:spcBef>
-              <a:spcAft>
-                <a:spcPts val="0"/>
-              </a:spcAft>
-              <a:buSzPts val="1400"/>
-              <a:buNone/>
-              <a:defRPr sz="1400"/>
-            </a:lvl6pPr>
-            <a:lvl7pPr lvl="6" algn="r" rtl="0">
-              <a:spcBef>
-                <a:spcPts val="0"/>
-              </a:spcBef>
-              <a:spcAft>
-                <a:spcPts val="0"/>
-              </a:spcAft>
-              <a:buSzPts val="1400"/>
-              <a:buNone/>
-              <a:defRPr sz="1400"/>
-            </a:lvl7pPr>
-            <a:lvl8pPr lvl="7" algn="r" rtl="0">
-              <a:spcBef>
-                <a:spcPts val="0"/>
-              </a:spcBef>
-              <a:spcAft>
-                <a:spcPts val="0"/>
-              </a:spcAft>
-              <a:buSzPts val="1400"/>
-              <a:buNone/>
-              <a:defRPr sz="1400"/>
-            </a:lvl8pPr>
-            <a:lvl9pPr lvl="8" algn="r" rtl="0">
-              <a:spcBef>
-                <a:spcPts val="0"/>
-              </a:spcBef>
-              <a:spcAft>
-                <a:spcPts val="0"/>
-              </a:spcAft>
-              <a:buSzPts val="1400"/>
-              <a:buNone/>
-              <a:defRPr sz="1400"/>
-            </a:lvl9pPr>
-          </a:lstStyle>
-          <a:p>
-            <a:endParaRPr/>
-          </a:p>
-        </p:txBody>
-      </p:sp>
-      <p:sp>
-        <p:nvSpPr>
-          <p:cNvPr id="47" name="Google Shape;47;p14"/>
-          <p:cNvSpPr txBox="1">
-            <a:spLocks noGrp="1"/>
-          </p:cNvSpPr>
-          <p:nvPr>
-            <p:ph type="subTitle" idx="5"/>
-          </p:nvPr>
-        </p:nvSpPr>
-        <p:spPr>
-          <a:xfrm>
-            <a:off x="2768312" y="3204400"/>
-            <a:ext cx="2339100" cy="644700"/>
-          </a:xfrm>
-          <a:prstGeom prst="rect">
-            <a:avLst/>
-          </a:prstGeom>
-        </p:spPr>
-        <p:txBody>
-          <a:bodyPr spcFirstLastPara="1" wrap="square" lIns="91425" tIns="91425" rIns="91425" bIns="91425" anchor="t" anchorCtr="0">
-            <a:noAutofit/>
-          </a:bodyPr>
-          <a:lstStyle>
-            <a:lvl1pPr lvl="0" rtl="0">
-              <a:spcBef>
-                <a:spcPts val="0"/>
-              </a:spcBef>
-              <a:spcAft>
-                <a:spcPts val="0"/>
-              </a:spcAft>
-              <a:buNone/>
-              <a:defRPr sz="1400"/>
-            </a:lvl1pPr>
-            <a:lvl2pPr lvl="1" rtl="0">
-              <a:spcBef>
-                <a:spcPts val="1600"/>
-              </a:spcBef>
-              <a:spcAft>
-                <a:spcPts val="0"/>
-              </a:spcAft>
-              <a:buNone/>
-              <a:defRPr sz="1400"/>
-            </a:lvl2pPr>
-            <a:lvl3pPr lvl="2" rtl="0">
-              <a:spcBef>
-                <a:spcPts val="1600"/>
-              </a:spcBef>
-              <a:spcAft>
-                <a:spcPts val="0"/>
-              </a:spcAft>
-              <a:buNone/>
-              <a:defRPr sz="1400"/>
-            </a:lvl3pPr>
-            <a:lvl4pPr lvl="3" rtl="0">
-              <a:spcBef>
-                <a:spcPts val="1600"/>
-              </a:spcBef>
-              <a:spcAft>
-                <a:spcPts val="0"/>
-              </a:spcAft>
-              <a:buNone/>
-              <a:defRPr sz="1400"/>
-            </a:lvl4pPr>
-            <a:lvl5pPr lvl="4" rtl="0">
-              <a:spcBef>
-                <a:spcPts val="1600"/>
-              </a:spcBef>
-              <a:spcAft>
-                <a:spcPts val="0"/>
-              </a:spcAft>
-              <a:buNone/>
-              <a:defRPr sz="1400"/>
-            </a:lvl5pPr>
-            <a:lvl6pPr lvl="5" rtl="0">
-              <a:spcBef>
-                <a:spcPts val="1600"/>
-              </a:spcBef>
-              <a:spcAft>
-                <a:spcPts val="0"/>
-              </a:spcAft>
-              <a:buNone/>
-              <a:defRPr sz="1400"/>
-            </a:lvl6pPr>
-            <a:lvl7pPr lvl="6" rtl="0">
-              <a:spcBef>
-                <a:spcPts val="1600"/>
-              </a:spcBef>
-              <a:spcAft>
-                <a:spcPts val="0"/>
-              </a:spcAft>
-              <a:buNone/>
-              <a:defRPr sz="1400"/>
-            </a:lvl7pPr>
-            <a:lvl8pPr lvl="7" rtl="0">
-              <a:spcBef>
-                <a:spcPts val="1600"/>
-              </a:spcBef>
-              <a:spcAft>
-                <a:spcPts val="0"/>
-              </a:spcAft>
-              <a:buNone/>
-              <a:defRPr sz="1400"/>
-            </a:lvl8pPr>
-            <a:lvl9pPr lvl="8" rtl="0">
-              <a:spcBef>
-                <a:spcPts val="1600"/>
-              </a:spcBef>
-              <a:spcAft>
-                <a:spcPts val="1600"/>
-              </a:spcAft>
-              <a:buNone/>
-              <a:defRPr sz="1400"/>
-            </a:lvl9pPr>
-          </a:lstStyle>
-          <a:p>
-            <a:endParaRPr/>
-          </a:p>
-        </p:txBody>
-      </p:sp>
-      <p:sp>
-        <p:nvSpPr>
-          <p:cNvPr id="48" name="Google Shape;48;p14"/>
-          <p:cNvSpPr txBox="1">
-            <a:spLocks noGrp="1"/>
-          </p:cNvSpPr>
-          <p:nvPr>
-            <p:ph type="title" idx="6"/>
-          </p:nvPr>
-        </p:nvSpPr>
-        <p:spPr>
-          <a:xfrm>
-            <a:off x="6100575" y="2878082"/>
-            <a:ext cx="2339100" cy="421500"/>
-          </a:xfrm>
-          <a:prstGeom prst="rect">
-            <a:avLst/>
-          </a:prstGeom>
-          <a:noFill/>
-          <a:ln>
-            <a:noFill/>
-          </a:ln>
-        </p:spPr>
-        <p:txBody>
-          <a:bodyPr spcFirstLastPara="1" wrap="square" lIns="0" tIns="0" rIns="0" bIns="0" anchor="ctr" anchorCtr="0">
-            <a:noAutofit/>
-          </a:bodyPr>
-          <a:lstStyle>
-            <a:lvl1pPr marR="72000" lvl="0" rtl="0">
-              <a:spcBef>
-                <a:spcPts val="0"/>
-              </a:spcBef>
-              <a:spcAft>
-                <a:spcPts val="0"/>
-              </a:spcAft>
-              <a:buSzPts val="1400"/>
-              <a:buNone/>
-              <a:defRPr sz="2400" i="0"/>
-            </a:lvl1pPr>
-            <a:lvl2pPr lvl="1" rtl="0">
-              <a:spcBef>
-                <a:spcPts val="0"/>
-              </a:spcBef>
-              <a:spcAft>
-                <a:spcPts val="0"/>
-              </a:spcAft>
-              <a:buSzPts val="1400"/>
-              <a:buNone/>
-              <a:defRPr sz="1400"/>
-            </a:lvl2pPr>
-            <a:lvl3pPr lvl="2" rtl="0">
-              <a:spcBef>
-                <a:spcPts val="0"/>
-              </a:spcBef>
-              <a:spcAft>
-                <a:spcPts val="0"/>
-              </a:spcAft>
-              <a:buSzPts val="1400"/>
-              <a:buNone/>
-              <a:defRPr sz="1400"/>
-            </a:lvl3pPr>
-            <a:lvl4pPr lvl="3" rtl="0">
-              <a:spcBef>
-                <a:spcPts val="0"/>
-              </a:spcBef>
-              <a:spcAft>
-                <a:spcPts val="0"/>
-              </a:spcAft>
-              <a:buSzPts val="1400"/>
-              <a:buNone/>
-              <a:defRPr sz="1400"/>
-            </a:lvl4pPr>
-            <a:lvl5pPr lvl="4" rtl="0">
-              <a:spcBef>
-                <a:spcPts val="0"/>
-              </a:spcBef>
-              <a:spcAft>
-                <a:spcPts val="0"/>
-              </a:spcAft>
-              <a:buSzPts val="1400"/>
-              <a:buNone/>
-              <a:defRPr sz="1400"/>
-            </a:lvl5pPr>
-            <a:lvl6pPr lvl="5" rtl="0">
-              <a:spcBef>
-                <a:spcPts val="0"/>
-              </a:spcBef>
-              <a:spcAft>
-                <a:spcPts val="0"/>
-              </a:spcAft>
-              <a:buSzPts val="1400"/>
-              <a:buNone/>
-              <a:defRPr sz="1400"/>
-            </a:lvl6pPr>
-            <a:lvl7pPr lvl="6" rtl="0">
-              <a:spcBef>
-                <a:spcPts val="0"/>
-              </a:spcBef>
-              <a:spcAft>
-                <a:spcPts val="0"/>
-              </a:spcAft>
-              <a:buSzPts val="1400"/>
-              <a:buNone/>
-              <a:defRPr sz="1400"/>
-            </a:lvl7pPr>
-            <a:lvl8pPr lvl="7" rtl="0">
-              <a:spcBef>
-                <a:spcPts val="0"/>
-              </a:spcBef>
-              <a:spcAft>
-                <a:spcPts val="0"/>
-              </a:spcAft>
-              <a:buSzPts val="1400"/>
-              <a:buNone/>
-              <a:defRPr sz="1400"/>
-            </a:lvl8pPr>
-            <a:lvl9pPr lvl="8" rtl="0">
-              <a:spcBef>
-                <a:spcPts val="0"/>
-              </a:spcBef>
-              <a:spcAft>
-                <a:spcPts val="0"/>
-              </a:spcAft>
-              <a:buSzPts val="1400"/>
-              <a:buNone/>
-              <a:defRPr sz="1400"/>
-            </a:lvl9pPr>
-          </a:lstStyle>
-          <a:p>
-            <a:endParaRPr/>
-          </a:p>
-        </p:txBody>
-      </p:sp>
-      <p:sp>
-        <p:nvSpPr>
-          <p:cNvPr id="49" name="Google Shape;49;p14"/>
-          <p:cNvSpPr txBox="1">
-            <a:spLocks noGrp="1"/>
-          </p:cNvSpPr>
-          <p:nvPr>
-            <p:ph type="subTitle" idx="7"/>
-          </p:nvPr>
-        </p:nvSpPr>
-        <p:spPr>
-          <a:xfrm>
-            <a:off x="6100575" y="3205057"/>
-            <a:ext cx="2339100" cy="644700"/>
-          </a:xfrm>
-          <a:prstGeom prst="rect">
-            <a:avLst/>
-          </a:prstGeom>
-        </p:spPr>
-        <p:txBody>
-          <a:bodyPr spcFirstLastPara="1" wrap="square" lIns="91425" tIns="91425" rIns="91425" bIns="91425" anchor="t" anchorCtr="0">
-            <a:noAutofit/>
-          </a:bodyPr>
-          <a:lstStyle>
-            <a:lvl1pPr lvl="0" rtl="0">
-              <a:spcBef>
-                <a:spcPts val="0"/>
-              </a:spcBef>
-              <a:spcAft>
-                <a:spcPts val="0"/>
-              </a:spcAft>
-              <a:buNone/>
-              <a:defRPr sz="1400"/>
-            </a:lvl1pPr>
-            <a:lvl2pPr lvl="1" rtl="0">
-              <a:spcBef>
-                <a:spcPts val="1600"/>
-              </a:spcBef>
-              <a:spcAft>
-                <a:spcPts val="0"/>
-              </a:spcAft>
-              <a:buNone/>
-              <a:defRPr sz="1400"/>
-            </a:lvl2pPr>
-            <a:lvl3pPr lvl="2" rtl="0">
-              <a:spcBef>
-                <a:spcPts val="1600"/>
-              </a:spcBef>
-              <a:spcAft>
-                <a:spcPts val="0"/>
-              </a:spcAft>
-              <a:buNone/>
-              <a:defRPr sz="1400"/>
-            </a:lvl3pPr>
-            <a:lvl4pPr lvl="3" rtl="0">
-              <a:spcBef>
-                <a:spcPts val="1600"/>
-              </a:spcBef>
-              <a:spcAft>
-                <a:spcPts val="0"/>
-              </a:spcAft>
-              <a:buNone/>
-              <a:defRPr sz="1400"/>
-            </a:lvl4pPr>
-            <a:lvl5pPr lvl="4" rtl="0">
-              <a:spcBef>
-                <a:spcPts val="1600"/>
-              </a:spcBef>
-              <a:spcAft>
-                <a:spcPts val="0"/>
-              </a:spcAft>
-              <a:buNone/>
-              <a:defRPr sz="1400"/>
-            </a:lvl5pPr>
-            <a:lvl6pPr lvl="5" rtl="0">
-              <a:spcBef>
-                <a:spcPts val="1600"/>
-              </a:spcBef>
-              <a:spcAft>
-                <a:spcPts val="0"/>
-              </a:spcAft>
-              <a:buNone/>
-              <a:defRPr sz="1400"/>
-            </a:lvl6pPr>
-            <a:lvl7pPr lvl="6" rtl="0">
-              <a:spcBef>
-                <a:spcPts val="1600"/>
-              </a:spcBef>
-              <a:spcAft>
-                <a:spcPts val="0"/>
-              </a:spcAft>
-              <a:buNone/>
-              <a:defRPr sz="1400"/>
-            </a:lvl7pPr>
-            <a:lvl8pPr lvl="7" rtl="0">
-              <a:spcBef>
-                <a:spcPts val="1600"/>
-              </a:spcBef>
-              <a:spcAft>
-                <a:spcPts val="0"/>
-              </a:spcAft>
-              <a:buNone/>
-              <a:defRPr sz="1400"/>
-            </a:lvl8pPr>
-            <a:lvl9pPr lvl="8" rtl="0">
-              <a:spcBef>
-                <a:spcPts val="1600"/>
-              </a:spcBef>
-              <a:spcAft>
-                <a:spcPts val="1600"/>
-              </a:spcAft>
-              <a:buNone/>
-              <a:defRPr sz="1400"/>
-            </a:lvl9pPr>
-          </a:lstStyle>
-          <a:p>
-            <a:endParaRPr/>
-          </a:p>
-        </p:txBody>
-      </p:sp>
-      <p:sp>
-        <p:nvSpPr>
-          <p:cNvPr id="50" name="Google Shape;50;p14"/>
-          <p:cNvSpPr txBox="1">
-            <a:spLocks noGrp="1"/>
-          </p:cNvSpPr>
-          <p:nvPr>
-            <p:ph type="title" idx="8" hasCustomPrompt="1"/>
-          </p:nvPr>
-        </p:nvSpPr>
-        <p:spPr>
-          <a:xfrm>
-            <a:off x="1959337" y="3164300"/>
-            <a:ext cx="600000" cy="421500"/>
-          </a:xfrm>
-          <a:prstGeom prst="rect">
-            <a:avLst/>
-          </a:prstGeom>
-        </p:spPr>
-        <p:txBody>
-          <a:bodyPr spcFirstLastPara="1" wrap="square" lIns="91425" tIns="91425" rIns="91425" bIns="91425" anchor="ctr" anchorCtr="0">
-            <a:noAutofit/>
-          </a:bodyPr>
-          <a:lstStyle>
-            <a:lvl1pPr lvl="0" algn="r" rtl="0">
-              <a:spcBef>
-                <a:spcPts val="0"/>
-              </a:spcBef>
-              <a:spcAft>
-                <a:spcPts val="0"/>
-              </a:spcAft>
-              <a:buSzPts val="4800"/>
-              <a:buNone/>
-              <a:defRPr sz="2400"/>
-            </a:lvl1pPr>
-            <a:lvl2pPr lvl="1" algn="ctr" rtl="0">
-              <a:spcBef>
-                <a:spcPts val="0"/>
-              </a:spcBef>
-              <a:spcAft>
-                <a:spcPts val="0"/>
-              </a:spcAft>
-              <a:buSzPts val="4800"/>
-              <a:buNone/>
-              <a:defRPr sz="4800"/>
-            </a:lvl2pPr>
-            <a:lvl3pPr lvl="2" algn="ctr" rtl="0">
-              <a:spcBef>
-                <a:spcPts val="0"/>
-              </a:spcBef>
-              <a:spcAft>
-                <a:spcPts val="0"/>
-              </a:spcAft>
-              <a:buSzPts val="4800"/>
-              <a:buNone/>
-              <a:defRPr sz="4800"/>
-            </a:lvl3pPr>
-            <a:lvl4pPr lvl="3" algn="ctr" rtl="0">
-              <a:spcBef>
-                <a:spcPts val="0"/>
-              </a:spcBef>
-              <a:spcAft>
-                <a:spcPts val="0"/>
-              </a:spcAft>
-              <a:buSzPts val="4800"/>
-              <a:buNone/>
-              <a:defRPr sz="4800"/>
-            </a:lvl4pPr>
-            <a:lvl5pPr lvl="4" algn="ctr" rtl="0">
-              <a:spcBef>
-                <a:spcPts val="0"/>
-              </a:spcBef>
-              <a:spcAft>
-                <a:spcPts val="0"/>
-              </a:spcAft>
-              <a:buSzPts val="4800"/>
-              <a:buNone/>
-              <a:defRPr sz="4800"/>
-            </a:lvl5pPr>
-            <a:lvl6pPr lvl="5" algn="ctr" rtl="0">
-              <a:spcBef>
-                <a:spcPts val="0"/>
-              </a:spcBef>
-              <a:spcAft>
-                <a:spcPts val="0"/>
-              </a:spcAft>
-              <a:buSzPts val="4800"/>
-              <a:buNone/>
-              <a:defRPr sz="4800"/>
-            </a:lvl6pPr>
-            <a:lvl7pPr lvl="6" algn="ctr" rtl="0">
-              <a:spcBef>
-                <a:spcPts val="0"/>
-              </a:spcBef>
-              <a:spcAft>
-                <a:spcPts val="0"/>
-              </a:spcAft>
-              <a:buSzPts val="4800"/>
-              <a:buNone/>
-              <a:defRPr sz="4800"/>
-            </a:lvl7pPr>
-            <a:lvl8pPr lvl="7" algn="ctr" rtl="0">
-              <a:spcBef>
-                <a:spcPts val="0"/>
-              </a:spcBef>
-              <a:spcAft>
-                <a:spcPts val="0"/>
-              </a:spcAft>
-              <a:buSzPts val="4800"/>
-              <a:buNone/>
-              <a:defRPr sz="4800"/>
-            </a:lvl8pPr>
-            <a:lvl9pPr lvl="8" algn="ctr" rtl="0">
-              <a:spcBef>
-                <a:spcPts val="0"/>
-              </a:spcBef>
-              <a:spcAft>
-                <a:spcPts val="0"/>
-              </a:spcAft>
-              <a:buSzPts val="4800"/>
-              <a:buNone/>
-              <a:defRPr sz="4800"/>
-            </a:lvl9pPr>
-          </a:lstStyle>
-          <a:p>
-            <a:r>
-              <a:t>xx%</a:t>
-            </a:r>
-          </a:p>
-        </p:txBody>
-      </p:sp>
-      <p:sp>
-        <p:nvSpPr>
-          <p:cNvPr id="51" name="Google Shape;51;p14"/>
-          <p:cNvSpPr txBox="1">
-            <a:spLocks noGrp="1"/>
-          </p:cNvSpPr>
-          <p:nvPr>
-            <p:ph type="title" idx="9" hasCustomPrompt="1"/>
-          </p:nvPr>
-        </p:nvSpPr>
-        <p:spPr>
-          <a:xfrm>
-            <a:off x="704337" y="1730350"/>
-            <a:ext cx="600000" cy="421500"/>
-          </a:xfrm>
-          <a:prstGeom prst="rect">
-            <a:avLst/>
-          </a:prstGeom>
-        </p:spPr>
-        <p:txBody>
-          <a:bodyPr spcFirstLastPara="1" wrap="square" lIns="91425" tIns="91425" rIns="91425" bIns="91425" anchor="ctr" anchorCtr="0">
-            <a:noAutofit/>
-          </a:bodyPr>
-          <a:lstStyle>
-            <a:lvl1pPr lvl="0" algn="r" rtl="0">
-              <a:spcBef>
-                <a:spcPts val="0"/>
-              </a:spcBef>
-              <a:spcAft>
-                <a:spcPts val="0"/>
-              </a:spcAft>
-              <a:buSzPts val="4800"/>
-              <a:buNone/>
-              <a:defRPr sz="2400"/>
-            </a:lvl1pPr>
-            <a:lvl2pPr lvl="1" algn="ctr" rtl="0">
-              <a:spcBef>
-                <a:spcPts val="0"/>
-              </a:spcBef>
-              <a:spcAft>
-                <a:spcPts val="0"/>
-              </a:spcAft>
-              <a:buSzPts val="4800"/>
-              <a:buNone/>
-              <a:defRPr sz="4800"/>
-            </a:lvl2pPr>
-            <a:lvl3pPr lvl="2" algn="ctr" rtl="0">
-              <a:spcBef>
-                <a:spcPts val="0"/>
-              </a:spcBef>
-              <a:spcAft>
-                <a:spcPts val="0"/>
-              </a:spcAft>
-              <a:buSzPts val="4800"/>
-              <a:buNone/>
-              <a:defRPr sz="4800"/>
-            </a:lvl3pPr>
-            <a:lvl4pPr lvl="3" algn="ctr" rtl="0">
-              <a:spcBef>
-                <a:spcPts val="0"/>
-              </a:spcBef>
-              <a:spcAft>
-                <a:spcPts val="0"/>
-              </a:spcAft>
-              <a:buSzPts val="4800"/>
-              <a:buNone/>
-              <a:defRPr sz="4800"/>
-            </a:lvl4pPr>
-            <a:lvl5pPr lvl="4" algn="ctr" rtl="0">
-              <a:spcBef>
-                <a:spcPts val="0"/>
-              </a:spcBef>
-              <a:spcAft>
-                <a:spcPts val="0"/>
-              </a:spcAft>
-              <a:buSzPts val="4800"/>
-              <a:buNone/>
-              <a:defRPr sz="4800"/>
-            </a:lvl5pPr>
-            <a:lvl6pPr lvl="5" algn="ctr" rtl="0">
-              <a:spcBef>
-                <a:spcPts val="0"/>
-              </a:spcBef>
-              <a:spcAft>
-                <a:spcPts val="0"/>
-              </a:spcAft>
-              <a:buSzPts val="4800"/>
-              <a:buNone/>
-              <a:defRPr sz="4800"/>
-            </a:lvl6pPr>
-            <a:lvl7pPr lvl="6" algn="ctr" rtl="0">
-              <a:spcBef>
-                <a:spcPts val="0"/>
-              </a:spcBef>
-              <a:spcAft>
-                <a:spcPts val="0"/>
-              </a:spcAft>
-              <a:buSzPts val="4800"/>
-              <a:buNone/>
-              <a:defRPr sz="4800"/>
-            </a:lvl7pPr>
-            <a:lvl8pPr lvl="7" algn="ctr" rtl="0">
-              <a:spcBef>
-                <a:spcPts val="0"/>
-              </a:spcBef>
-              <a:spcAft>
-                <a:spcPts val="0"/>
-              </a:spcAft>
-              <a:buSzPts val="4800"/>
-              <a:buNone/>
-              <a:defRPr sz="4800"/>
-            </a:lvl8pPr>
-            <a:lvl9pPr lvl="8" algn="ctr" rtl="0">
-              <a:spcBef>
-                <a:spcPts val="0"/>
-              </a:spcBef>
-              <a:spcAft>
-                <a:spcPts val="0"/>
-              </a:spcAft>
-              <a:buSzPts val="4800"/>
-              <a:buNone/>
-              <a:defRPr sz="4800"/>
-            </a:lvl9pPr>
-          </a:lstStyle>
-          <a:p>
-            <a:r>
-              <a:t>xx%</a:t>
-            </a:r>
-          </a:p>
-        </p:txBody>
-      </p:sp>
-      <p:sp>
-        <p:nvSpPr>
-          <p:cNvPr id="52" name="Google Shape;52;p14"/>
-          <p:cNvSpPr txBox="1">
-            <a:spLocks noGrp="1"/>
-          </p:cNvSpPr>
-          <p:nvPr>
-            <p:ph type="title" idx="13" hasCustomPrompt="1"/>
-          </p:nvPr>
-        </p:nvSpPr>
-        <p:spPr>
-          <a:xfrm>
-            <a:off x="5304000" y="3183632"/>
-            <a:ext cx="600000" cy="421500"/>
-          </a:xfrm>
-          <a:prstGeom prst="rect">
-            <a:avLst/>
-          </a:prstGeom>
-        </p:spPr>
-        <p:txBody>
-          <a:bodyPr spcFirstLastPara="1" wrap="square" lIns="91425" tIns="91425" rIns="91425" bIns="91425" anchor="ctr" anchorCtr="0">
-            <a:noAutofit/>
-          </a:bodyPr>
-          <a:lstStyle>
-            <a:lvl1pPr lvl="0" algn="r" rtl="0">
-              <a:spcBef>
-                <a:spcPts val="0"/>
-              </a:spcBef>
-              <a:spcAft>
-                <a:spcPts val="0"/>
-              </a:spcAft>
-              <a:buSzPts val="4800"/>
-              <a:buNone/>
-              <a:defRPr sz="2400"/>
-            </a:lvl1pPr>
-            <a:lvl2pPr lvl="1" algn="ctr" rtl="0">
-              <a:spcBef>
-                <a:spcPts val="0"/>
-              </a:spcBef>
-              <a:spcAft>
-                <a:spcPts val="0"/>
-              </a:spcAft>
-              <a:buSzPts val="4800"/>
-              <a:buNone/>
-              <a:defRPr sz="4800"/>
-            </a:lvl2pPr>
-            <a:lvl3pPr lvl="2" algn="ctr" rtl="0">
-              <a:spcBef>
-                <a:spcPts val="0"/>
-              </a:spcBef>
-              <a:spcAft>
-                <a:spcPts val="0"/>
-              </a:spcAft>
-              <a:buSzPts val="4800"/>
-              <a:buNone/>
-              <a:defRPr sz="4800"/>
-            </a:lvl3pPr>
-            <a:lvl4pPr lvl="3" algn="ctr" rtl="0">
-              <a:spcBef>
-                <a:spcPts val="0"/>
-              </a:spcBef>
-              <a:spcAft>
-                <a:spcPts val="0"/>
-              </a:spcAft>
-              <a:buSzPts val="4800"/>
-              <a:buNone/>
-              <a:defRPr sz="4800"/>
-            </a:lvl4pPr>
-            <a:lvl5pPr lvl="4" algn="ctr" rtl="0">
-              <a:spcBef>
-                <a:spcPts val="0"/>
-              </a:spcBef>
-              <a:spcAft>
-                <a:spcPts val="0"/>
-              </a:spcAft>
-              <a:buSzPts val="4800"/>
-              <a:buNone/>
-              <a:defRPr sz="4800"/>
-            </a:lvl5pPr>
-            <a:lvl6pPr lvl="5" algn="ctr" rtl="0">
-              <a:spcBef>
-                <a:spcPts val="0"/>
-              </a:spcBef>
-              <a:spcAft>
-                <a:spcPts val="0"/>
-              </a:spcAft>
-              <a:buSzPts val="4800"/>
-              <a:buNone/>
-              <a:defRPr sz="4800"/>
-            </a:lvl6pPr>
-            <a:lvl7pPr lvl="6" algn="ctr" rtl="0">
-              <a:spcBef>
-                <a:spcPts val="0"/>
-              </a:spcBef>
-              <a:spcAft>
-                <a:spcPts val="0"/>
-              </a:spcAft>
-              <a:buSzPts val="4800"/>
-              <a:buNone/>
-              <a:defRPr sz="4800"/>
-            </a:lvl7pPr>
-            <a:lvl8pPr lvl="7" algn="ctr" rtl="0">
-              <a:spcBef>
-                <a:spcPts val="0"/>
-              </a:spcBef>
-              <a:spcAft>
-                <a:spcPts val="0"/>
-              </a:spcAft>
-              <a:buSzPts val="4800"/>
-              <a:buNone/>
-              <a:defRPr sz="4800"/>
-            </a:lvl8pPr>
-            <a:lvl9pPr lvl="8" algn="ctr" rtl="0">
-              <a:spcBef>
-                <a:spcPts val="0"/>
-              </a:spcBef>
-              <a:spcAft>
-                <a:spcPts val="0"/>
-              </a:spcAft>
-              <a:buSzPts val="4800"/>
-              <a:buNone/>
-              <a:defRPr sz="4800"/>
-            </a:lvl9pPr>
-          </a:lstStyle>
-          <a:p>
-            <a:r>
-              <a:t>xx%</a:t>
-            </a:r>
-          </a:p>
-        </p:txBody>
-      </p:sp>
-      <p:sp>
-        <p:nvSpPr>
-          <p:cNvPr id="53" name="Google Shape;53;p14"/>
-          <p:cNvSpPr txBox="1">
-            <a:spLocks noGrp="1"/>
-          </p:cNvSpPr>
-          <p:nvPr>
-            <p:ph type="title" idx="14" hasCustomPrompt="1"/>
-          </p:nvPr>
-        </p:nvSpPr>
-        <p:spPr>
-          <a:xfrm>
-            <a:off x="4048912" y="1719213"/>
-            <a:ext cx="600000" cy="421500"/>
-          </a:xfrm>
-          <a:prstGeom prst="rect">
-            <a:avLst/>
-          </a:prstGeom>
-        </p:spPr>
-        <p:txBody>
-          <a:bodyPr spcFirstLastPara="1" wrap="square" lIns="91425" tIns="91425" rIns="91425" bIns="91425" anchor="ctr" anchorCtr="0">
-            <a:noAutofit/>
-          </a:bodyPr>
-          <a:lstStyle>
-            <a:lvl1pPr lvl="0" algn="r" rtl="0">
-              <a:spcBef>
-                <a:spcPts val="0"/>
-              </a:spcBef>
-              <a:spcAft>
-                <a:spcPts val="0"/>
-              </a:spcAft>
-              <a:buSzPts val="4800"/>
-              <a:buNone/>
-              <a:defRPr sz="2400"/>
-            </a:lvl1pPr>
-            <a:lvl2pPr lvl="1" algn="ctr" rtl="0">
-              <a:spcBef>
-                <a:spcPts val="0"/>
-              </a:spcBef>
-              <a:spcAft>
-                <a:spcPts val="0"/>
-              </a:spcAft>
-              <a:buSzPts val="4800"/>
-              <a:buNone/>
-              <a:defRPr sz="4800"/>
-            </a:lvl2pPr>
-            <a:lvl3pPr lvl="2" algn="ctr" rtl="0">
-              <a:spcBef>
-                <a:spcPts val="0"/>
-              </a:spcBef>
-              <a:spcAft>
-                <a:spcPts val="0"/>
-              </a:spcAft>
-              <a:buSzPts val="4800"/>
-              <a:buNone/>
-              <a:defRPr sz="4800"/>
-            </a:lvl3pPr>
-            <a:lvl4pPr lvl="3" algn="ctr" rtl="0">
-              <a:spcBef>
-                <a:spcPts val="0"/>
-              </a:spcBef>
-              <a:spcAft>
-                <a:spcPts val="0"/>
-              </a:spcAft>
-              <a:buSzPts val="4800"/>
-              <a:buNone/>
-              <a:defRPr sz="4800"/>
-            </a:lvl4pPr>
-            <a:lvl5pPr lvl="4" algn="ctr" rtl="0">
-              <a:spcBef>
-                <a:spcPts val="0"/>
-              </a:spcBef>
-              <a:spcAft>
-                <a:spcPts val="0"/>
-              </a:spcAft>
-              <a:buSzPts val="4800"/>
-              <a:buNone/>
-              <a:defRPr sz="4800"/>
-            </a:lvl5pPr>
-            <a:lvl6pPr lvl="5" algn="ctr" rtl="0">
-              <a:spcBef>
-                <a:spcPts val="0"/>
-              </a:spcBef>
-              <a:spcAft>
-                <a:spcPts val="0"/>
-              </a:spcAft>
-              <a:buSzPts val="4800"/>
-              <a:buNone/>
-              <a:defRPr sz="4800"/>
-            </a:lvl6pPr>
-            <a:lvl7pPr lvl="6" algn="ctr" rtl="0">
-              <a:spcBef>
-                <a:spcPts val="0"/>
-              </a:spcBef>
-              <a:spcAft>
-                <a:spcPts val="0"/>
-              </a:spcAft>
-              <a:buSzPts val="4800"/>
-              <a:buNone/>
-              <a:defRPr sz="4800"/>
-            </a:lvl7pPr>
-            <a:lvl8pPr lvl="7" algn="ctr" rtl="0">
-              <a:spcBef>
-                <a:spcPts val="0"/>
-              </a:spcBef>
-              <a:spcAft>
-                <a:spcPts val="0"/>
-              </a:spcAft>
-              <a:buSzPts val="4800"/>
-              <a:buNone/>
-              <a:defRPr sz="4800"/>
-            </a:lvl8pPr>
-            <a:lvl9pPr lvl="8" algn="ctr" rtl="0">
-              <a:spcBef>
-                <a:spcPts val="0"/>
-              </a:spcBef>
-              <a:spcAft>
-                <a:spcPts val="0"/>
-              </a:spcAft>
-              <a:buSzPts val="4800"/>
-              <a:buNone/>
-              <a:defRPr sz="4800"/>
-            </a:lvl9pPr>
-          </a:lstStyle>
-          <a:p>
-            <a:r>
-              <a:t>xx%</a:t>
-            </a:r>
-          </a:p>
-        </p:txBody>
-      </p:sp>
-    </p:spTree>
-  </p:cSld>
-  <p:clrMapOvr>
-    <a:masterClrMapping/>
-  </p:clrMapOvr>
-</p:sldLayout>
-</file>
-
 <file path=ppt/slideLayouts/slideLayout6.xml><?xml version="1.0" encoding="utf-8"?>
-<p:sldLayout xmlns:a="http://schemas.openxmlformats.org/drawingml/2006/main" xmlns:r="http://schemas.openxmlformats.org/officeDocument/2006/relationships" xmlns:p="http://schemas.openxmlformats.org/presentationml/2006/main" matchingName="Background 1">
+<p:sldLayout xmlns:a="http://schemas.openxmlformats.org/drawingml/2006/main" xmlns:r="http://schemas.openxmlformats.org/officeDocument/2006/relationships" xmlns:mc="http://schemas.openxmlformats.org/markup-compatibility/2006" xmlns:mv="urn:schemas-microsoft-com:mac:vml" xmlns:p="http://schemas.openxmlformats.org/presentationml/2006/main" xmlns:c="http://schemas.openxmlformats.org/drawingml/2006/chart" xmlns:dgm="http://schemas.openxmlformats.org/drawingml/2006/diagram" xmlns:o="urn:schemas-microsoft-com:office:office" xmlns:v="urn:schemas-microsoft-com:vml" xmlns:pvml="urn:schemas-microsoft-com:office:powerpoint" xmlns:com="http://schemas.openxmlformats.org/drawingml/2006/compatibility" xmlns:p14="http://schemas.microsoft.com/office/powerpoint/2010/main" xmlns:p15="http://schemas.microsoft.com/office/powerpoint/2012/main" xmlns:ahyp="http://schemas.microsoft.com/office/drawing/2018/hyperlinkcolor" matchingName="Background 1">
   <p:cSld name="BLANK_1_1_1_1_1_1_1_1">
     <p:bg>
       <p:bgPr>
@@ -3854,12 +4442,11 @@
             <a:fillRect/>
           </a:stretch>
         </a:blipFill>
-        <a:effectLst/>
       </p:bgPr>
     </p:bg>
     <p:spTree>
       <p:nvGrpSpPr>
-        <p:cNvPr id="1" name="Shape 92"/>
+        <p:cNvPr id="30" name="Shape 30"/>
         <p:cNvGrpSpPr/>
         <p:nvPr/>
       </p:nvGrpSpPr>
@@ -3880,7 +4467,7 @@
 </file>
 
 <file path=ppt/slideLayouts/slideLayout7.xml><?xml version="1.0" encoding="utf-8"?>
-<p:sldLayout xmlns:a="http://schemas.openxmlformats.org/drawingml/2006/main" xmlns:r="http://schemas.openxmlformats.org/officeDocument/2006/relationships" xmlns:p="http://schemas.openxmlformats.org/presentationml/2006/main" matchingName="Background 2">
+<p:sldLayout xmlns:a="http://schemas.openxmlformats.org/drawingml/2006/main" xmlns:r="http://schemas.openxmlformats.org/officeDocument/2006/relationships" xmlns:mc="http://schemas.openxmlformats.org/markup-compatibility/2006" xmlns:mv="urn:schemas-microsoft-com:mac:vml" xmlns:p="http://schemas.openxmlformats.org/presentationml/2006/main" xmlns:c="http://schemas.openxmlformats.org/drawingml/2006/chart" xmlns:dgm="http://schemas.openxmlformats.org/drawingml/2006/diagram" xmlns:o="urn:schemas-microsoft-com:office:office" xmlns:v="urn:schemas-microsoft-com:vml" xmlns:pvml="urn:schemas-microsoft-com:office:powerpoint" xmlns:com="http://schemas.openxmlformats.org/drawingml/2006/compatibility" xmlns:p14="http://schemas.microsoft.com/office/powerpoint/2010/main" xmlns:p15="http://schemas.microsoft.com/office/powerpoint/2012/main" xmlns:ahyp="http://schemas.microsoft.com/office/drawing/2018/hyperlinkcolor" matchingName="Background 2">
   <p:cSld name="BLANK_1_1_1_1_1_1_1_1_1">
     <p:bg>
       <p:bgPr>
@@ -3892,12 +4479,11 @@
             <a:fillRect/>
           </a:stretch>
         </a:blipFill>
-        <a:effectLst/>
       </p:bgPr>
     </p:bg>
     <p:spTree>
       <p:nvGrpSpPr>
-        <p:cNvPr id="1" name="Shape 93"/>
+        <p:cNvPr id="31" name="Shape 31"/>
         <p:cNvGrpSpPr/>
         <p:nvPr/>
       </p:nvGrpSpPr>
@@ -3918,19 +4504,18 @@
 </file>
 
 <file path=ppt/slideMasters/slideMaster1.xml><?xml version="1.0" encoding="utf-8"?>
-<p:sldMaster xmlns:a="http://schemas.openxmlformats.org/drawingml/2006/main" xmlns:r="http://schemas.openxmlformats.org/officeDocument/2006/relationships" xmlns:p="http://schemas.openxmlformats.org/presentationml/2006/main">
+<p:sldMaster xmlns:a="http://schemas.openxmlformats.org/drawingml/2006/main" xmlns:r="http://schemas.openxmlformats.org/officeDocument/2006/relationships" xmlns:mc="http://schemas.openxmlformats.org/markup-compatibility/2006" xmlns:mv="urn:schemas-microsoft-com:mac:vml" xmlns:p="http://schemas.openxmlformats.org/presentationml/2006/main" xmlns:c="http://schemas.openxmlformats.org/drawingml/2006/chart" xmlns:dgm="http://schemas.openxmlformats.org/drawingml/2006/diagram" xmlns:o="urn:schemas-microsoft-com:office:office" xmlns:v="urn:schemas-microsoft-com:vml" xmlns:pvml="urn:schemas-microsoft-com:office:powerpoint" xmlns:com="http://schemas.openxmlformats.org/drawingml/2006/compatibility" xmlns:p14="http://schemas.microsoft.com/office/powerpoint/2010/main" xmlns:p15="http://schemas.microsoft.com/office/powerpoint/2012/main" xmlns:ahyp="http://schemas.microsoft.com/office/drawing/2018/hyperlinkcolor">
   <p:cSld name="simple-light-2">
     <p:bg>
       <p:bgPr>
         <a:solidFill>
           <a:schemeClr val="dk1"/>
         </a:solidFill>
-        <a:effectLst/>
       </p:bgPr>
     </p:bg>
     <p:spTree>
       <p:nvGrpSpPr>
-        <p:cNvPr id="1" name="Shape 5"/>
+        <p:cNvPr id="5" name="Shape 5"/>
         <p:cNvGrpSpPr/>
         <p:nvPr/>
       </p:nvGrpSpPr>
@@ -3944,10 +4529,8 @@
       </p:grpSpPr>
       <p:sp>
         <p:nvSpPr>
-          <p:cNvPr id="6" name="Google Shape;6;p1"/>
-          <p:cNvSpPr txBox="1">
-            <a:spLocks noGrp="1"/>
-          </p:cNvSpPr>
+          <p:cNvPr id="6" name="Google Shape;6;p7"/>
+          <p:cNvSpPr txBox="1"/>
           <p:nvPr>
             <p:ph type="title"/>
           </p:nvPr>
@@ -3966,11 +4549,14 @@
           </a:ln>
         </p:spPr>
         <p:txBody>
-          <a:bodyPr spcFirstLastPara="1" wrap="square" lIns="91425" tIns="91425" rIns="91425" bIns="91425" anchor="t" anchorCtr="0">
+          <a:bodyPr anchorCtr="0" anchor="t" bIns="91425" lIns="91425" spcFirstLastPara="1" rIns="91425" wrap="square" tIns="91425">
             <a:noAutofit/>
           </a:bodyPr>
           <a:lstStyle>
-            <a:lvl1pPr lvl="0">
+            <a:lvl1pPr lvl="0" marR="0" rtl="0" algn="l">
+              <a:lnSpc>
+                <a:spcPct val="100000"/>
+              </a:lnSpc>
               <a:spcBef>
                 <a:spcPts val="0"/>
               </a:spcBef>
@@ -3983,7 +4569,7 @@
               <a:buSzPts val="2800"/>
               <a:buFont typeface="Rajdhani"/>
               <a:buNone/>
-              <a:defRPr sz="2800" b="1">
+              <a:defRPr b="1" i="0" sz="2800" u="none" cap="none" strike="noStrike">
                 <a:solidFill>
                   <a:schemeClr val="lt2"/>
                 </a:solidFill>
@@ -3993,7 +4579,10 @@
                 <a:sym typeface="Rajdhani"/>
               </a:defRPr>
             </a:lvl1pPr>
-            <a:lvl2pPr lvl="1">
+            <a:lvl2pPr lvl="1" marR="0" rtl="0" algn="l">
+              <a:lnSpc>
+                <a:spcPct val="100000"/>
+              </a:lnSpc>
               <a:spcBef>
                 <a:spcPts val="0"/>
               </a:spcBef>
@@ -4006,7 +4595,7 @@
               <a:buSzPts val="2800"/>
               <a:buFont typeface="Rajdhani"/>
               <a:buNone/>
-              <a:defRPr sz="2800" b="1">
+              <a:defRPr b="1" i="0" sz="2800" u="none" cap="none" strike="noStrike">
                 <a:solidFill>
                   <a:schemeClr val="lt2"/>
                 </a:solidFill>
@@ -4016,7 +4605,10 @@
                 <a:sym typeface="Rajdhani"/>
               </a:defRPr>
             </a:lvl2pPr>
-            <a:lvl3pPr lvl="2">
+            <a:lvl3pPr lvl="2" marR="0" rtl="0" algn="l">
+              <a:lnSpc>
+                <a:spcPct val="100000"/>
+              </a:lnSpc>
               <a:spcBef>
                 <a:spcPts val="0"/>
               </a:spcBef>
@@ -4029,7 +4621,7 @@
               <a:buSzPts val="2800"/>
               <a:buFont typeface="Rajdhani"/>
               <a:buNone/>
-              <a:defRPr sz="2800" b="1">
+              <a:defRPr b="1" i="0" sz="2800" u="none" cap="none" strike="noStrike">
                 <a:solidFill>
                   <a:schemeClr val="lt2"/>
                 </a:solidFill>
@@ -4039,7 +4631,10 @@
                 <a:sym typeface="Rajdhani"/>
               </a:defRPr>
             </a:lvl3pPr>
-            <a:lvl4pPr lvl="3">
+            <a:lvl4pPr lvl="3" marR="0" rtl="0" algn="l">
+              <a:lnSpc>
+                <a:spcPct val="100000"/>
+              </a:lnSpc>
               <a:spcBef>
                 <a:spcPts val="0"/>
               </a:spcBef>
@@ -4052,7 +4647,7 @@
               <a:buSzPts val="2800"/>
               <a:buFont typeface="Rajdhani"/>
               <a:buNone/>
-              <a:defRPr sz="2800" b="1">
+              <a:defRPr b="1" i="0" sz="2800" u="none" cap="none" strike="noStrike">
                 <a:solidFill>
                   <a:schemeClr val="lt2"/>
                 </a:solidFill>
@@ -4062,7 +4657,10 @@
                 <a:sym typeface="Rajdhani"/>
               </a:defRPr>
             </a:lvl4pPr>
-            <a:lvl5pPr lvl="4">
+            <a:lvl5pPr lvl="4" marR="0" rtl="0" algn="l">
+              <a:lnSpc>
+                <a:spcPct val="100000"/>
+              </a:lnSpc>
               <a:spcBef>
                 <a:spcPts val="0"/>
               </a:spcBef>
@@ -4075,7 +4673,7 @@
               <a:buSzPts val="2800"/>
               <a:buFont typeface="Rajdhani"/>
               <a:buNone/>
-              <a:defRPr sz="2800" b="1">
+              <a:defRPr b="1" i="0" sz="2800" u="none" cap="none" strike="noStrike">
                 <a:solidFill>
                   <a:schemeClr val="lt2"/>
                 </a:solidFill>
@@ -4085,7 +4683,10 @@
                 <a:sym typeface="Rajdhani"/>
               </a:defRPr>
             </a:lvl5pPr>
-            <a:lvl6pPr lvl="5">
+            <a:lvl6pPr lvl="5" marR="0" rtl="0" algn="l">
+              <a:lnSpc>
+                <a:spcPct val="100000"/>
+              </a:lnSpc>
               <a:spcBef>
                 <a:spcPts val="0"/>
               </a:spcBef>
@@ -4098,7 +4699,7 @@
               <a:buSzPts val="2800"/>
               <a:buFont typeface="Rajdhani"/>
               <a:buNone/>
-              <a:defRPr sz="2800" b="1">
+              <a:defRPr b="1" i="0" sz="2800" u="none" cap="none" strike="noStrike">
                 <a:solidFill>
                   <a:schemeClr val="lt2"/>
                 </a:solidFill>
@@ -4108,7 +4709,10 @@
                 <a:sym typeface="Rajdhani"/>
               </a:defRPr>
             </a:lvl6pPr>
-            <a:lvl7pPr lvl="6">
+            <a:lvl7pPr lvl="6" marR="0" rtl="0" algn="l">
+              <a:lnSpc>
+                <a:spcPct val="100000"/>
+              </a:lnSpc>
               <a:spcBef>
                 <a:spcPts val="0"/>
               </a:spcBef>
@@ -4121,7 +4725,7 @@
               <a:buSzPts val="2800"/>
               <a:buFont typeface="Rajdhani"/>
               <a:buNone/>
-              <a:defRPr sz="2800" b="1">
+              <a:defRPr b="1" i="0" sz="2800" u="none" cap="none" strike="noStrike">
                 <a:solidFill>
                   <a:schemeClr val="lt2"/>
                 </a:solidFill>
@@ -4131,7 +4735,10 @@
                 <a:sym typeface="Rajdhani"/>
               </a:defRPr>
             </a:lvl7pPr>
-            <a:lvl8pPr lvl="7">
+            <a:lvl8pPr lvl="7" marR="0" rtl="0" algn="l">
+              <a:lnSpc>
+                <a:spcPct val="100000"/>
+              </a:lnSpc>
               <a:spcBef>
                 <a:spcPts val="0"/>
               </a:spcBef>
@@ -4144,7 +4751,7 @@
               <a:buSzPts val="2800"/>
               <a:buFont typeface="Rajdhani"/>
               <a:buNone/>
-              <a:defRPr sz="2800" b="1">
+              <a:defRPr b="1" i="0" sz="2800" u="none" cap="none" strike="noStrike">
                 <a:solidFill>
                   <a:schemeClr val="lt2"/>
                 </a:solidFill>
@@ -4154,7 +4761,10 @@
                 <a:sym typeface="Rajdhani"/>
               </a:defRPr>
             </a:lvl8pPr>
-            <a:lvl9pPr lvl="8">
+            <a:lvl9pPr lvl="8" marR="0" rtl="0" algn="l">
+              <a:lnSpc>
+                <a:spcPct val="100000"/>
+              </a:lnSpc>
               <a:spcBef>
                 <a:spcPts val="0"/>
               </a:spcBef>
@@ -4167,7 +4777,7 @@
               <a:buSzPts val="2800"/>
               <a:buFont typeface="Rajdhani"/>
               <a:buNone/>
-              <a:defRPr sz="2800" b="1">
+              <a:defRPr b="1" i="0" sz="2800" u="none" cap="none" strike="noStrike">
                 <a:solidFill>
                   <a:schemeClr val="lt2"/>
                 </a:solidFill>
@@ -4178,19 +4788,15 @@
               </a:defRPr>
             </a:lvl9pPr>
           </a:lstStyle>
-          <a:p>
-            <a:endParaRPr/>
-          </a:p>
+          <a:p/>
         </p:txBody>
       </p:sp>
       <p:sp>
         <p:nvSpPr>
-          <p:cNvPr id="7" name="Google Shape;7;p1"/>
-          <p:cNvSpPr txBox="1">
-            <a:spLocks noGrp="1"/>
-          </p:cNvSpPr>
+          <p:cNvPr id="7" name="Google Shape;7;p7"/>
+          <p:cNvSpPr txBox="1"/>
           <p:nvPr>
-            <p:ph type="body" idx="1"/>
+            <p:ph idx="1" type="body"/>
           </p:nvPr>
         </p:nvSpPr>
         <p:spPr>
@@ -4207,11 +4813,11 @@
           </a:ln>
         </p:spPr>
         <p:txBody>
-          <a:bodyPr spcFirstLastPara="1" wrap="square" lIns="91425" tIns="91425" rIns="91425" bIns="91425" anchor="t" anchorCtr="0">
+          <a:bodyPr anchorCtr="0" anchor="t" bIns="91425" lIns="91425" spcFirstLastPara="1" rIns="91425" wrap="square" tIns="91425">
             <a:noAutofit/>
           </a:bodyPr>
           <a:lstStyle>
-            <a:lvl1pPr marL="457200" lvl="0" indent="-304800">
+            <a:lvl1pPr indent="-304800" lvl="0" marL="457200" marR="0" rtl="0" algn="l">
               <a:lnSpc>
                 <a:spcPct val="115000"/>
               </a:lnSpc>
@@ -4227,7 +4833,7 @@
               <a:buSzPts val="1200"/>
               <a:buFont typeface="Fira Sans Condensed Light"/>
               <a:buChar char="●"/>
-              <a:defRPr sz="1200">
+              <a:defRPr b="0" i="0" sz="1200" u="none" cap="none" strike="noStrike">
                 <a:solidFill>
                   <a:schemeClr val="lt2"/>
                 </a:solidFill>
@@ -4237,7 +4843,7 @@
                 <a:sym typeface="Fira Sans Condensed Light"/>
               </a:defRPr>
             </a:lvl1pPr>
-            <a:lvl2pPr marL="914400" lvl="1" indent="-304800">
+            <a:lvl2pPr indent="-304800" lvl="1" marL="914400" marR="0" rtl="0" algn="l">
               <a:lnSpc>
                 <a:spcPct val="115000"/>
               </a:lnSpc>
@@ -4253,7 +4859,7 @@
               <a:buSzPts val="1200"/>
               <a:buFont typeface="Fira Sans Condensed Light"/>
               <a:buChar char="○"/>
-              <a:defRPr sz="1200">
+              <a:defRPr b="0" i="0" sz="1200" u="none" cap="none" strike="noStrike">
                 <a:solidFill>
                   <a:schemeClr val="lt2"/>
                 </a:solidFill>
@@ -4263,7 +4869,7 @@
                 <a:sym typeface="Fira Sans Condensed Light"/>
               </a:defRPr>
             </a:lvl2pPr>
-            <a:lvl3pPr marL="1371600" lvl="2" indent="-304800">
+            <a:lvl3pPr indent="-304800" lvl="2" marL="1371600" marR="0" rtl="0" algn="l">
               <a:lnSpc>
                 <a:spcPct val="115000"/>
               </a:lnSpc>
@@ -4279,7 +4885,7 @@
               <a:buSzPts val="1200"/>
               <a:buFont typeface="Fira Sans Condensed Light"/>
               <a:buChar char="■"/>
-              <a:defRPr sz="1200">
+              <a:defRPr b="0" i="0" sz="1200" u="none" cap="none" strike="noStrike">
                 <a:solidFill>
                   <a:schemeClr val="lt2"/>
                 </a:solidFill>
@@ -4289,7 +4895,7 @@
                 <a:sym typeface="Fira Sans Condensed Light"/>
               </a:defRPr>
             </a:lvl3pPr>
-            <a:lvl4pPr marL="1828800" lvl="3" indent="-304800">
+            <a:lvl4pPr indent="-304800" lvl="3" marL="1828800" marR="0" rtl="0" algn="l">
               <a:lnSpc>
                 <a:spcPct val="115000"/>
               </a:lnSpc>
@@ -4305,7 +4911,7 @@
               <a:buSzPts val="1200"/>
               <a:buFont typeface="Fira Sans Condensed Light"/>
               <a:buChar char="●"/>
-              <a:defRPr sz="1200">
+              <a:defRPr b="0" i="0" sz="1200" u="none" cap="none" strike="noStrike">
                 <a:solidFill>
                   <a:schemeClr val="lt2"/>
                 </a:solidFill>
@@ -4315,7 +4921,7 @@
                 <a:sym typeface="Fira Sans Condensed Light"/>
               </a:defRPr>
             </a:lvl4pPr>
-            <a:lvl5pPr marL="2286000" lvl="4" indent="-304800">
+            <a:lvl5pPr indent="-304800" lvl="4" marL="2286000" marR="0" rtl="0" algn="l">
               <a:lnSpc>
                 <a:spcPct val="115000"/>
               </a:lnSpc>
@@ -4331,7 +4937,7 @@
               <a:buSzPts val="1200"/>
               <a:buFont typeface="Fira Sans Condensed Light"/>
               <a:buChar char="○"/>
-              <a:defRPr sz="1200">
+              <a:defRPr b="0" i="0" sz="1200" u="none" cap="none" strike="noStrike">
                 <a:solidFill>
                   <a:schemeClr val="lt2"/>
                 </a:solidFill>
@@ -4341,7 +4947,7 @@
                 <a:sym typeface="Fira Sans Condensed Light"/>
               </a:defRPr>
             </a:lvl5pPr>
-            <a:lvl6pPr marL="2743200" lvl="5" indent="-304800">
+            <a:lvl6pPr indent="-304800" lvl="5" marL="2743200" marR="0" rtl="0" algn="l">
               <a:lnSpc>
                 <a:spcPct val="115000"/>
               </a:lnSpc>
@@ -4357,7 +4963,7 @@
               <a:buSzPts val="1200"/>
               <a:buFont typeface="Fira Sans Condensed Light"/>
               <a:buChar char="■"/>
-              <a:defRPr sz="1200">
+              <a:defRPr b="0" i="0" sz="1200" u="none" cap="none" strike="noStrike">
                 <a:solidFill>
                   <a:schemeClr val="lt2"/>
                 </a:solidFill>
@@ -4367,7 +4973,7 @@
                 <a:sym typeface="Fira Sans Condensed Light"/>
               </a:defRPr>
             </a:lvl6pPr>
-            <a:lvl7pPr marL="3200400" lvl="6" indent="-304800">
+            <a:lvl7pPr indent="-304800" lvl="6" marL="3200400" marR="0" rtl="0" algn="l">
               <a:lnSpc>
                 <a:spcPct val="115000"/>
               </a:lnSpc>
@@ -4383,7 +4989,7 @@
               <a:buSzPts val="1200"/>
               <a:buFont typeface="Fira Sans Condensed Light"/>
               <a:buChar char="●"/>
-              <a:defRPr sz="1200">
+              <a:defRPr b="0" i="0" sz="1200" u="none" cap="none" strike="noStrike">
                 <a:solidFill>
                   <a:schemeClr val="lt2"/>
                 </a:solidFill>
@@ -4393,7 +4999,7 @@
                 <a:sym typeface="Fira Sans Condensed Light"/>
               </a:defRPr>
             </a:lvl7pPr>
-            <a:lvl8pPr marL="3657600" lvl="7" indent="-304800">
+            <a:lvl8pPr indent="-304800" lvl="7" marL="3657600" marR="0" rtl="0" algn="l">
               <a:lnSpc>
                 <a:spcPct val="115000"/>
               </a:lnSpc>
@@ -4409,7 +5015,7 @@
               <a:buSzPts val="1200"/>
               <a:buFont typeface="Fira Sans Condensed Light"/>
               <a:buChar char="○"/>
-              <a:defRPr sz="1200">
+              <a:defRPr b="0" i="0" sz="1200" u="none" cap="none" strike="noStrike">
                 <a:solidFill>
                   <a:schemeClr val="lt2"/>
                 </a:solidFill>
@@ -4419,7 +5025,7 @@
                 <a:sym typeface="Fira Sans Condensed Light"/>
               </a:defRPr>
             </a:lvl8pPr>
-            <a:lvl9pPr marL="4114800" lvl="8" indent="-304800">
+            <a:lvl9pPr indent="-304800" lvl="8" marL="4114800" marR="0" rtl="0" algn="l">
               <a:lnSpc>
                 <a:spcPct val="115000"/>
               </a:lnSpc>
@@ -4435,7 +5041,7 @@
               <a:buSzPts val="1200"/>
               <a:buFont typeface="Fira Sans Condensed Light"/>
               <a:buChar char="■"/>
-              <a:defRPr sz="1200">
+              <a:defRPr b="0" i="0" sz="1200" u="none" cap="none" strike="noStrike">
                 <a:solidFill>
                   <a:schemeClr val="lt2"/>
                 </a:solidFill>
@@ -4446,27 +5052,25 @@
               </a:defRPr>
             </a:lvl9pPr>
           </a:lstStyle>
-          <a:p>
-            <a:endParaRPr/>
-          </a:p>
+          <a:p/>
         </p:txBody>
       </p:sp>
     </p:spTree>
   </p:cSld>
-  <p:clrMap bg1="lt1" tx1="dk1" bg2="dk2" tx2="lt2" accent1="accent1" accent2="accent2" accent3="accent3" accent4="accent4" accent5="accent5" accent6="accent6" hlink="hlink" folHlink="folHlink"/>
+  <p:clrMap accent1="accent1" accent2="accent2" accent3="accent3" accent4="accent4" accent5="accent5" accent6="accent6" bg1="lt1" bg2="dk2" tx1="dk1" tx2="lt2" folHlink="folHlink" hlink="hlink"/>
   <p:sldLayoutIdLst>
-    <p:sldLayoutId id="2147483648" r:id="rId1"/>
+    <p:sldLayoutId id="2147483649" r:id="rId1"/>
     <p:sldLayoutId id="2147483650" r:id="rId2"/>
-    <p:sldLayoutId id="2147483655" r:id="rId3"/>
-    <p:sldLayoutId id="2147483659" r:id="rId4"/>
-    <p:sldLayoutId id="2147483660" r:id="rId5"/>
-    <p:sldLayoutId id="2147483666" r:id="rId6"/>
-    <p:sldLayoutId id="2147483667" r:id="rId7"/>
+    <p:sldLayoutId id="2147483651" r:id="rId3"/>
+    <p:sldLayoutId id="2147483652" r:id="rId4"/>
+    <p:sldLayoutId id="2147483653" r:id="rId5"/>
+    <p:sldLayoutId id="2147483654" r:id="rId6"/>
+    <p:sldLayoutId id="2147483655" r:id="rId7"/>
   </p:sldLayoutIdLst>
-  <p:hf sldNum="0" hdr="0" ftr="0" dt="0"/>
+  <p:hf dt="0" ftr="0" hdr="0" sldNum="0"/>
   <p:txStyles>
     <p:titleStyle>
-      <a:defPPr marR="0" lvl="0" algn="l" rtl="0">
+      <a:defPPr lvl="0" marR="0" rtl="0" algn="l">
         <a:lnSpc>
           <a:spcPct val="100000"/>
         </a:lnSpc>
@@ -4477,7 +5081,7 @@
           <a:spcPts val="0"/>
         </a:spcAft>
       </a:defPPr>
-      <a:lvl1pPr marR="0" lvl="0" algn="l" rtl="0">
+      <a:lvl1pPr lvl="0" marR="0" rtl="0" algn="l">
         <a:lnSpc>
           <a:spcPct val="100000"/>
         </a:lnSpc>
@@ -4491,7 +5095,7 @@
           <a:srgbClr val="000000"/>
         </a:buClr>
         <a:buFont typeface="Arial"/>
-        <a:defRPr sz="1400" b="0" i="0" u="none" strike="noStrike" cap="none">
+        <a:defRPr b="0" i="0" sz="1400" u="none" cap="none" strike="noStrike">
           <a:solidFill>
             <a:srgbClr val="000000"/>
           </a:solidFill>
@@ -4501,7 +5105,7 @@
           <a:sym typeface="Arial"/>
         </a:defRPr>
       </a:lvl1pPr>
-      <a:lvl2pPr marR="0" lvl="1" algn="l" rtl="0">
+      <a:lvl2pPr lvl="1" marR="0" rtl="0" algn="l">
         <a:lnSpc>
           <a:spcPct val="100000"/>
         </a:lnSpc>
@@ -4515,7 +5119,7 @@
           <a:srgbClr val="000000"/>
         </a:buClr>
         <a:buFont typeface="Arial"/>
-        <a:defRPr sz="1400" b="0" i="0" u="none" strike="noStrike" cap="none">
+        <a:defRPr b="0" i="0" sz="1400" u="none" cap="none" strike="noStrike">
           <a:solidFill>
             <a:srgbClr val="000000"/>
           </a:solidFill>
@@ -4525,7 +5129,7 @@
           <a:sym typeface="Arial"/>
         </a:defRPr>
       </a:lvl2pPr>
-      <a:lvl3pPr marR="0" lvl="2" algn="l" rtl="0">
+      <a:lvl3pPr lvl="2" marR="0" rtl="0" algn="l">
         <a:lnSpc>
           <a:spcPct val="100000"/>
         </a:lnSpc>
@@ -4539,7 +5143,7 @@
           <a:srgbClr val="000000"/>
         </a:buClr>
         <a:buFont typeface="Arial"/>
-        <a:defRPr sz="1400" b="0" i="0" u="none" strike="noStrike" cap="none">
+        <a:defRPr b="0" i="0" sz="1400" u="none" cap="none" strike="noStrike">
           <a:solidFill>
             <a:srgbClr val="000000"/>
           </a:solidFill>
@@ -4549,7 +5153,7 @@
           <a:sym typeface="Arial"/>
         </a:defRPr>
       </a:lvl3pPr>
-      <a:lvl4pPr marR="0" lvl="3" algn="l" rtl="0">
+      <a:lvl4pPr lvl="3" marR="0" rtl="0" algn="l">
         <a:lnSpc>
           <a:spcPct val="100000"/>
         </a:lnSpc>
@@ -4563,7 +5167,7 @@
           <a:srgbClr val="000000"/>
         </a:buClr>
         <a:buFont typeface="Arial"/>
-        <a:defRPr sz="1400" b="0" i="0" u="none" strike="noStrike" cap="none">
+        <a:defRPr b="0" i="0" sz="1400" u="none" cap="none" strike="noStrike">
           <a:solidFill>
             <a:srgbClr val="000000"/>
           </a:solidFill>
@@ -4573,7 +5177,7 @@
           <a:sym typeface="Arial"/>
         </a:defRPr>
       </a:lvl4pPr>
-      <a:lvl5pPr marR="0" lvl="4" algn="l" rtl="0">
+      <a:lvl5pPr lvl="4" marR="0" rtl="0" algn="l">
         <a:lnSpc>
           <a:spcPct val="100000"/>
         </a:lnSpc>
@@ -4587,7 +5191,7 @@
           <a:srgbClr val="000000"/>
         </a:buClr>
         <a:buFont typeface="Arial"/>
-        <a:defRPr sz="1400" b="0" i="0" u="none" strike="noStrike" cap="none">
+        <a:defRPr b="0" i="0" sz="1400" u="none" cap="none" strike="noStrike">
           <a:solidFill>
             <a:srgbClr val="000000"/>
           </a:solidFill>
@@ -4597,7 +5201,7 @@
           <a:sym typeface="Arial"/>
         </a:defRPr>
       </a:lvl5pPr>
-      <a:lvl6pPr marR="0" lvl="5" algn="l" rtl="0">
+      <a:lvl6pPr lvl="5" marR="0" rtl="0" algn="l">
         <a:lnSpc>
           <a:spcPct val="100000"/>
         </a:lnSpc>
@@ -4611,7 +5215,7 @@
           <a:srgbClr val="000000"/>
         </a:buClr>
         <a:buFont typeface="Arial"/>
-        <a:defRPr sz="1400" b="0" i="0" u="none" strike="noStrike" cap="none">
+        <a:defRPr b="0" i="0" sz="1400" u="none" cap="none" strike="noStrike">
           <a:solidFill>
             <a:srgbClr val="000000"/>
           </a:solidFill>
@@ -4621,7 +5225,7 @@
           <a:sym typeface="Arial"/>
         </a:defRPr>
       </a:lvl6pPr>
-      <a:lvl7pPr marR="0" lvl="6" algn="l" rtl="0">
+      <a:lvl7pPr lvl="6" marR="0" rtl="0" algn="l">
         <a:lnSpc>
           <a:spcPct val="100000"/>
         </a:lnSpc>
@@ -4635,7 +5239,7 @@
           <a:srgbClr val="000000"/>
         </a:buClr>
         <a:buFont typeface="Arial"/>
-        <a:defRPr sz="1400" b="0" i="0" u="none" strike="noStrike" cap="none">
+        <a:defRPr b="0" i="0" sz="1400" u="none" cap="none" strike="noStrike">
           <a:solidFill>
             <a:srgbClr val="000000"/>
           </a:solidFill>
@@ -4645,7 +5249,7 @@
           <a:sym typeface="Arial"/>
         </a:defRPr>
       </a:lvl7pPr>
-      <a:lvl8pPr marR="0" lvl="7" algn="l" rtl="0">
+      <a:lvl8pPr lvl="7" marR="0" rtl="0" algn="l">
         <a:lnSpc>
           <a:spcPct val="100000"/>
         </a:lnSpc>
@@ -4659,7 +5263,7 @@
           <a:srgbClr val="000000"/>
         </a:buClr>
         <a:buFont typeface="Arial"/>
-        <a:defRPr sz="1400" b="0" i="0" u="none" strike="noStrike" cap="none">
+        <a:defRPr b="0" i="0" sz="1400" u="none" cap="none" strike="noStrike">
           <a:solidFill>
             <a:srgbClr val="000000"/>
           </a:solidFill>
@@ -4669,7 +5273,7 @@
           <a:sym typeface="Arial"/>
         </a:defRPr>
       </a:lvl8pPr>
-      <a:lvl9pPr marR="0" lvl="8" algn="l" rtl="0">
+      <a:lvl9pPr lvl="8" marR="0" rtl="0" algn="l">
         <a:lnSpc>
           <a:spcPct val="100000"/>
         </a:lnSpc>
@@ -4683,7 +5287,7 @@
           <a:srgbClr val="000000"/>
         </a:buClr>
         <a:buFont typeface="Arial"/>
-        <a:defRPr sz="1400" b="0" i="0" u="none" strike="noStrike" cap="none">
+        <a:defRPr b="0" i="0" sz="1400" u="none" cap="none" strike="noStrike">
           <a:solidFill>
             <a:srgbClr val="000000"/>
           </a:solidFill>
@@ -4695,7 +5299,7 @@
       </a:lvl9pPr>
     </p:titleStyle>
     <p:bodyStyle>
-      <a:defPPr marR="0" lvl="0" algn="l" rtl="0">
+      <a:defPPr lvl="0" marR="0" rtl="0" algn="l">
         <a:lnSpc>
           <a:spcPct val="100000"/>
         </a:lnSpc>
@@ -4706,7 +5310,7 @@
           <a:spcPts val="0"/>
         </a:spcAft>
       </a:defPPr>
-      <a:lvl1pPr marR="0" lvl="0" algn="l" rtl="0">
+      <a:lvl1pPr lvl="0" marR="0" rtl="0" algn="l">
         <a:lnSpc>
           <a:spcPct val="100000"/>
         </a:lnSpc>
@@ -4720,7 +5324,7 @@
           <a:srgbClr val="000000"/>
         </a:buClr>
         <a:buFont typeface="Arial"/>
-        <a:defRPr sz="1400" b="0" i="0" u="none" strike="noStrike" cap="none">
+        <a:defRPr b="0" i="0" sz="1400" u="none" cap="none" strike="noStrike">
           <a:solidFill>
             <a:srgbClr val="000000"/>
           </a:solidFill>
@@ -4730,7 +5334,7 @@
           <a:sym typeface="Arial"/>
         </a:defRPr>
       </a:lvl1pPr>
-      <a:lvl2pPr marR="0" lvl="1" algn="l" rtl="0">
+      <a:lvl2pPr lvl="1" marR="0" rtl="0" algn="l">
         <a:lnSpc>
           <a:spcPct val="100000"/>
         </a:lnSpc>
@@ -4744,7 +5348,7 @@
           <a:srgbClr val="000000"/>
         </a:buClr>
         <a:buFont typeface="Arial"/>
-        <a:defRPr sz="1400" b="0" i="0" u="none" strike="noStrike" cap="none">
+        <a:defRPr b="0" i="0" sz="1400" u="none" cap="none" strike="noStrike">
           <a:solidFill>
             <a:srgbClr val="000000"/>
           </a:solidFill>
@@ -4754,7 +5358,7 @@
           <a:sym typeface="Arial"/>
         </a:defRPr>
       </a:lvl2pPr>
-      <a:lvl3pPr marR="0" lvl="2" algn="l" rtl="0">
+      <a:lvl3pPr lvl="2" marR="0" rtl="0" algn="l">
         <a:lnSpc>
           <a:spcPct val="100000"/>
         </a:lnSpc>
@@ -4768,7 +5372,7 @@
           <a:srgbClr val="000000"/>
         </a:buClr>
         <a:buFont typeface="Arial"/>
-        <a:defRPr sz="1400" b="0" i="0" u="none" strike="noStrike" cap="none">
+        <a:defRPr b="0" i="0" sz="1400" u="none" cap="none" strike="noStrike">
           <a:solidFill>
             <a:srgbClr val="000000"/>
           </a:solidFill>
@@ -4778,7 +5382,7 @@
           <a:sym typeface="Arial"/>
         </a:defRPr>
       </a:lvl3pPr>
-      <a:lvl4pPr marR="0" lvl="3" algn="l" rtl="0">
+      <a:lvl4pPr lvl="3" marR="0" rtl="0" algn="l">
         <a:lnSpc>
           <a:spcPct val="100000"/>
         </a:lnSpc>
@@ -4792,7 +5396,7 @@
           <a:srgbClr val="000000"/>
         </a:buClr>
         <a:buFont typeface="Arial"/>
-        <a:defRPr sz="1400" b="0" i="0" u="none" strike="noStrike" cap="none">
+        <a:defRPr b="0" i="0" sz="1400" u="none" cap="none" strike="noStrike">
           <a:solidFill>
             <a:srgbClr val="000000"/>
           </a:solidFill>
@@ -4802,7 +5406,7 @@
           <a:sym typeface="Arial"/>
         </a:defRPr>
       </a:lvl4pPr>
-      <a:lvl5pPr marR="0" lvl="4" algn="l" rtl="0">
+      <a:lvl5pPr lvl="4" marR="0" rtl="0" algn="l">
         <a:lnSpc>
           <a:spcPct val="100000"/>
         </a:lnSpc>
@@ -4816,7 +5420,7 @@
           <a:srgbClr val="000000"/>
         </a:buClr>
         <a:buFont typeface="Arial"/>
-        <a:defRPr sz="1400" b="0" i="0" u="none" strike="noStrike" cap="none">
+        <a:defRPr b="0" i="0" sz="1400" u="none" cap="none" strike="noStrike">
           <a:solidFill>
             <a:srgbClr val="000000"/>
           </a:solidFill>
@@ -4826,7 +5430,7 @@
           <a:sym typeface="Arial"/>
         </a:defRPr>
       </a:lvl5pPr>
-      <a:lvl6pPr marR="0" lvl="5" algn="l" rtl="0">
+      <a:lvl6pPr lvl="5" marR="0" rtl="0" algn="l">
         <a:lnSpc>
           <a:spcPct val="100000"/>
         </a:lnSpc>
@@ -4840,7 +5444,7 @@
           <a:srgbClr val="000000"/>
         </a:buClr>
         <a:buFont typeface="Arial"/>
-        <a:defRPr sz="1400" b="0" i="0" u="none" strike="noStrike" cap="none">
+        <a:defRPr b="0" i="0" sz="1400" u="none" cap="none" strike="noStrike">
           <a:solidFill>
             <a:srgbClr val="000000"/>
           </a:solidFill>
@@ -4850,7 +5454,7 @@
           <a:sym typeface="Arial"/>
         </a:defRPr>
       </a:lvl6pPr>
-      <a:lvl7pPr marR="0" lvl="6" algn="l" rtl="0">
+      <a:lvl7pPr lvl="6" marR="0" rtl="0" algn="l">
         <a:lnSpc>
           <a:spcPct val="100000"/>
         </a:lnSpc>
@@ -4864,7 +5468,7 @@
           <a:srgbClr val="000000"/>
         </a:buClr>
         <a:buFont typeface="Arial"/>
-        <a:defRPr sz="1400" b="0" i="0" u="none" strike="noStrike" cap="none">
+        <a:defRPr b="0" i="0" sz="1400" u="none" cap="none" strike="noStrike">
           <a:solidFill>
             <a:srgbClr val="000000"/>
           </a:solidFill>
@@ -4874,7 +5478,7 @@
           <a:sym typeface="Arial"/>
         </a:defRPr>
       </a:lvl7pPr>
-      <a:lvl8pPr marR="0" lvl="7" algn="l" rtl="0">
+      <a:lvl8pPr lvl="7" marR="0" rtl="0" algn="l">
         <a:lnSpc>
           <a:spcPct val="100000"/>
         </a:lnSpc>
@@ -4888,7 +5492,7 @@
           <a:srgbClr val="000000"/>
         </a:buClr>
         <a:buFont typeface="Arial"/>
-        <a:defRPr sz="1400" b="0" i="0" u="none" strike="noStrike" cap="none">
+        <a:defRPr b="0" i="0" sz="1400" u="none" cap="none" strike="noStrike">
           <a:solidFill>
             <a:srgbClr val="000000"/>
           </a:solidFill>
@@ -4898,7 +5502,7 @@
           <a:sym typeface="Arial"/>
         </a:defRPr>
       </a:lvl8pPr>
-      <a:lvl9pPr marR="0" lvl="8" algn="l" rtl="0">
+      <a:lvl9pPr lvl="8" marR="0" rtl="0" algn="l">
         <a:lnSpc>
           <a:spcPct val="100000"/>
         </a:lnSpc>
@@ -4912,7 +5516,7 @@
           <a:srgbClr val="000000"/>
         </a:buClr>
         <a:buFont typeface="Arial"/>
-        <a:defRPr sz="1400" b="0" i="0" u="none" strike="noStrike" cap="none">
+        <a:defRPr b="0" i="0" sz="1400" u="none" cap="none" strike="noStrike">
           <a:solidFill>
             <a:srgbClr val="000000"/>
           </a:solidFill>
@@ -4924,7 +5528,7 @@
       </a:lvl9pPr>
     </p:bodyStyle>
     <p:otherStyle>
-      <a:defPPr marR="0" lvl="0" algn="l" rtl="0">
+      <a:defPPr lvl="0" marR="0" rtl="0" algn="l">
         <a:lnSpc>
           <a:spcPct val="100000"/>
         </a:lnSpc>
@@ -4935,7 +5539,7 @@
           <a:spcPts val="0"/>
         </a:spcAft>
       </a:defPPr>
-      <a:lvl1pPr marR="0" lvl="0" algn="l" rtl="0">
+      <a:lvl1pPr lvl="0" marR="0" rtl="0" algn="l">
         <a:lnSpc>
           <a:spcPct val="100000"/>
         </a:lnSpc>
@@ -4949,7 +5553,7 @@
           <a:srgbClr val="000000"/>
         </a:buClr>
         <a:buFont typeface="Arial"/>
-        <a:defRPr sz="1400" b="0" i="0" u="none" strike="noStrike" cap="none">
+        <a:defRPr b="0" i="0" sz="1400" u="none" cap="none" strike="noStrike">
           <a:solidFill>
             <a:srgbClr val="000000"/>
           </a:solidFill>
@@ -4959,7 +5563,7 @@
           <a:sym typeface="Arial"/>
         </a:defRPr>
       </a:lvl1pPr>
-      <a:lvl2pPr marR="0" lvl="1" algn="l" rtl="0">
+      <a:lvl2pPr lvl="1" marR="0" rtl="0" algn="l">
         <a:lnSpc>
           <a:spcPct val="100000"/>
         </a:lnSpc>
@@ -4973,7 +5577,7 @@
           <a:srgbClr val="000000"/>
         </a:buClr>
         <a:buFont typeface="Arial"/>
-        <a:defRPr sz="1400" b="0" i="0" u="none" strike="noStrike" cap="none">
+        <a:defRPr b="0" i="0" sz="1400" u="none" cap="none" strike="noStrike">
           <a:solidFill>
             <a:srgbClr val="000000"/>
           </a:solidFill>
@@ -4983,7 +5587,7 @@
           <a:sym typeface="Arial"/>
         </a:defRPr>
       </a:lvl2pPr>
-      <a:lvl3pPr marR="0" lvl="2" algn="l" rtl="0">
+      <a:lvl3pPr lvl="2" marR="0" rtl="0" algn="l">
         <a:lnSpc>
           <a:spcPct val="100000"/>
         </a:lnSpc>
@@ -4997,7 +5601,7 @@
           <a:srgbClr val="000000"/>
         </a:buClr>
         <a:buFont typeface="Arial"/>
-        <a:defRPr sz="1400" b="0" i="0" u="none" strike="noStrike" cap="none">
+        <a:defRPr b="0" i="0" sz="1400" u="none" cap="none" strike="noStrike">
           <a:solidFill>
             <a:srgbClr val="000000"/>
           </a:solidFill>
@@ -5007,7 +5611,7 @@
           <a:sym typeface="Arial"/>
         </a:defRPr>
       </a:lvl3pPr>
-      <a:lvl4pPr marR="0" lvl="3" algn="l" rtl="0">
+      <a:lvl4pPr lvl="3" marR="0" rtl="0" algn="l">
         <a:lnSpc>
           <a:spcPct val="100000"/>
         </a:lnSpc>
@@ -5021,7 +5625,7 @@
           <a:srgbClr val="000000"/>
         </a:buClr>
         <a:buFont typeface="Arial"/>
-        <a:defRPr sz="1400" b="0" i="0" u="none" strike="noStrike" cap="none">
+        <a:defRPr b="0" i="0" sz="1400" u="none" cap="none" strike="noStrike">
           <a:solidFill>
             <a:srgbClr val="000000"/>
           </a:solidFill>
@@ -5031,7 +5635,7 @@
           <a:sym typeface="Arial"/>
         </a:defRPr>
       </a:lvl4pPr>
-      <a:lvl5pPr marR="0" lvl="4" algn="l" rtl="0">
+      <a:lvl5pPr lvl="4" marR="0" rtl="0" algn="l">
         <a:lnSpc>
           <a:spcPct val="100000"/>
         </a:lnSpc>
@@ -5045,7 +5649,7 @@
           <a:srgbClr val="000000"/>
         </a:buClr>
         <a:buFont typeface="Arial"/>
-        <a:defRPr sz="1400" b="0" i="0" u="none" strike="noStrike" cap="none">
+        <a:defRPr b="0" i="0" sz="1400" u="none" cap="none" strike="noStrike">
           <a:solidFill>
             <a:srgbClr val="000000"/>
           </a:solidFill>
@@ -5055,7 +5659,7 @@
           <a:sym typeface="Arial"/>
         </a:defRPr>
       </a:lvl5pPr>
-      <a:lvl6pPr marR="0" lvl="5" algn="l" rtl="0">
+      <a:lvl6pPr lvl="5" marR="0" rtl="0" algn="l">
         <a:lnSpc>
           <a:spcPct val="100000"/>
         </a:lnSpc>
@@ -5069,7 +5673,7 @@
           <a:srgbClr val="000000"/>
         </a:buClr>
         <a:buFont typeface="Arial"/>
-        <a:defRPr sz="1400" b="0" i="0" u="none" strike="noStrike" cap="none">
+        <a:defRPr b="0" i="0" sz="1400" u="none" cap="none" strike="noStrike">
           <a:solidFill>
             <a:srgbClr val="000000"/>
           </a:solidFill>
@@ -5079,7 +5683,7 @@
           <a:sym typeface="Arial"/>
         </a:defRPr>
       </a:lvl6pPr>
-      <a:lvl7pPr marR="0" lvl="6" algn="l" rtl="0">
+      <a:lvl7pPr lvl="6" marR="0" rtl="0" algn="l">
         <a:lnSpc>
           <a:spcPct val="100000"/>
         </a:lnSpc>
@@ -5093,7 +5697,7 @@
           <a:srgbClr val="000000"/>
         </a:buClr>
         <a:buFont typeface="Arial"/>
-        <a:defRPr sz="1400" b="0" i="0" u="none" strike="noStrike" cap="none">
+        <a:defRPr b="0" i="0" sz="1400" u="none" cap="none" strike="noStrike">
           <a:solidFill>
             <a:srgbClr val="000000"/>
           </a:solidFill>
@@ -5103,7 +5707,7 @@
           <a:sym typeface="Arial"/>
         </a:defRPr>
       </a:lvl7pPr>
-      <a:lvl8pPr marR="0" lvl="7" algn="l" rtl="0">
+      <a:lvl8pPr lvl="7" marR="0" rtl="0" algn="l">
         <a:lnSpc>
           <a:spcPct val="100000"/>
         </a:lnSpc>
@@ -5117,7 +5721,7 @@
           <a:srgbClr val="000000"/>
         </a:buClr>
         <a:buFont typeface="Arial"/>
-        <a:defRPr sz="1400" b="0" i="0" u="none" strike="noStrike" cap="none">
+        <a:defRPr b="0" i="0" sz="1400" u="none" cap="none" strike="noStrike">
           <a:solidFill>
             <a:srgbClr val="000000"/>
           </a:solidFill>
@@ -5127,7 +5731,7 @@
           <a:sym typeface="Arial"/>
         </a:defRPr>
       </a:lvl8pPr>
-      <a:lvl9pPr marR="0" lvl="8" algn="l" rtl="0">
+      <a:lvl9pPr lvl="8" marR="0" rtl="0" algn="l">
         <a:lnSpc>
           <a:spcPct val="100000"/>
         </a:lnSpc>
@@ -5141,7 +5745,7 @@
           <a:srgbClr val="000000"/>
         </a:buClr>
         <a:buFont typeface="Arial"/>
-        <a:defRPr sz="1400" b="0" i="0" u="none" strike="noStrike" cap="none">
+        <a:defRPr b="0" i="0" sz="1400" u="none" cap="none" strike="noStrike">
           <a:solidFill>
             <a:srgbClr val="000000"/>
           </a:solidFill>
@@ -5157,7 +5761,7 @@
 </file>
 
 <file path=ppt/slides/slide1.xml><?xml version="1.0" encoding="utf-8"?>
-<p:sld xmlns:a="http://schemas.openxmlformats.org/drawingml/2006/main" xmlns:r="http://schemas.openxmlformats.org/officeDocument/2006/relationships" xmlns:p="http://schemas.openxmlformats.org/presentationml/2006/main">
+<p:sld xmlns:a="http://schemas.openxmlformats.org/drawingml/2006/main" xmlns:r="http://schemas.openxmlformats.org/officeDocument/2006/relationships" xmlns:mc="http://schemas.openxmlformats.org/markup-compatibility/2006" xmlns:mv="urn:schemas-microsoft-com:mac:vml" xmlns:p="http://schemas.openxmlformats.org/presentationml/2006/main" xmlns:c="http://schemas.openxmlformats.org/drawingml/2006/chart" xmlns:dgm="http://schemas.openxmlformats.org/drawingml/2006/diagram" xmlns:o="urn:schemas-microsoft-com:office:office" xmlns:v="urn:schemas-microsoft-com:vml" xmlns:pvml="urn:schemas-microsoft-com:office:powerpoint" xmlns:com="http://schemas.openxmlformats.org/drawingml/2006/compatibility" xmlns:p14="http://schemas.microsoft.com/office/powerpoint/2010/main" xmlns:p15="http://schemas.microsoft.com/office/powerpoint/2012/main" xmlns:ahyp="http://schemas.microsoft.com/office/drawing/2018/hyperlinkcolor">
   <p:cSld>
     <p:bg>
       <p:bgPr>
@@ -5169,12 +5773,11 @@
             <a:fillRect/>
           </a:stretch>
         </a:blipFill>
-        <a:effectLst/>
       </p:bgPr>
     </p:bg>
     <p:spTree>
       <p:nvGrpSpPr>
-        <p:cNvPr id="1" name="Shape 101"/>
+        <p:cNvPr id="35" name="Shape 35"/>
         <p:cNvGrpSpPr/>
         <p:nvPr/>
       </p:nvGrpSpPr>
@@ -5188,31 +5791,46 @@
       </p:grpSpPr>
       <p:sp>
         <p:nvSpPr>
-          <p:cNvPr id="102" name="Google Shape;102;p24"/>
-          <p:cNvSpPr txBox="1">
-            <a:spLocks noGrp="1"/>
-          </p:cNvSpPr>
+          <p:cNvPr id="36" name="Google Shape;36;p1"/>
+          <p:cNvSpPr txBox="1"/>
           <p:nvPr>
             <p:ph type="ctrTitle"/>
           </p:nvPr>
         </p:nvSpPr>
         <p:spPr>
           <a:xfrm>
-            <a:off x="720000" y="263175"/>
-            <a:ext cx="6603221" cy="2590500"/>
+            <a:off x="791100" y="263150"/>
+            <a:ext cx="7169400" cy="2590500"/>
           </a:xfrm>
           <a:prstGeom prst="rect">
             <a:avLst/>
           </a:prstGeom>
+          <a:noFill/>
+          <a:ln>
+            <a:noFill/>
+          </a:ln>
         </p:spPr>
         <p:txBody>
-          <a:bodyPr spcFirstLastPara="1" wrap="square" lIns="91425" tIns="91425" rIns="91425" bIns="91425" anchor="b" anchorCtr="0">
+          <a:bodyPr anchorCtr="0" anchor="b" bIns="91425" lIns="91425" spcFirstLastPara="1" rIns="91425" wrap="square" tIns="91425">
             <a:noAutofit/>
           </a:bodyPr>
           <a:lstStyle/>
           <a:p>
+            <a:pPr indent="0" lvl="0" marL="0" rtl="0" algn="l">
+              <a:lnSpc>
+                <a:spcPct val="100000"/>
+              </a:lnSpc>
+              <a:spcBef>
+                <a:spcPts val="0"/>
+              </a:spcBef>
+              <a:spcAft>
+                <a:spcPts val="0"/>
+              </a:spcAft>
+              <a:buSzPts val="5200"/>
+              <a:buNone/>
+            </a:pPr>
             <a:r>
-              <a:rPr lang="en-GB" sz="3600" dirty="0">
+              <a:rPr lang="en-GB" sz="3600">
                 <a:latin typeface="Rajdhani"/>
                 <a:ea typeface="Rajdhani"/>
                 <a:cs typeface="Rajdhani"/>
@@ -5220,17 +5838,16 @@
               </a:rPr>
               <a:t>Bangla Text-to-Image Diffusion Models with Deep Learning Understanding</a:t>
             </a:r>
+            <a:endParaRPr/>
           </a:p>
         </p:txBody>
       </p:sp>
       <p:sp>
         <p:nvSpPr>
-          <p:cNvPr id="103" name="Google Shape;103;p24"/>
-          <p:cNvSpPr txBox="1">
-            <a:spLocks noGrp="1"/>
-          </p:cNvSpPr>
+          <p:cNvPr id="37" name="Google Shape;37;p1"/>
+          <p:cNvSpPr txBox="1"/>
           <p:nvPr>
-            <p:ph type="subTitle" idx="1"/>
+            <p:ph idx="1" type="subTitle"/>
           </p:nvPr>
         </p:nvSpPr>
         <p:spPr>
@@ -5241,20 +5858,32 @@
           <a:prstGeom prst="rect">
             <a:avLst/>
           </a:prstGeom>
+          <a:noFill/>
+          <a:ln>
+            <a:noFill/>
+          </a:ln>
         </p:spPr>
         <p:txBody>
-          <a:bodyPr spcFirstLastPara="1" wrap="square" lIns="91425" tIns="91425" rIns="91425" bIns="91425" anchor="t" anchorCtr="0">
+          <a:bodyPr anchorCtr="0" anchor="t" bIns="91425" lIns="91425" spcFirstLastPara="1" rIns="91425" wrap="square" tIns="91425">
             <a:noAutofit/>
           </a:bodyPr>
           <a:lstStyle/>
           <a:p>
-            <a:pPr marL="0" indent="0">
+            <a:pPr indent="0" lvl="0" marL="0" rtl="0" algn="l">
               <a:lnSpc>
                 <a:spcPct val="150000"/>
               </a:lnSpc>
+              <a:spcBef>
+                <a:spcPts val="0"/>
+              </a:spcBef>
+              <a:spcAft>
+                <a:spcPts val="0"/>
+              </a:spcAft>
+              <a:buSzPts val="2800"/>
+              <a:buNone/>
             </a:pPr>
             <a:r>
-              <a:rPr lang="en" sz="1600" dirty="0">
+              <a:rPr lang="en-GB" sz="1600">
                 <a:latin typeface="Fira Sans Condensed Light"/>
                 <a:ea typeface="Fira Sans Condensed Light"/>
                 <a:cs typeface="Fira Sans Condensed Light"/>
@@ -5262,9 +5891,10 @@
               </a:rPr>
               <a:t>Tawsif Mahmud 1912411042</a:t>
             </a:r>
+            <a:endParaRPr/>
           </a:p>
           <a:p>
-            <a:pPr marL="0" lvl="0" indent="0" algn="l" rtl="0">
+            <a:pPr indent="0" lvl="0" marL="0" rtl="0" algn="l">
               <a:lnSpc>
                 <a:spcPct val="150000"/>
               </a:lnSpc>
@@ -5274,10 +5904,11 @@
               <a:spcAft>
                 <a:spcPts val="0"/>
               </a:spcAft>
+              <a:buSzPts val="2800"/>
               <a:buNone/>
             </a:pPr>
             <a:r>
-              <a:rPr lang="en" sz="1600" dirty="0">
+              <a:rPr lang="en-GB" sz="1600">
                 <a:latin typeface="Fira Sans Condensed Light"/>
                 <a:ea typeface="Fira Sans Condensed Light"/>
                 <a:cs typeface="Fira Sans Condensed Light"/>
@@ -5285,9 +5916,10 @@
               </a:rPr>
               <a:t>Jiaul Haque Saboj 1912065042</a:t>
             </a:r>
+            <a:endParaRPr/>
           </a:p>
           <a:p>
-            <a:pPr marL="0" lvl="0" indent="0" algn="l" rtl="0">
+            <a:pPr indent="0" lvl="0" marL="0" rtl="0" algn="l">
               <a:lnSpc>
                 <a:spcPct val="150000"/>
               </a:lnSpc>
@@ -5297,10 +5929,11 @@
               <a:spcAft>
                 <a:spcPts val="0"/>
               </a:spcAft>
+              <a:buSzPts val="2800"/>
               <a:buNone/>
             </a:pPr>
             <a:r>
-              <a:rPr lang="en" sz="1600" dirty="0">
+              <a:rPr lang="en-GB" sz="1600">
                 <a:latin typeface="Fira Sans Condensed Light"/>
                 <a:ea typeface="Fira Sans Condensed Light"/>
                 <a:cs typeface="Fira Sans Condensed Light"/>
@@ -5308,6 +5941,7 @@
               </a:rPr>
               <a:t>Sadia Sifati Shammee 1912304042</a:t>
             </a:r>
+            <a:endParaRPr/>
           </a:p>
         </p:txBody>
       </p:sp>
@@ -5320,7 +5954,7 @@
 </file>
 
 <file path=ppt/slides/slide2.xml><?xml version="1.0" encoding="utf-8"?>
-<p:sld xmlns:a="http://schemas.openxmlformats.org/drawingml/2006/main" xmlns:r="http://schemas.openxmlformats.org/officeDocument/2006/relationships" xmlns:p="http://schemas.openxmlformats.org/presentationml/2006/main">
+<p:sld xmlns:a="http://schemas.openxmlformats.org/drawingml/2006/main" xmlns:r="http://schemas.openxmlformats.org/officeDocument/2006/relationships" xmlns:mc="http://schemas.openxmlformats.org/markup-compatibility/2006" xmlns:mv="urn:schemas-microsoft-com:mac:vml" xmlns:p="http://schemas.openxmlformats.org/presentationml/2006/main" xmlns:c="http://schemas.openxmlformats.org/drawingml/2006/chart" xmlns:dgm="http://schemas.openxmlformats.org/drawingml/2006/diagram" xmlns:o="urn:schemas-microsoft-com:office:office" xmlns:v="urn:schemas-microsoft-com:vml" xmlns:pvml="urn:schemas-microsoft-com:office:powerpoint" xmlns:com="http://schemas.openxmlformats.org/drawingml/2006/compatibility" xmlns:p14="http://schemas.microsoft.com/office/powerpoint/2010/main" xmlns:p15="http://schemas.microsoft.com/office/powerpoint/2012/main" xmlns:ahyp="http://schemas.microsoft.com/office/drawing/2018/hyperlinkcolor">
   <p:cSld>
     <p:bg>
       <p:bgPr>
@@ -5332,12 +5966,11 @@
             <a:fillRect/>
           </a:stretch>
         </a:blipFill>
-        <a:effectLst/>
       </p:bgPr>
     </p:bg>
     <p:spTree>
       <p:nvGrpSpPr>
-        <p:cNvPr id="1" name="Shape 108"/>
+        <p:cNvPr id="41" name="Shape 41"/>
         <p:cNvGrpSpPr/>
         <p:nvPr/>
       </p:nvGrpSpPr>
@@ -5351,10 +5984,8 @@
       </p:grpSpPr>
       <p:sp>
         <p:nvSpPr>
-          <p:cNvPr id="109" name="Google Shape;109;p25"/>
-          <p:cNvSpPr txBox="1">
-            <a:spLocks noGrp="1"/>
-          </p:cNvSpPr>
+          <p:cNvPr id="42" name="Google Shape;42;p2"/>
+          <p:cNvSpPr txBox="1"/>
           <p:nvPr>
             <p:ph type="title"/>
           </p:nvPr>
@@ -5367,38 +5998,44 @@
           <a:prstGeom prst="rect">
             <a:avLst/>
           </a:prstGeom>
+          <a:noFill/>
+          <a:ln>
+            <a:noFill/>
+          </a:ln>
         </p:spPr>
         <p:txBody>
-          <a:bodyPr spcFirstLastPara="1" wrap="square" lIns="91425" tIns="91425" rIns="91425" bIns="91425" anchor="t" anchorCtr="0">
+          <a:bodyPr anchorCtr="0" anchor="t" bIns="91425" lIns="91425" spcFirstLastPara="1" rIns="91425" wrap="square" tIns="91425">
             <a:noAutofit/>
           </a:bodyPr>
           <a:lstStyle/>
           <a:p>
-            <a:pPr marL="0" lvl="0" indent="0" algn="ctr" rtl="0">
-              <a:spcBef>
-                <a:spcPts val="0"/>
-              </a:spcBef>
-              <a:spcAft>
-                <a:spcPts val="0"/>
-              </a:spcAft>
+            <a:pPr indent="0" lvl="0" marL="0" rtl="0" algn="ctr">
+              <a:lnSpc>
+                <a:spcPct val="100000"/>
+              </a:lnSpc>
+              <a:spcBef>
+                <a:spcPts val="0"/>
+              </a:spcBef>
+              <a:spcAft>
+                <a:spcPts val="0"/>
+              </a:spcAft>
+              <a:buSzPts val="3000"/>
               <a:buNone/>
             </a:pPr>
             <a:r>
-              <a:rPr lang="en" sz="3000" dirty="0"/>
+              <a:rPr lang="en-GB" sz="3000"/>
               <a:t>PROBLEM STATEMENT &amp; INTEREST</a:t>
             </a:r>
-            <a:endParaRPr sz="3000" dirty="0"/>
+            <a:endParaRPr sz="3000"/>
           </a:p>
         </p:txBody>
       </p:sp>
       <p:sp>
         <p:nvSpPr>
-          <p:cNvPr id="110" name="Google Shape;110;p25"/>
-          <p:cNvSpPr txBox="1">
-            <a:spLocks noGrp="1"/>
-          </p:cNvSpPr>
+          <p:cNvPr id="43" name="Google Shape;43;p2"/>
+          <p:cNvSpPr txBox="1"/>
           <p:nvPr>
-            <p:ph type="body" idx="1"/>
+            <p:ph idx="1" type="body"/>
           </p:nvPr>
         </p:nvSpPr>
         <p:spPr>
@@ -5410,45 +6047,45 @@
             <a:avLst/>
           </a:prstGeom>
           <a:noFill/>
+          <a:ln>
+            <a:noFill/>
+          </a:ln>
         </p:spPr>
         <p:txBody>
-          <a:bodyPr spcFirstLastPara="1" wrap="square" lIns="234000" tIns="234000" rIns="234000" bIns="91425" anchor="t" anchorCtr="0">
+          <a:bodyPr anchorCtr="0" anchor="t" bIns="91425" lIns="234000" spcFirstLastPara="1" rIns="234000" wrap="square" tIns="234000">
             <a:noAutofit/>
           </a:bodyPr>
           <a:lstStyle/>
           <a:p>
-            <a:pPr marL="0" lvl="0" indent="0" algn="just" rtl="0">
-              <a:spcBef>
-                <a:spcPts val="0"/>
-              </a:spcBef>
-              <a:spcAft>
-                <a:spcPts val="0"/>
-              </a:spcAft>
+            <a:pPr indent="0" lvl="0" marL="0" rtl="0" algn="just">
+              <a:lnSpc>
+                <a:spcPct val="100000"/>
+              </a:lnSpc>
+              <a:spcBef>
+                <a:spcPts val="0"/>
+              </a:spcBef>
+              <a:spcAft>
+                <a:spcPts val="0"/>
+              </a:spcAft>
+              <a:buSzPts val="1100"/>
               <a:buNone/>
             </a:pPr>
             <a:r>
-              <a:rPr lang="en-US" sz="1800" dirty="0">
+              <a:rPr lang="en-GB" sz="1800">
                 <a:solidFill>
                   <a:schemeClr val="lt2"/>
                 </a:solidFill>
               </a:rPr>
               <a:t>Recently, Images have been more sensitive to humans than verbal context. But finding a proper image is a quite difficult task. In that case, we have to draw or capture an image which is not a fast solution. So, to make it quicker and easier, we can use a model to generate images based on our desire.</a:t>
             </a:r>
+            <a:endParaRPr/>
           </a:p>
         </p:txBody>
       </p:sp>
       <p:sp>
         <p:nvSpPr>
-          <p:cNvPr id="5" name="Google Shape;110;p25">
-            <a:extLst>
-              <a:ext uri="{FF2B5EF4-FFF2-40B4-BE49-F238E27FC236}">
-                <a16:creationId xmlns:a16="http://schemas.microsoft.com/office/drawing/2014/main" id="{C0DAB5A7-8FB4-6145-A523-02A450E04766}"/>
-              </a:ext>
-            </a:extLst>
-          </p:cNvPr>
-          <p:cNvSpPr txBox="1">
-            <a:spLocks/>
-          </p:cNvSpPr>
+          <p:cNvPr id="44" name="Google Shape;44;p2"/>
+          <p:cNvSpPr txBox="1"/>
           <p:nvPr/>
         </p:nvSpPr>
         <p:spPr>
@@ -5465,22 +6102,12 @@
           </a:ln>
         </p:spPr>
         <p:txBody>
-          <a:bodyPr spcFirstLastPara="1" wrap="square" lIns="234000" tIns="234000" rIns="234000" bIns="91425" anchor="t" anchorCtr="0">
+          <a:bodyPr anchorCtr="0" anchor="t" bIns="91425" lIns="234000" spcFirstLastPara="1" rIns="234000" wrap="square" tIns="234000">
             <a:noAutofit/>
           </a:bodyPr>
-          <a:lstStyle>
-            <a:defPPr marR="0" lvl="0" algn="l" rtl="0">
-              <a:lnSpc>
-                <a:spcPct val="100000"/>
-              </a:lnSpc>
-              <a:spcBef>
-                <a:spcPts val="0"/>
-              </a:spcBef>
-              <a:spcAft>
-                <a:spcPts val="0"/>
-              </a:spcAft>
-            </a:defPPr>
-            <a:lvl1pPr marL="457200" marR="0" lvl="0" indent="-298450" algn="l" rtl="0">
+          <a:lstStyle/>
+          <a:p>
+            <a:pPr indent="0" lvl="0" marL="0" marR="0" rtl="0" algn="just">
               <a:lnSpc>
                 <a:spcPct val="100000"/>
               </a:lnSpc>
@@ -5495,34 +6122,10 @@
               </a:buClr>
               <a:buSzPts val="1100"/>
               <a:buFont typeface="Fira Sans Condensed Light"/>
-              <a:buAutoNum type="arabicPeriod"/>
-              <a:defRPr sz="1300" b="0" i="0" u="none" strike="noStrike" cap="none">
-                <a:solidFill>
-                  <a:srgbClr val="F3F3F3"/>
-                </a:solidFill>
-                <a:latin typeface="Fira Sans Condensed Light"/>
-                <a:ea typeface="Fira Sans Condensed Light"/>
-                <a:cs typeface="Fira Sans Condensed Light"/>
-                <a:sym typeface="Fira Sans Condensed Light"/>
-              </a:defRPr>
-            </a:lvl1pPr>
-            <a:lvl2pPr marL="914400" marR="0" lvl="1" indent="-298450" algn="l" rtl="0">
-              <a:lnSpc>
-                <a:spcPct val="115000"/>
-              </a:lnSpc>
-              <a:spcBef>
-                <a:spcPts val="1600"/>
-              </a:spcBef>
-              <a:spcAft>
-                <a:spcPts val="0"/>
-              </a:spcAft>
-              <a:buClr>
-                <a:srgbClr val="000000"/>
-              </a:buClr>
-              <a:buSzPts val="1100"/>
-              <a:buFont typeface="Fira Sans Condensed Light"/>
-              <a:buAutoNum type="alphaLcPeriod"/>
-              <a:defRPr sz="1200" b="0" i="0" u="none" strike="noStrike" cap="none">
+              <a:buNone/>
+            </a:pPr>
+            <a:r>
+              <a:rPr b="0" i="0" lang="en-GB" sz="1800" u="none" cap="none" strike="noStrike">
                 <a:solidFill>
                   <a:schemeClr val="lt2"/>
                 </a:solidFill>
@@ -5530,204 +6133,10 @@
                 <a:ea typeface="Fira Sans Condensed Light"/>
                 <a:cs typeface="Fira Sans Condensed Light"/>
                 <a:sym typeface="Fira Sans Condensed Light"/>
-              </a:defRPr>
-            </a:lvl2pPr>
-            <a:lvl3pPr marL="1371600" marR="0" lvl="2" indent="-298450" algn="l" rtl="0">
-              <a:lnSpc>
-                <a:spcPct val="115000"/>
-              </a:lnSpc>
-              <a:spcBef>
-                <a:spcPts val="1600"/>
-              </a:spcBef>
-              <a:spcAft>
-                <a:spcPts val="0"/>
-              </a:spcAft>
-              <a:buClr>
-                <a:srgbClr val="000000"/>
-              </a:buClr>
-              <a:buSzPts val="1100"/>
-              <a:buFont typeface="Fira Sans Condensed Light"/>
-              <a:buAutoNum type="romanLcPeriod"/>
-              <a:defRPr sz="1200" b="0" i="0" u="none" strike="noStrike" cap="none">
-                <a:solidFill>
-                  <a:schemeClr val="lt2"/>
-                </a:solidFill>
-                <a:latin typeface="Fira Sans Condensed Light"/>
-                <a:ea typeface="Fira Sans Condensed Light"/>
-                <a:cs typeface="Fira Sans Condensed Light"/>
-                <a:sym typeface="Fira Sans Condensed Light"/>
-              </a:defRPr>
-            </a:lvl3pPr>
-            <a:lvl4pPr marL="1828800" marR="0" lvl="3" indent="-298450" algn="l" rtl="0">
-              <a:lnSpc>
-                <a:spcPct val="115000"/>
-              </a:lnSpc>
-              <a:spcBef>
-                <a:spcPts val="1600"/>
-              </a:spcBef>
-              <a:spcAft>
-                <a:spcPts val="0"/>
-              </a:spcAft>
-              <a:buClr>
-                <a:srgbClr val="000000"/>
-              </a:buClr>
-              <a:buSzPts val="1100"/>
-              <a:buFont typeface="Fira Sans Condensed Light"/>
-              <a:buAutoNum type="arabicPeriod"/>
-              <a:defRPr sz="1200" b="0" i="0" u="none" strike="noStrike" cap="none">
-                <a:solidFill>
-                  <a:schemeClr val="lt2"/>
-                </a:solidFill>
-                <a:latin typeface="Fira Sans Condensed Light"/>
-                <a:ea typeface="Fira Sans Condensed Light"/>
-                <a:cs typeface="Fira Sans Condensed Light"/>
-                <a:sym typeface="Fira Sans Condensed Light"/>
-              </a:defRPr>
-            </a:lvl4pPr>
-            <a:lvl5pPr marL="2286000" marR="0" lvl="4" indent="-298450" algn="l" rtl="0">
-              <a:lnSpc>
-                <a:spcPct val="115000"/>
-              </a:lnSpc>
-              <a:spcBef>
-                <a:spcPts val="1600"/>
-              </a:spcBef>
-              <a:spcAft>
-                <a:spcPts val="0"/>
-              </a:spcAft>
-              <a:buClr>
-                <a:srgbClr val="000000"/>
-              </a:buClr>
-              <a:buSzPts val="1100"/>
-              <a:buFont typeface="Fira Sans Condensed Light"/>
-              <a:buAutoNum type="alphaLcPeriod"/>
-              <a:defRPr sz="1200" b="0" i="0" u="none" strike="noStrike" cap="none">
-                <a:solidFill>
-                  <a:schemeClr val="lt2"/>
-                </a:solidFill>
-                <a:latin typeface="Fira Sans Condensed Light"/>
-                <a:ea typeface="Fira Sans Condensed Light"/>
-                <a:cs typeface="Fira Sans Condensed Light"/>
-                <a:sym typeface="Fira Sans Condensed Light"/>
-              </a:defRPr>
-            </a:lvl5pPr>
-            <a:lvl6pPr marL="2743200" marR="0" lvl="5" indent="-298450" algn="l" rtl="0">
-              <a:lnSpc>
-                <a:spcPct val="115000"/>
-              </a:lnSpc>
-              <a:spcBef>
-                <a:spcPts val="1600"/>
-              </a:spcBef>
-              <a:spcAft>
-                <a:spcPts val="0"/>
-              </a:spcAft>
-              <a:buClr>
-                <a:srgbClr val="000000"/>
-              </a:buClr>
-              <a:buSzPts val="1100"/>
-              <a:buFont typeface="Fira Sans Condensed Light"/>
-              <a:buAutoNum type="romanLcPeriod"/>
-              <a:defRPr sz="1200" b="0" i="0" u="none" strike="noStrike" cap="none">
-                <a:solidFill>
-                  <a:schemeClr val="lt2"/>
-                </a:solidFill>
-                <a:latin typeface="Fira Sans Condensed Light"/>
-                <a:ea typeface="Fira Sans Condensed Light"/>
-                <a:cs typeface="Fira Sans Condensed Light"/>
-                <a:sym typeface="Fira Sans Condensed Light"/>
-              </a:defRPr>
-            </a:lvl6pPr>
-            <a:lvl7pPr marL="3200400" marR="0" lvl="6" indent="-298450" algn="l" rtl="0">
-              <a:lnSpc>
-                <a:spcPct val="115000"/>
-              </a:lnSpc>
-              <a:spcBef>
-                <a:spcPts val="1600"/>
-              </a:spcBef>
-              <a:spcAft>
-                <a:spcPts val="0"/>
-              </a:spcAft>
-              <a:buClr>
-                <a:srgbClr val="000000"/>
-              </a:buClr>
-              <a:buSzPts val="1100"/>
-              <a:buFont typeface="Fira Sans Condensed Light"/>
-              <a:buAutoNum type="arabicPeriod"/>
-              <a:defRPr sz="1200" b="0" i="0" u="none" strike="noStrike" cap="none">
-                <a:solidFill>
-                  <a:schemeClr val="lt2"/>
-                </a:solidFill>
-                <a:latin typeface="Fira Sans Condensed Light"/>
-                <a:ea typeface="Fira Sans Condensed Light"/>
-                <a:cs typeface="Fira Sans Condensed Light"/>
-                <a:sym typeface="Fira Sans Condensed Light"/>
-              </a:defRPr>
-            </a:lvl7pPr>
-            <a:lvl8pPr marL="3657600" marR="0" lvl="7" indent="-298450" algn="l" rtl="0">
-              <a:lnSpc>
-                <a:spcPct val="115000"/>
-              </a:lnSpc>
-              <a:spcBef>
-                <a:spcPts val="1600"/>
-              </a:spcBef>
-              <a:spcAft>
-                <a:spcPts val="0"/>
-              </a:spcAft>
-              <a:buClr>
-                <a:srgbClr val="000000"/>
-              </a:buClr>
-              <a:buSzPts val="1100"/>
-              <a:buFont typeface="Fira Sans Condensed Light"/>
-              <a:buAutoNum type="alphaLcPeriod"/>
-              <a:defRPr sz="1200" b="0" i="0" u="none" strike="noStrike" cap="none">
-                <a:solidFill>
-                  <a:schemeClr val="lt2"/>
-                </a:solidFill>
-                <a:latin typeface="Fira Sans Condensed Light"/>
-                <a:ea typeface="Fira Sans Condensed Light"/>
-                <a:cs typeface="Fira Sans Condensed Light"/>
-                <a:sym typeface="Fira Sans Condensed Light"/>
-              </a:defRPr>
-            </a:lvl8pPr>
-            <a:lvl9pPr marL="4114800" marR="0" lvl="8" indent="-298450" algn="l" rtl="0">
-              <a:lnSpc>
-                <a:spcPct val="115000"/>
-              </a:lnSpc>
-              <a:spcBef>
-                <a:spcPts val="1600"/>
-              </a:spcBef>
-              <a:spcAft>
-                <a:spcPts val="1600"/>
-              </a:spcAft>
-              <a:buClr>
-                <a:srgbClr val="000000"/>
-              </a:buClr>
-              <a:buSzPts val="1100"/>
-              <a:buFont typeface="Fira Sans Condensed Light"/>
-              <a:buAutoNum type="romanLcPeriod"/>
-              <a:defRPr sz="1200" b="0" i="0" u="none" strike="noStrike" cap="none">
-                <a:solidFill>
-                  <a:schemeClr val="lt2"/>
-                </a:solidFill>
-                <a:latin typeface="Fira Sans Condensed Light"/>
-                <a:ea typeface="Fira Sans Condensed Light"/>
-                <a:cs typeface="Fira Sans Condensed Light"/>
-                <a:sym typeface="Fira Sans Condensed Light"/>
-              </a:defRPr>
-            </a:lvl9pPr>
-          </a:lstStyle>
-          <a:p>
-            <a:pPr marL="0" indent="0" algn="just">
-              <a:buFont typeface="Fira Sans Condensed Light"/>
-              <a:buNone/>
-            </a:pPr>
-            <a:r>
-              <a:rPr lang="en-US" sz="1800" dirty="0">
-                <a:solidFill>
-                  <a:schemeClr val="lt2"/>
-                </a:solidFill>
               </a:rPr>
               <a:t>There is no Bangla text-based image generation model which is currently in use. As many researchers are working with English text, why not try this problem with a Bangla text solution? That's what made us interested in working on this project.</a:t>
             </a:r>
+            <a:endParaRPr/>
           </a:p>
         </p:txBody>
       </p:sp>
@@ -5740,7 +6149,7 @@
 </file>
 
 <file path=ppt/slides/slide3.xml><?xml version="1.0" encoding="utf-8"?>
-<p:sld xmlns:a="http://schemas.openxmlformats.org/drawingml/2006/main" xmlns:r="http://schemas.openxmlformats.org/officeDocument/2006/relationships" xmlns:p="http://schemas.openxmlformats.org/presentationml/2006/main">
+<p:sld xmlns:a="http://schemas.openxmlformats.org/drawingml/2006/main" xmlns:r="http://schemas.openxmlformats.org/officeDocument/2006/relationships" xmlns:mc="http://schemas.openxmlformats.org/markup-compatibility/2006" xmlns:mv="urn:schemas-microsoft-com:mac:vml" xmlns:p="http://schemas.openxmlformats.org/presentationml/2006/main" xmlns:c="http://schemas.openxmlformats.org/drawingml/2006/chart" xmlns:dgm="http://schemas.openxmlformats.org/drawingml/2006/diagram" xmlns:o="urn:schemas-microsoft-com:office:office" xmlns:v="urn:schemas-microsoft-com:vml" xmlns:pvml="urn:schemas-microsoft-com:office:powerpoint" xmlns:com="http://schemas.openxmlformats.org/drawingml/2006/compatibility" xmlns:p14="http://schemas.microsoft.com/office/powerpoint/2010/main" xmlns:p15="http://schemas.microsoft.com/office/powerpoint/2012/main" xmlns:ahyp="http://schemas.microsoft.com/office/drawing/2018/hyperlinkcolor">
   <p:cSld>
     <p:bg>
       <p:bgPr>
@@ -5752,12 +6161,11 @@
             <a:fillRect/>
           </a:stretch>
         </a:blipFill>
-        <a:effectLst/>
       </p:bgPr>
     </p:bg>
     <p:spTree>
       <p:nvGrpSpPr>
-        <p:cNvPr id="1" name="Shape 108"/>
+        <p:cNvPr id="48" name="Shape 48"/>
         <p:cNvGrpSpPr/>
         <p:nvPr/>
       </p:nvGrpSpPr>
@@ -5771,10 +6179,8 @@
       </p:grpSpPr>
       <p:sp>
         <p:nvSpPr>
-          <p:cNvPr id="109" name="Google Shape;109;p25"/>
-          <p:cNvSpPr txBox="1">
-            <a:spLocks noGrp="1"/>
-          </p:cNvSpPr>
+          <p:cNvPr id="49" name="Google Shape;49;p3"/>
+          <p:cNvSpPr txBox="1"/>
           <p:nvPr>
             <p:ph type="title"/>
           </p:nvPr>
@@ -5787,38 +6193,44 @@
           <a:prstGeom prst="rect">
             <a:avLst/>
           </a:prstGeom>
+          <a:noFill/>
+          <a:ln>
+            <a:noFill/>
+          </a:ln>
         </p:spPr>
         <p:txBody>
-          <a:bodyPr spcFirstLastPara="1" wrap="square" lIns="91425" tIns="91425" rIns="91425" bIns="91425" anchor="t" anchorCtr="0">
+          <a:bodyPr anchorCtr="0" anchor="t" bIns="91425" lIns="91425" spcFirstLastPara="1" rIns="91425" wrap="square" tIns="91425">
             <a:noAutofit/>
           </a:bodyPr>
           <a:lstStyle/>
           <a:p>
-            <a:pPr marL="0" lvl="0" indent="0" algn="ctr" rtl="0">
-              <a:spcBef>
-                <a:spcPts val="0"/>
-              </a:spcBef>
-              <a:spcAft>
-                <a:spcPts val="0"/>
-              </a:spcAft>
+            <a:pPr indent="0" lvl="0" marL="0" rtl="0" algn="ctr">
+              <a:lnSpc>
+                <a:spcPct val="100000"/>
+              </a:lnSpc>
+              <a:spcBef>
+                <a:spcPts val="0"/>
+              </a:spcBef>
+              <a:spcAft>
+                <a:spcPts val="0"/>
+              </a:spcAft>
+              <a:buSzPts val="3000"/>
               <a:buNone/>
             </a:pPr>
             <a:r>
-              <a:rPr lang="en-GB" sz="3000" dirty="0"/>
+              <a:rPr lang="en-GB" sz="3000"/>
               <a:t>How we come up with this idea? </a:t>
             </a:r>
-            <a:endParaRPr sz="3000" dirty="0"/>
+            <a:endParaRPr sz="3000"/>
           </a:p>
         </p:txBody>
       </p:sp>
       <p:sp>
         <p:nvSpPr>
-          <p:cNvPr id="110" name="Google Shape;110;p25"/>
-          <p:cNvSpPr txBox="1">
-            <a:spLocks noGrp="1"/>
-          </p:cNvSpPr>
+          <p:cNvPr id="50" name="Google Shape;50;p3"/>
+          <p:cNvSpPr txBox="1"/>
           <p:nvPr>
-            <p:ph type="body" idx="1"/>
+            <p:ph idx="1" type="body"/>
           </p:nvPr>
         </p:nvSpPr>
         <p:spPr>
@@ -5830,46 +6242,54 @@
             <a:avLst/>
           </a:prstGeom>
           <a:noFill/>
+          <a:ln>
+            <a:noFill/>
+          </a:ln>
         </p:spPr>
         <p:txBody>
-          <a:bodyPr spcFirstLastPara="1" wrap="square" lIns="234000" tIns="234000" rIns="234000" bIns="91425" anchor="t" anchorCtr="0">
+          <a:bodyPr anchorCtr="0" anchor="t" bIns="91425" lIns="234000" spcFirstLastPara="1" rIns="234000" wrap="square" tIns="234000">
             <a:noAutofit/>
           </a:bodyPr>
           <a:lstStyle/>
           <a:p>
-            <a:pPr marL="0" lvl="0" indent="0" algn="just" rtl="0">
-              <a:spcBef>
-                <a:spcPts val="0"/>
-              </a:spcBef>
-              <a:spcAft>
-                <a:spcPts val="0"/>
-              </a:spcAft>
+            <a:pPr indent="0" lvl="0" marL="0" rtl="0" algn="just">
+              <a:lnSpc>
+                <a:spcPct val="100000"/>
+              </a:lnSpc>
+              <a:spcBef>
+                <a:spcPts val="0"/>
+              </a:spcBef>
+              <a:spcAft>
+                <a:spcPts val="0"/>
+              </a:spcAft>
+              <a:buSzPts val="1100"/>
               <a:buNone/>
             </a:pPr>
             <a:r>
-              <a:rPr lang="en-GB" sz="1800" b="0" i="0" dirty="0">
+              <a:rPr b="0" i="0" lang="en-GB" sz="1800">
                 <a:solidFill>
                   <a:srgbClr val="E4E6EB"/>
                 </a:solidFill>
-                <a:effectLst/>
-                <a:latin typeface="system-ui"/>
+                <a:latin typeface="Fira Sans Condensed"/>
+                <a:ea typeface="Fira Sans Condensed"/>
+                <a:cs typeface="Fira Sans Condensed"/>
+                <a:sym typeface="Fira Sans Condensed"/>
               </a:rPr>
               <a:t>In less than a one year, a lot of text based image generation models came into the public. And the popularity is no less than any new invention. Tracking on the Innovation, we want to do something more using our own language.</a:t>
             </a:r>
-            <a:endParaRPr lang="en-US" sz="1800" dirty="0">
+            <a:endParaRPr sz="1800">
               <a:solidFill>
                 <a:schemeClr val="lt2"/>
               </a:solidFill>
+              <a:latin typeface="Fira Sans Condensed"/>
+              <a:ea typeface="Fira Sans Condensed"/>
+              <a:cs typeface="Fira Sans Condensed"/>
+              <a:sym typeface="Fira Sans Condensed"/>
             </a:endParaRPr>
           </a:p>
         </p:txBody>
       </p:sp>
     </p:spTree>
-    <p:extLst>
-      <p:ext uri="{BB962C8B-B14F-4D97-AF65-F5344CB8AC3E}">
-        <p14:creationId xmlns:p14="http://schemas.microsoft.com/office/powerpoint/2010/main" val="219318003"/>
-      </p:ext>
-    </p:extLst>
   </p:cSld>
   <p:clrMapOvr>
     <a:masterClrMapping/>
@@ -5878,7 +6298,7 @@
 </file>
 
 <file path=ppt/slides/slide4.xml><?xml version="1.0" encoding="utf-8"?>
-<p:sld xmlns:a="http://schemas.openxmlformats.org/drawingml/2006/main" xmlns:r="http://schemas.openxmlformats.org/officeDocument/2006/relationships" xmlns:p="http://schemas.openxmlformats.org/presentationml/2006/main">
+<p:sld xmlns:a="http://schemas.openxmlformats.org/drawingml/2006/main" xmlns:r="http://schemas.openxmlformats.org/officeDocument/2006/relationships" xmlns:mc="http://schemas.openxmlformats.org/markup-compatibility/2006" xmlns:mv="urn:schemas-microsoft-com:mac:vml" xmlns:p="http://schemas.openxmlformats.org/presentationml/2006/main" xmlns:c="http://schemas.openxmlformats.org/drawingml/2006/chart" xmlns:dgm="http://schemas.openxmlformats.org/drawingml/2006/diagram" xmlns:o="urn:schemas-microsoft-com:office:office" xmlns:v="urn:schemas-microsoft-com:vml" xmlns:pvml="urn:schemas-microsoft-com:office:powerpoint" xmlns:com="http://schemas.openxmlformats.org/drawingml/2006/compatibility" xmlns:p14="http://schemas.microsoft.com/office/powerpoint/2010/main" xmlns:p15="http://schemas.microsoft.com/office/powerpoint/2012/main" xmlns:ahyp="http://schemas.microsoft.com/office/drawing/2018/hyperlinkcolor">
   <p:cSld>
     <p:bg>
       <p:bgPr>
@@ -5890,12 +6310,11 @@
             <a:fillRect/>
           </a:stretch>
         </a:blipFill>
-        <a:effectLst/>
       </p:bgPr>
     </p:bg>
     <p:spTree>
       <p:nvGrpSpPr>
-        <p:cNvPr id="1" name="Shape 1798"/>
+        <p:cNvPr id="54" name="Shape 54"/>
         <p:cNvGrpSpPr/>
         <p:nvPr/>
       </p:nvGrpSpPr>
@@ -5909,12 +6328,10 @@
       </p:grpSpPr>
       <p:sp>
         <p:nvSpPr>
-          <p:cNvPr id="1799" name="Google Shape;1799;p48"/>
-          <p:cNvSpPr txBox="1">
-            <a:spLocks noGrp="1"/>
-          </p:cNvSpPr>
+          <p:cNvPr id="55" name="Google Shape;55;p4"/>
+          <p:cNvSpPr txBox="1"/>
           <p:nvPr>
-            <p:ph type="body" idx="1"/>
+            <p:ph idx="1" type="body"/>
           </p:nvPr>
         </p:nvSpPr>
         <p:spPr>
@@ -5926,23 +6343,33 @@
             <a:avLst/>
           </a:prstGeom>
           <a:noFill/>
+          <a:ln>
+            <a:noFill/>
+          </a:ln>
         </p:spPr>
         <p:txBody>
-          <a:bodyPr spcFirstLastPara="1" wrap="square" lIns="91425" tIns="91425" rIns="91425" bIns="91425" anchor="t" anchorCtr="0">
+          <a:bodyPr anchorCtr="0" anchor="t" bIns="91425" lIns="91425" spcFirstLastPara="1" rIns="91425" wrap="square" tIns="91425">
             <a:noAutofit/>
           </a:bodyPr>
           <a:lstStyle/>
           <a:p>
-            <a:pPr marL="0" lvl="0" indent="0" algn="l" rtl="0">
-              <a:spcBef>
-                <a:spcPts val="0"/>
-              </a:spcBef>
-              <a:spcAft>
-                <a:spcPts val="0"/>
-              </a:spcAft>
+            <a:pPr indent="0" lvl="0" marL="0" rtl="0" algn="l">
+              <a:lnSpc>
+                <a:spcPct val="100000"/>
+              </a:lnSpc>
+              <a:spcBef>
+                <a:spcPts val="0"/>
+              </a:spcBef>
+              <a:spcAft>
+                <a:spcPts val="0"/>
+              </a:spcAft>
+              <a:buSzPts val="1100"/>
               <a:buNone/>
             </a:pPr>
-            <a:endParaRPr b="1" dirty="0">
+            <a:r>
+              <a:t/>
+            </a:r>
+            <a:endParaRPr b="1">
               <a:solidFill>
                 <a:schemeClr val="lt2"/>
               </a:solidFill>
@@ -5953,72 +6380,76 @@
             </a:endParaRPr>
           </a:p>
           <a:p>
-            <a:pPr>
+            <a:pPr indent="-298450" lvl="0" marL="457200" rtl="0" algn="l">
+              <a:lnSpc>
+                <a:spcPct val="100000"/>
+              </a:lnSpc>
               <a:spcBef>
                 <a:spcPts val="1600"/>
               </a:spcBef>
+              <a:spcAft>
+                <a:spcPts val="0"/>
+              </a:spcAft>
               <a:buClr>
                 <a:schemeClr val="lt2"/>
               </a:buClr>
+              <a:buSzPts val="1100"/>
               <a:buFont typeface="Fira Sans Condensed Light"/>
               <a:buChar char="●"/>
             </a:pPr>
             <a:r>
-              <a:rPr lang="en-GB" dirty="0">
+              <a:rPr lang="en-GB">
+                <a:solidFill>
+                  <a:schemeClr val="lt2"/>
+                </a:solidFill>
+              </a:rPr>
+              <a:t>Fine-Grained Image Generation from Bangla Text Description using Attentional Generative Adversarial Network</a:t>
+            </a:r>
+            <a:r>
+              <a:rPr b="1" lang="en-GB">
+                <a:solidFill>
+                  <a:schemeClr val="lt2"/>
+                </a:solidFill>
+              </a:rPr>
+              <a:t>.							Source: </a:t>
+            </a:r>
+            <a:r>
+              <a:rPr b="1" lang="en-GB">
                 <a:solidFill>
                   <a:schemeClr val="lt2"/>
                 </a:solidFill>
                 <a:uFill>
                   <a:noFill/>
                 </a:uFill>
-              </a:rPr>
-              <a:t>Fine-Grained Image Generation from Bangla Text Description using Attentional Generative Adversarial Network</a:t>
-            </a:r>
-            <a:r>
-              <a:rPr lang="en-GB" b="1" dirty="0">
-                <a:solidFill>
-                  <a:schemeClr val="lt2"/>
-                </a:solidFill>
-                <a:uFill>
-                  <a:noFill/>
-                </a:uFill>
-              </a:rPr>
-              <a:t>.							Source: </a:t>
-            </a:r>
-            <a:r>
-              <a:rPr lang="en-GB" b="1" dirty="0">
-                <a:solidFill>
-                  <a:schemeClr val="lt2"/>
-                </a:solidFill>
-                <a:uFill>
-                  <a:noFill/>
-                </a:uFill>
-                <a:hlinkClick r:id="rId4"/>
+                <a:hlinkClick r:id="rId4">
+                  <a:extLst>
+                    <a:ext uri="{A12FA001-AC4F-418D-AE19-62706E023703}">
+                      <ahyp:hlinkClr val="tx"/>
+                    </a:ext>
+                  </a:extLst>
+                </a:hlinkClick>
               </a:rPr>
               <a:t>https://arxiv.org/pdf/2109.11749.pdf</a:t>
             </a:r>
             <a:r>
-              <a:rPr lang="en-GB" b="1" u="sng" dirty="0">
+              <a:rPr b="1" lang="en-GB" u="sng">
                 <a:solidFill>
                   <a:schemeClr val="lt2"/>
                 </a:solidFill>
-                <a:uFill>
-                  <a:noFill/>
-                </a:uFill>
               </a:rPr>
               <a:t>					</a:t>
             </a:r>
-            <a:endParaRPr lang="en-GB" dirty="0">
+            <a:endParaRPr>
               <a:solidFill>
                 <a:schemeClr val="lt2"/>
               </a:solidFill>
-              <a:uFill>
-                <a:noFill/>
-              </a:uFill>
             </a:endParaRPr>
           </a:p>
           <a:p>
-            <a:pPr marL="457200" lvl="0" indent="-298450" algn="l" rtl="0">
+            <a:pPr indent="-298450" lvl="0" marL="457200" rtl="0" algn="l">
+              <a:lnSpc>
+                <a:spcPct val="100000"/>
+              </a:lnSpc>
               <a:spcBef>
                 <a:spcPts val="0"/>
               </a:spcBef>
@@ -6032,52 +6463,44 @@
               <a:buChar char="●"/>
             </a:pPr>
             <a:r>
-              <a:rPr lang="en-GB" dirty="0">
+              <a:rPr lang="en-GB">
                 <a:solidFill>
                   <a:schemeClr val="lt2"/>
                 </a:solidFill>
-                <a:uFill>
-                  <a:noFill/>
-                </a:uFill>
               </a:rPr>
               <a:t>Diffusion Models Beat GANs on Image Synthesis. 				</a:t>
             </a:r>
             <a:r>
-              <a:rPr lang="en-GB" b="1" dirty="0">
+              <a:rPr b="1" lang="en-GB">
                 <a:solidFill>
                   <a:schemeClr val="lt2"/>
                 </a:solidFill>
-                <a:uFill>
-                  <a:noFill/>
-                </a:uFill>
               </a:rPr>
               <a:t>Source: </a:t>
             </a:r>
             <a:r>
-              <a:rPr lang="en-GB" b="1" u="sng" dirty="0">
+              <a:rPr b="1" lang="en-GB" u="sng">
                 <a:solidFill>
                   <a:schemeClr val="lt2"/>
                 </a:solidFill>
-                <a:uFill>
-                  <a:noFill/>
-                </a:uFill>
               </a:rPr>
               <a:t>https://arxiv.org/pdf/2105.05233.pdf</a:t>
             </a:r>
             <a:r>
-              <a:rPr lang="en-GB" b="1" dirty="0">
+              <a:rPr b="1" lang="en-GB">
                 <a:solidFill>
                   <a:schemeClr val="lt2"/>
                 </a:solidFill>
-                <a:uFill>
-                  <a:noFill/>
-                </a:uFill>
               </a:rPr>
               <a:t> </a:t>
             </a:r>
+            <a:endParaRPr/>
           </a:p>
           <a:p>
-            <a:pPr marL="457200" lvl="0" indent="-298450" algn="l" rtl="0">
+            <a:pPr indent="-228600" lvl="0" marL="457200" rtl="0" algn="l">
+              <a:lnSpc>
+                <a:spcPct val="100000"/>
+              </a:lnSpc>
               <a:spcBef>
                 <a:spcPts val="0"/>
               </a:spcBef>
@@ -6088,96 +6511,115 @@
                 <a:schemeClr val="lt2"/>
               </a:buClr>
               <a:buSzPts val="1100"/>
-              <a:buChar char="●"/>
+              <a:buNone/>
             </a:pPr>
-            <a:endParaRPr lang="en-GB" b="1" dirty="0">
+            <a:r>
+              <a:t/>
+            </a:r>
+            <a:endParaRPr b="1">
               <a:solidFill>
                 <a:schemeClr val="lt2"/>
               </a:solidFill>
-              <a:uFill>
-                <a:noFill/>
-              </a:uFill>
             </a:endParaRPr>
           </a:p>
           <a:p>
-            <a:pPr>
+            <a:pPr indent="-298450" lvl="0" marL="457200" rtl="0" algn="l">
+              <a:lnSpc>
+                <a:spcPct val="100000"/>
+              </a:lnSpc>
+              <a:spcBef>
+                <a:spcPts val="0"/>
+              </a:spcBef>
+              <a:spcAft>
+                <a:spcPts val="0"/>
+              </a:spcAft>
               <a:buClr>
                 <a:schemeClr val="lt2"/>
               </a:buClr>
+              <a:buSzPts val="1100"/>
               <a:buFont typeface="Fira Sans Condensed Light"/>
               <a:buChar char="●"/>
             </a:pPr>
             <a:r>
-              <a:rPr lang="en-GB" dirty="0">
+              <a:rPr lang="en-GB">
                 <a:solidFill>
                   <a:schemeClr val="lt2"/>
                 </a:solidFill>
-                <a:uFill>
-                  <a:noFill/>
-                </a:uFill>
               </a:rPr>
               <a:t>Best Prompts for Text-to-Image Models and How to Find Them. 			</a:t>
             </a:r>
             <a:r>
-              <a:rPr lang="en-GB" b="1" dirty="0">
+              <a:rPr b="1" lang="en-GB">
                 <a:solidFill>
                   <a:schemeClr val="lt2"/>
                 </a:solidFill>
-                <a:uFill>
-                  <a:noFill/>
-                </a:uFill>
               </a:rPr>
               <a:t>Source: https://arxiv.org/pdf/2209.11711.pdf</a:t>
             </a:r>
+            <a:endParaRPr/>
           </a:p>
           <a:p>
-            <a:pPr>
+            <a:pPr indent="-228600" lvl="0" marL="457200" rtl="0" algn="l">
+              <a:lnSpc>
+                <a:spcPct val="100000"/>
+              </a:lnSpc>
+              <a:spcBef>
+                <a:spcPts val="0"/>
+              </a:spcBef>
+              <a:spcAft>
+                <a:spcPts val="0"/>
+              </a:spcAft>
               <a:buClr>
                 <a:schemeClr val="lt2"/>
               </a:buClr>
+              <a:buSzPts val="1100"/>
               <a:buFont typeface="Fira Sans Condensed Light"/>
-              <a:buChar char="●"/>
+              <a:buNone/>
             </a:pPr>
-            <a:endParaRPr lang="en-GB" b="1" dirty="0">
+            <a:r>
+              <a:t/>
+            </a:r>
+            <a:endParaRPr b="1">
               <a:solidFill>
                 <a:schemeClr val="lt2"/>
               </a:solidFill>
-              <a:uFill>
-                <a:noFill/>
-              </a:uFill>
             </a:endParaRPr>
           </a:p>
           <a:p>
-            <a:pPr>
+            <a:pPr indent="-298450" lvl="0" marL="457200" rtl="0" algn="l">
+              <a:lnSpc>
+                <a:spcPct val="100000"/>
+              </a:lnSpc>
+              <a:spcBef>
+                <a:spcPts val="0"/>
+              </a:spcBef>
+              <a:spcAft>
+                <a:spcPts val="0"/>
+              </a:spcAft>
               <a:buClr>
                 <a:schemeClr val="lt2"/>
               </a:buClr>
+              <a:buSzPts val="1100"/>
               <a:buFont typeface="Fira Sans Condensed Light"/>
               <a:buChar char="●"/>
             </a:pPr>
             <a:r>
-              <a:rPr lang="en-GB" dirty="0">
+              <a:rPr lang="en-GB">
                 <a:solidFill>
                   <a:schemeClr val="lt2"/>
                 </a:solidFill>
-                <a:uFill>
-                  <a:noFill/>
-                </a:uFill>
               </a:rPr>
               <a:t>High-Resolution Image Synthesis with Latent Diffusion Models. 			</a:t>
             </a:r>
             <a:r>
-              <a:rPr lang="en-GB" b="1" dirty="0">
+              <a:rPr b="1" lang="en-GB">
                 <a:solidFill>
                   <a:schemeClr val="lt2"/>
                 </a:solidFill>
-                <a:uFill>
-                  <a:noFill/>
-                </a:uFill>
               </a:rPr>
               <a:t>Source: https://arxiv.org/pdf/2112.10752.pdf</a:t>
             </a:r>
-            <a:endParaRPr b="1" dirty="0">
+            <a:endParaRPr b="1">
               <a:solidFill>
                 <a:schemeClr val="lt2"/>
               </a:solidFill>
@@ -6187,10 +6629,8 @@
       </p:sp>
       <p:sp>
         <p:nvSpPr>
-          <p:cNvPr id="1800" name="Google Shape;1800;p48"/>
-          <p:cNvSpPr txBox="1">
-            <a:spLocks noGrp="1"/>
-          </p:cNvSpPr>
+          <p:cNvPr id="56" name="Google Shape;56;p4"/>
+          <p:cNvSpPr txBox="1"/>
           <p:nvPr>
             <p:ph type="title"/>
           </p:nvPr>
@@ -6203,27 +6643,35 @@
           <a:prstGeom prst="rect">
             <a:avLst/>
           </a:prstGeom>
+          <a:noFill/>
+          <a:ln>
+            <a:noFill/>
+          </a:ln>
         </p:spPr>
         <p:txBody>
-          <a:bodyPr spcFirstLastPara="1" wrap="square" lIns="91425" tIns="91425" rIns="91425" bIns="91425" anchor="t" anchorCtr="0">
+          <a:bodyPr anchorCtr="0" anchor="t" bIns="91425" lIns="91425" spcFirstLastPara="1" rIns="91425" wrap="square" tIns="91425">
             <a:noAutofit/>
           </a:bodyPr>
           <a:lstStyle/>
           <a:p>
-            <a:pPr marL="0" lvl="0" indent="0" algn="ctr" rtl="0">
-              <a:spcBef>
-                <a:spcPts val="0"/>
-              </a:spcBef>
-              <a:spcAft>
-                <a:spcPts val="0"/>
-              </a:spcAft>
+            <a:pPr indent="0" lvl="0" marL="0" rtl="0" algn="ctr">
+              <a:lnSpc>
+                <a:spcPct val="100000"/>
+              </a:lnSpc>
+              <a:spcBef>
+                <a:spcPts val="0"/>
+              </a:spcBef>
+              <a:spcAft>
+                <a:spcPts val="0"/>
+              </a:spcAft>
+              <a:buSzPts val="3000"/>
               <a:buNone/>
             </a:pPr>
             <a:r>
-              <a:rPr lang="en" dirty="0"/>
+              <a:rPr lang="en-GB"/>
               <a:t>RELATED WORK</a:t>
             </a:r>
-            <a:endParaRPr dirty="0"/>
+            <a:endParaRPr/>
           </a:p>
         </p:txBody>
       </p:sp>
@@ -6236,7 +6684,7 @@
 </file>
 
 <file path=ppt/slides/slide5.xml><?xml version="1.0" encoding="utf-8"?>
-<p:sld xmlns:a="http://schemas.openxmlformats.org/drawingml/2006/main" xmlns:r="http://schemas.openxmlformats.org/officeDocument/2006/relationships" xmlns:p="http://schemas.openxmlformats.org/presentationml/2006/main">
+<p:sld xmlns:a="http://schemas.openxmlformats.org/drawingml/2006/main" xmlns:r="http://schemas.openxmlformats.org/officeDocument/2006/relationships" xmlns:mc="http://schemas.openxmlformats.org/markup-compatibility/2006" xmlns:mv="urn:schemas-microsoft-com:mac:vml" xmlns:p="http://schemas.openxmlformats.org/presentationml/2006/main" xmlns:c="http://schemas.openxmlformats.org/drawingml/2006/chart" xmlns:dgm="http://schemas.openxmlformats.org/drawingml/2006/diagram" xmlns:o="urn:schemas-microsoft-com:office:office" xmlns:v="urn:schemas-microsoft-com:vml" xmlns:pvml="urn:schemas-microsoft-com:office:powerpoint" xmlns:com="http://schemas.openxmlformats.org/drawingml/2006/compatibility" xmlns:p14="http://schemas.microsoft.com/office/powerpoint/2010/main" xmlns:p15="http://schemas.microsoft.com/office/powerpoint/2012/main" xmlns:ahyp="http://schemas.microsoft.com/office/drawing/2018/hyperlinkcolor">
   <p:cSld>
     <p:bg>
       <p:bgPr>
@@ -6248,12 +6696,11 @@
             <a:fillRect/>
           </a:stretch>
         </a:blipFill>
-        <a:effectLst/>
       </p:bgPr>
     </p:bg>
     <p:spTree>
       <p:nvGrpSpPr>
-        <p:cNvPr id="1" name="Shape 114"/>
+        <p:cNvPr id="60" name="Shape 60"/>
         <p:cNvGrpSpPr/>
         <p:nvPr/>
       </p:nvGrpSpPr>
@@ -6267,401 +6714,47 @@
       </p:grpSpPr>
       <p:sp>
         <p:nvSpPr>
-          <p:cNvPr id="115" name="Google Shape;115;p26"/>
-          <p:cNvSpPr txBox="1">
-            <a:spLocks noGrp="1"/>
-          </p:cNvSpPr>
+          <p:cNvPr id="61" name="Google Shape;61;p5"/>
+          <p:cNvSpPr txBox="1"/>
           <p:nvPr>
             <p:ph type="title"/>
           </p:nvPr>
         </p:nvSpPr>
         <p:spPr>
           <a:xfrm>
-            <a:off x="1511713" y="1452625"/>
-            <a:ext cx="2339100" cy="421500"/>
+            <a:off x="2810578" y="1874767"/>
+            <a:ext cx="3522844" cy="421500"/>
           </a:xfrm>
           <a:prstGeom prst="rect">
             <a:avLst/>
           </a:prstGeom>
+          <a:noFill/>
+          <a:ln>
+            <a:noFill/>
+          </a:ln>
         </p:spPr>
         <p:txBody>
-          <a:bodyPr spcFirstLastPara="1" wrap="square" lIns="91425" tIns="91425" rIns="91425" bIns="91425" anchor="ctr" anchorCtr="0">
+          <a:bodyPr anchorCtr="0" anchor="ctr" bIns="91425" lIns="91425" spcFirstLastPara="1" rIns="91425" wrap="square" tIns="91425">
             <a:noAutofit/>
           </a:bodyPr>
           <a:lstStyle/>
           <a:p>
-            <a:pPr marL="0" lvl="0" indent="0" algn="l" rtl="0">
-              <a:lnSpc>
-                <a:spcPct val="100000"/>
-              </a:lnSpc>
-              <a:spcBef>
-                <a:spcPts val="0"/>
-              </a:spcBef>
-              <a:spcAft>
-                <a:spcPts val="0"/>
-              </a:spcAft>
+            <a:pPr indent="0" lvl="0" marL="0" rtl="0" algn="l">
+              <a:lnSpc>
+                <a:spcPct val="100000"/>
+              </a:lnSpc>
+              <a:spcBef>
+                <a:spcPts val="0"/>
+              </a:spcBef>
+              <a:spcAft>
+                <a:spcPts val="0"/>
+              </a:spcAft>
+              <a:buSzPts val="1400"/>
               <a:buNone/>
             </a:pPr>
             <a:r>
-              <a:rPr lang="en" dirty="0"/>
-              <a:t>PAPER READING</a:t>
-            </a:r>
-            <a:endParaRPr dirty="0"/>
-          </a:p>
-        </p:txBody>
-      </p:sp>
-      <p:sp>
-        <p:nvSpPr>
-          <p:cNvPr id="116" name="Google Shape;116;p26"/>
-          <p:cNvSpPr txBox="1">
-            <a:spLocks noGrp="1"/>
-          </p:cNvSpPr>
-          <p:nvPr>
-            <p:ph type="subTitle" idx="1"/>
-          </p:nvPr>
-        </p:nvSpPr>
-        <p:spPr>
-          <a:xfrm>
-            <a:off x="1511712" y="1779575"/>
-            <a:ext cx="2339100" cy="644700"/>
-          </a:xfrm>
-          <a:prstGeom prst="rect">
-            <a:avLst/>
-          </a:prstGeom>
-        </p:spPr>
-        <p:txBody>
-          <a:bodyPr spcFirstLastPara="1" wrap="square" lIns="91425" tIns="91425" rIns="91425" bIns="91425" anchor="t" anchorCtr="0">
-            <a:noAutofit/>
-          </a:bodyPr>
-          <a:lstStyle/>
-          <a:p>
-            <a:pPr marL="0" lvl="0" indent="0" algn="l" rtl="0">
-              <a:lnSpc>
-                <a:spcPct val="100000"/>
-              </a:lnSpc>
-              <a:spcBef>
-                <a:spcPts val="0"/>
-              </a:spcBef>
-              <a:spcAft>
-                <a:spcPts val="1600"/>
-              </a:spcAft>
-              <a:buNone/>
-            </a:pPr>
-            <a:r>
-              <a:rPr lang="en-US" dirty="0"/>
-              <a:t>Read related paper to expose idea.</a:t>
-            </a:r>
-            <a:endParaRPr dirty="0"/>
-          </a:p>
-        </p:txBody>
-      </p:sp>
-      <p:sp>
-        <p:nvSpPr>
-          <p:cNvPr id="117" name="Google Shape;117;p26"/>
-          <p:cNvSpPr txBox="1">
-            <a:spLocks noGrp="1"/>
-          </p:cNvSpPr>
-          <p:nvPr>
-            <p:ph type="title" idx="2"/>
-          </p:nvPr>
-        </p:nvSpPr>
-        <p:spPr>
-          <a:xfrm>
-            <a:off x="4845486" y="1455263"/>
-            <a:ext cx="2653897" cy="421500"/>
-          </a:xfrm>
-          <a:prstGeom prst="rect">
-            <a:avLst/>
-          </a:prstGeom>
-        </p:spPr>
-        <p:txBody>
-          <a:bodyPr spcFirstLastPara="1" wrap="square" lIns="91425" tIns="91425" rIns="91425" bIns="91425" anchor="ctr" anchorCtr="0">
-            <a:noAutofit/>
-          </a:bodyPr>
-          <a:lstStyle/>
-          <a:p>
-            <a:pPr marL="0" lvl="0" indent="0" algn="l" rtl="0">
-              <a:lnSpc>
-                <a:spcPct val="100000"/>
-              </a:lnSpc>
-              <a:spcBef>
-                <a:spcPts val="0"/>
-              </a:spcBef>
-              <a:spcAft>
-                <a:spcPts val="0"/>
-              </a:spcAft>
-              <a:buNone/>
-            </a:pPr>
-            <a:r>
-              <a:rPr lang="en" dirty="0"/>
-              <a:t>DATA PROCESSING</a:t>
-            </a:r>
-            <a:endParaRPr dirty="0"/>
-          </a:p>
-        </p:txBody>
-      </p:sp>
-      <p:sp>
-        <p:nvSpPr>
-          <p:cNvPr id="118" name="Google Shape;118;p26"/>
-          <p:cNvSpPr txBox="1">
-            <a:spLocks noGrp="1"/>
-          </p:cNvSpPr>
-          <p:nvPr>
-            <p:ph type="subTitle" idx="3"/>
-          </p:nvPr>
-        </p:nvSpPr>
-        <p:spPr>
-          <a:xfrm>
-            <a:off x="4845487" y="1782238"/>
-            <a:ext cx="2339100" cy="644700"/>
-          </a:xfrm>
-          <a:prstGeom prst="rect">
-            <a:avLst/>
-          </a:prstGeom>
-        </p:spPr>
-        <p:txBody>
-          <a:bodyPr spcFirstLastPara="1" wrap="square" lIns="91425" tIns="91425" rIns="91425" bIns="91425" anchor="t" anchorCtr="0">
-            <a:noAutofit/>
-          </a:bodyPr>
-          <a:lstStyle/>
-          <a:p>
-            <a:pPr marL="0" lvl="0" indent="0" algn="l" rtl="0">
-              <a:lnSpc>
-                <a:spcPct val="100000"/>
-              </a:lnSpc>
-              <a:spcBef>
-                <a:spcPts val="0"/>
-              </a:spcBef>
-              <a:spcAft>
-                <a:spcPts val="1600"/>
-              </a:spcAft>
-              <a:buNone/>
-            </a:pPr>
-            <a:r>
-              <a:rPr lang="en-GB" dirty="0"/>
-              <a:t>Modifying dataset to make it usable for Bangla language.</a:t>
-            </a:r>
-            <a:endParaRPr dirty="0"/>
-          </a:p>
-        </p:txBody>
-      </p:sp>
-      <p:sp>
-        <p:nvSpPr>
-          <p:cNvPr id="119" name="Google Shape;119;p26"/>
-          <p:cNvSpPr txBox="1">
-            <a:spLocks noGrp="1"/>
-          </p:cNvSpPr>
-          <p:nvPr>
-            <p:ph type="title" idx="4"/>
-          </p:nvPr>
-        </p:nvSpPr>
-        <p:spPr>
-          <a:xfrm>
-            <a:off x="2768312" y="2877450"/>
-            <a:ext cx="2653909" cy="421500"/>
-          </a:xfrm>
-          <a:prstGeom prst="rect">
-            <a:avLst/>
-          </a:prstGeom>
-        </p:spPr>
-        <p:txBody>
-          <a:bodyPr spcFirstLastPara="1" wrap="square" lIns="91425" tIns="91425" rIns="91425" bIns="91425" anchor="ctr" anchorCtr="0">
-            <a:noAutofit/>
-          </a:bodyPr>
-          <a:lstStyle/>
-          <a:p>
-            <a:pPr marL="0" lvl="0" indent="0" algn="l" rtl="0">
-              <a:lnSpc>
-                <a:spcPct val="100000"/>
-              </a:lnSpc>
-              <a:spcBef>
-                <a:spcPts val="0"/>
-              </a:spcBef>
-              <a:spcAft>
-                <a:spcPts val="0"/>
-              </a:spcAft>
-              <a:buNone/>
-            </a:pPr>
-            <a:r>
-              <a:rPr lang="en" dirty="0"/>
-              <a:t>DATA COLLECTION</a:t>
-            </a:r>
-            <a:endParaRPr dirty="0"/>
-          </a:p>
-        </p:txBody>
-      </p:sp>
-      <p:sp>
-        <p:nvSpPr>
-          <p:cNvPr id="120" name="Google Shape;120;p26"/>
-          <p:cNvSpPr txBox="1">
-            <a:spLocks noGrp="1"/>
-          </p:cNvSpPr>
-          <p:nvPr>
-            <p:ph type="subTitle" idx="5"/>
-          </p:nvPr>
-        </p:nvSpPr>
-        <p:spPr>
-          <a:xfrm>
-            <a:off x="2768312" y="3204400"/>
-            <a:ext cx="2339100" cy="644700"/>
-          </a:xfrm>
-          <a:prstGeom prst="rect">
-            <a:avLst/>
-          </a:prstGeom>
-        </p:spPr>
-        <p:txBody>
-          <a:bodyPr spcFirstLastPara="1" wrap="square" lIns="91425" tIns="91425" rIns="91425" bIns="91425" anchor="t" anchorCtr="0">
-            <a:noAutofit/>
-          </a:bodyPr>
-          <a:lstStyle/>
-          <a:p>
-            <a:pPr marL="0" lvl="0" indent="0" algn="l" rtl="0">
-              <a:lnSpc>
-                <a:spcPct val="100000"/>
-              </a:lnSpc>
-              <a:spcBef>
-                <a:spcPts val="0"/>
-              </a:spcBef>
-              <a:spcAft>
-                <a:spcPts val="1600"/>
-              </a:spcAft>
-              <a:buNone/>
-            </a:pPr>
-            <a:r>
-              <a:rPr lang="en" dirty="0"/>
-              <a:t>Collect public Text-Image pair dataset</a:t>
-            </a:r>
-            <a:endParaRPr dirty="0"/>
-          </a:p>
-        </p:txBody>
-      </p:sp>
-      <p:sp>
-        <p:nvSpPr>
-          <p:cNvPr id="121" name="Google Shape;121;p26"/>
-          <p:cNvSpPr txBox="1">
-            <a:spLocks noGrp="1"/>
-          </p:cNvSpPr>
-          <p:nvPr>
-            <p:ph type="title" idx="6"/>
-          </p:nvPr>
-        </p:nvSpPr>
-        <p:spPr>
-          <a:xfrm>
-            <a:off x="6100573" y="2878082"/>
-            <a:ext cx="3468535" cy="421500"/>
-          </a:xfrm>
-          <a:prstGeom prst="rect">
-            <a:avLst/>
-          </a:prstGeom>
-        </p:spPr>
-        <p:txBody>
-          <a:bodyPr spcFirstLastPara="1" wrap="square" lIns="91425" tIns="91425" rIns="91425" bIns="91425" anchor="ctr" anchorCtr="0">
-            <a:noAutofit/>
-          </a:bodyPr>
-          <a:lstStyle/>
-          <a:p>
-            <a:pPr marL="0" lvl="0" indent="0" algn="l" rtl="0">
-              <a:lnSpc>
-                <a:spcPct val="100000"/>
-              </a:lnSpc>
-              <a:spcBef>
-                <a:spcPts val="0"/>
-              </a:spcBef>
-              <a:spcAft>
-                <a:spcPts val="0"/>
-              </a:spcAft>
-              <a:buNone/>
-            </a:pPr>
-            <a:r>
-              <a:rPr lang="en" dirty="0"/>
-              <a:t>WORKING WITH MODEL</a:t>
-            </a:r>
-            <a:endParaRPr dirty="0"/>
-          </a:p>
-        </p:txBody>
-      </p:sp>
-      <p:sp>
-        <p:nvSpPr>
-          <p:cNvPr id="122" name="Google Shape;122;p26"/>
-          <p:cNvSpPr txBox="1">
-            <a:spLocks noGrp="1"/>
-          </p:cNvSpPr>
-          <p:nvPr>
-            <p:ph type="subTitle" idx="7"/>
-          </p:nvPr>
-        </p:nvSpPr>
-        <p:spPr>
-          <a:xfrm>
-            <a:off x="6100575" y="3205057"/>
-            <a:ext cx="2339100" cy="644700"/>
-          </a:xfrm>
-          <a:prstGeom prst="rect">
-            <a:avLst/>
-          </a:prstGeom>
-        </p:spPr>
-        <p:txBody>
-          <a:bodyPr spcFirstLastPara="1" wrap="square" lIns="91425" tIns="91425" rIns="91425" bIns="91425" anchor="t" anchorCtr="0">
-            <a:noAutofit/>
-          </a:bodyPr>
-          <a:lstStyle/>
-          <a:p>
-            <a:pPr marL="0" lvl="0" indent="0" algn="l" rtl="0">
-              <a:lnSpc>
-                <a:spcPct val="100000"/>
-              </a:lnSpc>
-              <a:spcBef>
-                <a:spcPts val="0"/>
-              </a:spcBef>
-              <a:spcAft>
-                <a:spcPts val="1600"/>
-              </a:spcAft>
-              <a:buNone/>
-            </a:pPr>
-            <a:r>
-              <a:rPr lang="en" dirty="0"/>
-              <a:t>Train &amp; Test model</a:t>
-            </a:r>
-            <a:endParaRPr dirty="0"/>
-          </a:p>
-        </p:txBody>
-      </p:sp>
-      <p:sp>
-        <p:nvSpPr>
-          <p:cNvPr id="123" name="Google Shape;123;p26"/>
-          <p:cNvSpPr txBox="1">
-            <a:spLocks noGrp="1"/>
-          </p:cNvSpPr>
-          <p:nvPr>
-            <p:ph type="title" idx="8"/>
-          </p:nvPr>
-        </p:nvSpPr>
-        <p:spPr>
-          <a:xfrm>
-            <a:off x="1959337" y="3164300"/>
-            <a:ext cx="600000" cy="421500"/>
-          </a:xfrm>
-          <a:prstGeom prst="rect">
-            <a:avLst/>
-          </a:prstGeom>
-        </p:spPr>
-        <p:txBody>
-          <a:bodyPr spcFirstLastPara="1" wrap="square" lIns="91425" tIns="91425" rIns="91425" bIns="91425" anchor="ctr" anchorCtr="0">
-            <a:noAutofit/>
-          </a:bodyPr>
-          <a:lstStyle/>
-          <a:p>
-            <a:pPr marL="0" lvl="0" indent="0" algn="r" rtl="0">
-              <a:spcBef>
-                <a:spcPts val="0"/>
-              </a:spcBef>
-              <a:spcAft>
-                <a:spcPts val="0"/>
-              </a:spcAft>
-              <a:buNone/>
-            </a:pPr>
-            <a:r>
-              <a:rPr lang="en"/>
-              <a:t>02</a:t>
+              <a:rPr lang="en-GB"/>
+              <a:t>Exploring Diffusion model</a:t>
             </a:r>
             <a:endParaRPr/>
           </a:p>
@@ -6669,83 +6762,47 @@
       </p:sp>
       <p:sp>
         <p:nvSpPr>
-          <p:cNvPr id="124" name="Google Shape;124;p26"/>
-          <p:cNvSpPr txBox="1">
-            <a:spLocks noGrp="1"/>
-          </p:cNvSpPr>
+          <p:cNvPr id="62" name="Google Shape;62;p5"/>
+          <p:cNvSpPr txBox="1"/>
           <p:nvPr>
-            <p:ph type="title" idx="9"/>
+            <p:ph idx="1" type="subTitle"/>
           </p:nvPr>
         </p:nvSpPr>
         <p:spPr>
           <a:xfrm>
-            <a:off x="704337" y="1730350"/>
-            <a:ext cx="600000" cy="421500"/>
+            <a:off x="2810576" y="2201717"/>
+            <a:ext cx="3756757" cy="644700"/>
           </a:xfrm>
           <a:prstGeom prst="rect">
             <a:avLst/>
           </a:prstGeom>
+          <a:noFill/>
+          <a:ln>
+            <a:noFill/>
+          </a:ln>
         </p:spPr>
         <p:txBody>
-          <a:bodyPr spcFirstLastPara="1" wrap="square" lIns="91425" tIns="91425" rIns="91425" bIns="91425" anchor="ctr" anchorCtr="0">
+          <a:bodyPr anchorCtr="0" anchor="t" bIns="91425" lIns="91425" spcFirstLastPara="1" rIns="91425" wrap="square" tIns="91425">
             <a:noAutofit/>
           </a:bodyPr>
           <a:lstStyle/>
           <a:p>
-            <a:pPr marL="0" lvl="0" indent="0" algn="r" rtl="0">
-              <a:spcBef>
-                <a:spcPts val="0"/>
-              </a:spcBef>
-              <a:spcAft>
-                <a:spcPts val="0"/>
-              </a:spcAft>
+            <a:pPr indent="0" lvl="0" marL="0" rtl="0" algn="l">
+              <a:lnSpc>
+                <a:spcPct val="100000"/>
+              </a:lnSpc>
+              <a:spcBef>
+                <a:spcPts val="0"/>
+              </a:spcBef>
+              <a:spcAft>
+                <a:spcPts val="1600"/>
+              </a:spcAft>
+              <a:buSzPts val="1200"/>
               <a:buNone/>
             </a:pPr>
             <a:r>
-              <a:rPr lang="en" dirty="0"/>
-              <a:t>01</a:t>
-            </a:r>
-            <a:endParaRPr dirty="0"/>
-          </a:p>
-        </p:txBody>
-      </p:sp>
-      <p:sp>
-        <p:nvSpPr>
-          <p:cNvPr id="125" name="Google Shape;125;p26"/>
-          <p:cNvSpPr txBox="1">
-            <a:spLocks noGrp="1"/>
-          </p:cNvSpPr>
-          <p:nvPr>
-            <p:ph type="title" idx="13"/>
-          </p:nvPr>
-        </p:nvSpPr>
-        <p:spPr>
-          <a:xfrm>
-            <a:off x="5304000" y="3183632"/>
-            <a:ext cx="600000" cy="421500"/>
-          </a:xfrm>
-          <a:prstGeom prst="rect">
-            <a:avLst/>
-          </a:prstGeom>
-        </p:spPr>
-        <p:txBody>
-          <a:bodyPr spcFirstLastPara="1" wrap="square" lIns="91425" tIns="91425" rIns="91425" bIns="91425" anchor="ctr" anchorCtr="0">
-            <a:noAutofit/>
-          </a:bodyPr>
-          <a:lstStyle/>
-          <a:p>
-            <a:pPr marL="0" lvl="0" indent="0" algn="r" rtl="0">
-              <a:spcBef>
-                <a:spcPts val="0"/>
-              </a:spcBef>
-              <a:spcAft>
-                <a:spcPts val="0"/>
-              </a:spcAft>
-              <a:buNone/>
-            </a:pPr>
-            <a:r>
-              <a:rPr lang="en"/>
-              <a:t>04</a:t>
+              <a:rPr lang="en-GB"/>
+              <a:t>Diffusion Model have many parameters. We will explore the diffusion model and evaluate by tuning its parameters and will be looking forward to compare with other models.</a:t>
             </a:r>
             <a:endParaRPr/>
           </a:p>
@@ -6753,41 +6810,47 @@
       </p:sp>
       <p:sp>
         <p:nvSpPr>
-          <p:cNvPr id="126" name="Google Shape;126;p26"/>
-          <p:cNvSpPr txBox="1">
-            <a:spLocks noGrp="1"/>
-          </p:cNvSpPr>
+          <p:cNvPr id="63" name="Google Shape;63;p5"/>
+          <p:cNvSpPr txBox="1"/>
           <p:nvPr>
-            <p:ph type="title" idx="14"/>
+            <p:ph idx="9" type="title"/>
           </p:nvPr>
         </p:nvSpPr>
         <p:spPr>
           <a:xfrm>
-            <a:off x="4048912" y="1719213"/>
+            <a:off x="2003202" y="2152492"/>
             <a:ext cx="600000" cy="421500"/>
           </a:xfrm>
           <a:prstGeom prst="rect">
             <a:avLst/>
           </a:prstGeom>
+          <a:noFill/>
+          <a:ln>
+            <a:noFill/>
+          </a:ln>
         </p:spPr>
         <p:txBody>
-          <a:bodyPr spcFirstLastPara="1" wrap="square" lIns="91425" tIns="91425" rIns="91425" bIns="91425" anchor="ctr" anchorCtr="0">
+          <a:bodyPr anchorCtr="0" anchor="ctr" bIns="91425" lIns="91425" spcFirstLastPara="1" rIns="91425" wrap="square" tIns="91425">
             <a:noAutofit/>
           </a:bodyPr>
           <a:lstStyle/>
           <a:p>
-            <a:pPr marL="0" lvl="0" indent="0" algn="r" rtl="0">
-              <a:spcBef>
-                <a:spcPts val="0"/>
-              </a:spcBef>
-              <a:spcAft>
-                <a:spcPts val="0"/>
-              </a:spcAft>
+            <a:pPr indent="0" lvl="0" marL="0" rtl="0" algn="r">
+              <a:lnSpc>
+                <a:spcPct val="100000"/>
+              </a:lnSpc>
+              <a:spcBef>
+                <a:spcPts val="0"/>
+              </a:spcBef>
+              <a:spcAft>
+                <a:spcPts val="0"/>
+              </a:spcAft>
+              <a:buSzPts val="4800"/>
               <a:buNone/>
             </a:pPr>
             <a:r>
-              <a:rPr lang="en"/>
-              <a:t>03</a:t>
+              <a:rPr lang="en-GB"/>
+              <a:t>#</a:t>
             </a:r>
             <a:endParaRPr/>
           </a:p>
@@ -6795,120 +6858,34 @@
       </p:sp>
       <p:cxnSp>
         <p:nvCxnSpPr>
-          <p:cNvPr id="127" name="Google Shape;127;p26"/>
+          <p:cNvPr id="64" name="Google Shape;64;p5"/>
           <p:cNvCxnSpPr/>
           <p:nvPr/>
         </p:nvCxnSpPr>
         <p:spPr>
           <a:xfrm>
-            <a:off x="2635538" y="3069415"/>
+            <a:off x="2679403" y="2042370"/>
             <a:ext cx="0" cy="630600"/>
           </a:xfrm>
           <a:prstGeom prst="straightConnector1">
             <a:avLst/>
           </a:prstGeom>
           <a:noFill/>
-          <a:ln w="19050" cap="flat" cmpd="sng">
+          <a:ln cap="flat" cmpd="sng" w="19050">
             <a:solidFill>
               <a:schemeClr val="lt2"/>
             </a:solidFill>
             <a:prstDash val="solid"/>
             <a:round/>
-            <a:headEnd type="oval" w="med" len="med"/>
-            <a:tailEnd type="oval" w="med" len="med"/>
-          </a:ln>
-        </p:spPr>
-      </p:cxnSp>
-      <p:cxnSp>
-        <p:nvCxnSpPr>
-          <p:cNvPr id="128" name="Google Shape;128;p26"/>
-          <p:cNvCxnSpPr/>
-          <p:nvPr/>
-        </p:nvCxnSpPr>
-        <p:spPr>
-          <a:xfrm>
-            <a:off x="4725188" y="1620228"/>
-            <a:ext cx="0" cy="630600"/>
-          </a:xfrm>
-          <a:prstGeom prst="straightConnector1">
-            <a:avLst/>
-          </a:prstGeom>
-          <a:noFill/>
-          <a:ln w="19050" cap="flat" cmpd="sng">
-            <a:solidFill>
-              <a:schemeClr val="lt2"/>
-            </a:solidFill>
-            <a:prstDash val="solid"/>
-            <a:round/>
-            <a:headEnd type="oval" w="med" len="med"/>
-            <a:tailEnd type="oval" w="med" len="med"/>
-          </a:ln>
-        </p:spPr>
-      </p:cxnSp>
-      <p:cxnSp>
-        <p:nvCxnSpPr>
-          <p:cNvPr id="129" name="Google Shape;129;p26"/>
-          <p:cNvCxnSpPr/>
-          <p:nvPr/>
-        </p:nvCxnSpPr>
-        <p:spPr>
-          <a:xfrm>
-            <a:off x="5980275" y="3069415"/>
-            <a:ext cx="0" cy="630600"/>
-          </a:xfrm>
-          <a:prstGeom prst="straightConnector1">
-            <a:avLst/>
-          </a:prstGeom>
-          <a:noFill/>
-          <a:ln w="19050" cap="flat" cmpd="sng">
-            <a:solidFill>
-              <a:schemeClr val="lt2"/>
-            </a:solidFill>
-            <a:prstDash val="solid"/>
-            <a:round/>
-            <a:headEnd type="oval" w="med" len="med"/>
-            <a:tailEnd type="oval" w="med" len="med"/>
-          </a:ln>
-        </p:spPr>
-      </p:cxnSp>
-      <p:cxnSp>
-        <p:nvCxnSpPr>
-          <p:cNvPr id="130" name="Google Shape;130;p26"/>
-          <p:cNvCxnSpPr/>
-          <p:nvPr/>
-        </p:nvCxnSpPr>
-        <p:spPr>
-          <a:xfrm>
-            <a:off x="1380538" y="1620228"/>
-            <a:ext cx="0" cy="630600"/>
-          </a:xfrm>
-          <a:prstGeom prst="straightConnector1">
-            <a:avLst/>
-          </a:prstGeom>
-          <a:noFill/>
-          <a:ln w="19050" cap="flat" cmpd="sng">
-            <a:solidFill>
-              <a:schemeClr val="lt2"/>
-            </a:solidFill>
-            <a:prstDash val="solid"/>
-            <a:round/>
-            <a:headEnd type="oval" w="med" len="med"/>
-            <a:tailEnd type="oval" w="med" len="med"/>
+            <a:headEnd len="med" w="med" type="oval"/>
+            <a:tailEnd len="med" w="med" type="oval"/>
           </a:ln>
         </p:spPr>
       </p:cxnSp>
       <p:sp>
         <p:nvSpPr>
-          <p:cNvPr id="18" name="Google Shape;109;p25">
-            <a:extLst>
-              <a:ext uri="{FF2B5EF4-FFF2-40B4-BE49-F238E27FC236}">
-                <a16:creationId xmlns:a16="http://schemas.microsoft.com/office/drawing/2014/main" id="{EE574CF8-09DA-344E-ABC0-CD202FE5F951}"/>
-              </a:ext>
-            </a:extLst>
-          </p:cNvPr>
-          <p:cNvSpPr txBox="1">
-            <a:spLocks/>
-          </p:cNvSpPr>
+          <p:cNvPr id="65" name="Google Shape;65;p5"/>
+          <p:cNvSpPr txBox="1"/>
           <p:nvPr/>
         </p:nvSpPr>
         <p:spPr>
@@ -6925,22 +6902,12 @@
           </a:ln>
         </p:spPr>
         <p:txBody>
-          <a:bodyPr spcFirstLastPara="1" wrap="square" lIns="91425" tIns="91425" rIns="91425" bIns="91425" anchor="t" anchorCtr="0">
+          <a:bodyPr anchorCtr="0" anchor="t" bIns="91425" lIns="91425" spcFirstLastPara="1" rIns="91425" wrap="square" tIns="91425">
             <a:noAutofit/>
           </a:bodyPr>
-          <a:lstStyle>
-            <a:defPPr marR="0" lvl="0" algn="l" rtl="0">
-              <a:lnSpc>
-                <a:spcPct val="100000"/>
-              </a:lnSpc>
-              <a:spcBef>
-                <a:spcPts val="0"/>
-              </a:spcBef>
-              <a:spcAft>
-                <a:spcPts val="0"/>
-              </a:spcAft>
-            </a:defPPr>
-            <a:lvl1pPr marR="0" lvl="0" algn="ctr" rtl="0">
+          <a:lstStyle/>
+          <a:p>
+            <a:pPr indent="0" lvl="0" marL="0" marR="0" rtl="0" algn="ctr">
               <a:lnSpc>
                 <a:spcPct val="100000"/>
               </a:lnSpc>
@@ -6956,7 +6923,9 @@
               <a:buSzPts val="3000"/>
               <a:buFont typeface="Rajdhani"/>
               <a:buNone/>
-              <a:defRPr sz="3000" b="1" i="0" u="none" strike="noStrike" cap="none">
+            </a:pPr>
+            <a:r>
+              <a:rPr b="1" i="0" lang="en-GB" sz="3000" u="none" cap="none" strike="noStrike">
                 <a:solidFill>
                   <a:schemeClr val="lt2"/>
                 </a:solidFill>
@@ -6964,222 +6933,10 @@
                 <a:ea typeface="Rajdhani"/>
                 <a:cs typeface="Rajdhani"/>
                 <a:sym typeface="Rajdhani"/>
-              </a:defRPr>
-            </a:lvl1pPr>
-            <a:lvl2pPr marR="0" lvl="1" algn="ctr" rtl="0">
-              <a:lnSpc>
-                <a:spcPct val="100000"/>
-              </a:lnSpc>
-              <a:spcBef>
-                <a:spcPts val="0"/>
-              </a:spcBef>
-              <a:spcAft>
-                <a:spcPts val="0"/>
-              </a:spcAft>
-              <a:buClr>
-                <a:schemeClr val="lt2"/>
-              </a:buClr>
-              <a:buSzPts val="3000"/>
-              <a:buFont typeface="Rajdhani"/>
-              <a:buNone/>
-              <a:defRPr sz="3000" b="1" i="0" u="none" strike="noStrike" cap="none">
-                <a:solidFill>
-                  <a:schemeClr val="lt2"/>
-                </a:solidFill>
-                <a:latin typeface="Rajdhani"/>
-                <a:ea typeface="Rajdhani"/>
-                <a:cs typeface="Rajdhani"/>
-                <a:sym typeface="Rajdhani"/>
-              </a:defRPr>
-            </a:lvl2pPr>
-            <a:lvl3pPr marR="0" lvl="2" algn="ctr" rtl="0">
-              <a:lnSpc>
-                <a:spcPct val="100000"/>
-              </a:lnSpc>
-              <a:spcBef>
-                <a:spcPts val="0"/>
-              </a:spcBef>
-              <a:spcAft>
-                <a:spcPts val="0"/>
-              </a:spcAft>
-              <a:buClr>
-                <a:schemeClr val="lt2"/>
-              </a:buClr>
-              <a:buSzPts val="3000"/>
-              <a:buFont typeface="Rajdhani"/>
-              <a:buNone/>
-              <a:defRPr sz="3000" b="1" i="0" u="none" strike="noStrike" cap="none">
-                <a:solidFill>
-                  <a:schemeClr val="lt2"/>
-                </a:solidFill>
-                <a:latin typeface="Rajdhani"/>
-                <a:ea typeface="Rajdhani"/>
-                <a:cs typeface="Rajdhani"/>
-                <a:sym typeface="Rajdhani"/>
-              </a:defRPr>
-            </a:lvl3pPr>
-            <a:lvl4pPr marR="0" lvl="3" algn="ctr" rtl="0">
-              <a:lnSpc>
-                <a:spcPct val="100000"/>
-              </a:lnSpc>
-              <a:spcBef>
-                <a:spcPts val="0"/>
-              </a:spcBef>
-              <a:spcAft>
-                <a:spcPts val="0"/>
-              </a:spcAft>
-              <a:buClr>
-                <a:schemeClr val="lt2"/>
-              </a:buClr>
-              <a:buSzPts val="3000"/>
-              <a:buFont typeface="Rajdhani"/>
-              <a:buNone/>
-              <a:defRPr sz="3000" b="1" i="0" u="none" strike="noStrike" cap="none">
-                <a:solidFill>
-                  <a:schemeClr val="lt2"/>
-                </a:solidFill>
-                <a:latin typeface="Rajdhani"/>
-                <a:ea typeface="Rajdhani"/>
-                <a:cs typeface="Rajdhani"/>
-                <a:sym typeface="Rajdhani"/>
-              </a:defRPr>
-            </a:lvl4pPr>
-            <a:lvl5pPr marR="0" lvl="4" algn="ctr" rtl="0">
-              <a:lnSpc>
-                <a:spcPct val="100000"/>
-              </a:lnSpc>
-              <a:spcBef>
-                <a:spcPts val="0"/>
-              </a:spcBef>
-              <a:spcAft>
-                <a:spcPts val="0"/>
-              </a:spcAft>
-              <a:buClr>
-                <a:schemeClr val="lt2"/>
-              </a:buClr>
-              <a:buSzPts val="3000"/>
-              <a:buFont typeface="Rajdhani"/>
-              <a:buNone/>
-              <a:defRPr sz="3000" b="1" i="0" u="none" strike="noStrike" cap="none">
-                <a:solidFill>
-                  <a:schemeClr val="lt2"/>
-                </a:solidFill>
-                <a:latin typeface="Rajdhani"/>
-                <a:ea typeface="Rajdhani"/>
-                <a:cs typeface="Rajdhani"/>
-                <a:sym typeface="Rajdhani"/>
-              </a:defRPr>
-            </a:lvl5pPr>
-            <a:lvl6pPr marR="0" lvl="5" algn="ctr" rtl="0">
-              <a:lnSpc>
-                <a:spcPct val="100000"/>
-              </a:lnSpc>
-              <a:spcBef>
-                <a:spcPts val="0"/>
-              </a:spcBef>
-              <a:spcAft>
-                <a:spcPts val="0"/>
-              </a:spcAft>
-              <a:buClr>
-                <a:schemeClr val="lt2"/>
-              </a:buClr>
-              <a:buSzPts val="3000"/>
-              <a:buFont typeface="Rajdhani"/>
-              <a:buNone/>
-              <a:defRPr sz="3000" b="1" i="0" u="none" strike="noStrike" cap="none">
-                <a:solidFill>
-                  <a:schemeClr val="lt2"/>
-                </a:solidFill>
-                <a:latin typeface="Rajdhani"/>
-                <a:ea typeface="Rajdhani"/>
-                <a:cs typeface="Rajdhani"/>
-                <a:sym typeface="Rajdhani"/>
-              </a:defRPr>
-            </a:lvl6pPr>
-            <a:lvl7pPr marR="0" lvl="6" algn="ctr" rtl="0">
-              <a:lnSpc>
-                <a:spcPct val="100000"/>
-              </a:lnSpc>
-              <a:spcBef>
-                <a:spcPts val="0"/>
-              </a:spcBef>
-              <a:spcAft>
-                <a:spcPts val="0"/>
-              </a:spcAft>
-              <a:buClr>
-                <a:schemeClr val="lt2"/>
-              </a:buClr>
-              <a:buSzPts val="3000"/>
-              <a:buFont typeface="Rajdhani"/>
-              <a:buNone/>
-              <a:defRPr sz="3000" b="1" i="0" u="none" strike="noStrike" cap="none">
-                <a:solidFill>
-                  <a:schemeClr val="lt2"/>
-                </a:solidFill>
-                <a:latin typeface="Rajdhani"/>
-                <a:ea typeface="Rajdhani"/>
-                <a:cs typeface="Rajdhani"/>
-                <a:sym typeface="Rajdhani"/>
-              </a:defRPr>
-            </a:lvl7pPr>
-            <a:lvl8pPr marR="0" lvl="7" algn="ctr" rtl="0">
-              <a:lnSpc>
-                <a:spcPct val="100000"/>
-              </a:lnSpc>
-              <a:spcBef>
-                <a:spcPts val="0"/>
-              </a:spcBef>
-              <a:spcAft>
-                <a:spcPts val="0"/>
-              </a:spcAft>
-              <a:buClr>
-                <a:schemeClr val="lt2"/>
-              </a:buClr>
-              <a:buSzPts val="3000"/>
-              <a:buFont typeface="Rajdhani"/>
-              <a:buNone/>
-              <a:defRPr sz="3000" b="1" i="0" u="none" strike="noStrike" cap="none">
-                <a:solidFill>
-                  <a:schemeClr val="lt2"/>
-                </a:solidFill>
-                <a:latin typeface="Rajdhani"/>
-                <a:ea typeface="Rajdhani"/>
-                <a:cs typeface="Rajdhani"/>
-                <a:sym typeface="Rajdhani"/>
-              </a:defRPr>
-            </a:lvl8pPr>
-            <a:lvl9pPr marR="0" lvl="8" algn="ctr" rtl="0">
-              <a:lnSpc>
-                <a:spcPct val="100000"/>
-              </a:lnSpc>
-              <a:spcBef>
-                <a:spcPts val="0"/>
-              </a:spcBef>
-              <a:spcAft>
-                <a:spcPts val="0"/>
-              </a:spcAft>
-              <a:buClr>
-                <a:schemeClr val="lt2"/>
-              </a:buClr>
-              <a:buSzPts val="3000"/>
-              <a:buFont typeface="Rajdhani"/>
-              <a:buNone/>
-              <a:defRPr sz="3000" b="1" i="0" u="none" strike="noStrike" cap="none">
-                <a:solidFill>
-                  <a:schemeClr val="lt2"/>
-                </a:solidFill>
-                <a:latin typeface="Rajdhani"/>
-                <a:ea typeface="Rajdhani"/>
-                <a:cs typeface="Rajdhani"/>
-                <a:sym typeface="Rajdhani"/>
-              </a:defRPr>
-            </a:lvl9pPr>
-          </a:lstStyle>
-          <a:p>
-            <a:r>
-              <a:rPr lang="en-GB" dirty="0"/>
+              </a:rPr>
               <a:t>WORKING PLAN</a:t>
             </a:r>
+            <a:endParaRPr/>
           </a:p>
         </p:txBody>
       </p:sp>
@@ -7192,7 +6949,7 @@
 </file>
 
 <file path=ppt/slides/slide6.xml><?xml version="1.0" encoding="utf-8"?>
-<p:sld xmlns:a="http://schemas.openxmlformats.org/drawingml/2006/main" xmlns:r="http://schemas.openxmlformats.org/officeDocument/2006/relationships" xmlns:p="http://schemas.openxmlformats.org/presentationml/2006/main">
+<p:sld xmlns:a="http://schemas.openxmlformats.org/drawingml/2006/main" xmlns:r="http://schemas.openxmlformats.org/officeDocument/2006/relationships" xmlns:mc="http://schemas.openxmlformats.org/markup-compatibility/2006" xmlns:mv="urn:schemas-microsoft-com:mac:vml" xmlns:p="http://schemas.openxmlformats.org/presentationml/2006/main" xmlns:c="http://schemas.openxmlformats.org/drawingml/2006/chart" xmlns:dgm="http://schemas.openxmlformats.org/drawingml/2006/diagram" xmlns:o="urn:schemas-microsoft-com:office:office" xmlns:v="urn:schemas-microsoft-com:vml" xmlns:pvml="urn:schemas-microsoft-com:office:powerpoint" xmlns:com="http://schemas.openxmlformats.org/drawingml/2006/compatibility" xmlns:p14="http://schemas.microsoft.com/office/powerpoint/2010/main" xmlns:p15="http://schemas.microsoft.com/office/powerpoint/2012/main" xmlns:ahyp="http://schemas.microsoft.com/office/drawing/2018/hyperlinkcolor">
   <p:cSld>
     <p:bg>
       <p:bgPr>
@@ -7204,12 +6961,11 @@
             <a:fillRect/>
           </a:stretch>
         </a:blipFill>
-        <a:effectLst/>
       </p:bgPr>
     </p:bg>
     <p:spTree>
       <p:nvGrpSpPr>
-        <p:cNvPr id="1" name="Shape 747"/>
+        <p:cNvPr id="69" name="Shape 69"/>
         <p:cNvGrpSpPr/>
         <p:nvPr/>
       </p:nvGrpSpPr>
@@ -7223,10 +6979,8 @@
       </p:grpSpPr>
       <p:sp>
         <p:nvSpPr>
-          <p:cNvPr id="748" name="Google Shape;748;p37"/>
-          <p:cNvSpPr txBox="1">
-            <a:spLocks noGrp="1"/>
-          </p:cNvSpPr>
+          <p:cNvPr id="70" name="Google Shape;70;p6"/>
+          <p:cNvSpPr txBox="1"/>
           <p:nvPr>
             <p:ph type="title"/>
           </p:nvPr>
@@ -7239,27 +6993,35 @@
           <a:prstGeom prst="rect">
             <a:avLst/>
           </a:prstGeom>
+          <a:noFill/>
+          <a:ln>
+            <a:noFill/>
+          </a:ln>
         </p:spPr>
         <p:txBody>
-          <a:bodyPr spcFirstLastPara="1" wrap="square" lIns="91425" tIns="91425" rIns="91425" bIns="91425" anchor="ctr" anchorCtr="0">
+          <a:bodyPr anchorCtr="0" anchor="ctr" bIns="91425" lIns="91425" spcFirstLastPara="1" rIns="91425" wrap="square" tIns="91425">
             <a:noAutofit/>
           </a:bodyPr>
           <a:lstStyle/>
           <a:p>
-            <a:pPr marL="0" lvl="0" indent="0" algn="ctr" rtl="0">
-              <a:spcBef>
-                <a:spcPts val="0"/>
-              </a:spcBef>
-              <a:spcAft>
-                <a:spcPts val="0"/>
-              </a:spcAft>
+            <a:pPr indent="0" lvl="0" marL="0" rtl="0" algn="ctr">
+              <a:lnSpc>
+                <a:spcPct val="100000"/>
+              </a:lnSpc>
+              <a:spcBef>
+                <a:spcPts val="0"/>
+              </a:spcBef>
+              <a:spcAft>
+                <a:spcPts val="0"/>
+              </a:spcAft>
+              <a:buSzPts val="4800"/>
               <a:buNone/>
             </a:pPr>
             <a:r>
-              <a:rPr lang="en" dirty="0"/>
+              <a:rPr lang="en-GB"/>
               <a:t>THANK YOU</a:t>
             </a:r>
-            <a:endParaRPr dirty="0"/>
+            <a:endParaRPr/>
           </a:p>
         </p:txBody>
       </p:sp>
@@ -7272,7 +7034,286 @@
 </file>
 
 <file path=ppt/theme/theme1.xml><?xml version="1.0" encoding="utf-8"?>
-<a:theme xmlns:a="http://schemas.openxmlformats.org/drawingml/2006/main" name="Ai Tech Agency by Slidesgo">
+<a:theme xmlns:a="http://schemas.openxmlformats.org/drawingml/2006/main" xmlns:r="http://schemas.openxmlformats.org/officeDocument/2006/relationships">
+  <a:themeElements>
+    <a:clrScheme name="Default">
+      <a:dk1>
+        <a:srgbClr val="000000"/>
+      </a:dk1>
+      <a:lt1>
+        <a:srgbClr val="FFFFFF"/>
+      </a:lt1>
+      <a:dk2>
+        <a:srgbClr val="158158"/>
+      </a:dk2>
+      <a:lt2>
+        <a:srgbClr val="F3F3F3"/>
+      </a:lt2>
+      <a:accent1>
+        <a:srgbClr val="058DC7"/>
+      </a:accent1>
+      <a:accent2>
+        <a:srgbClr val="50B432"/>
+      </a:accent2>
+      <a:accent3>
+        <a:srgbClr val="ED561B"/>
+      </a:accent3>
+      <a:accent4>
+        <a:srgbClr val="EDEF00"/>
+      </a:accent4>
+      <a:accent5>
+        <a:srgbClr val="24CBE5"/>
+      </a:accent5>
+      <a:accent6>
+        <a:srgbClr val="64E572"/>
+      </a:accent6>
+      <a:hlink>
+        <a:srgbClr val="2200CC"/>
+      </a:hlink>
+      <a:folHlink>
+        <a:srgbClr val="551A8B"/>
+      </a:folHlink>
+    </a:clrScheme>
+    <a:fontScheme name="Office">
+      <a:majorFont>
+        <a:latin typeface="Arial"/>
+        <a:ea typeface=""/>
+        <a:cs typeface=""/>
+        <a:font script="Jpan" typeface="ＭＳ Ｐゴシック"/>
+        <a:font script="Hang" typeface="맑은 고딕"/>
+        <a:font script="Hans" typeface="宋体"/>
+        <a:font script="Hant" typeface="新細明體"/>
+        <a:font script="Arab" typeface="Times New Roman"/>
+        <a:font script="Hebr" typeface="Times New Roman"/>
+        <a:font script="Thai" typeface="Angsana New"/>
+        <a:font script="Ethi" typeface="Nyala"/>
+        <a:font script="Beng" typeface="Vrinda"/>
+        <a:font script="Gujr" typeface="Shruti"/>
+        <a:font script="Khmr" typeface="MoolBoran"/>
+        <a:font script="Knda" typeface="Tunga"/>
+        <a:font script="Guru" typeface="Raavi"/>
+        <a:font script="Cans" typeface="Euphemia"/>
+        <a:font script="Cher" typeface="Plantagenet Cherokee"/>
+        <a:font script="Yiii" typeface="Microsoft Yi Baiti"/>
+        <a:font script="Tibt" typeface="Microsoft Himalaya"/>
+        <a:font script="Thaa" typeface="MV Boli"/>
+        <a:font script="Deva" typeface="Mangal"/>
+        <a:font script="Telu" typeface="Gautami"/>
+        <a:font script="Taml" typeface="Latha"/>
+        <a:font script="Syrc" typeface="Estrangelo Edessa"/>
+        <a:font script="Orya" typeface="Kalinga"/>
+        <a:font script="Mlym" typeface="Kartika"/>
+        <a:font script="Laoo" typeface="DokChampa"/>
+        <a:font script="Sinh" typeface="Iskoola Pota"/>
+        <a:font script="Mong" typeface="Mongolian Baiti"/>
+        <a:font script="Viet" typeface="Times New Roman"/>
+        <a:font script="Uigh" typeface="Microsoft Uighur"/>
+        <a:font script="Geor" typeface="Sylfaen"/>
+      </a:majorFont>
+      <a:minorFont>
+        <a:latin typeface="Arial"/>
+        <a:ea typeface=""/>
+        <a:cs typeface=""/>
+        <a:font script="Jpan" typeface="ＭＳ Ｐゴシック"/>
+        <a:font script="Hang" typeface="맑은 고딕"/>
+        <a:font script="Hans" typeface="宋体"/>
+        <a:font script="Hant" typeface="新細明體"/>
+        <a:font script="Arab" typeface="Arial"/>
+        <a:font script="Hebr" typeface="Arial"/>
+        <a:font script="Thai" typeface="Cordia New"/>
+        <a:font script="Ethi" typeface="Nyala"/>
+        <a:font script="Beng" typeface="Vrinda"/>
+        <a:font script="Gujr" typeface="Shruti"/>
+        <a:font script="Khmr" typeface="DaunPenh"/>
+        <a:font script="Knda" typeface="Tunga"/>
+        <a:font script="Guru" typeface="Raavi"/>
+        <a:font script="Cans" typeface="Euphemia"/>
+        <a:font script="Cher" typeface="Plantagenet Cherokee"/>
+        <a:font script="Yiii" typeface="Microsoft Yi Baiti"/>
+        <a:font script="Tibt" typeface="Microsoft Himalaya"/>
+        <a:font script="Thaa" typeface="MV Boli"/>
+        <a:font script="Deva" typeface="Mangal"/>
+        <a:font script="Telu" typeface="Gautami"/>
+        <a:font script="Taml" typeface="Latha"/>
+        <a:font script="Syrc" typeface="Estrangelo Edessa"/>
+        <a:font script="Orya" typeface="Kalinga"/>
+        <a:font script="Mlym" typeface="Kartika"/>
+        <a:font script="Laoo" typeface="DokChampa"/>
+        <a:font script="Sinh" typeface="Iskoola Pota"/>
+        <a:font script="Mong" typeface="Mongolian Baiti"/>
+        <a:font script="Viet" typeface="Arial"/>
+        <a:font script="Uigh" typeface="Microsoft Uighur"/>
+        <a:font script="Geor" typeface="Sylfaen"/>
+      </a:minorFont>
+    </a:fontScheme>
+    <a:fmtScheme name="Office">
+      <a:fillStyleLst>
+        <a:solidFill>
+          <a:schemeClr val="phClr"/>
+        </a:solidFill>
+        <a:gradFill rotWithShape="1">
+          <a:gsLst>
+            <a:gs pos="0">
+              <a:schemeClr val="phClr">
+                <a:tint val="50000"/>
+                <a:satMod val="300000"/>
+              </a:schemeClr>
+            </a:gs>
+            <a:gs pos="35000">
+              <a:schemeClr val="phClr">
+                <a:tint val="37000"/>
+                <a:satMod val="300000"/>
+              </a:schemeClr>
+            </a:gs>
+            <a:gs pos="100000">
+              <a:schemeClr val="phClr">
+                <a:tint val="15000"/>
+                <a:satMod val="350000"/>
+              </a:schemeClr>
+            </a:gs>
+          </a:gsLst>
+          <a:lin ang="16200000" scaled="1"/>
+        </a:gradFill>
+        <a:gradFill rotWithShape="1">
+          <a:gsLst>
+            <a:gs pos="0">
+              <a:schemeClr val="phClr">
+                <a:tint val="100000"/>
+                <a:shade val="100000"/>
+                <a:satMod val="130000"/>
+              </a:schemeClr>
+            </a:gs>
+            <a:gs pos="100000">
+              <a:schemeClr val="phClr">
+                <a:tint val="50000"/>
+                <a:shade val="100000"/>
+                <a:satMod val="350000"/>
+              </a:schemeClr>
+            </a:gs>
+          </a:gsLst>
+          <a:lin ang="16200000" scaled="0"/>
+        </a:gradFill>
+      </a:fillStyleLst>
+      <a:lnStyleLst>
+        <a:ln w="9525" cap="flat" cmpd="sng" algn="ctr">
+          <a:solidFill>
+            <a:schemeClr val="phClr">
+              <a:shade val="95000"/>
+              <a:satMod val="105000"/>
+            </a:schemeClr>
+          </a:solidFill>
+          <a:prstDash val="solid"/>
+        </a:ln>
+        <a:ln w="25400" cap="flat" cmpd="sng" algn="ctr">
+          <a:solidFill>
+            <a:schemeClr val="phClr"/>
+          </a:solidFill>
+          <a:prstDash val="solid"/>
+        </a:ln>
+        <a:ln w="38100" cap="flat" cmpd="sng" algn="ctr">
+          <a:solidFill>
+            <a:schemeClr val="phClr"/>
+          </a:solidFill>
+          <a:prstDash val="solid"/>
+        </a:ln>
+      </a:lnStyleLst>
+      <a:effectStyleLst>
+        <a:effectStyle>
+          <a:effectLst>
+            <a:outerShdw blurRad="40000" dist="20000" dir="5400000" rotWithShape="0">
+              <a:srgbClr val="000000">
+                <a:alpha val="38000"/>
+              </a:srgbClr>
+            </a:outerShdw>
+          </a:effectLst>
+        </a:effectStyle>
+        <a:effectStyle>
+          <a:effectLst>
+            <a:outerShdw blurRad="40000" dist="23000" dir="5400000" rotWithShape="0">
+              <a:srgbClr val="000000">
+                <a:alpha val="35000"/>
+              </a:srgbClr>
+            </a:outerShdw>
+          </a:effectLst>
+        </a:effectStyle>
+        <a:effectStyle>
+          <a:effectLst>
+            <a:outerShdw blurRad="40000" dist="23000" dir="5400000" rotWithShape="0">
+              <a:srgbClr val="000000">
+                <a:alpha val="35000"/>
+              </a:srgbClr>
+            </a:outerShdw>
+          </a:effectLst>
+          <a:scene3d>
+            <a:camera prst="orthographicFront">
+              <a:rot lat="0" lon="0" rev="0"/>
+            </a:camera>
+            <a:lightRig rig="threePt" dir="t">
+              <a:rot lat="0" lon="0" rev="1200000"/>
+            </a:lightRig>
+          </a:scene3d>
+          <a:sp3d>
+            <a:bevelT w="63500" h="25400"/>
+          </a:sp3d>
+        </a:effectStyle>
+      </a:effectStyleLst>
+      <a:bgFillStyleLst>
+        <a:solidFill>
+          <a:schemeClr val="phClr"/>
+        </a:solidFill>
+        <a:gradFill rotWithShape="1">
+          <a:gsLst>
+            <a:gs pos="0">
+              <a:schemeClr val="phClr">
+                <a:tint val="40000"/>
+                <a:satMod val="350000"/>
+              </a:schemeClr>
+            </a:gs>
+            <a:gs pos="40000">
+              <a:schemeClr val="phClr">
+                <a:tint val="45000"/>
+                <a:shade val="99000"/>
+                <a:satMod val="350000"/>
+              </a:schemeClr>
+            </a:gs>
+            <a:gs pos="100000">
+              <a:schemeClr val="phClr">
+                <a:shade val="20000"/>
+                <a:satMod val="255000"/>
+              </a:schemeClr>
+            </a:gs>
+          </a:gsLst>
+          <a:path path="circle">
+            <a:fillToRect l="50000" t="-80000" r="50000" b="180000"/>
+          </a:path>
+        </a:gradFill>
+        <a:gradFill rotWithShape="1">
+          <a:gsLst>
+            <a:gs pos="0">
+              <a:schemeClr val="phClr">
+                <a:tint val="80000"/>
+                <a:satMod val="300000"/>
+              </a:schemeClr>
+            </a:gs>
+            <a:gs pos="100000">
+              <a:schemeClr val="phClr">
+                <a:shade val="30000"/>
+                <a:satMod val="200000"/>
+              </a:schemeClr>
+            </a:gs>
+          </a:gsLst>
+          <a:path path="circle">
+            <a:fillToRect l="50000" t="50000" r="50000" b="50000"/>
+          </a:path>
+        </a:gradFill>
+      </a:bgFillStyleLst>
+    </a:fmtScheme>
+  </a:themeElements>
+</a:theme>
+</file>
+
+<file path=ppt/theme/theme2.xml><?xml version="1.0" encoding="utf-8"?>
+<a:theme xmlns:a="http://schemas.openxmlformats.org/drawingml/2006/main" xmlns:r="http://schemas.openxmlformats.org/officeDocument/2006/relationships" name="Ai Tech Agency by Slidesgo">
   <a:themeElements>
     <a:clrScheme name="Simple Light">
       <a:dk1>
@@ -7547,288 +7588,5 @@
       </a:bgFillStyleLst>
     </a:fmtScheme>
   </a:themeElements>
-  <a:objectDefaults/>
-  <a:extraClrSchemeLst/>
-</a:theme>
-</file>
-
-<file path=ppt/theme/theme2.xml><?xml version="1.0" encoding="utf-8"?>
-<a:theme xmlns:a="http://schemas.openxmlformats.org/drawingml/2006/main">
-  <a:themeElements>
-    <a:clrScheme name="Default">
-      <a:dk1>
-        <a:srgbClr val="000000"/>
-      </a:dk1>
-      <a:lt1>
-        <a:srgbClr val="FFFFFF"/>
-      </a:lt1>
-      <a:dk2>
-        <a:srgbClr val="158158"/>
-      </a:dk2>
-      <a:lt2>
-        <a:srgbClr val="F3F3F3"/>
-      </a:lt2>
-      <a:accent1>
-        <a:srgbClr val="058DC7"/>
-      </a:accent1>
-      <a:accent2>
-        <a:srgbClr val="50B432"/>
-      </a:accent2>
-      <a:accent3>
-        <a:srgbClr val="ED561B"/>
-      </a:accent3>
-      <a:accent4>
-        <a:srgbClr val="EDEF00"/>
-      </a:accent4>
-      <a:accent5>
-        <a:srgbClr val="24CBE5"/>
-      </a:accent5>
-      <a:accent6>
-        <a:srgbClr val="64E572"/>
-      </a:accent6>
-      <a:hlink>
-        <a:srgbClr val="2200CC"/>
-      </a:hlink>
-      <a:folHlink>
-        <a:srgbClr val="551A8B"/>
-      </a:folHlink>
-    </a:clrScheme>
-    <a:fontScheme name="Office">
-      <a:majorFont>
-        <a:latin typeface="Arial"/>
-        <a:ea typeface=""/>
-        <a:cs typeface=""/>
-        <a:font script="Jpan" typeface="ＭＳ Ｐゴシック"/>
-        <a:font script="Hang" typeface="맑은 고딕"/>
-        <a:font script="Hans" typeface="宋体"/>
-        <a:font script="Hant" typeface="新細明體"/>
-        <a:font script="Arab" typeface="Times New Roman"/>
-        <a:font script="Hebr" typeface="Times New Roman"/>
-        <a:font script="Thai" typeface="Angsana New"/>
-        <a:font script="Ethi" typeface="Nyala"/>
-        <a:font script="Beng" typeface="Vrinda"/>
-        <a:font script="Gujr" typeface="Shruti"/>
-        <a:font script="Khmr" typeface="MoolBoran"/>
-        <a:font script="Knda" typeface="Tunga"/>
-        <a:font script="Guru" typeface="Raavi"/>
-        <a:font script="Cans" typeface="Euphemia"/>
-        <a:font script="Cher" typeface="Plantagenet Cherokee"/>
-        <a:font script="Yiii" typeface="Microsoft Yi Baiti"/>
-        <a:font script="Tibt" typeface="Microsoft Himalaya"/>
-        <a:font script="Thaa" typeface="MV Boli"/>
-        <a:font script="Deva" typeface="Mangal"/>
-        <a:font script="Telu" typeface="Gautami"/>
-        <a:font script="Taml" typeface="Latha"/>
-        <a:font script="Syrc" typeface="Estrangelo Edessa"/>
-        <a:font script="Orya" typeface="Kalinga"/>
-        <a:font script="Mlym" typeface="Kartika"/>
-        <a:font script="Laoo" typeface="DokChampa"/>
-        <a:font script="Sinh" typeface="Iskoola Pota"/>
-        <a:font script="Mong" typeface="Mongolian Baiti"/>
-        <a:font script="Viet" typeface="Times New Roman"/>
-        <a:font script="Uigh" typeface="Microsoft Uighur"/>
-        <a:font script="Geor" typeface="Sylfaen"/>
-      </a:majorFont>
-      <a:minorFont>
-        <a:latin typeface="Arial"/>
-        <a:ea typeface=""/>
-        <a:cs typeface=""/>
-        <a:font script="Jpan" typeface="ＭＳ Ｐゴシック"/>
-        <a:font script="Hang" typeface="맑은 고딕"/>
-        <a:font script="Hans" typeface="宋体"/>
-        <a:font script="Hant" typeface="新細明體"/>
-        <a:font script="Arab" typeface="Arial"/>
-        <a:font script="Hebr" typeface="Arial"/>
-        <a:font script="Thai" typeface="Cordia New"/>
-        <a:font script="Ethi" typeface="Nyala"/>
-        <a:font script="Beng" typeface="Vrinda"/>
-        <a:font script="Gujr" typeface="Shruti"/>
-        <a:font script="Khmr" typeface="DaunPenh"/>
-        <a:font script="Knda" typeface="Tunga"/>
-        <a:font script="Guru" typeface="Raavi"/>
-        <a:font script="Cans" typeface="Euphemia"/>
-        <a:font script="Cher" typeface="Plantagenet Cherokee"/>
-        <a:font script="Yiii" typeface="Microsoft Yi Baiti"/>
-        <a:font script="Tibt" typeface="Microsoft Himalaya"/>
-        <a:font script="Thaa" typeface="MV Boli"/>
-        <a:font script="Deva" typeface="Mangal"/>
-        <a:font script="Telu" typeface="Gautami"/>
-        <a:font script="Taml" typeface="Latha"/>
-        <a:font script="Syrc" typeface="Estrangelo Edessa"/>
-        <a:font script="Orya" typeface="Kalinga"/>
-        <a:font script="Mlym" typeface="Kartika"/>
-        <a:font script="Laoo" typeface="DokChampa"/>
-        <a:font script="Sinh" typeface="Iskoola Pota"/>
-        <a:font script="Mong" typeface="Mongolian Baiti"/>
-        <a:font script="Viet" typeface="Arial"/>
-        <a:font script="Uigh" typeface="Microsoft Uighur"/>
-        <a:font script="Geor" typeface="Sylfaen"/>
-      </a:minorFont>
-    </a:fontScheme>
-    <a:fmtScheme name="Office">
-      <a:fillStyleLst>
-        <a:solidFill>
-          <a:schemeClr val="phClr"/>
-        </a:solidFill>
-        <a:gradFill rotWithShape="1">
-          <a:gsLst>
-            <a:gs pos="0">
-              <a:schemeClr val="phClr">
-                <a:tint val="50000"/>
-                <a:satMod val="300000"/>
-              </a:schemeClr>
-            </a:gs>
-            <a:gs pos="35000">
-              <a:schemeClr val="phClr">
-                <a:tint val="37000"/>
-                <a:satMod val="300000"/>
-              </a:schemeClr>
-            </a:gs>
-            <a:gs pos="100000">
-              <a:schemeClr val="phClr">
-                <a:tint val="15000"/>
-                <a:satMod val="350000"/>
-              </a:schemeClr>
-            </a:gs>
-          </a:gsLst>
-          <a:lin ang="16200000" scaled="1"/>
-        </a:gradFill>
-        <a:gradFill rotWithShape="1">
-          <a:gsLst>
-            <a:gs pos="0">
-              <a:schemeClr val="phClr">
-                <a:tint val="100000"/>
-                <a:shade val="100000"/>
-                <a:satMod val="130000"/>
-              </a:schemeClr>
-            </a:gs>
-            <a:gs pos="100000">
-              <a:schemeClr val="phClr">
-                <a:tint val="50000"/>
-                <a:shade val="100000"/>
-                <a:satMod val="350000"/>
-              </a:schemeClr>
-            </a:gs>
-          </a:gsLst>
-          <a:lin ang="16200000" scaled="0"/>
-        </a:gradFill>
-      </a:fillStyleLst>
-      <a:lnStyleLst>
-        <a:ln w="9525" cap="flat" cmpd="sng" algn="ctr">
-          <a:solidFill>
-            <a:schemeClr val="phClr">
-              <a:shade val="95000"/>
-              <a:satMod val="105000"/>
-            </a:schemeClr>
-          </a:solidFill>
-          <a:prstDash val="solid"/>
-        </a:ln>
-        <a:ln w="25400" cap="flat" cmpd="sng" algn="ctr">
-          <a:solidFill>
-            <a:schemeClr val="phClr"/>
-          </a:solidFill>
-          <a:prstDash val="solid"/>
-        </a:ln>
-        <a:ln w="38100" cap="flat" cmpd="sng" algn="ctr">
-          <a:solidFill>
-            <a:schemeClr val="phClr"/>
-          </a:solidFill>
-          <a:prstDash val="solid"/>
-        </a:ln>
-      </a:lnStyleLst>
-      <a:effectStyleLst>
-        <a:effectStyle>
-          <a:effectLst>
-            <a:outerShdw blurRad="40000" dist="20000" dir="5400000" rotWithShape="0">
-              <a:srgbClr val="000000">
-                <a:alpha val="38000"/>
-              </a:srgbClr>
-            </a:outerShdw>
-          </a:effectLst>
-        </a:effectStyle>
-        <a:effectStyle>
-          <a:effectLst>
-            <a:outerShdw blurRad="40000" dist="23000" dir="5400000" rotWithShape="0">
-              <a:srgbClr val="000000">
-                <a:alpha val="35000"/>
-              </a:srgbClr>
-            </a:outerShdw>
-          </a:effectLst>
-        </a:effectStyle>
-        <a:effectStyle>
-          <a:effectLst>
-            <a:outerShdw blurRad="40000" dist="23000" dir="5400000" rotWithShape="0">
-              <a:srgbClr val="000000">
-                <a:alpha val="35000"/>
-              </a:srgbClr>
-            </a:outerShdw>
-          </a:effectLst>
-          <a:scene3d>
-            <a:camera prst="orthographicFront">
-              <a:rot lat="0" lon="0" rev="0"/>
-            </a:camera>
-            <a:lightRig rig="threePt" dir="t">
-              <a:rot lat="0" lon="0" rev="1200000"/>
-            </a:lightRig>
-          </a:scene3d>
-          <a:sp3d>
-            <a:bevelT w="63500" h="25400"/>
-          </a:sp3d>
-        </a:effectStyle>
-      </a:effectStyleLst>
-      <a:bgFillStyleLst>
-        <a:solidFill>
-          <a:schemeClr val="phClr"/>
-        </a:solidFill>
-        <a:gradFill rotWithShape="1">
-          <a:gsLst>
-            <a:gs pos="0">
-              <a:schemeClr val="phClr">
-                <a:tint val="40000"/>
-                <a:satMod val="350000"/>
-              </a:schemeClr>
-            </a:gs>
-            <a:gs pos="40000">
-              <a:schemeClr val="phClr">
-                <a:tint val="45000"/>
-                <a:shade val="99000"/>
-                <a:satMod val="350000"/>
-              </a:schemeClr>
-            </a:gs>
-            <a:gs pos="100000">
-              <a:schemeClr val="phClr">
-                <a:shade val="20000"/>
-                <a:satMod val="255000"/>
-              </a:schemeClr>
-            </a:gs>
-          </a:gsLst>
-          <a:path path="circle">
-            <a:fillToRect l="50000" t="-80000" r="50000" b="180000"/>
-          </a:path>
-        </a:gradFill>
-        <a:gradFill rotWithShape="1">
-          <a:gsLst>
-            <a:gs pos="0">
-              <a:schemeClr val="phClr">
-                <a:tint val="80000"/>
-                <a:satMod val="300000"/>
-              </a:schemeClr>
-            </a:gs>
-            <a:gs pos="100000">
-              <a:schemeClr val="phClr">
-                <a:shade val="30000"/>
-                <a:satMod val="200000"/>
-              </a:schemeClr>
-            </a:gs>
-          </a:gsLst>
-          <a:path path="circle">
-            <a:fillToRect l="50000" t="50000" r="50000" b="50000"/>
-          </a:path>
-        </a:gradFill>
-      </a:bgFillStyleLst>
-    </a:fmtScheme>
-  </a:themeElements>
-  <a:objectDefaults/>
-  <a:extraClrSchemeLst/>
 </a:theme>
 </file>